--- a/Slides/Common Slides for CS 5010.pptx
+++ b/Slides/Common Slides for CS 5010.pptx
@@ -241,7 +241,7 @@
           <a:p>
             <a:fld id="{03B24962-D7B5-4FEA-ABE9-8C89DFE85AA1}" type="datetimeFigureOut">
               <a:rPr lang="en-US" smtClean="0"/>
-              <a:t>8/3/2015</a:t>
+              <a:t>8/4/2015</a:t>
             </a:fld>
             <a:endParaRPr lang="en-US"/>
           </a:p>
@@ -1854,6 +1854,18 @@
             <a:ext cx="7772400" cy="1470025"/>
           </a:xfrm>
         </p:spPr>
+        <p:style>
+          <a:lnRef idx="2">
+            <a:schemeClr val="accent1"/>
+          </a:lnRef>
+          <a:fillRef idx="1">
+            <a:schemeClr val="lt1"/>
+          </a:fillRef>
+          <a:effectRef idx="0">
+            <a:schemeClr val="accent1"/>
+          </a:effectRef>
+          <a:fontRef idx="none"/>
+        </p:style>
         <p:txBody>
           <a:bodyPr/>
           <a:lstStyle/>
@@ -2002,7 +2014,7 @@
           <a:p>
             <a:fld id="{2F1F79F5-7BEC-496A-AFC7-876E38F64D71}" type="datetime1">
               <a:rPr lang="en-US" smtClean="0"/>
-              <a:t>8/3/2015</a:t>
+              <a:t>8/4/2015</a:t>
             </a:fld>
             <a:endParaRPr lang="en-US"/>
           </a:p>
@@ -2104,7 +2116,7 @@
           <a:p>
             <a:fld id="{0A05703A-7669-4FEA-9056-25299B4D29D4}" type="datetime1">
               <a:rPr lang="en-US" smtClean="0"/>
-              <a:t>8/3/2015</a:t>
+              <a:t>8/4/2015</a:t>
             </a:fld>
             <a:endParaRPr lang="en-US"/>
           </a:p>
@@ -2381,7 +2393,7 @@
           <a:p>
             <a:fld id="{6E5077B5-BB57-49DB-88CA-226A139E5C01}" type="datetime1">
               <a:rPr lang="en-US" smtClean="0"/>
-              <a:t>8/3/2015</a:t>
+              <a:t>8/4/2015</a:t>
             </a:fld>
             <a:endParaRPr lang="en-US"/>
           </a:p>
@@ -2634,7 +2646,7 @@
           <a:p>
             <a:fld id="{C48D9447-CBD6-49A1-89FD-8512A8CF8999}" type="datetime1">
               <a:rPr lang="en-US" smtClean="0"/>
-              <a:t>8/3/2015</a:t>
+              <a:t>8/4/2015</a:t>
             </a:fld>
             <a:endParaRPr lang="en-US"/>
           </a:p>
@@ -2804,7 +2816,7 @@
           <a:p>
             <a:fld id="{A3639A2A-823D-48B7-9ACE-7FAF42870BA9}" type="datetime1">
               <a:rPr lang="en-US" smtClean="0"/>
-              <a:t>8/3/2015</a:t>
+              <a:t>8/4/2015</a:t>
             </a:fld>
             <a:endParaRPr lang="en-US"/>
           </a:p>
@@ -2984,7 +2996,7 @@
           <a:p>
             <a:fld id="{ED1B6996-82E9-463C-972C-7B56056E426C}" type="datetime1">
               <a:rPr lang="en-US" smtClean="0"/>
-              <a:t>8/3/2015</a:t>
+              <a:t>8/4/2015</a:t>
             </a:fld>
             <a:endParaRPr lang="en-US"/>
           </a:p>
@@ -3160,7 +3172,7 @@
           <a:p>
             <a:fld id="{E22ED4DA-448D-4BB1-B935-CC112220207B}" type="datetime1">
               <a:rPr lang="en-US" smtClean="0"/>
-              <a:t>8/3/2015</a:t>
+              <a:t>8/4/2015</a:t>
             </a:fld>
             <a:endParaRPr lang="en-US"/>
           </a:p>
@@ -3342,7 +3354,7 @@
           <a:p>
             <a:fld id="{E22ED4DA-448D-4BB1-B935-CC112220207B}" type="datetime1">
               <a:rPr lang="en-US" smtClean="0"/>
-              <a:t>8/3/2015</a:t>
+              <a:t>8/4/2015</a:t>
             </a:fld>
             <a:endParaRPr lang="en-US"/>
           </a:p>
@@ -3549,8 +3561,14 @@
           <a:bodyPr/>
           <a:lstStyle>
             <a:lvl1pPr marL="0" indent="0">
+              <a:lnSpc>
+                <a:spcPct val="100000"/>
+              </a:lnSpc>
+              <a:spcBef>
+                <a:spcPts val="0"/>
+              </a:spcBef>
               <a:buNone/>
-              <a:defRPr b="1">
+              <a:defRPr sz="2000" b="1">
                 <a:latin typeface="Consolas" pitchFamily="49" charset="0"/>
                 <a:cs typeface="Consolas" pitchFamily="49" charset="0"/>
               </a:defRPr>
@@ -3611,7 +3629,7 @@
           <a:p>
             <a:fld id="{FF5D65A6-AB94-4435-B0B7-3743215FA46C}" type="datetime1">
               <a:rPr lang="en-US" smtClean="0"/>
-              <a:t>8/3/2015</a:t>
+              <a:t>8/4/2015</a:t>
             </a:fld>
             <a:endParaRPr lang="en-US"/>
           </a:p>
@@ -3796,7 +3814,7 @@
           <a:p>
             <a:fld id="{FF5D65A6-AB94-4435-B0B7-3743215FA46C}" type="datetime1">
               <a:rPr lang="en-US" smtClean="0"/>
-              <a:t>8/3/2015</a:t>
+              <a:t>8/4/2015</a:t>
             </a:fld>
             <a:endParaRPr lang="en-US"/>
           </a:p>
@@ -4098,7 +4116,7 @@
           <a:p>
             <a:fld id="{7C193DC4-6EF0-48C9-B29C-616106A645E1}" type="datetime1">
               <a:rPr lang="en-US" smtClean="0"/>
-              <a:t>8/3/2015</a:t>
+              <a:t>8/4/2015</a:t>
             </a:fld>
             <a:endParaRPr lang="en-US"/>
           </a:p>
@@ -4386,7 +4404,7 @@
           <a:p>
             <a:fld id="{5D1846AD-9252-4647-9435-4C2AC365653A}" type="datetime1">
               <a:rPr lang="en-US" smtClean="0"/>
-              <a:t>8/3/2015</a:t>
+              <a:t>8/4/2015</a:t>
             </a:fld>
             <a:endParaRPr lang="en-US"/>
           </a:p>
@@ -4808,7 +4826,7 @@
           <a:p>
             <a:fld id="{CE56DC10-3561-4063-A6AF-C1CC7A41040A}" type="datetime1">
               <a:rPr lang="en-US" smtClean="0"/>
-              <a:t>8/3/2015</a:t>
+              <a:t>8/4/2015</a:t>
             </a:fld>
             <a:endParaRPr lang="en-US"/>
           </a:p>
@@ -4926,7 +4944,7 @@
           <a:p>
             <a:fld id="{2F7B77F5-1464-4F6B-92A8-64FC8A508293}" type="datetime1">
               <a:rPr lang="en-US" smtClean="0"/>
-              <a:t>8/3/2015</a:t>
+              <a:t>8/4/2015</a:t>
             </a:fld>
             <a:endParaRPr lang="en-US"/>
           </a:p>
@@ -5146,7 +5164,7 @@
           <a:p>
             <a:fld id="{02B3F677-983B-48DB-ADFD-63FE6CBC7FB2}" type="datetime1">
               <a:rPr lang="en-US" smtClean="0"/>
-              <a:t>8/3/2015</a:t>
+              <a:t>8/4/2015</a:t>
             </a:fld>
             <a:endParaRPr lang="en-US"/>
           </a:p>

--- a/Slides/Common Slides for CS 5010.pptx
+++ b/Slides/Common Slides for CS 5010.pptx
@@ -241,7 +241,7 @@
           <a:p>
             <a:fld id="{03B24962-D7B5-4FEA-ABE9-8C89DFE85AA1}" type="datetimeFigureOut">
               <a:rPr lang="en-US" smtClean="0"/>
-              <a:t>8/4/2015</a:t>
+              <a:t>8/5/2015</a:t>
             </a:fld>
             <a:endParaRPr lang="en-US"/>
           </a:p>
@@ -1854,18 +1854,6 @@
             <a:ext cx="7772400" cy="1470025"/>
           </a:xfrm>
         </p:spPr>
-        <p:style>
-          <a:lnRef idx="2">
-            <a:schemeClr val="accent1"/>
-          </a:lnRef>
-          <a:fillRef idx="1">
-            <a:schemeClr val="lt1"/>
-          </a:fillRef>
-          <a:effectRef idx="0">
-            <a:schemeClr val="accent1"/>
-          </a:effectRef>
-          <a:fontRef idx="none"/>
-        </p:style>
         <p:txBody>
           <a:bodyPr/>
           <a:lstStyle/>
@@ -2014,7 +2002,7 @@
           <a:p>
             <a:fld id="{2F1F79F5-7BEC-496A-AFC7-876E38F64D71}" type="datetime1">
               <a:rPr lang="en-US" smtClean="0"/>
-              <a:t>8/4/2015</a:t>
+              <a:t>8/5/2015</a:t>
             </a:fld>
             <a:endParaRPr lang="en-US"/>
           </a:p>
@@ -2116,7 +2104,7 @@
           <a:p>
             <a:fld id="{0A05703A-7669-4FEA-9056-25299B4D29D4}" type="datetime1">
               <a:rPr lang="en-US" smtClean="0"/>
-              <a:t>8/4/2015</a:t>
+              <a:t>8/5/2015</a:t>
             </a:fld>
             <a:endParaRPr lang="en-US"/>
           </a:p>
@@ -2393,7 +2381,7 @@
           <a:p>
             <a:fld id="{6E5077B5-BB57-49DB-88CA-226A139E5C01}" type="datetime1">
               <a:rPr lang="en-US" smtClean="0"/>
-              <a:t>8/4/2015</a:t>
+              <a:t>8/5/2015</a:t>
             </a:fld>
             <a:endParaRPr lang="en-US"/>
           </a:p>
@@ -2646,7 +2634,7 @@
           <a:p>
             <a:fld id="{C48D9447-CBD6-49A1-89FD-8512A8CF8999}" type="datetime1">
               <a:rPr lang="en-US" smtClean="0"/>
-              <a:t>8/4/2015</a:t>
+              <a:t>8/5/2015</a:t>
             </a:fld>
             <a:endParaRPr lang="en-US"/>
           </a:p>
@@ -2816,7 +2804,7 @@
           <a:p>
             <a:fld id="{A3639A2A-823D-48B7-9ACE-7FAF42870BA9}" type="datetime1">
               <a:rPr lang="en-US" smtClean="0"/>
-              <a:t>8/4/2015</a:t>
+              <a:t>8/5/2015</a:t>
             </a:fld>
             <a:endParaRPr lang="en-US"/>
           </a:p>
@@ -2996,7 +2984,7 @@
           <a:p>
             <a:fld id="{ED1B6996-82E9-463C-972C-7B56056E426C}" type="datetime1">
               <a:rPr lang="en-US" smtClean="0"/>
-              <a:t>8/4/2015</a:t>
+              <a:t>8/5/2015</a:t>
             </a:fld>
             <a:endParaRPr lang="en-US"/>
           </a:p>
@@ -3172,7 +3160,7 @@
           <a:p>
             <a:fld id="{E22ED4DA-448D-4BB1-B935-CC112220207B}" type="datetime1">
               <a:rPr lang="en-US" smtClean="0"/>
-              <a:t>8/4/2015</a:t>
+              <a:t>8/5/2015</a:t>
             </a:fld>
             <a:endParaRPr lang="en-US"/>
           </a:p>
@@ -3354,7 +3342,7 @@
           <a:p>
             <a:fld id="{E22ED4DA-448D-4BB1-B935-CC112220207B}" type="datetime1">
               <a:rPr lang="en-US" smtClean="0"/>
-              <a:t>8/4/2015</a:t>
+              <a:t>8/5/2015</a:t>
             </a:fld>
             <a:endParaRPr lang="en-US"/>
           </a:p>
@@ -3561,14 +3549,8 @@
           <a:bodyPr/>
           <a:lstStyle>
             <a:lvl1pPr marL="0" indent="0">
-              <a:lnSpc>
-                <a:spcPct val="100000"/>
-              </a:lnSpc>
-              <a:spcBef>
-                <a:spcPts val="0"/>
-              </a:spcBef>
               <a:buNone/>
-              <a:defRPr sz="2000" b="1">
+              <a:defRPr b="1">
                 <a:latin typeface="Consolas" pitchFamily="49" charset="0"/>
                 <a:cs typeface="Consolas" pitchFamily="49" charset="0"/>
               </a:defRPr>
@@ -3629,7 +3611,7 @@
           <a:p>
             <a:fld id="{FF5D65A6-AB94-4435-B0B7-3743215FA46C}" type="datetime1">
               <a:rPr lang="en-US" smtClean="0"/>
-              <a:t>8/4/2015</a:t>
+              <a:t>8/5/2015</a:t>
             </a:fld>
             <a:endParaRPr lang="en-US"/>
           </a:p>
@@ -3814,7 +3796,7 @@
           <a:p>
             <a:fld id="{FF5D65A6-AB94-4435-B0B7-3743215FA46C}" type="datetime1">
               <a:rPr lang="en-US" smtClean="0"/>
-              <a:t>8/4/2015</a:t>
+              <a:t>8/5/2015</a:t>
             </a:fld>
             <a:endParaRPr lang="en-US"/>
           </a:p>
@@ -4116,7 +4098,7 @@
           <a:p>
             <a:fld id="{7C193DC4-6EF0-48C9-B29C-616106A645E1}" type="datetime1">
               <a:rPr lang="en-US" smtClean="0"/>
-              <a:t>8/4/2015</a:t>
+              <a:t>8/5/2015</a:t>
             </a:fld>
             <a:endParaRPr lang="en-US"/>
           </a:p>
@@ -4404,7 +4386,7 @@
           <a:p>
             <a:fld id="{5D1846AD-9252-4647-9435-4C2AC365653A}" type="datetime1">
               <a:rPr lang="en-US" smtClean="0"/>
-              <a:t>8/4/2015</a:t>
+              <a:t>8/5/2015</a:t>
             </a:fld>
             <a:endParaRPr lang="en-US"/>
           </a:p>
@@ -4826,7 +4808,7 @@
           <a:p>
             <a:fld id="{CE56DC10-3561-4063-A6AF-C1CC7A41040A}" type="datetime1">
               <a:rPr lang="en-US" smtClean="0"/>
-              <a:t>8/4/2015</a:t>
+              <a:t>8/5/2015</a:t>
             </a:fld>
             <a:endParaRPr lang="en-US"/>
           </a:p>
@@ -4944,7 +4926,7 @@
           <a:p>
             <a:fld id="{2F7B77F5-1464-4F6B-92A8-64FC8A508293}" type="datetime1">
               <a:rPr lang="en-US" smtClean="0"/>
-              <a:t>8/4/2015</a:t>
+              <a:t>8/5/2015</a:t>
             </a:fld>
             <a:endParaRPr lang="en-US"/>
           </a:p>
@@ -5053,6 +5035,18 @@
             <a:avLst/>
           </a:prstGeom>
         </p:spPr>
+        <p:style>
+          <a:lnRef idx="2">
+            <a:schemeClr val="accent1"/>
+          </a:lnRef>
+          <a:fillRef idx="1">
+            <a:schemeClr val="lt1"/>
+          </a:fillRef>
+          <a:effectRef idx="0">
+            <a:schemeClr val="accent1"/>
+          </a:effectRef>
+          <a:fontRef idx="none"/>
+        </p:style>
         <p:txBody>
           <a:bodyPr vert="horz" lIns="91440" tIns="45720" rIns="91440" bIns="45720" rtlCol="0" anchor="ctr">
             <a:normAutofit/>
@@ -5164,7 +5158,7 @@
           <a:p>
             <a:fld id="{02B3F677-983B-48DB-ADFD-63FE6CBC7FB2}" type="datetime1">
               <a:rPr lang="en-US" smtClean="0"/>
-              <a:t>8/4/2015</a:t>
+              <a:t>8/5/2015</a:t>
             </a:fld>
             <a:endParaRPr lang="en-US"/>
           </a:p>

--- a/Slides/Common Slides for CS 5010.pptx
+++ b/Slides/Common Slides for CS 5010.pptx
@@ -5,7 +5,7 @@
     <p:sldMasterId id="2147483648" r:id="rId1"/>
   </p:sldMasterIdLst>
   <p:notesMasterIdLst>
-    <p:notesMasterId r:id="rId33"/>
+    <p:notesMasterId r:id="rId34"/>
   </p:notesMasterIdLst>
   <p:sldIdLst>
     <p:sldId id="285" r:id="rId2"/>
@@ -16,34 +16,35 @@
     <p:sldId id="291" r:id="rId7"/>
     <p:sldId id="292" r:id="rId8"/>
     <p:sldId id="288" r:id="rId9"/>
-    <p:sldId id="261" r:id="rId10"/>
-    <p:sldId id="264" r:id="rId11"/>
-    <p:sldId id="297" r:id="rId12"/>
-    <p:sldId id="265" r:id="rId13"/>
-    <p:sldId id="298" r:id="rId14"/>
-    <p:sldId id="296" r:id="rId15"/>
-    <p:sldId id="289" r:id="rId16"/>
-    <p:sldId id="266" r:id="rId17"/>
-    <p:sldId id="267" r:id="rId18"/>
-    <p:sldId id="268" r:id="rId19"/>
-    <p:sldId id="269" r:id="rId20"/>
-    <p:sldId id="279" r:id="rId21"/>
-    <p:sldId id="280" r:id="rId22"/>
-    <p:sldId id="281" r:id="rId23"/>
-    <p:sldId id="299" r:id="rId24"/>
-    <p:sldId id="284" r:id="rId25"/>
-    <p:sldId id="277" r:id="rId26"/>
-    <p:sldId id="273" r:id="rId27"/>
-    <p:sldId id="274" r:id="rId28"/>
-    <p:sldId id="276" r:id="rId29"/>
-    <p:sldId id="278" r:id="rId30"/>
-    <p:sldId id="282" r:id="rId31"/>
-    <p:sldId id="283" r:id="rId32"/>
+    <p:sldId id="300" r:id="rId10"/>
+    <p:sldId id="261" r:id="rId11"/>
+    <p:sldId id="264" r:id="rId12"/>
+    <p:sldId id="297" r:id="rId13"/>
+    <p:sldId id="265" r:id="rId14"/>
+    <p:sldId id="298" r:id="rId15"/>
+    <p:sldId id="296" r:id="rId16"/>
+    <p:sldId id="289" r:id="rId17"/>
+    <p:sldId id="266" r:id="rId18"/>
+    <p:sldId id="267" r:id="rId19"/>
+    <p:sldId id="268" r:id="rId20"/>
+    <p:sldId id="269" r:id="rId21"/>
+    <p:sldId id="279" r:id="rId22"/>
+    <p:sldId id="280" r:id="rId23"/>
+    <p:sldId id="281" r:id="rId24"/>
+    <p:sldId id="299" r:id="rId25"/>
+    <p:sldId id="284" r:id="rId26"/>
+    <p:sldId id="277" r:id="rId27"/>
+    <p:sldId id="273" r:id="rId28"/>
+    <p:sldId id="274" r:id="rId29"/>
+    <p:sldId id="276" r:id="rId30"/>
+    <p:sldId id="278" r:id="rId31"/>
+    <p:sldId id="282" r:id="rId32"/>
+    <p:sldId id="283" r:id="rId33"/>
   </p:sldIdLst>
   <p:sldSz cx="9144000" cy="6858000" type="screen4x3"/>
   <p:notesSz cx="6858000" cy="9144000"/>
   <p:custDataLst>
-    <p:tags r:id="rId34"/>
+    <p:tags r:id="rId35"/>
   </p:custDataLst>
   <p:defaultTextStyle>
     <a:defPPr>
@@ -241,7 +242,7 @@
           <a:p>
             <a:fld id="{03B24962-D7B5-4FEA-ABE9-8C89DFE85AA1}" type="datetimeFigureOut">
               <a:rPr lang="en-US" smtClean="0"/>
-              <a:t>8/5/2015</a:t>
+              <a:t>8/13/2015</a:t>
             </a:fld>
             <a:endParaRPr lang="en-US"/>
           </a:p>
@@ -663,7 +664,7 @@
             <a:fld id="{6048B3DE-E9CD-4720-84B6-E24D30E64DE7}" type="slidenum">
               <a:rPr lang="en-US" smtClean="0"/>
               <a:pPr/>
-              <a:t>21</a:t>
+              <a:t>22</a:t>
             </a:fld>
             <a:endParaRPr lang="en-US"/>
           </a:p>
@@ -752,7 +753,7 @@
             <a:fld id="{6048B3DE-E9CD-4720-84B6-E24D30E64DE7}" type="slidenum">
               <a:rPr lang="en-US" smtClean="0"/>
               <a:pPr/>
-              <a:t>22</a:t>
+              <a:t>23</a:t>
             </a:fld>
             <a:endParaRPr lang="en-US"/>
           </a:p>
@@ -841,7 +842,7 @@
             <a:fld id="{6048B3DE-E9CD-4720-84B6-E24D30E64DE7}" type="slidenum">
               <a:rPr lang="en-US" smtClean="0"/>
               <a:pPr/>
-              <a:t>23</a:t>
+              <a:t>24</a:t>
             </a:fld>
             <a:endParaRPr lang="en-US"/>
           </a:p>
@@ -930,7 +931,7 @@
             <a:fld id="{6048B3DE-E9CD-4720-84B6-E24D30E64DE7}" type="slidenum">
               <a:rPr lang="en-US" smtClean="0"/>
               <a:pPr/>
-              <a:t>24</a:t>
+              <a:t>25</a:t>
             </a:fld>
             <a:endParaRPr lang="en-US"/>
           </a:p>
@@ -1015,7 +1016,7 @@
             <a:fld id="{35B728A6-6F57-4E84-A2C2-C78EE294E18B}" type="slidenum">
               <a:rPr lang="en-US" smtClean="0"/>
               <a:pPr/>
-              <a:t>26</a:t>
+              <a:t>27</a:t>
             </a:fld>
             <a:endParaRPr lang="en-US"/>
           </a:p>
@@ -1108,7 +1109,7 @@
             <a:fld id="{35B728A6-6F57-4E84-A2C2-C78EE294E18B}" type="slidenum">
               <a:rPr lang="en-US" smtClean="0"/>
               <a:pPr/>
-              <a:t>29</a:t>
+              <a:t>30</a:t>
             </a:fld>
             <a:endParaRPr lang="en-US"/>
           </a:p>
@@ -1193,7 +1194,7 @@
             <a:fld id="{6048B3DE-E9CD-4720-84B6-E24D30E64DE7}" type="slidenum">
               <a:rPr lang="en-US" smtClean="0"/>
               <a:pPr/>
-              <a:t>12</a:t>
+              <a:t>13</a:t>
             </a:fld>
             <a:endParaRPr lang="en-US"/>
           </a:p>
@@ -1278,7 +1279,7 @@
             <a:fld id="{6048B3DE-E9CD-4720-84B6-E24D30E64DE7}" type="slidenum">
               <a:rPr lang="en-US" smtClean="0"/>
               <a:pPr/>
-              <a:t>13</a:t>
+              <a:t>14</a:t>
             </a:fld>
             <a:endParaRPr lang="en-US"/>
           </a:p>
@@ -1362,7 +1363,7 @@
           <a:p>
             <a:fld id="{7244E18F-170A-479A-8042-7CA03643CD9B}" type="slidenum">
               <a:rPr lang="en-US" smtClean="0"/>
-              <a:t>14</a:t>
+              <a:t>15</a:t>
             </a:fld>
             <a:endParaRPr lang="en-US"/>
           </a:p>
@@ -1446,7 +1447,7 @@
           <a:p>
             <a:fld id="{7244E18F-170A-479A-8042-7CA03643CD9B}" type="slidenum">
               <a:rPr lang="en-US" smtClean="0"/>
-              <a:t>15</a:t>
+              <a:t>16</a:t>
             </a:fld>
             <a:endParaRPr lang="en-US"/>
           </a:p>
@@ -1535,7 +1536,7 @@
             <a:fld id="{6048B3DE-E9CD-4720-84B6-E24D30E64DE7}" type="slidenum">
               <a:rPr lang="en-US" smtClean="0"/>
               <a:pPr/>
-              <a:t>17</a:t>
+              <a:t>18</a:t>
             </a:fld>
             <a:endParaRPr lang="en-US"/>
           </a:p>
@@ -1624,7 +1625,7 @@
             <a:fld id="{6048B3DE-E9CD-4720-84B6-E24D30E64DE7}" type="slidenum">
               <a:rPr lang="en-US" smtClean="0"/>
               <a:pPr/>
-              <a:t>18</a:t>
+              <a:t>19</a:t>
             </a:fld>
             <a:endParaRPr lang="en-US"/>
           </a:p>
@@ -1713,7 +1714,7 @@
             <a:fld id="{6048B3DE-E9CD-4720-84B6-E24D30E64DE7}" type="slidenum">
               <a:rPr lang="en-US" smtClean="0"/>
               <a:pPr/>
-              <a:t>19</a:t>
+              <a:t>20</a:t>
             </a:fld>
             <a:endParaRPr lang="en-US"/>
           </a:p>
@@ -1802,7 +1803,7 @@
             <a:fld id="{6048B3DE-E9CD-4720-84B6-E24D30E64DE7}" type="slidenum">
               <a:rPr lang="en-US" smtClean="0"/>
               <a:pPr/>
-              <a:t>20</a:t>
+              <a:t>21</a:t>
             </a:fld>
             <a:endParaRPr lang="en-US"/>
           </a:p>
@@ -2002,7 +2003,7 @@
           <a:p>
             <a:fld id="{2F1F79F5-7BEC-496A-AFC7-876E38F64D71}" type="datetime1">
               <a:rPr lang="en-US" smtClean="0"/>
-              <a:t>8/5/2015</a:t>
+              <a:t>8/13/2015</a:t>
             </a:fld>
             <a:endParaRPr lang="en-US"/>
           </a:p>
@@ -2104,7 +2105,7 @@
           <a:p>
             <a:fld id="{0A05703A-7669-4FEA-9056-25299B4D29D4}" type="datetime1">
               <a:rPr lang="en-US" smtClean="0"/>
-              <a:t>8/5/2015</a:t>
+              <a:t>8/13/2015</a:t>
             </a:fld>
             <a:endParaRPr lang="en-US"/>
           </a:p>
@@ -2381,7 +2382,7 @@
           <a:p>
             <a:fld id="{6E5077B5-BB57-49DB-88CA-226A139E5C01}" type="datetime1">
               <a:rPr lang="en-US" smtClean="0"/>
-              <a:t>8/5/2015</a:t>
+              <a:t>8/13/2015</a:t>
             </a:fld>
             <a:endParaRPr lang="en-US"/>
           </a:p>
@@ -2634,7 +2635,7 @@
           <a:p>
             <a:fld id="{C48D9447-CBD6-49A1-89FD-8512A8CF8999}" type="datetime1">
               <a:rPr lang="en-US" smtClean="0"/>
-              <a:t>8/5/2015</a:t>
+              <a:t>8/13/2015</a:t>
             </a:fld>
             <a:endParaRPr lang="en-US"/>
           </a:p>
@@ -2804,7 +2805,7 @@
           <a:p>
             <a:fld id="{A3639A2A-823D-48B7-9ACE-7FAF42870BA9}" type="datetime1">
               <a:rPr lang="en-US" smtClean="0"/>
-              <a:t>8/5/2015</a:t>
+              <a:t>8/13/2015</a:t>
             </a:fld>
             <a:endParaRPr lang="en-US"/>
           </a:p>
@@ -2984,7 +2985,7 @@
           <a:p>
             <a:fld id="{ED1B6996-82E9-463C-972C-7B56056E426C}" type="datetime1">
               <a:rPr lang="en-US" smtClean="0"/>
-              <a:t>8/5/2015</a:t>
+              <a:t>8/13/2015</a:t>
             </a:fld>
             <a:endParaRPr lang="en-US"/>
           </a:p>
@@ -3160,7 +3161,7 @@
           <a:p>
             <a:fld id="{E22ED4DA-448D-4BB1-B935-CC112220207B}" type="datetime1">
               <a:rPr lang="en-US" smtClean="0"/>
-              <a:t>8/5/2015</a:t>
+              <a:t>8/13/2015</a:t>
             </a:fld>
             <a:endParaRPr lang="en-US"/>
           </a:p>
@@ -3342,7 +3343,7 @@
           <a:p>
             <a:fld id="{E22ED4DA-448D-4BB1-B935-CC112220207B}" type="datetime1">
               <a:rPr lang="en-US" smtClean="0"/>
-              <a:t>8/5/2015</a:t>
+              <a:t>8/13/2015</a:t>
             </a:fld>
             <a:endParaRPr lang="en-US"/>
           </a:p>
@@ -3611,7 +3612,7 @@
           <a:p>
             <a:fld id="{FF5D65A6-AB94-4435-B0B7-3743215FA46C}" type="datetime1">
               <a:rPr lang="en-US" smtClean="0"/>
-              <a:t>8/5/2015</a:t>
+              <a:t>8/13/2015</a:t>
             </a:fld>
             <a:endParaRPr lang="en-US"/>
           </a:p>
@@ -3796,7 +3797,7 @@
           <a:p>
             <a:fld id="{FF5D65A6-AB94-4435-B0B7-3743215FA46C}" type="datetime1">
               <a:rPr lang="en-US" smtClean="0"/>
-              <a:t>8/5/2015</a:t>
+              <a:t>8/13/2015</a:t>
             </a:fld>
             <a:endParaRPr lang="en-US"/>
           </a:p>
@@ -4098,7 +4099,7 @@
           <a:p>
             <a:fld id="{7C193DC4-6EF0-48C9-B29C-616106A645E1}" type="datetime1">
               <a:rPr lang="en-US" smtClean="0"/>
-              <a:t>8/5/2015</a:t>
+              <a:t>8/13/2015</a:t>
             </a:fld>
             <a:endParaRPr lang="en-US"/>
           </a:p>
@@ -4386,7 +4387,7 @@
           <a:p>
             <a:fld id="{5D1846AD-9252-4647-9435-4C2AC365653A}" type="datetime1">
               <a:rPr lang="en-US" smtClean="0"/>
-              <a:t>8/5/2015</a:t>
+              <a:t>8/13/2015</a:t>
             </a:fld>
             <a:endParaRPr lang="en-US"/>
           </a:p>
@@ -4808,7 +4809,7 @@
           <a:p>
             <a:fld id="{CE56DC10-3561-4063-A6AF-C1CC7A41040A}" type="datetime1">
               <a:rPr lang="en-US" smtClean="0"/>
-              <a:t>8/5/2015</a:t>
+              <a:t>8/13/2015</a:t>
             </a:fld>
             <a:endParaRPr lang="en-US"/>
           </a:p>
@@ -4926,7 +4927,7 @@
           <a:p>
             <a:fld id="{2F7B77F5-1464-4F6B-92A8-64FC8A508293}" type="datetime1">
               <a:rPr lang="en-US" smtClean="0"/>
-              <a:t>8/5/2015</a:t>
+              <a:t>8/13/2015</a:t>
             </a:fld>
             <a:endParaRPr lang="en-US"/>
           </a:p>
@@ -5158,7 +5159,7 @@
           <a:p>
             <a:fld id="{02B3F677-983B-48DB-ADFD-63FE6CBC7FB2}" type="datetime1">
               <a:rPr lang="en-US" smtClean="0"/>
-              <a:t>8/5/2015</a:t>
+              <a:t>8/13/2015</a:t>
             </a:fld>
             <a:endParaRPr lang="en-US"/>
           </a:p>
@@ -5810,29 +5811,282 @@
             <p:ph type="title"/>
           </p:nvPr>
         </p:nvSpPr>
+        <p:spPr/>
+        <p:txBody>
+          <a:bodyPr/>
+          <a:lstStyle/>
+          <a:p>
+            <a:r>
+              <a:rPr lang="en-US" dirty="0" smtClean="0"/>
+              <a:t>Default Boxes</a:t>
+            </a:r>
+            <a:endParaRPr lang="en-US" dirty="0"/>
+          </a:p>
+        </p:txBody>
+      </p:sp>
+      <p:sp>
+        <p:nvSpPr>
+          <p:cNvPr id="3" name="Content Placeholder 2"/>
+          <p:cNvSpPr>
+            <a:spLocks noGrp="1"/>
+          </p:cNvSpPr>
+          <p:nvPr>
+            <p:ph idx="1"/>
+          </p:nvPr>
+        </p:nvSpPr>
+        <p:spPr/>
+        <p:txBody>
+          <a:bodyPr/>
+          <a:lstStyle/>
+          <a:p>
+            <a:endParaRPr lang="en-US" dirty="0"/>
+          </a:p>
+        </p:txBody>
+      </p:sp>
+      <p:sp>
+        <p:nvSpPr>
+          <p:cNvPr id="4" name="Rectangle 3"/>
+          <p:cNvSpPr/>
+          <p:nvPr/>
+        </p:nvSpPr>
         <p:spPr>
           <a:xfrm>
-            <a:off x="457200" y="2857500"/>
-            <a:ext cx="8229600" cy="1143000"/>
+            <a:off x="4097655" y="3626604"/>
+            <a:ext cx="4149090" cy="916880"/>
           </a:xfrm>
+          <a:prstGeom prst="rect">
+            <a:avLst/>
+          </a:prstGeom>
+          <a:solidFill>
+            <a:schemeClr val="accent3">
+              <a:lumMod val="40000"/>
+              <a:lumOff val="60000"/>
+            </a:schemeClr>
+          </a:solidFill>
+          <a:ln/>
         </p:spPr>
-        <p:txBody>
-          <a:bodyPr>
+        <p:style>
+          <a:lnRef idx="2">
+            <a:schemeClr val="accent1"/>
+          </a:lnRef>
+          <a:fillRef idx="1">
+            <a:schemeClr val="lt1"/>
+          </a:fillRef>
+          <a:effectRef idx="0">
+            <a:schemeClr val="accent1"/>
+          </a:effectRef>
+          <a:fontRef idx="minor">
+            <a:schemeClr val="dk1"/>
+          </a:fontRef>
+        </p:style>
+        <p:txBody>
+          <a:bodyPr rot="0" spcFirstLastPara="0" vertOverflow="overflow" horzOverflow="overflow" vert="horz" wrap="square" lIns="91440" tIns="45720" rIns="91440" bIns="45720" numCol="1" spcCol="0" rtlCol="0" fromWordArt="0" anchor="ctr" anchorCtr="0" forceAA="0" compatLnSpc="1">
+            <a:prstTxWarp prst="textNoShape">
+              <a:avLst/>
+            </a:prstTxWarp>
             <a:noAutofit/>
           </a:bodyPr>
           <a:lstStyle/>
           <a:p>
+            <a:pPr>
+              <a:defRPr/>
+            </a:pPr>
             <a:r>
-              <a:rPr lang="en-US" sz="7200" dirty="0" smtClean="0"/>
-              <a:t>The Recipes</a:t>
+              <a:rPr lang="en-US" dirty="0" smtClean="0">
+                <a:solidFill>
+                  <a:schemeClr val="tx1"/>
+                </a:solidFill>
+              </a:rPr>
+              <a:t>This is the default information box.</a:t>
             </a:r>
-            <a:endParaRPr lang="en-US" sz="7200" dirty="0"/>
-          </a:p>
-        </p:txBody>
-      </p:sp>
-      <p:sp>
-        <p:nvSpPr>
-          <p:cNvPr id="3" name="Slide Number Placeholder 2"/>
+            <a:endParaRPr lang="en-US" dirty="0">
+              <a:solidFill>
+                <a:schemeClr val="tx1"/>
+              </a:solidFill>
+            </a:endParaRPr>
+          </a:p>
+        </p:txBody>
+      </p:sp>
+      <p:sp>
+        <p:nvSpPr>
+          <p:cNvPr id="6" name="Parallelogram 5"/>
+          <p:cNvSpPr/>
+          <p:nvPr/>
+        </p:nvSpPr>
+        <p:spPr>
+          <a:xfrm>
+            <a:off x="609600" y="4038600"/>
+            <a:ext cx="3048000" cy="1447800"/>
+          </a:xfrm>
+          <a:prstGeom prst="parallelogram">
+            <a:avLst/>
+          </a:prstGeom>
+          <a:solidFill>
+            <a:srgbClr val="FFFF00"/>
+          </a:solidFill>
+          <a:ln/>
+        </p:spPr>
+        <p:style>
+          <a:lnRef idx="2">
+            <a:schemeClr val="accent1"/>
+          </a:lnRef>
+          <a:fillRef idx="1">
+            <a:schemeClr val="lt1"/>
+          </a:fillRef>
+          <a:effectRef idx="0">
+            <a:schemeClr val="accent1"/>
+          </a:effectRef>
+          <a:fontRef idx="minor">
+            <a:schemeClr val="dk1"/>
+          </a:fontRef>
+        </p:style>
+        <p:txBody>
+          <a:bodyPr rot="0" spcFirstLastPara="0" vertOverflow="overflow" horzOverflow="overflow" vert="horz" wrap="square" lIns="91440" tIns="45720" rIns="91440" bIns="45720" numCol="1" spcCol="0" rtlCol="0" fromWordArt="0" anchor="ctr" anchorCtr="0" forceAA="0" compatLnSpc="1">
+            <a:prstTxWarp prst="textNoShape">
+              <a:avLst/>
+            </a:prstTxWarp>
+            <a:noAutofit/>
+          </a:bodyPr>
+          <a:lstStyle/>
+          <a:p>
+            <a:pPr algn="ctr"/>
+            <a:r>
+              <a:rPr lang="en-US" dirty="0" smtClean="0">
+                <a:solidFill>
+                  <a:schemeClr val="tx1"/>
+                </a:solidFill>
+              </a:rPr>
+              <a:t>This is the default "TODO"/meta</a:t>
+            </a:r>
+          </a:p>
+          <a:p>
+            <a:pPr algn="ctr"/>
+            <a:r>
+              <a:rPr lang="en-US" dirty="0" smtClean="0">
+                <a:solidFill>
+                  <a:schemeClr val="tx1"/>
+                </a:solidFill>
+              </a:rPr>
+              <a:t>box</a:t>
+            </a:r>
+            <a:endParaRPr lang="en-US" dirty="0">
+              <a:solidFill>
+                <a:schemeClr val="tx1"/>
+              </a:solidFill>
+            </a:endParaRPr>
+          </a:p>
+        </p:txBody>
+      </p:sp>
+      <p:sp>
+        <p:nvSpPr>
+          <p:cNvPr id="7" name="Rounded Rectangle 6"/>
+          <p:cNvSpPr/>
+          <p:nvPr/>
+        </p:nvSpPr>
+        <p:spPr>
+          <a:xfrm>
+            <a:off x="6612255" y="1896137"/>
+            <a:ext cx="1828800" cy="506845"/>
+          </a:xfrm>
+          <a:prstGeom prst="roundRect">
+            <a:avLst>
+              <a:gd name="adj" fmla="val 4685"/>
+            </a:avLst>
+          </a:prstGeom>
+          <a:noFill/>
+          <a:ln w="57150">
+            <a:solidFill>
+              <a:srgbClr val="AC0000"/>
+            </a:solidFill>
+          </a:ln>
+        </p:spPr>
+        <p:style>
+          <a:lnRef idx="2">
+            <a:schemeClr val="accent1">
+              <a:shade val="50000"/>
+            </a:schemeClr>
+          </a:lnRef>
+          <a:fillRef idx="1">
+            <a:schemeClr val="accent1"/>
+          </a:fillRef>
+          <a:effectRef idx="0">
+            <a:schemeClr val="accent1"/>
+          </a:effectRef>
+          <a:fontRef idx="minor">
+            <a:schemeClr val="lt1"/>
+          </a:fontRef>
+        </p:style>
+        <p:txBody>
+          <a:bodyPr rtlCol="0" anchor="ctr"/>
+          <a:lstStyle/>
+          <a:p>
+            <a:pPr algn="ctr"/>
+            <a:endParaRPr lang="en-US"/>
+          </a:p>
+        </p:txBody>
+      </p:sp>
+      <p:sp>
+        <p:nvSpPr>
+          <p:cNvPr id="8" name="Rectangle 7"/>
+          <p:cNvSpPr/>
+          <p:nvPr/>
+        </p:nvSpPr>
+        <p:spPr>
+          <a:xfrm>
+            <a:off x="4082907" y="5486400"/>
+            <a:ext cx="4149090" cy="970113"/>
+          </a:xfrm>
+          <a:prstGeom prst="rect">
+            <a:avLst/>
+          </a:prstGeom>
+          <a:noFill/>
+          <a:ln/>
+        </p:spPr>
+        <p:style>
+          <a:lnRef idx="2">
+            <a:schemeClr val="accent1"/>
+          </a:lnRef>
+          <a:fillRef idx="1">
+            <a:schemeClr val="lt1"/>
+          </a:fillRef>
+          <a:effectRef idx="0">
+            <a:schemeClr val="accent1"/>
+          </a:effectRef>
+          <a:fontRef idx="minor">
+            <a:schemeClr val="dk1"/>
+          </a:fontRef>
+        </p:style>
+        <p:txBody>
+          <a:bodyPr rot="0" spcFirstLastPara="0" vertOverflow="overflow" horzOverflow="overflow" vert="horz" wrap="square" lIns="91440" tIns="45720" rIns="91440" bIns="45720" numCol="1" spcCol="0" rtlCol="0" fromWordArt="0" anchor="ctr" anchorCtr="0" forceAA="0" compatLnSpc="1">
+            <a:prstTxWarp prst="textNoShape">
+              <a:avLst/>
+            </a:prstTxWarp>
+            <a:noAutofit/>
+          </a:bodyPr>
+          <a:lstStyle/>
+          <a:p>
+            <a:pPr>
+              <a:defRPr/>
+            </a:pPr>
+            <a:r>
+              <a:rPr lang="en-US" dirty="0" smtClean="0">
+                <a:solidFill>
+                  <a:schemeClr val="tx1"/>
+                </a:solidFill>
+              </a:rPr>
+              <a:t>This is another information box.</a:t>
+            </a:r>
+            <a:endParaRPr lang="en-US" dirty="0">
+              <a:solidFill>
+                <a:schemeClr val="tx1"/>
+              </a:solidFill>
+            </a:endParaRPr>
+          </a:p>
+        </p:txBody>
+      </p:sp>
+      <p:sp>
+        <p:nvSpPr>
+          <p:cNvPr id="5" name="Slide Number Placeholder 4"/>
           <p:cNvSpPr>
             <a:spLocks noGrp="1"/>
           </p:cNvSpPr>
@@ -5856,7 +6110,7 @@
     </p:spTree>
     <p:extLst>
       <p:ext uri="{BB962C8B-B14F-4D97-AF65-F5344CB8AC3E}">
-        <p14:creationId xmlns:p14="http://schemas.microsoft.com/office/powerpoint/2010/main" val="1975930912"/>
+        <p14:creationId xmlns:p14="http://schemas.microsoft.com/office/powerpoint/2010/main" val="1169906283"/>
       </p:ext>
     </p:extLst>
   </p:cSld>
@@ -5900,142 +6154,53 @@
             <p:ph type="title"/>
           </p:nvPr>
         </p:nvSpPr>
+        <p:spPr>
+          <a:xfrm>
+            <a:off x="457200" y="2857500"/>
+            <a:ext cx="8229600" cy="1143000"/>
+          </a:xfrm>
+        </p:spPr>
+        <p:txBody>
+          <a:bodyPr>
+            <a:noAutofit/>
+          </a:bodyPr>
+          <a:lstStyle/>
+          <a:p>
+            <a:r>
+              <a:rPr lang="en-US" sz="7200" dirty="0" smtClean="0"/>
+              <a:t>The Recipes</a:t>
+            </a:r>
+            <a:endParaRPr lang="en-US" sz="7200" dirty="0"/>
+          </a:p>
+        </p:txBody>
+      </p:sp>
+      <p:sp>
+        <p:nvSpPr>
+          <p:cNvPr id="3" name="Slide Number Placeholder 2"/>
+          <p:cNvSpPr>
+            <a:spLocks noGrp="1"/>
+          </p:cNvSpPr>
+          <p:nvPr>
+            <p:ph type="sldNum" sz="quarter" idx="12"/>
+          </p:nvPr>
+        </p:nvSpPr>
         <p:spPr/>
         <p:txBody>
           <a:bodyPr/>
           <a:lstStyle/>
           <a:p>
-            <a:r>
-              <a:rPr lang="en-US" dirty="0" smtClean="0"/>
-              <a:t>It's not calculus</a:t>
-            </a:r>
-            <a:endParaRPr lang="en-US" dirty="0"/>
-          </a:p>
-        </p:txBody>
-      </p:sp>
-      <p:sp>
-        <p:nvSpPr>
-          <p:cNvPr id="3" name="Content Placeholder 2"/>
-          <p:cNvSpPr>
-            <a:spLocks noGrp="1"/>
-          </p:cNvSpPr>
-          <p:nvPr>
-            <p:ph idx="1"/>
-          </p:nvPr>
-        </p:nvSpPr>
-        <p:spPr/>
-        <p:txBody>
-          <a:bodyPr>
-            <a:normAutofit/>
-          </a:bodyPr>
-          <a:lstStyle/>
-          <a:p>
-            <a:r>
-              <a:rPr lang="en-US" dirty="0" smtClean="0"/>
-              <a:t>We want you to write </a:t>
-            </a:r>
-            <a:r>
-              <a:rPr lang="en-US" dirty="0" smtClean="0">
-                <a:solidFill>
-                  <a:srgbClr val="FF0000"/>
-                </a:solidFill>
-              </a:rPr>
-              <a:t>beautiful</a:t>
-            </a:r>
-            <a:r>
-              <a:rPr lang="en-US" dirty="0" smtClean="0"/>
-              <a:t> programs</a:t>
-            </a:r>
-          </a:p>
-          <a:p>
-            <a:r>
-              <a:rPr lang="en-US" dirty="0" smtClean="0"/>
-              <a:t>It's not enough to get the right answers</a:t>
-            </a:r>
-          </a:p>
-          <a:p>
-            <a:r>
-              <a:rPr lang="en-US" dirty="0" smtClean="0"/>
-              <a:t>It's about </a:t>
-            </a:r>
-            <a:r>
-              <a:rPr lang="en-US" dirty="0" smtClean="0">
-                <a:solidFill>
-                  <a:srgbClr val="FF0000"/>
-                </a:solidFill>
-              </a:rPr>
-              <a:t>design</a:t>
-            </a:r>
-            <a:r>
-              <a:rPr lang="en-US" dirty="0" smtClean="0"/>
-              <a:t>– which means making your program readable and modifiable by humans</a:t>
-            </a:r>
-          </a:p>
-          <a:p>
-            <a:r>
-              <a:rPr lang="en-US" dirty="0" smtClean="0"/>
-              <a:t>This includes documenting your program</a:t>
-            </a:r>
-          </a:p>
-          <a:p>
-            <a:pPr lvl="1"/>
-            <a:r>
-              <a:rPr lang="en-US" dirty="0" smtClean="0"/>
-              <a:t>so the TA can understand it</a:t>
-            </a:r>
-          </a:p>
-          <a:p>
-            <a:pPr lvl="1"/>
-            <a:r>
-              <a:rPr lang="en-US" dirty="0" smtClean="0"/>
-              <a:t>so a future programmer can understand and modify it</a:t>
-            </a:r>
-          </a:p>
-          <a:p>
-            <a:endParaRPr lang="en-US" dirty="0"/>
-          </a:p>
-        </p:txBody>
-      </p:sp>
-      <p:sp>
-        <p:nvSpPr>
-          <p:cNvPr id="4" name="Slide Number Placeholder 3"/>
-          <p:cNvSpPr>
-            <a:spLocks noGrp="1"/>
-          </p:cNvSpPr>
-          <p:nvPr>
-            <p:ph type="sldNum" sz="quarter" idx="12"/>
-          </p:nvPr>
-        </p:nvSpPr>
-        <p:spPr/>
-        <p:txBody>
-          <a:bodyPr/>
-          <a:lstStyle/>
-          <a:p>
-            <a:fld id="{B6F15528-21DE-4FAA-801E-634DDDAF4B2B}" type="slidenum">
-              <a:rPr lang="en-US" smtClean="0">
-                <a:solidFill>
-                  <a:prstClr val="black">
-                    <a:tint val="75000"/>
-                  </a:prstClr>
-                </a:solidFill>
-              </a:rPr>
-              <a:pPr/>
+            <a:fld id="{2AF3B5EA-18B6-4040-9F78-6052AF49C681}" type="slidenum">
+              <a:rPr lang="en-US" smtClean="0"/>
               <a:t>11</a:t>
             </a:fld>
-            <a:endParaRPr lang="en-US" dirty="0">
-              <a:solidFill>
-                <a:prstClr val="black">
-                  <a:tint val="75000"/>
-                </a:prstClr>
-              </a:solidFill>
-            </a:endParaRPr>
+            <a:endParaRPr lang="en-US"/>
           </a:p>
         </p:txBody>
       </p:sp>
     </p:spTree>
     <p:extLst>
       <p:ext uri="{BB962C8B-B14F-4D97-AF65-F5344CB8AC3E}">
-        <p14:creationId xmlns:p14="http://schemas.microsoft.com/office/powerpoint/2010/main" val="2238490753"/>
+        <p14:creationId xmlns:p14="http://schemas.microsoft.com/office/powerpoint/2010/main" val="1975930912"/>
       </p:ext>
     </p:extLst>
   </p:cSld>
@@ -6069,161 +6234,115 @@
           <a:chExt cx="0" cy="0"/>
         </a:xfrm>
       </p:grpSpPr>
-      <p:graphicFrame>
-        <p:nvGraphicFramePr>
-          <p:cNvPr id="4" name="Content Placeholder 3"/>
-          <p:cNvGraphicFramePr>
-            <a:graphicFrameLocks noGrp="1"/>
-          </p:cNvGraphicFramePr>
+      <p:sp>
+        <p:nvSpPr>
+          <p:cNvPr id="2" name="Title 1"/>
+          <p:cNvSpPr>
+            <a:spLocks noGrp="1"/>
+          </p:cNvSpPr>
+          <p:nvPr>
+            <p:ph type="title"/>
+          </p:nvPr>
+        </p:nvSpPr>
+        <p:spPr/>
+        <p:txBody>
+          <a:bodyPr/>
+          <a:lstStyle/>
+          <a:p>
+            <a:r>
+              <a:rPr lang="en-US" dirty="0" smtClean="0"/>
+              <a:t>It's not calculus</a:t>
+            </a:r>
+            <a:endParaRPr lang="en-US" dirty="0"/>
+          </a:p>
+        </p:txBody>
+      </p:sp>
+      <p:sp>
+        <p:nvSpPr>
+          <p:cNvPr id="3" name="Content Placeholder 2"/>
+          <p:cNvSpPr>
+            <a:spLocks noGrp="1"/>
+          </p:cNvSpPr>
           <p:nvPr>
             <p:ph idx="1"/>
-            <p:extLst>
-              <p:ext uri="{D42A27DB-BD31-4B8C-83A1-F6EECF244321}">
-                <p14:modId xmlns:p14="http://schemas.microsoft.com/office/powerpoint/2010/main" val="1712897319"/>
-              </p:ext>
-            </p:extLst>
-          </p:nvPr>
-        </p:nvGraphicFramePr>
-        <p:xfrm>
-          <a:off x="304800" y="914400"/>
-          <a:ext cx="8534400" cy="4023360"/>
-        </p:xfrm>
-        <a:graphic>
-          <a:graphicData uri="http://schemas.openxmlformats.org/drawingml/2006/table">
-            <a:tbl>
-              <a:tblPr firstRow="1" bandRow="1">
-                <a:tableStyleId>{5C22544A-7EE6-4342-B048-85BDC9FD1C3A}</a:tableStyleId>
-              </a:tblPr>
-              <a:tblGrid>
-                <a:gridCol w="8534400"/>
-              </a:tblGrid>
-              <a:tr h="1066800">
-                <a:tc>
-                  <a:txBody>
-                    <a:bodyPr/>
-                    <a:lstStyle/>
-                    <a:p>
-                      <a:pPr algn="ctr"/>
-                      <a:r>
-                        <a:rPr lang="en-US" sz="8000" dirty="0" smtClean="0"/>
-                        <a:t>The Point</a:t>
-                      </a:r>
-                      <a:endParaRPr lang="en-US" sz="8000" dirty="0"/>
-                    </a:p>
-                  </a:txBody>
-                  <a:tcPr/>
-                </a:tc>
-              </a:tr>
-              <a:tr h="370840">
-                <a:tc>
-                  <a:txBody>
-                    <a:bodyPr/>
-                    <a:lstStyle/>
-                    <a:p>
-                      <a:r>
-                        <a:rPr lang="en-US" sz="3200" dirty="0" smtClean="0"/>
-                        <a:t>1. It’s not calculus.</a:t>
-                      </a:r>
-                      <a:r>
-                        <a:rPr lang="en-US" sz="3200" baseline="0" dirty="0" smtClean="0"/>
-                        <a:t>  Getting the right answer is </a:t>
-                      </a:r>
-                      <a:r>
-                        <a:rPr lang="en-US" sz="3200" baseline="0" dirty="0" smtClean="0">
-                          <a:solidFill>
-                            <a:srgbClr val="FF0000"/>
-                          </a:solidFill>
-                          <a:latin typeface="Algerian" panose="04020705040A02060702" pitchFamily="82" charset="0"/>
-                        </a:rPr>
-                        <a:t>not enough</a:t>
-                      </a:r>
-                      <a:r>
-                        <a:rPr lang="en-US" sz="3200" baseline="0" dirty="0" smtClean="0"/>
-                        <a:t>.</a:t>
-                      </a:r>
-                      <a:endParaRPr lang="en-US" sz="3200" dirty="0"/>
-                    </a:p>
-                  </a:txBody>
-                  <a:tcPr/>
-                </a:tc>
-              </a:tr>
-              <a:tr h="370840">
-                <a:tc>
-                  <a:txBody>
-                    <a:bodyPr/>
-                    <a:lstStyle/>
-                    <a:p>
-                      <a:r>
-                        <a:rPr lang="en-US" sz="3200" dirty="0" smtClean="0"/>
-                        <a:t>2. The goal</a:t>
-                      </a:r>
-                      <a:r>
-                        <a:rPr lang="en-US" sz="3200" baseline="0" dirty="0" smtClean="0"/>
-                        <a:t> is to write </a:t>
-                      </a:r>
-                      <a:r>
-                        <a:rPr lang="en-US" sz="3200" i="0" baseline="0" dirty="0" smtClean="0">
-                          <a:solidFill>
-                            <a:srgbClr val="FF0000"/>
-                          </a:solidFill>
-                          <a:latin typeface="Algerian" panose="04020705040A02060702" pitchFamily="82" charset="0"/>
-                        </a:rPr>
-                        <a:t>beautiful programs</a:t>
-                      </a:r>
-                      <a:r>
-                        <a:rPr lang="en-US" sz="3200" baseline="0" dirty="0" smtClean="0"/>
-                        <a:t>.</a:t>
-                      </a:r>
-                      <a:endParaRPr lang="en-US" sz="3200" dirty="0"/>
-                    </a:p>
-                  </a:txBody>
-                  <a:tcPr/>
-                </a:tc>
-              </a:tr>
-              <a:tr h="370840">
-                <a:tc>
-                  <a:txBody>
-                    <a:bodyPr/>
-                    <a:lstStyle/>
-                    <a:p>
-                      <a:pPr marL="0" marR="0" indent="0" algn="l" defTabSz="914400" rtl="0" eaLnBrk="1" fontAlgn="auto" latinLnBrk="0" hangingPunct="1">
-                        <a:lnSpc>
-                          <a:spcPct val="100000"/>
-                        </a:lnSpc>
-                        <a:spcBef>
-                          <a:spcPts val="0"/>
-                        </a:spcBef>
-                        <a:spcAft>
-                          <a:spcPts val="0"/>
-                        </a:spcAft>
-                        <a:buClrTx/>
-                        <a:buSzTx/>
-                        <a:buFontTx/>
-                        <a:buNone/>
-                        <a:tabLst/>
-                        <a:defRPr/>
-                      </a:pPr>
-                      <a:r>
-                        <a:rPr lang="en-US" sz="3200" dirty="0" smtClean="0"/>
-                        <a:t>3.</a:t>
-                      </a:r>
-                      <a:r>
-                        <a:rPr lang="en-US" sz="3200" baseline="0" dirty="0" smtClean="0"/>
-                        <a:t> A beautiful program is one that is readable, understandable, and modifiable by people.</a:t>
-                      </a:r>
-                      <a:endParaRPr lang="en-US" sz="3200" dirty="0"/>
-                    </a:p>
-                  </a:txBody>
-                  <a:tcPr/>
-                </a:tc>
-              </a:tr>
-            </a:tbl>
-          </a:graphicData>
-        </a:graphic>
-      </p:graphicFrame>
-      <p:sp>
-        <p:nvSpPr>
-          <p:cNvPr id="2" name="Slide Number Placeholder 1"/>
+          </p:nvPr>
+        </p:nvSpPr>
+        <p:spPr/>
+        <p:txBody>
+          <a:bodyPr>
+            <a:normAutofit/>
+          </a:bodyPr>
+          <a:lstStyle/>
+          <a:p>
+            <a:r>
+              <a:rPr lang="en-US" dirty="0" smtClean="0"/>
+              <a:t>We want you to write </a:t>
+            </a:r>
+            <a:r>
+              <a:rPr lang="en-US" dirty="0" smtClean="0">
+                <a:solidFill>
+                  <a:srgbClr val="FF0000"/>
+                </a:solidFill>
+              </a:rPr>
+              <a:t>beautiful</a:t>
+            </a:r>
+            <a:r>
+              <a:rPr lang="en-US" dirty="0" smtClean="0"/>
+              <a:t> programs</a:t>
+            </a:r>
+          </a:p>
+          <a:p>
+            <a:r>
+              <a:rPr lang="en-US" dirty="0" smtClean="0"/>
+              <a:t>It's not enough to get the right answers</a:t>
+            </a:r>
+          </a:p>
+          <a:p>
+            <a:r>
+              <a:rPr lang="en-US" dirty="0" smtClean="0"/>
+              <a:t>It's about </a:t>
+            </a:r>
+            <a:r>
+              <a:rPr lang="en-US" dirty="0" smtClean="0">
+                <a:solidFill>
+                  <a:srgbClr val="FF0000"/>
+                </a:solidFill>
+              </a:rPr>
+              <a:t>design</a:t>
+            </a:r>
+            <a:r>
+              <a:rPr lang="en-US" dirty="0" smtClean="0"/>
+              <a:t>– which means making your program readable and modifiable by humans</a:t>
+            </a:r>
+          </a:p>
+          <a:p>
+            <a:r>
+              <a:rPr lang="en-US" dirty="0" smtClean="0"/>
+              <a:t>This includes documenting your program</a:t>
+            </a:r>
+          </a:p>
+          <a:p>
+            <a:pPr lvl="1"/>
+            <a:r>
+              <a:rPr lang="en-US" dirty="0" smtClean="0"/>
+              <a:t>so the TA can understand it</a:t>
+            </a:r>
+          </a:p>
+          <a:p>
+            <a:pPr lvl="1"/>
+            <a:r>
+              <a:rPr lang="en-US" dirty="0" smtClean="0"/>
+              <a:t>so a future programmer can understand and modify it</a:t>
+            </a:r>
+          </a:p>
+          <a:p>
+            <a:endParaRPr lang="en-US" dirty="0"/>
+          </a:p>
+        </p:txBody>
+      </p:sp>
+      <p:sp>
+        <p:nvSpPr>
+          <p:cNvPr id="4" name="Slide Number Placeholder 3"/>
           <p:cNvSpPr>
             <a:spLocks noGrp="1"/>
           </p:cNvSpPr>
@@ -6236,18 +6355,31 @@
           <a:bodyPr/>
           <a:lstStyle/>
           <a:p>
-            <a:fld id="{2AF3B5EA-18B6-4040-9F78-6052AF49C681}" type="slidenum">
-              <a:rPr lang="en-US" smtClean="0"/>
+            <a:fld id="{B6F15528-21DE-4FAA-801E-634DDDAF4B2B}" type="slidenum">
+              <a:rPr lang="en-US" smtClean="0">
+                <a:solidFill>
+                  <a:prstClr val="black">
+                    <a:tint val="75000"/>
+                  </a:prstClr>
+                </a:solidFill>
+              </a:rPr>
+              <a:pPr/>
               <a:t>12</a:t>
             </a:fld>
-            <a:endParaRPr lang="en-US"/>
+            <a:endParaRPr lang="en-US" dirty="0">
+              <a:solidFill>
+                <a:prstClr val="black">
+                  <a:tint val="75000"/>
+                </a:prstClr>
+              </a:solidFill>
+            </a:endParaRPr>
           </a:p>
         </p:txBody>
       </p:sp>
     </p:spTree>
     <p:extLst>
       <p:ext uri="{BB962C8B-B14F-4D97-AF65-F5344CB8AC3E}">
-        <p14:creationId xmlns:p14="http://schemas.microsoft.com/office/powerpoint/2010/main" val="255074793"/>
+        <p14:creationId xmlns:p14="http://schemas.microsoft.com/office/powerpoint/2010/main" val="2238490753"/>
       </p:ext>
     </p:extLst>
   </p:cSld>
@@ -6291,14 +6423,14 @@
             <p:ph idx="1"/>
             <p:extLst>
               <p:ext uri="{D42A27DB-BD31-4B8C-83A1-F6EECF244321}">
-                <p14:modId xmlns:p14="http://schemas.microsoft.com/office/powerpoint/2010/main" val="1840296809"/>
+                <p14:modId xmlns:p14="http://schemas.microsoft.com/office/powerpoint/2010/main" val="1712897319"/>
               </p:ext>
             </p:extLst>
           </p:nvPr>
         </p:nvGraphicFramePr>
         <p:xfrm>
-          <a:off x="457200" y="914400"/>
-          <a:ext cx="8229600" cy="6004560"/>
+          <a:off x="304800" y="914400"/>
+          <a:ext cx="8534400" cy="4023360"/>
         </p:xfrm>
         <a:graphic>
           <a:graphicData uri="http://schemas.openxmlformats.org/drawingml/2006/table">
@@ -6307,18 +6439,51 @@
                 <a:tableStyleId>{5C22544A-7EE6-4342-B048-85BDC9FD1C3A}</a:tableStyleId>
               </a:tblPr>
               <a:tblGrid>
-                <a:gridCol w="8229600"/>
+                <a:gridCol w="8534400"/>
               </a:tblGrid>
+              <a:tr h="1066800">
+                <a:tc>
+                  <a:txBody>
+                    <a:bodyPr/>
+                    <a:lstStyle/>
+                    <a:p>
+                      <a:pPr algn="ctr"/>
+                      <a:r>
+                        <a:rPr lang="en-US" sz="8000" dirty="0" smtClean="0"/>
+                        <a:t>The Point</a:t>
+                      </a:r>
+                      <a:endParaRPr lang="en-US" sz="8000" dirty="0"/>
+                    </a:p>
+                  </a:txBody>
+                  <a:tcPr/>
+                </a:tc>
+              </a:tr>
               <a:tr h="370840">
                 <a:tc>
                   <a:txBody>
                     <a:bodyPr/>
                     <a:lstStyle/>
                     <a:p>
-                      <a:pPr algn="ctr"/>
                       <a:r>
                         <a:rPr lang="en-US" sz="3200" dirty="0" smtClean="0"/>
-                        <a:t>How to write beautiful programs</a:t>
+                        <a:t>1. It’s not calculus.</a:t>
+                      </a:r>
+                      <a:r>
+                        <a:rPr lang="en-US" sz="3200" baseline="0" dirty="0" smtClean="0"/>
+                        <a:t>  Getting the right answer is </a:t>
+                      </a:r>
+                      <a:r>
+                        <a:rPr lang="en-US" sz="3200" baseline="0" dirty="0" smtClean="0">
+                          <a:solidFill>
+                            <a:srgbClr val="FF0000"/>
+                          </a:solidFill>
+                          <a:latin typeface="Algerian" panose="04020705040A02060702" pitchFamily="82" charset="0"/>
+                        </a:rPr>
+                        <a:t>not enough</a:t>
+                      </a:r>
+                      <a:r>
+                        <a:rPr lang="en-US" sz="3200" baseline="0" dirty="0" smtClean="0"/>
+                        <a:t>.</a:t>
                       </a:r>
                       <a:endParaRPr lang="en-US" sz="3200" dirty="0"/>
                     </a:p>
@@ -6334,31 +6499,24 @@
                     <a:p>
                       <a:r>
                         <a:rPr lang="en-US" sz="3200" dirty="0" smtClean="0"/>
-                        <a:t>1. Always</a:t>
+                        <a:t>2. The goal</a:t>
                       </a:r>
                       <a:r>
                         <a:rPr lang="en-US" sz="3200" baseline="0" dirty="0" smtClean="0"/>
-                        <a:t> remember: </a:t>
-                      </a:r>
-                      <a:r>
-                        <a:rPr lang="en-US" sz="3200" dirty="0" smtClean="0"/>
-                        <a:t>Programming is a People Discipline</a:t>
-                      </a:r>
-                      <a:endParaRPr lang="en-US" sz="3200" dirty="0"/>
-                    </a:p>
-                  </a:txBody>
-                  <a:tcPr/>
-                </a:tc>
-              </a:tr>
-              <a:tr h="370840">
-                <a:tc>
-                  <a:txBody>
-                    <a:bodyPr/>
-                    <a:lstStyle/>
-                    <a:p>
-                      <a:r>
-                        <a:rPr lang="en-US" sz="3200" dirty="0" smtClean="0"/>
-                        <a:t>2. Represent Information as Data; Interpret Data as Information</a:t>
+                        <a:t> is to write </a:t>
+                      </a:r>
+                      <a:r>
+                        <a:rPr lang="en-US" sz="3200" i="0" baseline="0" dirty="0" smtClean="0">
+                          <a:solidFill>
+                            <a:srgbClr val="FF0000"/>
+                          </a:solidFill>
+                          <a:latin typeface="Algerian" panose="04020705040A02060702" pitchFamily="82" charset="0"/>
+                        </a:rPr>
+                        <a:t>beautiful programs</a:t>
+                      </a:r>
+                      <a:r>
+                        <a:rPr lang="en-US" sz="3200" baseline="0" dirty="0" smtClean="0"/>
+                        <a:t>.</a:t>
                       </a:r>
                       <a:endParaRPr lang="en-US" sz="3200" dirty="0"/>
                     </a:p>
@@ -6395,7 +6553,116 @@
                       </a:r>
                       <a:r>
                         <a:rPr lang="en-US" sz="3200" baseline="0" dirty="0" smtClean="0"/>
-                        <a:t> Programs should consist of functions and methods that consume and produce values</a:t>
+                        <a:t> A beautiful program is one that is readable, understandable, and modifiable by people.</a:t>
+                      </a:r>
+                      <a:endParaRPr lang="en-US" sz="3200" dirty="0"/>
+                    </a:p>
+                  </a:txBody>
+                  <a:tcPr/>
+                </a:tc>
+              </a:tr>
+            </a:tbl>
+          </a:graphicData>
+        </a:graphic>
+      </p:graphicFrame>
+      <p:sp>
+        <p:nvSpPr>
+          <p:cNvPr id="2" name="Slide Number Placeholder 1"/>
+          <p:cNvSpPr>
+            <a:spLocks noGrp="1"/>
+          </p:cNvSpPr>
+          <p:nvPr>
+            <p:ph type="sldNum" sz="quarter" idx="12"/>
+          </p:nvPr>
+        </p:nvSpPr>
+        <p:spPr/>
+        <p:txBody>
+          <a:bodyPr/>
+          <a:lstStyle/>
+          <a:p>
+            <a:fld id="{2AF3B5EA-18B6-4040-9F78-6052AF49C681}" type="slidenum">
+              <a:rPr lang="en-US" smtClean="0"/>
+              <a:t>13</a:t>
+            </a:fld>
+            <a:endParaRPr lang="en-US"/>
+          </a:p>
+        </p:txBody>
+      </p:sp>
+    </p:spTree>
+    <p:extLst>
+      <p:ext uri="{BB962C8B-B14F-4D97-AF65-F5344CB8AC3E}">
+        <p14:creationId xmlns:p14="http://schemas.microsoft.com/office/powerpoint/2010/main" val="255074793"/>
+      </p:ext>
+    </p:extLst>
+  </p:cSld>
+  <p:clrMapOvr>
+    <a:masterClrMapping/>
+  </p:clrMapOvr>
+  <p:timing>
+    <p:tnLst>
+      <p:par>
+        <p:cTn id="1" dur="indefinite" restart="never" nodeType="tmRoot"/>
+      </p:par>
+    </p:tnLst>
+  </p:timing>
+</p:sld>
+</file>
+
+<file path=ppt/slides/slide14.xml><?xml version="1.0" encoding="utf-8"?>
+<p:sld xmlns:a="http://schemas.openxmlformats.org/drawingml/2006/main" xmlns:r="http://schemas.openxmlformats.org/officeDocument/2006/relationships" xmlns:p="http://schemas.openxmlformats.org/presentationml/2006/main">
+  <p:cSld>
+    <p:spTree>
+      <p:nvGrpSpPr>
+        <p:cNvPr id="1" name=""/>
+        <p:cNvGrpSpPr/>
+        <p:nvPr/>
+      </p:nvGrpSpPr>
+      <p:grpSpPr>
+        <a:xfrm>
+          <a:off x="0" y="0"/>
+          <a:ext cx="0" cy="0"/>
+          <a:chOff x="0" y="0"/>
+          <a:chExt cx="0" cy="0"/>
+        </a:xfrm>
+      </p:grpSpPr>
+      <p:graphicFrame>
+        <p:nvGraphicFramePr>
+          <p:cNvPr id="4" name="Content Placeholder 3"/>
+          <p:cNvGraphicFramePr>
+            <a:graphicFrameLocks noGrp="1"/>
+          </p:cNvGraphicFramePr>
+          <p:nvPr>
+            <p:ph idx="1"/>
+            <p:extLst>
+              <p:ext uri="{D42A27DB-BD31-4B8C-83A1-F6EECF244321}">
+                <p14:modId xmlns:p14="http://schemas.microsoft.com/office/powerpoint/2010/main" val="1840296809"/>
+              </p:ext>
+            </p:extLst>
+          </p:nvPr>
+        </p:nvGraphicFramePr>
+        <p:xfrm>
+          <a:off x="457200" y="914400"/>
+          <a:ext cx="8229600" cy="6004560"/>
+        </p:xfrm>
+        <a:graphic>
+          <a:graphicData uri="http://schemas.openxmlformats.org/drawingml/2006/table">
+            <a:tbl>
+              <a:tblPr firstRow="1" bandRow="1">
+                <a:tableStyleId>{5C22544A-7EE6-4342-B048-85BDC9FD1C3A}</a:tableStyleId>
+              </a:tblPr>
+              <a:tblGrid>
+                <a:gridCol w="8229600"/>
+              </a:tblGrid>
+              <a:tr h="370840">
+                <a:tc>
+                  <a:txBody>
+                    <a:bodyPr/>
+                    <a:lstStyle/>
+                    <a:p>
+                      <a:pPr algn="ctr"/>
+                      <a:r>
+                        <a:rPr lang="en-US" sz="3200" dirty="0" smtClean="0"/>
+                        <a:t>How to write beautiful programs</a:t>
                       </a:r>
                       <a:endParaRPr lang="en-US" sz="3200" dirty="0"/>
                     </a:p>
@@ -6411,6 +6678,83 @@
                     <a:p>
                       <a:r>
                         <a:rPr lang="en-US" sz="3200" dirty="0" smtClean="0"/>
+                        <a:t>1. Always</a:t>
+                      </a:r>
+                      <a:r>
+                        <a:rPr lang="en-US" sz="3200" baseline="0" dirty="0" smtClean="0"/>
+                        <a:t> remember: </a:t>
+                      </a:r>
+                      <a:r>
+                        <a:rPr lang="en-US" sz="3200" dirty="0" smtClean="0"/>
+                        <a:t>Programming is a People Discipline</a:t>
+                      </a:r>
+                      <a:endParaRPr lang="en-US" sz="3200" dirty="0"/>
+                    </a:p>
+                  </a:txBody>
+                  <a:tcPr/>
+                </a:tc>
+              </a:tr>
+              <a:tr h="370840">
+                <a:tc>
+                  <a:txBody>
+                    <a:bodyPr/>
+                    <a:lstStyle/>
+                    <a:p>
+                      <a:r>
+                        <a:rPr lang="en-US" sz="3200" dirty="0" smtClean="0"/>
+                        <a:t>2. Represent Information as Data; Interpret Data as Information</a:t>
+                      </a:r>
+                      <a:endParaRPr lang="en-US" sz="3200" dirty="0"/>
+                    </a:p>
+                  </a:txBody>
+                  <a:tcPr/>
+                </a:tc>
+              </a:tr>
+              <a:tr h="370840">
+                <a:tc>
+                  <a:txBody>
+                    <a:bodyPr/>
+                    <a:lstStyle/>
+                    <a:p>
+                      <a:pPr marL="0" marR="0" indent="0" algn="l" defTabSz="914400" rtl="0" eaLnBrk="1" fontAlgn="auto" latinLnBrk="0" hangingPunct="1">
+                        <a:lnSpc>
+                          <a:spcPct val="100000"/>
+                        </a:lnSpc>
+                        <a:spcBef>
+                          <a:spcPts val="0"/>
+                        </a:spcBef>
+                        <a:spcAft>
+                          <a:spcPts val="0"/>
+                        </a:spcAft>
+                        <a:buClrTx/>
+                        <a:buSzTx/>
+                        <a:buFontTx/>
+                        <a:buNone/>
+                        <a:tabLst/>
+                        <a:defRPr/>
+                      </a:pPr>
+                      <a:r>
+                        <a:rPr lang="en-US" sz="3200" dirty="0" smtClean="0"/>
+                        <a:t>3.</a:t>
+                      </a:r>
+                      <a:r>
+                        <a:rPr lang="en-US" sz="3200" baseline="0" dirty="0" smtClean="0"/>
+                        <a:t> Programs should consist of functions and methods that consume and produce values</a:t>
+                      </a:r>
+                      <a:endParaRPr lang="en-US" sz="3200" dirty="0"/>
+                    </a:p>
+                  </a:txBody>
+                  <a:tcPr/>
+                </a:tc>
+              </a:tr>
+              <a:tr h="370840">
+                <a:tc>
+                  <a:txBody>
+                    <a:bodyPr/>
+                    <a:lstStyle/>
+                    <a:p>
+                      <a:r>
+                        <a:rPr lang="en-US" sz="3200" dirty="0" smtClean="0"/>
                         <a:t>4. Design Functions</a:t>
                       </a:r>
                       <a:r>
@@ -6476,7 +6820,7 @@
           <a:p>
             <a:fld id="{2AF3B5EA-18B6-4040-9F78-6052AF49C681}" type="slidenum">
               <a:rPr lang="en-US" smtClean="0"/>
-              <a:t>13</a:t>
+              <a:t>14</a:t>
             </a:fld>
             <a:endParaRPr lang="en-US"/>
           </a:p>
@@ -6502,7 +6846,7 @@
 </p:sld>
 </file>
 
-<file path=ppt/slides/slide14.xml><?xml version="1.0" encoding="utf-8"?>
+<file path=ppt/slides/slide15.xml><?xml version="1.0" encoding="utf-8"?>
 <p:sld xmlns:a="http://schemas.openxmlformats.org/drawingml/2006/main" xmlns:r="http://schemas.openxmlformats.org/officeDocument/2006/relationships" xmlns:p="http://schemas.openxmlformats.org/presentationml/2006/main">
   <p:cSld>
     <p:spTree>
@@ -8109,7 +8453,7 @@
 </p:sld>
 </file>
 
-<file path=ppt/slides/slide15.xml><?xml version="1.0" encoding="utf-8"?>
+<file path=ppt/slides/slide16.xml><?xml version="1.0" encoding="utf-8"?>
 <p:sld xmlns:a="http://schemas.openxmlformats.org/drawingml/2006/main" xmlns:r="http://schemas.openxmlformats.org/officeDocument/2006/relationships" xmlns:p="http://schemas.openxmlformats.org/presentationml/2006/main">
   <p:cSld>
     <p:spTree>
@@ -8830,7 +9174,7 @@
 </p:sld>
 </file>
 
-<file path=ppt/slides/slide16.xml><?xml version="1.0" encoding="utf-8"?>
+<file path=ppt/slides/slide17.xml><?xml version="1.0" encoding="utf-8"?>
 <p:sld xmlns:a="http://schemas.openxmlformats.org/drawingml/2006/main" xmlns:r="http://schemas.openxmlformats.org/officeDocument/2006/relationships" xmlns:p="http://schemas.openxmlformats.org/presentationml/2006/main">
   <p:cSld>
     <p:spTree>
@@ -9060,7 +9404,7 @@
           <a:p>
             <a:fld id="{2AF3B5EA-18B6-4040-9F78-6052AF49C681}" type="slidenum">
               <a:rPr lang="en-US" smtClean="0"/>
-              <a:t>16</a:t>
+              <a:t>17</a:t>
             </a:fld>
             <a:endParaRPr lang="en-US"/>
           </a:p>
@@ -9086,7 +9430,7 @@
 </p:sld>
 </file>
 
-<file path=ppt/slides/slide17.xml><?xml version="1.0" encoding="utf-8"?>
+<file path=ppt/slides/slide18.xml><?xml version="1.0" encoding="utf-8"?>
 <p:sld xmlns:a="http://schemas.openxmlformats.org/drawingml/2006/main" xmlns:r="http://schemas.openxmlformats.org/officeDocument/2006/relationships" xmlns:p="http://schemas.openxmlformats.org/presentationml/2006/main">
   <p:cSld>
     <p:spTree>
@@ -9353,7 +9697,7 @@
           <a:p>
             <a:fld id="{2AF3B5EA-18B6-4040-9F78-6052AF49C681}" type="slidenum">
               <a:rPr lang="en-US" smtClean="0"/>
-              <a:t>17</a:t>
+              <a:t>18</a:t>
             </a:fld>
             <a:endParaRPr lang="en-US"/>
           </a:p>
@@ -9483,7 +9827,7 @@
 </p:sld>
 </file>
 
-<file path=ppt/slides/slide18.xml><?xml version="1.0" encoding="utf-8"?>
+<file path=ppt/slides/slide19.xml><?xml version="1.0" encoding="utf-8"?>
 <p:sld xmlns:a="http://schemas.openxmlformats.org/drawingml/2006/main" xmlns:r="http://schemas.openxmlformats.org/officeDocument/2006/relationships" xmlns:p="http://schemas.openxmlformats.org/presentationml/2006/main">
   <p:cSld>
     <p:spTree>
@@ -9753,7 +10097,7 @@
           <a:p>
             <a:fld id="{2AF3B5EA-18B6-4040-9F78-6052AF49C681}" type="slidenum">
               <a:rPr lang="en-US" smtClean="0"/>
-              <a:t>18</a:t>
+              <a:t>19</a:t>
             </a:fld>
             <a:endParaRPr lang="en-US"/>
           </a:p>
@@ -9763,257 +10107,6 @@
     <p:extLst>
       <p:ext uri="{BB962C8B-B14F-4D97-AF65-F5344CB8AC3E}">
         <p14:creationId xmlns:p14="http://schemas.microsoft.com/office/powerpoint/2010/main" val="3810818463"/>
-      </p:ext>
-    </p:extLst>
-  </p:cSld>
-  <p:clrMapOvr>
-    <a:masterClrMapping/>
-  </p:clrMapOvr>
-  <p:timing>
-    <p:tnLst>
-      <p:par>
-        <p:cTn id="1" dur="indefinite" restart="never" nodeType="tmRoot"/>
-      </p:par>
-    </p:tnLst>
-  </p:timing>
-</p:sld>
-</file>
-
-<file path=ppt/slides/slide19.xml><?xml version="1.0" encoding="utf-8"?>
-<p:sld xmlns:a="http://schemas.openxmlformats.org/drawingml/2006/main" xmlns:r="http://schemas.openxmlformats.org/officeDocument/2006/relationships" xmlns:p="http://schemas.openxmlformats.org/presentationml/2006/main">
-  <p:cSld>
-    <p:spTree>
-      <p:nvGrpSpPr>
-        <p:cNvPr id="1" name=""/>
-        <p:cNvGrpSpPr/>
-        <p:nvPr/>
-      </p:nvGrpSpPr>
-      <p:grpSpPr>
-        <a:xfrm>
-          <a:off x="0" y="0"/>
-          <a:ext cx="0" cy="0"/>
-          <a:chOff x="0" y="0"/>
-          <a:chExt cx="0" cy="0"/>
-        </a:xfrm>
-      </p:grpSpPr>
-      <p:sp>
-        <p:nvSpPr>
-          <p:cNvPr id="2" name="Title 1"/>
-          <p:cNvSpPr>
-            <a:spLocks noGrp="1"/>
-          </p:cNvSpPr>
-          <p:nvPr>
-            <p:ph type="title"/>
-          </p:nvPr>
-        </p:nvSpPr>
-        <p:spPr/>
-        <p:txBody>
-          <a:bodyPr/>
-          <a:lstStyle/>
-          <a:p>
-            <a:r>
-              <a:rPr lang="en-US" dirty="0" smtClean="0"/>
-              <a:t>Kinds of Data</a:t>
-            </a:r>
-            <a:endParaRPr lang="en-US" dirty="0"/>
-          </a:p>
-        </p:txBody>
-      </p:sp>
-      <p:graphicFrame>
-        <p:nvGraphicFramePr>
-          <p:cNvPr id="4" name="Content Placeholder 3"/>
-          <p:cNvGraphicFramePr>
-            <a:graphicFrameLocks noGrp="1"/>
-          </p:cNvGraphicFramePr>
-          <p:nvPr>
-            <p:ph idx="1"/>
-            <p:extLst>
-              <p:ext uri="{D42A27DB-BD31-4B8C-83A1-F6EECF244321}">
-                <p14:modId xmlns:p14="http://schemas.microsoft.com/office/powerpoint/2010/main" val="2773766728"/>
-              </p:ext>
-            </p:extLst>
-          </p:nvPr>
-        </p:nvGraphicFramePr>
-        <p:xfrm>
-          <a:off x="457200" y="1600200"/>
-          <a:ext cx="8229600" cy="4632960"/>
-        </p:xfrm>
-        <a:graphic>
-          <a:graphicData uri="http://schemas.openxmlformats.org/drawingml/2006/table">
-            <a:tbl>
-              <a:tblPr firstRow="1" bandRow="1">
-                <a:tableStyleId>{5C22544A-7EE6-4342-B048-85BDC9FD1C3A}</a:tableStyleId>
-              </a:tblPr>
-              <a:tblGrid>
-                <a:gridCol w="8229600"/>
-              </a:tblGrid>
-              <a:tr h="370840">
-                <a:tc>
-                  <a:txBody>
-                    <a:bodyPr/>
-                    <a:lstStyle/>
-                    <a:p>
-                      <a:pPr algn="ctr"/>
-                      <a:r>
-                        <a:rPr lang="en-US" sz="3200" dirty="0" smtClean="0"/>
-                        <a:t>Kinds of Data</a:t>
-                      </a:r>
-                      <a:endParaRPr lang="en-US" sz="3200" dirty="0"/>
-                    </a:p>
-                  </a:txBody>
-                  <a:tcPr/>
-                </a:tc>
-              </a:tr>
-              <a:tr h="370840">
-                <a:tc>
-                  <a:txBody>
-                    <a:bodyPr/>
-                    <a:lstStyle/>
-                    <a:p>
-                      <a:r>
-                        <a:rPr lang="en-US" sz="3200" dirty="0" smtClean="0"/>
-                        <a:t>1. Scalar Data</a:t>
-                      </a:r>
-                      <a:endParaRPr lang="en-US" sz="3200" dirty="0"/>
-                    </a:p>
-                  </a:txBody>
-                  <a:tcPr/>
-                </a:tc>
-              </a:tr>
-              <a:tr h="370840">
-                <a:tc>
-                  <a:txBody>
-                    <a:bodyPr/>
-                    <a:lstStyle/>
-                    <a:p>
-                      <a:r>
-                        <a:rPr lang="en-US" sz="3200" dirty="0" smtClean="0"/>
-                        <a:t>2. Compound Data</a:t>
-                      </a:r>
-                      <a:endParaRPr lang="en-US" sz="3200" dirty="0"/>
-                    </a:p>
-                  </a:txBody>
-                  <a:tcPr/>
-                </a:tc>
-              </a:tr>
-              <a:tr h="370840">
-                <a:tc>
-                  <a:txBody>
-                    <a:bodyPr/>
-                    <a:lstStyle/>
-                    <a:p>
-                      <a:r>
-                        <a:rPr lang="en-US" sz="3200" dirty="0" smtClean="0"/>
-                        <a:t>3.</a:t>
-                      </a:r>
-                      <a:r>
-                        <a:rPr lang="en-US" sz="3200" baseline="0" dirty="0" smtClean="0"/>
-                        <a:t> Itemization Data</a:t>
-                      </a:r>
-                      <a:endParaRPr lang="en-US" sz="3200" dirty="0"/>
-                    </a:p>
-                  </a:txBody>
-                  <a:tcPr/>
-                </a:tc>
-              </a:tr>
-              <a:tr h="370840">
-                <a:tc>
-                  <a:txBody>
-                    <a:bodyPr/>
-                    <a:lstStyle/>
-                    <a:p>
-                      <a:r>
-                        <a:rPr lang="en-US" sz="3200" dirty="0" smtClean="0"/>
-                        <a:t>4. Mixed Data</a:t>
-                      </a:r>
-                    </a:p>
-                  </a:txBody>
-                  <a:tcPr/>
-                </a:tc>
-              </a:tr>
-              <a:tr h="370840">
-                <a:tc>
-                  <a:txBody>
-                    <a:bodyPr/>
-                    <a:lstStyle/>
-                    <a:p>
-                      <a:r>
-                        <a:rPr lang="en-US" sz="3200" dirty="0" smtClean="0"/>
-                        <a:t>5. Recursive Data</a:t>
-                      </a:r>
-                      <a:endParaRPr lang="en-US" sz="3200" dirty="0"/>
-                    </a:p>
-                  </a:txBody>
-                  <a:tcPr/>
-                </a:tc>
-              </a:tr>
-              <a:tr h="370840">
-                <a:tc>
-                  <a:txBody>
-                    <a:bodyPr/>
-                    <a:lstStyle/>
-                    <a:p>
-                      <a:r>
-                        <a:rPr lang="en-US" sz="3200" dirty="0" smtClean="0"/>
-                        <a:t>6. Mutually Recursive Data</a:t>
-                      </a:r>
-                      <a:endParaRPr lang="en-US" sz="3200" dirty="0"/>
-                    </a:p>
-                  </a:txBody>
-                  <a:tcPr/>
-                </a:tc>
-              </a:tr>
-              <a:tr h="370840">
-                <a:tc>
-                  <a:txBody>
-                    <a:bodyPr/>
-                    <a:lstStyle/>
-                    <a:p>
-                      <a:r>
-                        <a:rPr lang="en-US" sz="3200" dirty="0" smtClean="0"/>
-                        <a:t>7. Functional</a:t>
-                      </a:r>
-                      <a:r>
-                        <a:rPr lang="en-US" sz="3200" baseline="0" dirty="0" smtClean="0"/>
-                        <a:t> Data</a:t>
-                      </a:r>
-                      <a:endParaRPr lang="en-US" sz="3200" dirty="0"/>
-                    </a:p>
-                  </a:txBody>
-                  <a:tcPr/>
-                </a:tc>
-              </a:tr>
-            </a:tbl>
-          </a:graphicData>
-        </a:graphic>
-      </p:graphicFrame>
-      <p:sp>
-        <p:nvSpPr>
-          <p:cNvPr id="3" name="Slide Number Placeholder 2"/>
-          <p:cNvSpPr>
-            <a:spLocks noGrp="1"/>
-          </p:cNvSpPr>
-          <p:nvPr>
-            <p:ph type="sldNum" sz="quarter" idx="12"/>
-          </p:nvPr>
-        </p:nvSpPr>
-        <p:spPr/>
-        <p:txBody>
-          <a:bodyPr/>
-          <a:lstStyle/>
-          <a:p>
-            <a:fld id="{2AF3B5EA-18B6-4040-9F78-6052AF49C681}" type="slidenum">
-              <a:rPr lang="en-US" smtClean="0"/>
-              <a:t>19</a:t>
-            </a:fld>
-            <a:endParaRPr lang="en-US"/>
-          </a:p>
-        </p:txBody>
-      </p:sp>
-    </p:spTree>
-    <p:extLst>
-      <p:ext uri="{BB962C8B-B14F-4D97-AF65-F5344CB8AC3E}">
-        <p14:creationId xmlns:p14="http://schemas.microsoft.com/office/powerpoint/2010/main" val="3235436253"/>
       </p:ext>
     </p:extLst>
   </p:cSld>
@@ -10162,7 +10255,7 @@
           <a:p>
             <a:r>
               <a:rPr lang="en-US" dirty="0" smtClean="0"/>
-              <a:t>Representations of Data in Racket</a:t>
+              <a:t>Kinds of Data</a:t>
             </a:r>
             <a:endParaRPr lang="en-US" dirty="0"/>
           </a:p>
@@ -10178,14 +10271,14 @@
             <p:ph idx="1"/>
             <p:extLst>
               <p:ext uri="{D42A27DB-BD31-4B8C-83A1-F6EECF244321}">
-                <p14:modId xmlns:p14="http://schemas.microsoft.com/office/powerpoint/2010/main" val="4265915277"/>
+                <p14:modId xmlns:p14="http://schemas.microsoft.com/office/powerpoint/2010/main" val="2773766728"/>
               </p:ext>
             </p:extLst>
           </p:nvPr>
         </p:nvGraphicFramePr>
         <p:xfrm>
           <a:off x="457200" y="1600200"/>
-          <a:ext cx="8229600" cy="5120640"/>
+          <a:ext cx="8229600" cy="4632960"/>
         </p:xfrm>
         <a:graphic>
           <a:graphicData uri="http://schemas.openxmlformats.org/drawingml/2006/table">
@@ -10194,8 +10287,7 @@
                 <a:tableStyleId>{5C22544A-7EE6-4342-B048-85BDC9FD1C3A}</a:tableStyleId>
               </a:tblPr>
               <a:tblGrid>
-                <a:gridCol w="4114800"/>
-                <a:gridCol w="4114800"/>
+                <a:gridCol w="8229600"/>
               </a:tblGrid>
               <a:tr h="370840">
                 <a:tc>
@@ -10207,21 +10299,6 @@
                       <a:r>
                         <a:rPr lang="en-US" sz="3200" dirty="0" smtClean="0"/>
                         <a:t>Kinds of Data</a:t>
-                      </a:r>
-                      <a:endParaRPr lang="en-US" sz="3200" dirty="0"/>
-                    </a:p>
-                  </a:txBody>
-                  <a:tcPr/>
-                </a:tc>
-                <a:tc>
-                  <a:txBody>
-                    <a:bodyPr/>
-                    <a:lstStyle/>
-                    <a:p>
-                      <a:pPr algn="ctr"/>
-                      <a:r>
-                        <a:rPr lang="en-US" sz="3200" dirty="0" smtClean="0"/>
-                        <a:t>Racket Representation</a:t>
                       </a:r>
                       <a:endParaRPr lang="en-US" sz="3200" dirty="0"/>
                     </a:p>
@@ -10244,6 +10321,8 @@
                   </a:txBody>
                   <a:tcPr/>
                 </a:tc>
+              </a:tr>
+              <a:tr h="370840">
                 <a:tc>
                   <a:txBody>
                     <a:bodyPr/>
@@ -10251,7 +10330,7 @@
                     <a:p>
                       <a:r>
                         <a:rPr lang="en-US" sz="3200" dirty="0" smtClean="0"/>
-                        <a:t>Built-in</a:t>
+                        <a:t>2. Compound Data</a:t>
                       </a:r>
                       <a:endParaRPr lang="en-US" sz="3200" dirty="0"/>
                     </a:p>
@@ -10267,21 +10346,11 @@
                     <a:p>
                       <a:r>
                         <a:rPr lang="en-US" sz="3200" dirty="0" smtClean="0"/>
-                        <a:t>2. Compound Data</a:t>
-                      </a:r>
-                      <a:endParaRPr lang="en-US" sz="3200" dirty="0"/>
-                    </a:p>
-                  </a:txBody>
-                  <a:tcPr/>
-                </a:tc>
-                <a:tc>
-                  <a:txBody>
-                    <a:bodyPr/>
-                    <a:lstStyle/>
-                    <a:p>
-                      <a:r>
-                        <a:rPr lang="en-US" sz="3200" dirty="0" err="1" smtClean="0"/>
-                        <a:t>Struct</a:t>
+                        <a:t>3.</a:t>
+                      </a:r>
+                      <a:r>
+                        <a:rPr lang="en-US" sz="3200" baseline="0" dirty="0" smtClean="0"/>
+                        <a:t> Itemization Data</a:t>
                       </a:r>
                       <a:endParaRPr lang="en-US" sz="3200" dirty="0"/>
                     </a:p>
@@ -10297,17 +10366,14 @@
                     <a:p>
                       <a:r>
                         <a:rPr lang="en-US" sz="3200" dirty="0" smtClean="0"/>
-                        <a:t>3.</a:t>
-                      </a:r>
-                      <a:r>
-                        <a:rPr lang="en-US" sz="3200" baseline="0" dirty="0" smtClean="0"/>
-                        <a:t> Itemization Data</a:t>
-                      </a:r>
-                      <a:endParaRPr lang="en-US" sz="3200" dirty="0"/>
+                        <a:t>4. Mixed Data</a:t>
+                      </a:r>
                     </a:p>
                   </a:txBody>
                   <a:tcPr/>
                 </a:tc>
+              </a:tr>
+              <a:tr h="370840">
                 <a:tc>
                   <a:txBody>
                     <a:bodyPr/>
@@ -10315,7 +10381,7 @@
                     <a:p>
                       <a:r>
                         <a:rPr lang="en-US" sz="3200" dirty="0" smtClean="0"/>
-                        <a:t>Choice</a:t>
+                        <a:t>5. Recursive Data</a:t>
                       </a:r>
                       <a:endParaRPr lang="en-US" sz="3200" dirty="0"/>
                     </a:p>
@@ -10331,75 +10397,7 @@
                     <a:p>
                       <a:r>
                         <a:rPr lang="en-US" sz="3200" dirty="0" smtClean="0"/>
-                        <a:t>4. Mixed Data</a:t>
-                      </a:r>
-                    </a:p>
-                  </a:txBody>
-                  <a:tcPr/>
-                </a:tc>
-                <a:tc>
-                  <a:txBody>
-                    <a:bodyPr/>
-                    <a:lstStyle/>
-                    <a:p>
-                      <a:r>
-                        <a:rPr lang="en-US" sz="3200" dirty="0" smtClean="0"/>
-                        <a:t>Choice of </a:t>
-                      </a:r>
-                      <a:r>
-                        <a:rPr lang="en-US" sz="3200" dirty="0" err="1" smtClean="0"/>
-                        <a:t>structs</a:t>
-                      </a:r>
-                      <a:endParaRPr lang="en-US" sz="3200" dirty="0" smtClean="0"/>
-                    </a:p>
-                  </a:txBody>
-                  <a:tcPr/>
-                </a:tc>
-              </a:tr>
-              <a:tr h="370840">
-                <a:tc>
-                  <a:txBody>
-                    <a:bodyPr/>
-                    <a:lstStyle/>
-                    <a:p>
-                      <a:r>
-                        <a:rPr lang="en-US" sz="3200" dirty="0" smtClean="0"/>
-                        <a:t>5. Recursive Data</a:t>
-                      </a:r>
-                      <a:endParaRPr lang="en-US" sz="3200" dirty="0"/>
-                    </a:p>
-                  </a:txBody>
-                  <a:tcPr/>
-                </a:tc>
-                <a:tc>
-                  <a:txBody>
-                    <a:bodyPr/>
-                    <a:lstStyle/>
-                    <a:p>
-                      <a:pPr marL="0" marR="0" indent="0" algn="l" defTabSz="914400" rtl="0" eaLnBrk="1" fontAlgn="auto" latinLnBrk="0" hangingPunct="1">
-                        <a:lnSpc>
-                          <a:spcPct val="100000"/>
-                        </a:lnSpc>
-                        <a:spcBef>
-                          <a:spcPts val="0"/>
-                        </a:spcBef>
-                        <a:spcAft>
-                          <a:spcPts val="0"/>
-                        </a:spcAft>
-                        <a:buClrTx/>
-                        <a:buSzTx/>
-                        <a:buFontTx/>
-                        <a:buNone/>
-                        <a:tabLst/>
-                        <a:defRPr/>
-                      </a:pPr>
-                      <a:r>
-                        <a:rPr lang="en-US" sz="3200" dirty="0" smtClean="0"/>
-                        <a:t>Choice of </a:t>
-                      </a:r>
-                      <a:r>
-                        <a:rPr lang="en-US" sz="3200" dirty="0" err="1" smtClean="0"/>
-                        <a:t>structs</a:t>
+                        <a:t>6. Mutually Recursive Data</a:t>
                       </a:r>
                       <a:endParaRPr lang="en-US" sz="3200" dirty="0"/>
                     </a:p>
@@ -10415,89 +10413,11 @@
                     <a:p>
                       <a:r>
                         <a:rPr lang="en-US" sz="3200" dirty="0" smtClean="0"/>
-                        <a:t>6. Mutually Recursive Data</a:t>
-                      </a:r>
-                      <a:endParaRPr lang="en-US" sz="3200" dirty="0"/>
-                    </a:p>
-                  </a:txBody>
-                  <a:tcPr/>
-                </a:tc>
-                <a:tc>
-                  <a:txBody>
-                    <a:bodyPr/>
-                    <a:lstStyle/>
-                    <a:p>
-                      <a:pPr marL="0" marR="0" indent="0" algn="l" defTabSz="914400" rtl="0" eaLnBrk="1" fontAlgn="auto" latinLnBrk="0" hangingPunct="1">
-                        <a:lnSpc>
-                          <a:spcPct val="100000"/>
-                        </a:lnSpc>
-                        <a:spcBef>
-                          <a:spcPts val="0"/>
-                        </a:spcBef>
-                        <a:spcAft>
-                          <a:spcPts val="0"/>
-                        </a:spcAft>
-                        <a:buClrTx/>
-                        <a:buSzTx/>
-                        <a:buFontTx/>
-                        <a:buNone/>
-                        <a:tabLst/>
-                        <a:defRPr/>
-                      </a:pPr>
-                      <a:r>
-                        <a:rPr lang="en-US" sz="3200" dirty="0" smtClean="0"/>
-                        <a:t>Choice of </a:t>
-                      </a:r>
-                      <a:r>
-                        <a:rPr lang="en-US" sz="3200" dirty="0" err="1" smtClean="0"/>
-                        <a:t>structs</a:t>
-                      </a:r>
-                      <a:endParaRPr lang="en-US" sz="3200" dirty="0"/>
-                    </a:p>
-                  </a:txBody>
-                  <a:tcPr/>
-                </a:tc>
-              </a:tr>
-              <a:tr h="370840">
-                <a:tc>
-                  <a:txBody>
-                    <a:bodyPr/>
-                    <a:lstStyle/>
-                    <a:p>
-                      <a:r>
-                        <a:rPr lang="en-US" sz="3200" dirty="0" smtClean="0"/>
-                        <a:t>7. Functional Data</a:t>
-                      </a:r>
-                      <a:endParaRPr lang="en-US" sz="3200" dirty="0"/>
-                    </a:p>
-                  </a:txBody>
-                  <a:tcPr/>
-                </a:tc>
-                <a:tc>
-                  <a:txBody>
-                    <a:bodyPr/>
-                    <a:lstStyle/>
-                    <a:p>
-                      <a:pPr marL="0" marR="0" indent="0" algn="l" defTabSz="914400" rtl="0" eaLnBrk="1" fontAlgn="auto" latinLnBrk="0" hangingPunct="1">
-                        <a:lnSpc>
-                          <a:spcPct val="100000"/>
-                        </a:lnSpc>
-                        <a:spcBef>
-                          <a:spcPts val="0"/>
-                        </a:spcBef>
-                        <a:spcAft>
-                          <a:spcPts val="0"/>
-                        </a:spcAft>
-                        <a:buClrTx/>
-                        <a:buSzTx/>
-                        <a:buFontTx/>
-                        <a:buNone/>
-                        <a:tabLst/>
-                        <a:defRPr/>
-                      </a:pPr>
-                      <a:r>
-                        <a:rPr lang="en-US" sz="3200" dirty="0" smtClean="0"/>
-                        <a:t>Lambda's</a:t>
+                        <a:t>7. Functional</a:t>
+                      </a:r>
+                      <a:r>
+                        <a:rPr lang="en-US" sz="3200" baseline="0" dirty="0" smtClean="0"/>
+                        <a:t> Data</a:t>
                       </a:r>
                       <a:endParaRPr lang="en-US" sz="3200" dirty="0"/>
                     </a:p>
@@ -10535,7 +10455,7 @@
     </p:spTree>
     <p:extLst>
       <p:ext uri="{BB962C8B-B14F-4D97-AF65-F5344CB8AC3E}">
-        <p14:creationId xmlns:p14="http://schemas.microsoft.com/office/powerpoint/2010/main" val="3126650760"/>
+        <p14:creationId xmlns:p14="http://schemas.microsoft.com/office/powerpoint/2010/main" val="3235436253"/>
       </p:ext>
     </p:extLst>
   </p:cSld>
@@ -10586,7 +10506,7 @@
           <a:p>
             <a:r>
               <a:rPr lang="en-US" dirty="0" smtClean="0"/>
-              <a:t>Representations of Data</a:t>
+              <a:t>Representations of Data in Racket</a:t>
             </a:r>
             <a:endParaRPr lang="en-US" dirty="0"/>
           </a:p>
@@ -10602,14 +10522,14 @@
             <p:ph idx="1"/>
             <p:extLst>
               <p:ext uri="{D42A27DB-BD31-4B8C-83A1-F6EECF244321}">
-                <p14:modId xmlns:p14="http://schemas.microsoft.com/office/powerpoint/2010/main" val="1397753121"/>
+                <p14:modId xmlns:p14="http://schemas.microsoft.com/office/powerpoint/2010/main" val="4265915277"/>
               </p:ext>
             </p:extLst>
           </p:nvPr>
         </p:nvGraphicFramePr>
         <p:xfrm>
           <a:off x="457200" y="1600200"/>
-          <a:ext cx="8229600" cy="2966720"/>
+          <a:ext cx="8229600" cy="5120640"/>
         </p:xfrm>
         <a:graphic>
           <a:graphicData uri="http://schemas.openxmlformats.org/drawingml/2006/table">
@@ -10618,9 +10538,8 @@
                 <a:tableStyleId>{5C22544A-7EE6-4342-B048-85BDC9FD1C3A}</a:tableStyleId>
               </a:tblPr>
               <a:tblGrid>
-                <a:gridCol w="2743200"/>
-                <a:gridCol w="1981200"/>
-                <a:gridCol w="3505200"/>
+                <a:gridCol w="4114800"/>
+                <a:gridCol w="4114800"/>
               </a:tblGrid>
               <a:tr h="370840">
                 <a:tc>
@@ -10630,10 +10549,10 @@
                     <a:p>
                       <a:pPr algn="ctr"/>
                       <a:r>
-                        <a:rPr lang="en-US" sz="1800" dirty="0" smtClean="0"/>
+                        <a:rPr lang="en-US" sz="3200" dirty="0" smtClean="0"/>
                         <a:t>Kinds of Data</a:t>
                       </a:r>
-                      <a:endParaRPr lang="en-US" sz="1800" dirty="0"/>
+                      <a:endParaRPr lang="en-US" sz="3200" dirty="0"/>
                     </a:p>
                   </a:txBody>
                   <a:tcPr/>
@@ -10645,25 +10564,10 @@
                     <a:p>
                       <a:pPr algn="ctr"/>
                       <a:r>
-                        <a:rPr lang="en-US" sz="1800" dirty="0" smtClean="0"/>
-                        <a:t>Racket</a:t>
-                      </a:r>
-                      <a:endParaRPr lang="en-US" sz="1800" dirty="0"/>
-                    </a:p>
-                  </a:txBody>
-                  <a:tcPr/>
-                </a:tc>
-                <a:tc>
-                  <a:txBody>
-                    <a:bodyPr/>
-                    <a:lstStyle/>
-                    <a:p>
-                      <a:pPr algn="ctr"/>
-                      <a:r>
-                        <a:rPr lang="en-US" sz="1800" dirty="0" smtClean="0"/>
-                        <a:t>Object-Oriented Representation</a:t>
-                      </a:r>
-                      <a:endParaRPr lang="en-US" sz="1800" dirty="0"/>
+                        <a:rPr lang="en-US" sz="3200" dirty="0" smtClean="0"/>
+                        <a:t>Racket Representation</a:t>
+                      </a:r>
+                      <a:endParaRPr lang="en-US" sz="3200" dirty="0"/>
                     </a:p>
                   </a:txBody>
                   <a:tcPr/>
@@ -10676,10 +10580,10 @@
                     <a:lstStyle/>
                     <a:p>
                       <a:r>
-                        <a:rPr lang="en-US" sz="1800" dirty="0" smtClean="0"/>
+                        <a:rPr lang="en-US" sz="3200" dirty="0" smtClean="0"/>
                         <a:t>1. Scalar Data</a:t>
                       </a:r>
-                      <a:endParaRPr lang="en-US" sz="1800" dirty="0"/>
+                      <a:endParaRPr lang="en-US" sz="3200" dirty="0"/>
                     </a:p>
                   </a:txBody>
                   <a:tcPr/>
@@ -10690,24 +10594,10 @@
                     <a:lstStyle/>
                     <a:p>
                       <a:r>
-                        <a:rPr lang="en-US" sz="1800" dirty="0" smtClean="0"/>
+                        <a:rPr lang="en-US" sz="3200" dirty="0" smtClean="0"/>
                         <a:t>Built-in</a:t>
                       </a:r>
-                      <a:endParaRPr lang="en-US" sz="1800" dirty="0"/>
-                    </a:p>
-                  </a:txBody>
-                  <a:tcPr/>
-                </a:tc>
-                <a:tc>
-                  <a:txBody>
-                    <a:bodyPr/>
-                    <a:lstStyle/>
-                    <a:p>
-                      <a:r>
-                        <a:rPr lang="en-US" sz="1800" dirty="0" smtClean="0"/>
-                        <a:t>Build-in</a:t>
-                      </a:r>
-                      <a:endParaRPr lang="en-US" sz="1800" dirty="0"/>
+                      <a:endParaRPr lang="en-US" sz="3200" dirty="0"/>
                     </a:p>
                   </a:txBody>
                   <a:tcPr/>
@@ -10720,10 +10610,10 @@
                     <a:lstStyle/>
                     <a:p>
                       <a:r>
-                        <a:rPr lang="en-US" sz="1800" dirty="0" smtClean="0"/>
+                        <a:rPr lang="en-US" sz="3200" dirty="0" smtClean="0"/>
                         <a:t>2. Compound Data</a:t>
                       </a:r>
-                      <a:endParaRPr lang="en-US" sz="1800" dirty="0"/>
+                      <a:endParaRPr lang="en-US" sz="3200" dirty="0"/>
                     </a:p>
                   </a:txBody>
                   <a:tcPr/>
@@ -10734,24 +10624,10 @@
                     <a:lstStyle/>
                     <a:p>
                       <a:r>
-                        <a:rPr lang="en-US" sz="1800" dirty="0" err="1" smtClean="0"/>
+                        <a:rPr lang="en-US" sz="3200" dirty="0" err="1" smtClean="0"/>
                         <a:t>Struct</a:t>
                       </a:r>
-                      <a:endParaRPr lang="en-US" sz="1800" dirty="0"/>
-                    </a:p>
-                  </a:txBody>
-                  <a:tcPr/>
-                </a:tc>
-                <a:tc>
-                  <a:txBody>
-                    <a:bodyPr/>
-                    <a:lstStyle/>
-                    <a:p>
-                      <a:r>
-                        <a:rPr lang="en-US" sz="1800" dirty="0" smtClean="0"/>
-                        <a:t>Class</a:t>
-                      </a:r>
-                      <a:endParaRPr lang="en-US" sz="1800" dirty="0"/>
+                      <a:endParaRPr lang="en-US" sz="3200" dirty="0"/>
                     </a:p>
                   </a:txBody>
                   <a:tcPr/>
@@ -10764,14 +10640,14 @@
                     <a:lstStyle/>
                     <a:p>
                       <a:r>
-                        <a:rPr lang="en-US" sz="1800" dirty="0" smtClean="0"/>
+                        <a:rPr lang="en-US" sz="3200" dirty="0" smtClean="0"/>
                         <a:t>3.</a:t>
                       </a:r>
                       <a:r>
-                        <a:rPr lang="en-US" sz="1800" baseline="0" dirty="0" smtClean="0"/>
+                        <a:rPr lang="en-US" sz="3200" baseline="0" dirty="0" smtClean="0"/>
                         <a:t> Itemization Data</a:t>
                       </a:r>
-                      <a:endParaRPr lang="en-US" sz="1800" dirty="0"/>
+                      <a:endParaRPr lang="en-US" sz="3200" dirty="0"/>
                     </a:p>
                   </a:txBody>
                   <a:tcPr/>
@@ -10782,24 +10658,10 @@
                     <a:lstStyle/>
                     <a:p>
                       <a:r>
-                        <a:rPr lang="en-US" sz="1800" dirty="0" smtClean="0"/>
+                        <a:rPr lang="en-US" sz="3200" dirty="0" smtClean="0"/>
                         <a:t>Choice</a:t>
                       </a:r>
-                      <a:endParaRPr lang="en-US" sz="1800" dirty="0"/>
-                    </a:p>
-                  </a:txBody>
-                  <a:tcPr/>
-                </a:tc>
-                <a:tc>
-                  <a:txBody>
-                    <a:bodyPr/>
-                    <a:lstStyle/>
-                    <a:p>
-                      <a:r>
-                        <a:rPr lang="en-US" sz="1800" dirty="0" smtClean="0"/>
-                        <a:t>Interface</a:t>
-                      </a:r>
-                      <a:endParaRPr lang="en-US" sz="1800" dirty="0"/>
+                      <a:endParaRPr lang="en-US" sz="3200" dirty="0"/>
                     </a:p>
                   </a:txBody>
                   <a:tcPr/>
@@ -10812,7 +10674,7 @@
                     <a:lstStyle/>
                     <a:p>
                       <a:r>
-                        <a:rPr lang="en-US" sz="1800" dirty="0" smtClean="0"/>
+                        <a:rPr lang="en-US" sz="3200" dirty="0" smtClean="0"/>
                         <a:t>4. Mixed Data</a:t>
                       </a:r>
                     </a:p>
@@ -10825,28 +10687,14 @@
                     <a:lstStyle/>
                     <a:p>
                       <a:r>
-                        <a:rPr lang="en-US" sz="1800" dirty="0" smtClean="0"/>
+                        <a:rPr lang="en-US" sz="3200" dirty="0" smtClean="0"/>
                         <a:t>Choice of </a:t>
                       </a:r>
                       <a:r>
-                        <a:rPr lang="en-US" sz="1800" dirty="0" err="1" smtClean="0"/>
+                        <a:rPr lang="en-US" sz="3200" dirty="0" err="1" smtClean="0"/>
                         <a:t>structs</a:t>
                       </a:r>
-                      <a:endParaRPr lang="en-US" sz="1800" dirty="0" smtClean="0"/>
-                    </a:p>
-                  </a:txBody>
-                  <a:tcPr/>
-                </a:tc>
-                <a:tc>
-                  <a:txBody>
-                    <a:bodyPr/>
-                    <a:lstStyle/>
-                    <a:p>
-                      <a:r>
-                        <a:rPr lang="en-US" sz="1800" dirty="0" smtClean="0"/>
-                        <a:t>Interface</a:t>
-                      </a:r>
-                      <a:endParaRPr lang="en-US" sz="1800" dirty="0"/>
+                      <a:endParaRPr lang="en-US" sz="3200" dirty="0" smtClean="0"/>
                     </a:p>
                   </a:txBody>
                   <a:tcPr/>
@@ -10859,10 +10707,10 @@
                     <a:lstStyle/>
                     <a:p>
                       <a:r>
-                        <a:rPr lang="en-US" sz="1800" dirty="0" smtClean="0"/>
+                        <a:rPr lang="en-US" sz="3200" dirty="0" smtClean="0"/>
                         <a:t>5. Recursive Data</a:t>
                       </a:r>
-                      <a:endParaRPr lang="en-US" sz="1800" dirty="0"/>
+                      <a:endParaRPr lang="en-US" sz="3200" dirty="0"/>
                     </a:p>
                   </a:txBody>
                   <a:tcPr/>
@@ -10890,14 +10738,30 @@
                         <a:defRPr/>
                       </a:pPr>
                       <a:r>
-                        <a:rPr lang="en-US" sz="1800" dirty="0" smtClean="0"/>
+                        <a:rPr lang="en-US" sz="3200" dirty="0" smtClean="0"/>
                         <a:t>Choice of </a:t>
                       </a:r>
                       <a:r>
-                        <a:rPr lang="en-US" sz="1800" dirty="0" err="1" smtClean="0"/>
+                        <a:rPr lang="en-US" sz="3200" dirty="0" err="1" smtClean="0"/>
                         <a:t>structs</a:t>
                       </a:r>
-                      <a:endParaRPr lang="en-US" sz="1800" dirty="0"/>
+                      <a:endParaRPr lang="en-US" sz="3200" dirty="0"/>
+                    </a:p>
+                  </a:txBody>
+                  <a:tcPr/>
+                </a:tc>
+              </a:tr>
+              <a:tr h="370840">
+                <a:tc>
+                  <a:txBody>
+                    <a:bodyPr/>
+                    <a:lstStyle/>
+                    <a:p>
+                      <a:r>
+                        <a:rPr lang="en-US" sz="3200" dirty="0" smtClean="0"/>
+                        <a:t>6. Mutually Recursive Data</a:t>
+                      </a:r>
+                      <a:endParaRPr lang="en-US" sz="3200" dirty="0"/>
                     </a:p>
                   </a:txBody>
                   <a:tcPr/>
@@ -10925,10 +10789,14 @@
                         <a:defRPr/>
                       </a:pPr>
                       <a:r>
-                        <a:rPr lang="en-US" sz="1800" dirty="0" smtClean="0"/>
-                        <a:t>Interface</a:t>
-                      </a:r>
-                      <a:endParaRPr lang="en-US" sz="1800" dirty="0"/>
+                        <a:rPr lang="en-US" sz="3200" dirty="0" smtClean="0"/>
+                        <a:t>Choice of </a:t>
+                      </a:r>
+                      <a:r>
+                        <a:rPr lang="en-US" sz="3200" dirty="0" err="1" smtClean="0"/>
+                        <a:t>structs</a:t>
+                      </a:r>
+                      <a:endParaRPr lang="en-US" sz="3200" dirty="0"/>
                     </a:p>
                   </a:txBody>
                   <a:tcPr/>
@@ -10941,10 +10809,10 @@
                     <a:lstStyle/>
                     <a:p>
                       <a:r>
-                        <a:rPr lang="en-US" sz="1800" dirty="0" smtClean="0"/>
-                        <a:t>6. Mutually Recursive Data</a:t>
-                      </a:r>
-                      <a:endParaRPr lang="en-US" sz="1800" dirty="0"/>
+                        <a:rPr lang="en-US" sz="3200" dirty="0" smtClean="0"/>
+                        <a:t>7. Functional Data</a:t>
+                      </a:r>
+                      <a:endParaRPr lang="en-US" sz="3200" dirty="0"/>
                     </a:p>
                   </a:txBody>
                   <a:tcPr/>
@@ -10972,127 +10840,10 @@
                         <a:defRPr/>
                       </a:pPr>
                       <a:r>
-                        <a:rPr lang="en-US" sz="1800" dirty="0" smtClean="0"/>
-                        <a:t>Choice of </a:t>
-                      </a:r>
-                      <a:r>
-                        <a:rPr lang="en-US" sz="1800" dirty="0" err="1" smtClean="0"/>
-                        <a:t>structs</a:t>
-                      </a:r>
-                      <a:endParaRPr lang="en-US" sz="1800" dirty="0"/>
-                    </a:p>
-                  </a:txBody>
-                  <a:tcPr/>
-                </a:tc>
-                <a:tc>
-                  <a:txBody>
-                    <a:bodyPr/>
-                    <a:lstStyle/>
-                    <a:p>
-                      <a:pPr marL="0" marR="0" indent="0" algn="l" defTabSz="914400" rtl="0" eaLnBrk="1" fontAlgn="auto" latinLnBrk="0" hangingPunct="1">
-                        <a:lnSpc>
-                          <a:spcPct val="100000"/>
-                        </a:lnSpc>
-                        <a:spcBef>
-                          <a:spcPts val="0"/>
-                        </a:spcBef>
-                        <a:spcAft>
-                          <a:spcPts val="0"/>
-                        </a:spcAft>
-                        <a:buClrTx/>
-                        <a:buSzTx/>
-                        <a:buFontTx/>
-                        <a:buNone/>
-                        <a:tabLst/>
-                        <a:defRPr/>
-                      </a:pPr>
-                      <a:r>
-                        <a:rPr lang="en-US" sz="1800" dirty="0" smtClean="0"/>
-                        <a:t>Multiple</a:t>
-                      </a:r>
-                      <a:r>
-                        <a:rPr lang="en-US" sz="1800" baseline="0" dirty="0" smtClean="0"/>
-                        <a:t> Interfaces</a:t>
-                      </a:r>
-                      <a:endParaRPr lang="en-US" sz="1800" dirty="0"/>
-                    </a:p>
-                  </a:txBody>
-                  <a:tcPr/>
-                </a:tc>
-              </a:tr>
-              <a:tr h="370840">
-                <a:tc>
-                  <a:txBody>
-                    <a:bodyPr/>
-                    <a:lstStyle/>
-                    <a:p>
-                      <a:r>
-                        <a:rPr lang="en-US" sz="1800" dirty="0" smtClean="0"/>
-                        <a:t>7. Functional Data</a:t>
-                      </a:r>
-                      <a:endParaRPr lang="en-US" sz="1800" dirty="0"/>
-                    </a:p>
-                  </a:txBody>
-                  <a:tcPr/>
-                </a:tc>
-                <a:tc>
-                  <a:txBody>
-                    <a:bodyPr/>
-                    <a:lstStyle/>
-                    <a:p>
-                      <a:pPr marL="0" marR="0" indent="0" algn="l" defTabSz="914400" rtl="0" eaLnBrk="1" fontAlgn="auto" latinLnBrk="0" hangingPunct="1">
-                        <a:lnSpc>
-                          <a:spcPct val="100000"/>
-                        </a:lnSpc>
-                        <a:spcBef>
-                          <a:spcPts val="0"/>
-                        </a:spcBef>
-                        <a:spcAft>
-                          <a:spcPts val="0"/>
-                        </a:spcAft>
-                        <a:buClrTx/>
-                        <a:buSzTx/>
-                        <a:buFontTx/>
-                        <a:buNone/>
-                        <a:tabLst/>
-                        <a:defRPr/>
-                      </a:pPr>
-                      <a:r>
-                        <a:rPr lang="en-US" sz="1800" dirty="0" smtClean="0"/>
+                        <a:rPr lang="en-US" sz="3200" dirty="0" smtClean="0"/>
                         <a:t>Lambda's</a:t>
                       </a:r>
-                      <a:endParaRPr lang="en-US" sz="1800" dirty="0"/>
-                    </a:p>
-                  </a:txBody>
-                  <a:tcPr/>
-                </a:tc>
-                <a:tc>
-                  <a:txBody>
-                    <a:bodyPr/>
-                    <a:lstStyle/>
-                    <a:p>
-                      <a:pPr marL="0" marR="0" indent="0" algn="l" defTabSz="914400" rtl="0" eaLnBrk="1" fontAlgn="auto" latinLnBrk="0" hangingPunct="1">
-                        <a:lnSpc>
-                          <a:spcPct val="100000"/>
-                        </a:lnSpc>
-                        <a:spcBef>
-                          <a:spcPts val="0"/>
-                        </a:spcBef>
-                        <a:spcAft>
-                          <a:spcPts val="0"/>
-                        </a:spcAft>
-                        <a:buClrTx/>
-                        <a:buSzTx/>
-                        <a:buFontTx/>
-                        <a:buNone/>
-                        <a:tabLst/>
-                        <a:defRPr/>
-                      </a:pPr>
-                      <a:r>
-                        <a:rPr lang="en-US" sz="1800" dirty="0" smtClean="0"/>
-                        <a:t>Varies by language</a:t>
-                      </a:r>
-                      <a:endParaRPr lang="en-US" sz="1800" dirty="0"/>
+                      <a:endParaRPr lang="en-US" sz="3200" dirty="0"/>
                     </a:p>
                   </a:txBody>
                   <a:tcPr/>
@@ -11128,7 +10879,7 @@
     </p:spTree>
     <p:extLst>
       <p:ext uri="{BB962C8B-B14F-4D97-AF65-F5344CB8AC3E}">
-        <p14:creationId xmlns:p14="http://schemas.microsoft.com/office/powerpoint/2010/main" val="2895908625"/>
+        <p14:creationId xmlns:p14="http://schemas.microsoft.com/office/powerpoint/2010/main" val="3126650760"/>
       </p:ext>
     </p:extLst>
   </p:cSld>
@@ -11179,7 +10930,7 @@
           <a:p>
             <a:r>
               <a:rPr lang="en-US" dirty="0" smtClean="0"/>
-              <a:t>Reviewing a Data Design</a:t>
+              <a:t>Representations of Data</a:t>
             </a:r>
             <a:endParaRPr lang="en-US" dirty="0"/>
           </a:p>
@@ -11195,14 +10946,14 @@
             <p:ph idx="1"/>
             <p:extLst>
               <p:ext uri="{D42A27DB-BD31-4B8C-83A1-F6EECF244321}">
-                <p14:modId xmlns:p14="http://schemas.microsoft.com/office/powerpoint/2010/main" val="831951519"/>
+                <p14:modId xmlns:p14="http://schemas.microsoft.com/office/powerpoint/2010/main" val="1397753121"/>
               </p:ext>
             </p:extLst>
           </p:nvPr>
         </p:nvGraphicFramePr>
         <p:xfrm>
           <a:off x="457200" y="1600200"/>
-          <a:ext cx="8229600" cy="4846320"/>
+          <a:ext cx="8229600" cy="2966720"/>
         </p:xfrm>
         <a:graphic>
           <a:graphicData uri="http://schemas.openxmlformats.org/drawingml/2006/table">
@@ -11211,7 +10962,9 @@
                 <a:tableStyleId>{5C22544A-7EE6-4342-B048-85BDC9FD1C3A}</a:tableStyleId>
               </a:tblPr>
               <a:tblGrid>
-                <a:gridCol w="8229600"/>
+                <a:gridCol w="2743200"/>
+                <a:gridCol w="1981200"/>
+                <a:gridCol w="3505200"/>
               </a:tblGrid>
               <a:tr h="370840">
                 <a:tc>
@@ -11221,10 +10974,40 @@
                     <a:p>
                       <a:pPr algn="ctr"/>
                       <a:r>
-                        <a:rPr lang="en-US" sz="3200" dirty="0" smtClean="0"/>
-                        <a:t>Reviewing a Data Design</a:t>
-                      </a:r>
-                      <a:endParaRPr lang="en-US" sz="3200" dirty="0"/>
+                        <a:rPr lang="en-US" sz="1800" dirty="0" smtClean="0"/>
+                        <a:t>Kinds of Data</a:t>
+                      </a:r>
+                      <a:endParaRPr lang="en-US" sz="1800" dirty="0"/>
+                    </a:p>
+                  </a:txBody>
+                  <a:tcPr/>
+                </a:tc>
+                <a:tc>
+                  <a:txBody>
+                    <a:bodyPr/>
+                    <a:lstStyle/>
+                    <a:p>
+                      <a:pPr algn="ctr"/>
+                      <a:r>
+                        <a:rPr lang="en-US" sz="1800" dirty="0" smtClean="0"/>
+                        <a:t>Racket</a:t>
+                      </a:r>
+                      <a:endParaRPr lang="en-US" sz="1800" dirty="0"/>
+                    </a:p>
+                  </a:txBody>
+                  <a:tcPr/>
+                </a:tc>
+                <a:tc>
+                  <a:txBody>
+                    <a:bodyPr/>
+                    <a:lstStyle/>
+                    <a:p>
+                      <a:pPr algn="ctr"/>
+                      <a:r>
+                        <a:rPr lang="en-US" sz="1800" dirty="0" smtClean="0"/>
+                        <a:t>Object-Oriented Representation</a:t>
+                      </a:r>
+                      <a:endParaRPr lang="en-US" sz="1800" dirty="0"/>
                     </a:p>
                   </a:txBody>
                   <a:tcPr/>
@@ -11237,10 +11020,38 @@
                     <a:lstStyle/>
                     <a:p>
                       <a:r>
-                        <a:rPr lang="en-US" sz="3200" dirty="0" smtClean="0"/>
-                        <a:t>1. Is the interpretation clear and unambiguous?</a:t>
-                      </a:r>
-                      <a:endParaRPr lang="en-US" sz="3200" dirty="0"/>
+                        <a:rPr lang="en-US" sz="1800" dirty="0" smtClean="0"/>
+                        <a:t>1. Scalar Data</a:t>
+                      </a:r>
+                      <a:endParaRPr lang="en-US" sz="1800" dirty="0"/>
+                    </a:p>
+                  </a:txBody>
+                  <a:tcPr/>
+                </a:tc>
+                <a:tc>
+                  <a:txBody>
+                    <a:bodyPr/>
+                    <a:lstStyle/>
+                    <a:p>
+                      <a:r>
+                        <a:rPr lang="en-US" sz="1800" dirty="0" smtClean="0"/>
+                        <a:t>Built-in</a:t>
+                      </a:r>
+                      <a:endParaRPr lang="en-US" sz="1800" dirty="0"/>
+                    </a:p>
+                  </a:txBody>
+                  <a:tcPr/>
+                </a:tc>
+                <a:tc>
+                  <a:txBody>
+                    <a:bodyPr/>
+                    <a:lstStyle/>
+                    <a:p>
+                      <a:r>
+                        <a:rPr lang="en-US" sz="1800" dirty="0" smtClean="0"/>
+                        <a:t>Build-in</a:t>
+                      </a:r>
+                      <a:endParaRPr lang="en-US" sz="1800" dirty="0"/>
                     </a:p>
                   </a:txBody>
                   <a:tcPr/>
@@ -11253,10 +11064,38 @@
                     <a:lstStyle/>
                     <a:p>
                       <a:r>
-                        <a:rPr lang="en-US" sz="3200" dirty="0" smtClean="0"/>
-                        <a:t>2. Can you represent all the information you need for your program?</a:t>
-                      </a:r>
-                      <a:endParaRPr lang="en-US" sz="3200" dirty="0"/>
+                        <a:rPr lang="en-US" sz="1800" dirty="0" smtClean="0"/>
+                        <a:t>2. Compound Data</a:t>
+                      </a:r>
+                      <a:endParaRPr lang="en-US" sz="1800" dirty="0"/>
+                    </a:p>
+                  </a:txBody>
+                  <a:tcPr/>
+                </a:tc>
+                <a:tc>
+                  <a:txBody>
+                    <a:bodyPr/>
+                    <a:lstStyle/>
+                    <a:p>
+                      <a:r>
+                        <a:rPr lang="en-US" sz="1800" dirty="0" err="1" smtClean="0"/>
+                        <a:t>Struct</a:t>
+                      </a:r>
+                      <a:endParaRPr lang="en-US" sz="1800" dirty="0"/>
+                    </a:p>
+                  </a:txBody>
+                  <a:tcPr/>
+                </a:tc>
+                <a:tc>
+                  <a:txBody>
+                    <a:bodyPr/>
+                    <a:lstStyle/>
+                    <a:p>
+                      <a:r>
+                        <a:rPr lang="en-US" sz="1800" dirty="0" smtClean="0"/>
+                        <a:t>Class</a:t>
+                      </a:r>
+                      <a:endParaRPr lang="en-US" sz="1800" dirty="0"/>
                     </a:p>
                   </a:txBody>
                   <a:tcPr/>
@@ -11269,22 +11108,42 @@
                     <a:lstStyle/>
                     <a:p>
                       <a:r>
-                        <a:rPr lang="en-US" sz="3200" dirty="0" smtClean="0"/>
-                        <a:t>3. Do</a:t>
-                      </a:r>
-                      <a:r>
-                        <a:rPr lang="en-US" sz="3200" baseline="0" dirty="0" smtClean="0"/>
-                        <a:t> you </a:t>
-                      </a:r>
-                      <a:r>
-                        <a:rPr lang="en-US" sz="3200" i="1" baseline="0" dirty="0" smtClean="0"/>
-                        <a:t>need</a:t>
-                      </a:r>
-                      <a:r>
-                        <a:rPr lang="en-US" sz="3200" baseline="0" dirty="0" smtClean="0"/>
-                        <a:t> all of the data in your representation?</a:t>
-                      </a:r>
-                      <a:endParaRPr lang="en-US" sz="3200" dirty="0"/>
+                        <a:rPr lang="en-US" sz="1800" dirty="0" smtClean="0"/>
+                        <a:t>3.</a:t>
+                      </a:r>
+                      <a:r>
+                        <a:rPr lang="en-US" sz="1800" baseline="0" dirty="0" smtClean="0"/>
+                        <a:t> Itemization Data</a:t>
+                      </a:r>
+                      <a:endParaRPr lang="en-US" sz="1800" dirty="0"/>
+                    </a:p>
+                  </a:txBody>
+                  <a:tcPr/>
+                </a:tc>
+                <a:tc>
+                  <a:txBody>
+                    <a:bodyPr/>
+                    <a:lstStyle/>
+                    <a:p>
+                      <a:r>
+                        <a:rPr lang="en-US" sz="1800" dirty="0" smtClean="0"/>
+                        <a:t>Choice</a:t>
+                      </a:r>
+                      <a:endParaRPr lang="en-US" sz="1800" dirty="0"/>
+                    </a:p>
+                  </a:txBody>
+                  <a:tcPr/>
+                </a:tc>
+                <a:tc>
+                  <a:txBody>
+                    <a:bodyPr/>
+                    <a:lstStyle/>
+                    <a:p>
+                      <a:r>
+                        <a:rPr lang="en-US" sz="1800" dirty="0" smtClean="0"/>
+                        <a:t>Interface</a:t>
+                      </a:r>
+                      <a:endParaRPr lang="en-US" sz="1800" dirty="0"/>
                     </a:p>
                   </a:txBody>
                   <a:tcPr/>
@@ -11297,22 +11156,287 @@
                     <a:lstStyle/>
                     <a:p>
                       <a:r>
-                        <a:rPr lang="en-US" sz="3200" dirty="0" smtClean="0"/>
-                        <a:t>4</a:t>
-                      </a:r>
-                      <a:r>
-                        <a:rPr lang="en-US" sz="3200" smtClean="0"/>
-                        <a:t>.</a:t>
-                      </a:r>
-                      <a:r>
-                        <a:rPr lang="en-US" sz="3200" baseline="0" smtClean="0"/>
-                        <a:t> </a:t>
-                      </a:r>
-                      <a:r>
-                        <a:rPr lang="en-US" sz="3200" baseline="0" dirty="0" smtClean="0"/>
-                        <a:t>Does every combination of values make sense? If not, document the meaningful combinations with a WHERE clause.</a:t>
-                      </a:r>
-                      <a:endParaRPr lang="en-US" sz="3200" dirty="0"/>
+                        <a:rPr lang="en-US" sz="1800" dirty="0" smtClean="0"/>
+                        <a:t>4. Mixed Data</a:t>
+                      </a:r>
+                    </a:p>
+                  </a:txBody>
+                  <a:tcPr/>
+                </a:tc>
+                <a:tc>
+                  <a:txBody>
+                    <a:bodyPr/>
+                    <a:lstStyle/>
+                    <a:p>
+                      <a:r>
+                        <a:rPr lang="en-US" sz="1800" dirty="0" smtClean="0"/>
+                        <a:t>Choice of </a:t>
+                      </a:r>
+                      <a:r>
+                        <a:rPr lang="en-US" sz="1800" dirty="0" err="1" smtClean="0"/>
+                        <a:t>structs</a:t>
+                      </a:r>
+                      <a:endParaRPr lang="en-US" sz="1800" dirty="0" smtClean="0"/>
+                    </a:p>
+                  </a:txBody>
+                  <a:tcPr/>
+                </a:tc>
+                <a:tc>
+                  <a:txBody>
+                    <a:bodyPr/>
+                    <a:lstStyle/>
+                    <a:p>
+                      <a:r>
+                        <a:rPr lang="en-US" sz="1800" dirty="0" smtClean="0"/>
+                        <a:t>Interface</a:t>
+                      </a:r>
+                      <a:endParaRPr lang="en-US" sz="1800" dirty="0"/>
+                    </a:p>
+                  </a:txBody>
+                  <a:tcPr/>
+                </a:tc>
+              </a:tr>
+              <a:tr h="370840">
+                <a:tc>
+                  <a:txBody>
+                    <a:bodyPr/>
+                    <a:lstStyle/>
+                    <a:p>
+                      <a:r>
+                        <a:rPr lang="en-US" sz="1800" dirty="0" smtClean="0"/>
+                        <a:t>5. Recursive Data</a:t>
+                      </a:r>
+                      <a:endParaRPr lang="en-US" sz="1800" dirty="0"/>
+                    </a:p>
+                  </a:txBody>
+                  <a:tcPr/>
+                </a:tc>
+                <a:tc>
+                  <a:txBody>
+                    <a:bodyPr/>
+                    <a:lstStyle/>
+                    <a:p>
+                      <a:pPr marL="0" marR="0" indent="0" algn="l" defTabSz="914400" rtl="0" eaLnBrk="1" fontAlgn="auto" latinLnBrk="0" hangingPunct="1">
+                        <a:lnSpc>
+                          <a:spcPct val="100000"/>
+                        </a:lnSpc>
+                        <a:spcBef>
+                          <a:spcPts val="0"/>
+                        </a:spcBef>
+                        <a:spcAft>
+                          <a:spcPts val="0"/>
+                        </a:spcAft>
+                        <a:buClrTx/>
+                        <a:buSzTx/>
+                        <a:buFontTx/>
+                        <a:buNone/>
+                        <a:tabLst/>
+                        <a:defRPr/>
+                      </a:pPr>
+                      <a:r>
+                        <a:rPr lang="en-US" sz="1800" dirty="0" smtClean="0"/>
+                        <a:t>Choice of </a:t>
+                      </a:r>
+                      <a:r>
+                        <a:rPr lang="en-US" sz="1800" dirty="0" err="1" smtClean="0"/>
+                        <a:t>structs</a:t>
+                      </a:r>
+                      <a:endParaRPr lang="en-US" sz="1800" dirty="0"/>
+                    </a:p>
+                  </a:txBody>
+                  <a:tcPr/>
+                </a:tc>
+                <a:tc>
+                  <a:txBody>
+                    <a:bodyPr/>
+                    <a:lstStyle/>
+                    <a:p>
+                      <a:pPr marL="0" marR="0" indent="0" algn="l" defTabSz="914400" rtl="0" eaLnBrk="1" fontAlgn="auto" latinLnBrk="0" hangingPunct="1">
+                        <a:lnSpc>
+                          <a:spcPct val="100000"/>
+                        </a:lnSpc>
+                        <a:spcBef>
+                          <a:spcPts val="0"/>
+                        </a:spcBef>
+                        <a:spcAft>
+                          <a:spcPts val="0"/>
+                        </a:spcAft>
+                        <a:buClrTx/>
+                        <a:buSzTx/>
+                        <a:buFontTx/>
+                        <a:buNone/>
+                        <a:tabLst/>
+                        <a:defRPr/>
+                      </a:pPr>
+                      <a:r>
+                        <a:rPr lang="en-US" sz="1800" dirty="0" smtClean="0"/>
+                        <a:t>Interface</a:t>
+                      </a:r>
+                      <a:endParaRPr lang="en-US" sz="1800" dirty="0"/>
+                    </a:p>
+                  </a:txBody>
+                  <a:tcPr/>
+                </a:tc>
+              </a:tr>
+              <a:tr h="370840">
+                <a:tc>
+                  <a:txBody>
+                    <a:bodyPr/>
+                    <a:lstStyle/>
+                    <a:p>
+                      <a:r>
+                        <a:rPr lang="en-US" sz="1800" dirty="0" smtClean="0"/>
+                        <a:t>6. Mutually Recursive Data</a:t>
+                      </a:r>
+                      <a:endParaRPr lang="en-US" sz="1800" dirty="0"/>
+                    </a:p>
+                  </a:txBody>
+                  <a:tcPr/>
+                </a:tc>
+                <a:tc>
+                  <a:txBody>
+                    <a:bodyPr/>
+                    <a:lstStyle/>
+                    <a:p>
+                      <a:pPr marL="0" marR="0" indent="0" algn="l" defTabSz="914400" rtl="0" eaLnBrk="1" fontAlgn="auto" latinLnBrk="0" hangingPunct="1">
+                        <a:lnSpc>
+                          <a:spcPct val="100000"/>
+                        </a:lnSpc>
+                        <a:spcBef>
+                          <a:spcPts val="0"/>
+                        </a:spcBef>
+                        <a:spcAft>
+                          <a:spcPts val="0"/>
+                        </a:spcAft>
+                        <a:buClrTx/>
+                        <a:buSzTx/>
+                        <a:buFontTx/>
+                        <a:buNone/>
+                        <a:tabLst/>
+                        <a:defRPr/>
+                      </a:pPr>
+                      <a:r>
+                        <a:rPr lang="en-US" sz="1800" dirty="0" smtClean="0"/>
+                        <a:t>Choice of </a:t>
+                      </a:r>
+                      <a:r>
+                        <a:rPr lang="en-US" sz="1800" dirty="0" err="1" smtClean="0"/>
+                        <a:t>structs</a:t>
+                      </a:r>
+                      <a:endParaRPr lang="en-US" sz="1800" dirty="0"/>
+                    </a:p>
+                  </a:txBody>
+                  <a:tcPr/>
+                </a:tc>
+                <a:tc>
+                  <a:txBody>
+                    <a:bodyPr/>
+                    <a:lstStyle/>
+                    <a:p>
+                      <a:pPr marL="0" marR="0" indent="0" algn="l" defTabSz="914400" rtl="0" eaLnBrk="1" fontAlgn="auto" latinLnBrk="0" hangingPunct="1">
+                        <a:lnSpc>
+                          <a:spcPct val="100000"/>
+                        </a:lnSpc>
+                        <a:spcBef>
+                          <a:spcPts val="0"/>
+                        </a:spcBef>
+                        <a:spcAft>
+                          <a:spcPts val="0"/>
+                        </a:spcAft>
+                        <a:buClrTx/>
+                        <a:buSzTx/>
+                        <a:buFontTx/>
+                        <a:buNone/>
+                        <a:tabLst/>
+                        <a:defRPr/>
+                      </a:pPr>
+                      <a:r>
+                        <a:rPr lang="en-US" sz="1800" dirty="0" smtClean="0"/>
+                        <a:t>Multiple</a:t>
+                      </a:r>
+                      <a:r>
+                        <a:rPr lang="en-US" sz="1800" baseline="0" dirty="0" smtClean="0"/>
+                        <a:t> Interfaces</a:t>
+                      </a:r>
+                      <a:endParaRPr lang="en-US" sz="1800" dirty="0"/>
+                    </a:p>
+                  </a:txBody>
+                  <a:tcPr/>
+                </a:tc>
+              </a:tr>
+              <a:tr h="370840">
+                <a:tc>
+                  <a:txBody>
+                    <a:bodyPr/>
+                    <a:lstStyle/>
+                    <a:p>
+                      <a:r>
+                        <a:rPr lang="en-US" sz="1800" dirty="0" smtClean="0"/>
+                        <a:t>7. Functional Data</a:t>
+                      </a:r>
+                      <a:endParaRPr lang="en-US" sz="1800" dirty="0"/>
+                    </a:p>
+                  </a:txBody>
+                  <a:tcPr/>
+                </a:tc>
+                <a:tc>
+                  <a:txBody>
+                    <a:bodyPr/>
+                    <a:lstStyle/>
+                    <a:p>
+                      <a:pPr marL="0" marR="0" indent="0" algn="l" defTabSz="914400" rtl="0" eaLnBrk="1" fontAlgn="auto" latinLnBrk="0" hangingPunct="1">
+                        <a:lnSpc>
+                          <a:spcPct val="100000"/>
+                        </a:lnSpc>
+                        <a:spcBef>
+                          <a:spcPts val="0"/>
+                        </a:spcBef>
+                        <a:spcAft>
+                          <a:spcPts val="0"/>
+                        </a:spcAft>
+                        <a:buClrTx/>
+                        <a:buSzTx/>
+                        <a:buFontTx/>
+                        <a:buNone/>
+                        <a:tabLst/>
+                        <a:defRPr/>
+                      </a:pPr>
+                      <a:r>
+                        <a:rPr lang="en-US" sz="1800" dirty="0" smtClean="0"/>
+                        <a:t>Lambda's</a:t>
+                      </a:r>
+                      <a:endParaRPr lang="en-US" sz="1800" dirty="0"/>
+                    </a:p>
+                  </a:txBody>
+                  <a:tcPr/>
+                </a:tc>
+                <a:tc>
+                  <a:txBody>
+                    <a:bodyPr/>
+                    <a:lstStyle/>
+                    <a:p>
+                      <a:pPr marL="0" marR="0" indent="0" algn="l" defTabSz="914400" rtl="0" eaLnBrk="1" fontAlgn="auto" latinLnBrk="0" hangingPunct="1">
+                        <a:lnSpc>
+                          <a:spcPct val="100000"/>
+                        </a:lnSpc>
+                        <a:spcBef>
+                          <a:spcPts val="0"/>
+                        </a:spcBef>
+                        <a:spcAft>
+                          <a:spcPts val="0"/>
+                        </a:spcAft>
+                        <a:buClrTx/>
+                        <a:buSzTx/>
+                        <a:buFontTx/>
+                        <a:buNone/>
+                        <a:tabLst/>
+                        <a:defRPr/>
+                      </a:pPr>
+                      <a:r>
+                        <a:rPr lang="en-US" sz="1800" dirty="0" smtClean="0"/>
+                        <a:t>Varies by language</a:t>
+                      </a:r>
+                      <a:endParaRPr lang="en-US" sz="1800" dirty="0"/>
                     </a:p>
                   </a:txBody>
                   <a:tcPr/>
@@ -11348,7 +11472,7 @@
     </p:spTree>
     <p:extLst>
       <p:ext uri="{BB962C8B-B14F-4D97-AF65-F5344CB8AC3E}">
-        <p14:creationId xmlns:p14="http://schemas.microsoft.com/office/powerpoint/2010/main" val="3967953319"/>
+        <p14:creationId xmlns:p14="http://schemas.microsoft.com/office/powerpoint/2010/main" val="2895908625"/>
       </p:ext>
     </p:extLst>
   </p:cSld>
@@ -11399,7 +11523,7 @@
           <a:p>
             <a:r>
               <a:rPr lang="en-US" dirty="0" smtClean="0"/>
-              <a:t>Typical Program Design Strategies</a:t>
+              <a:t>Reviewing a Data Design</a:t>
             </a:r>
             <a:endParaRPr lang="en-US" dirty="0"/>
           </a:p>
@@ -11415,14 +11539,14 @@
             <p:ph idx="1"/>
             <p:extLst>
               <p:ext uri="{D42A27DB-BD31-4B8C-83A1-F6EECF244321}">
-                <p14:modId xmlns:p14="http://schemas.microsoft.com/office/powerpoint/2010/main" val="1794123876"/>
+                <p14:modId xmlns:p14="http://schemas.microsoft.com/office/powerpoint/2010/main" val="831951519"/>
               </p:ext>
             </p:extLst>
           </p:nvPr>
         </p:nvGraphicFramePr>
         <p:xfrm>
           <a:off x="457200" y="1600200"/>
-          <a:ext cx="8229600" cy="4053840"/>
+          <a:ext cx="8229600" cy="4846320"/>
         </p:xfrm>
         <a:graphic>
           <a:graphicData uri="http://schemas.openxmlformats.org/drawingml/2006/table">
@@ -11442,7 +11566,7 @@
                       <a:pPr algn="ctr"/>
                       <a:r>
                         <a:rPr lang="en-US" sz="3200" dirty="0" smtClean="0"/>
-                        <a:t>Design Strategies</a:t>
+                        <a:t>Reviewing a Data Design</a:t>
                       </a:r>
                       <a:endParaRPr lang="en-US" sz="3200" dirty="0"/>
                     </a:p>
@@ -11458,11 +11582,7 @@
                     <a:p>
                       <a:r>
                         <a:rPr lang="en-US" sz="3200" dirty="0" smtClean="0"/>
-                        <a:t>1. Combine</a:t>
-                      </a:r>
-                      <a:r>
-                        <a:rPr lang="en-US" sz="3200" baseline="0" dirty="0" smtClean="0"/>
-                        <a:t> simpler functions</a:t>
+                        <a:t>1. Is the interpretation clear and unambiguous?</a:t>
                       </a:r>
                       <a:endParaRPr lang="en-US" sz="3200" dirty="0"/>
                     </a:p>
@@ -11478,43 +11598,7 @@
                     <a:p>
                       <a:r>
                         <a:rPr lang="en-US" sz="3200" dirty="0" smtClean="0"/>
-                        <a:t>2.</a:t>
-                      </a:r>
-                      <a:r>
-                        <a:rPr lang="en-US" sz="3200" baseline="0" dirty="0" smtClean="0"/>
-                        <a:t> Use template for &lt;data </a:t>
-                      </a:r>
-                      <a:r>
-                        <a:rPr lang="en-US" sz="3200" baseline="0" dirty="0" err="1" smtClean="0"/>
-                        <a:t>def</a:t>
-                      </a:r>
-                      <a:r>
-                        <a:rPr lang="en-US" sz="3200" baseline="0" dirty="0" smtClean="0"/>
-                        <a:t>&gt; on &lt;</a:t>
-                      </a:r>
-                      <a:r>
-                        <a:rPr lang="en-US" sz="3200" baseline="0" dirty="0" err="1" smtClean="0"/>
-                        <a:t>vble</a:t>
-                      </a:r>
-                      <a:r>
-                        <a:rPr lang="en-US" sz="3200" baseline="0" dirty="0" smtClean="0"/>
-                        <a:t>&gt;</a:t>
-                      </a:r>
-                      <a:endParaRPr lang="en-US" sz="3200" dirty="0" smtClean="0"/>
-                    </a:p>
-                  </a:txBody>
-                  <a:tcPr/>
-                </a:tc>
-              </a:tr>
-              <a:tr h="370840">
-                <a:tc>
-                  <a:txBody>
-                    <a:bodyPr/>
-                    <a:lstStyle/>
-                    <a:p>
-                      <a:r>
-                        <a:rPr lang="en-US" sz="3200" dirty="0" smtClean="0"/>
-                        <a:t>3. Divide into cases on &lt;condition&gt;</a:t>
+                        <a:t>2. Can you represent all the information you need for your program?</a:t>
                       </a:r>
                       <a:endParaRPr lang="en-US" sz="3200" dirty="0"/>
                     </a:p>
@@ -11530,23 +11614,19 @@
                     <a:p>
                       <a:r>
                         <a:rPr lang="en-US" sz="3200" dirty="0" smtClean="0"/>
-                        <a:t>4. Use HOF &lt;</a:t>
-                      </a:r>
-                      <a:r>
-                        <a:rPr lang="en-US" sz="3200" dirty="0" err="1" smtClean="0"/>
-                        <a:t>mapfn</a:t>
-                      </a:r>
-                      <a:r>
-                        <a:rPr lang="en-US" sz="3200" dirty="0" smtClean="0"/>
-                        <a:t>&gt; on &lt;</a:t>
-                      </a:r>
-                      <a:r>
-                        <a:rPr lang="en-US" sz="3200" dirty="0" err="1" smtClean="0"/>
-                        <a:t>vble</a:t>
-                      </a:r>
-                      <a:r>
-                        <a:rPr lang="en-US" sz="3200" dirty="0" smtClean="0"/>
-                        <a:t>&gt;</a:t>
+                        <a:t>3. Do</a:t>
+                      </a:r>
+                      <a:r>
+                        <a:rPr lang="en-US" sz="3200" baseline="0" dirty="0" smtClean="0"/>
+                        <a:t> you </a:t>
+                      </a:r>
+                      <a:r>
+                        <a:rPr lang="en-US" sz="3200" i="1" baseline="0" dirty="0" smtClean="0"/>
+                        <a:t>need</a:t>
+                      </a:r>
+                      <a:r>
+                        <a:rPr lang="en-US" sz="3200" baseline="0" dirty="0" smtClean="0"/>
+                        <a:t> all of the data in your representation?</a:t>
                       </a:r>
                       <a:endParaRPr lang="en-US" sz="3200" dirty="0"/>
                     </a:p>
@@ -11562,76 +11642,21 @@
                     <a:p>
                       <a:r>
                         <a:rPr lang="en-US" sz="3200" dirty="0" smtClean="0"/>
-                        <a:t>5. Call a more general function</a:t>
-                      </a:r>
-                    </a:p>
-                  </a:txBody>
-                  <a:tcPr/>
-                </a:tc>
-              </a:tr>
-              <a:tr h="370840">
-                <a:tc>
-                  <a:txBody>
-                    <a:bodyPr/>
-                    <a:lstStyle/>
-                    <a:p>
-                      <a:r>
-                        <a:rPr lang="en-US" sz="3200" dirty="0" smtClean="0">
-                          <a:solidFill>
-                            <a:schemeClr val="bg1">
-                              <a:lumMod val="50000"/>
-                            </a:schemeClr>
-                          </a:solidFill>
-                        </a:rPr>
-                        <a:t>6. </a:t>
-                      </a:r>
-                      <a:r>
-                        <a:rPr lang="en-US" sz="3200" dirty="0" smtClean="0">
-                          <a:solidFill>
-                            <a:schemeClr val="bg1">
-                              <a:lumMod val="65000"/>
-                            </a:schemeClr>
-                          </a:solidFill>
-                        </a:rPr>
-                        <a:t>{</a:t>
-                      </a:r>
-                      <a:r>
-                        <a:rPr lang="en-US" sz="3200" dirty="0" err="1" smtClean="0">
-                          <a:solidFill>
-                            <a:schemeClr val="bg1">
-                              <a:lumMod val="65000"/>
-                            </a:schemeClr>
-                          </a:solidFill>
-                        </a:rPr>
-                        <a:t>Initialize|Update</a:t>
-                      </a:r>
-                      <a:r>
-                        <a:rPr lang="en-US" sz="3200" dirty="0" smtClean="0">
-                          <a:solidFill>
-                            <a:schemeClr val="bg1">
-                              <a:lumMod val="65000"/>
-                            </a:schemeClr>
-                          </a:solidFill>
-                        </a:rPr>
-                        <a:t>}</a:t>
-                      </a:r>
-                      <a:r>
-                        <a:rPr lang="en-US" sz="3200" baseline="0" dirty="0" smtClean="0">
-                          <a:solidFill>
-                            <a:schemeClr val="bg1">
-                              <a:lumMod val="65000"/>
-                            </a:schemeClr>
-                          </a:solidFill>
-                        </a:rPr>
-                        <a:t> state of &lt;??&gt;</a:t>
-                      </a:r>
-                      <a:endParaRPr lang="en-US" sz="3200" dirty="0" smtClean="0">
-                        <a:solidFill>
-                          <a:schemeClr val="bg1">
-                            <a:lumMod val="65000"/>
-                          </a:schemeClr>
-                        </a:solidFill>
-                      </a:endParaRPr>
+                        <a:t>4</a:t>
+                      </a:r>
+                      <a:r>
+                        <a:rPr lang="en-US" sz="3200" smtClean="0"/>
+                        <a:t>.</a:t>
+                      </a:r>
+                      <a:r>
+                        <a:rPr lang="en-US" sz="3200" baseline="0" smtClean="0"/>
+                        <a:t> </a:t>
+                      </a:r>
+                      <a:r>
+                        <a:rPr lang="en-US" sz="3200" baseline="0" dirty="0" smtClean="0"/>
+                        <a:t>Does every combination of values make sense? If not, document the meaningful combinations with a WHERE clause.</a:t>
+                      </a:r>
+                      <a:endParaRPr lang="en-US" sz="3200" dirty="0"/>
                     </a:p>
                   </a:txBody>
                   <a:tcPr/>
@@ -11667,7 +11692,7 @@
     </p:spTree>
     <p:extLst>
       <p:ext uri="{BB962C8B-B14F-4D97-AF65-F5344CB8AC3E}">
-        <p14:creationId xmlns:p14="http://schemas.microsoft.com/office/powerpoint/2010/main" val="2358874268"/>
+        <p14:creationId xmlns:p14="http://schemas.microsoft.com/office/powerpoint/2010/main" val="3967953319"/>
       </p:ext>
     </p:extLst>
   </p:cSld>
@@ -11718,6 +11743,325 @@
           <a:p>
             <a:r>
               <a:rPr lang="en-US" dirty="0" smtClean="0"/>
+              <a:t>Typical Program Design Strategies</a:t>
+            </a:r>
+            <a:endParaRPr lang="en-US" dirty="0"/>
+          </a:p>
+        </p:txBody>
+      </p:sp>
+      <p:graphicFrame>
+        <p:nvGraphicFramePr>
+          <p:cNvPr id="4" name="Content Placeholder 3"/>
+          <p:cNvGraphicFramePr>
+            <a:graphicFrameLocks noGrp="1"/>
+          </p:cNvGraphicFramePr>
+          <p:nvPr>
+            <p:ph idx="1"/>
+            <p:extLst>
+              <p:ext uri="{D42A27DB-BD31-4B8C-83A1-F6EECF244321}">
+                <p14:modId xmlns:p14="http://schemas.microsoft.com/office/powerpoint/2010/main" val="1794123876"/>
+              </p:ext>
+            </p:extLst>
+          </p:nvPr>
+        </p:nvGraphicFramePr>
+        <p:xfrm>
+          <a:off x="457200" y="1600200"/>
+          <a:ext cx="8229600" cy="4053840"/>
+        </p:xfrm>
+        <a:graphic>
+          <a:graphicData uri="http://schemas.openxmlformats.org/drawingml/2006/table">
+            <a:tbl>
+              <a:tblPr firstRow="1" bandRow="1">
+                <a:tableStyleId>{5C22544A-7EE6-4342-B048-85BDC9FD1C3A}</a:tableStyleId>
+              </a:tblPr>
+              <a:tblGrid>
+                <a:gridCol w="8229600"/>
+              </a:tblGrid>
+              <a:tr h="370840">
+                <a:tc>
+                  <a:txBody>
+                    <a:bodyPr/>
+                    <a:lstStyle/>
+                    <a:p>
+                      <a:pPr algn="ctr"/>
+                      <a:r>
+                        <a:rPr lang="en-US" sz="3200" dirty="0" smtClean="0"/>
+                        <a:t>Design Strategies</a:t>
+                      </a:r>
+                      <a:endParaRPr lang="en-US" sz="3200" dirty="0"/>
+                    </a:p>
+                  </a:txBody>
+                  <a:tcPr/>
+                </a:tc>
+              </a:tr>
+              <a:tr h="370840">
+                <a:tc>
+                  <a:txBody>
+                    <a:bodyPr/>
+                    <a:lstStyle/>
+                    <a:p>
+                      <a:r>
+                        <a:rPr lang="en-US" sz="3200" dirty="0" smtClean="0"/>
+                        <a:t>1. Combine</a:t>
+                      </a:r>
+                      <a:r>
+                        <a:rPr lang="en-US" sz="3200" baseline="0" dirty="0" smtClean="0"/>
+                        <a:t> simpler functions</a:t>
+                      </a:r>
+                      <a:endParaRPr lang="en-US" sz="3200" dirty="0"/>
+                    </a:p>
+                  </a:txBody>
+                  <a:tcPr/>
+                </a:tc>
+              </a:tr>
+              <a:tr h="370840">
+                <a:tc>
+                  <a:txBody>
+                    <a:bodyPr/>
+                    <a:lstStyle/>
+                    <a:p>
+                      <a:r>
+                        <a:rPr lang="en-US" sz="3200" dirty="0" smtClean="0"/>
+                        <a:t>2.</a:t>
+                      </a:r>
+                      <a:r>
+                        <a:rPr lang="en-US" sz="3200" baseline="0" dirty="0" smtClean="0"/>
+                        <a:t> Use template for &lt;data </a:t>
+                      </a:r>
+                      <a:r>
+                        <a:rPr lang="en-US" sz="3200" baseline="0" dirty="0" err="1" smtClean="0"/>
+                        <a:t>def</a:t>
+                      </a:r>
+                      <a:r>
+                        <a:rPr lang="en-US" sz="3200" baseline="0" dirty="0" smtClean="0"/>
+                        <a:t>&gt; on &lt;</a:t>
+                      </a:r>
+                      <a:r>
+                        <a:rPr lang="en-US" sz="3200" baseline="0" dirty="0" err="1" smtClean="0"/>
+                        <a:t>vble</a:t>
+                      </a:r>
+                      <a:r>
+                        <a:rPr lang="en-US" sz="3200" baseline="0" dirty="0" smtClean="0"/>
+                        <a:t>&gt;</a:t>
+                      </a:r>
+                      <a:endParaRPr lang="en-US" sz="3200" dirty="0" smtClean="0"/>
+                    </a:p>
+                  </a:txBody>
+                  <a:tcPr/>
+                </a:tc>
+              </a:tr>
+              <a:tr h="370840">
+                <a:tc>
+                  <a:txBody>
+                    <a:bodyPr/>
+                    <a:lstStyle/>
+                    <a:p>
+                      <a:r>
+                        <a:rPr lang="en-US" sz="3200" dirty="0" smtClean="0"/>
+                        <a:t>3. Divide into cases on &lt;condition&gt;</a:t>
+                      </a:r>
+                      <a:endParaRPr lang="en-US" sz="3200" dirty="0"/>
+                    </a:p>
+                  </a:txBody>
+                  <a:tcPr/>
+                </a:tc>
+              </a:tr>
+              <a:tr h="370840">
+                <a:tc>
+                  <a:txBody>
+                    <a:bodyPr/>
+                    <a:lstStyle/>
+                    <a:p>
+                      <a:r>
+                        <a:rPr lang="en-US" sz="3200" dirty="0" smtClean="0"/>
+                        <a:t>4. Use HOF &lt;</a:t>
+                      </a:r>
+                      <a:r>
+                        <a:rPr lang="en-US" sz="3200" dirty="0" err="1" smtClean="0"/>
+                        <a:t>mapfn</a:t>
+                      </a:r>
+                      <a:r>
+                        <a:rPr lang="en-US" sz="3200" dirty="0" smtClean="0"/>
+                        <a:t>&gt; on &lt;</a:t>
+                      </a:r>
+                      <a:r>
+                        <a:rPr lang="en-US" sz="3200" dirty="0" err="1" smtClean="0"/>
+                        <a:t>vble</a:t>
+                      </a:r>
+                      <a:r>
+                        <a:rPr lang="en-US" sz="3200" dirty="0" smtClean="0"/>
+                        <a:t>&gt;</a:t>
+                      </a:r>
+                      <a:endParaRPr lang="en-US" sz="3200" dirty="0"/>
+                    </a:p>
+                  </a:txBody>
+                  <a:tcPr/>
+                </a:tc>
+              </a:tr>
+              <a:tr h="370840">
+                <a:tc>
+                  <a:txBody>
+                    <a:bodyPr/>
+                    <a:lstStyle/>
+                    <a:p>
+                      <a:r>
+                        <a:rPr lang="en-US" sz="3200" dirty="0" smtClean="0"/>
+                        <a:t>5. Call a more general function</a:t>
+                      </a:r>
+                    </a:p>
+                  </a:txBody>
+                  <a:tcPr/>
+                </a:tc>
+              </a:tr>
+              <a:tr h="370840">
+                <a:tc>
+                  <a:txBody>
+                    <a:bodyPr/>
+                    <a:lstStyle/>
+                    <a:p>
+                      <a:r>
+                        <a:rPr lang="en-US" sz="3200" dirty="0" smtClean="0">
+                          <a:solidFill>
+                            <a:schemeClr val="bg1">
+                              <a:lumMod val="50000"/>
+                            </a:schemeClr>
+                          </a:solidFill>
+                        </a:rPr>
+                        <a:t>6. </a:t>
+                      </a:r>
+                      <a:r>
+                        <a:rPr lang="en-US" sz="3200" dirty="0" smtClean="0">
+                          <a:solidFill>
+                            <a:schemeClr val="bg1">
+                              <a:lumMod val="65000"/>
+                            </a:schemeClr>
+                          </a:solidFill>
+                        </a:rPr>
+                        <a:t>{</a:t>
+                      </a:r>
+                      <a:r>
+                        <a:rPr lang="en-US" sz="3200" dirty="0" err="1" smtClean="0">
+                          <a:solidFill>
+                            <a:schemeClr val="bg1">
+                              <a:lumMod val="65000"/>
+                            </a:schemeClr>
+                          </a:solidFill>
+                        </a:rPr>
+                        <a:t>Initialize|Update</a:t>
+                      </a:r>
+                      <a:r>
+                        <a:rPr lang="en-US" sz="3200" dirty="0" smtClean="0">
+                          <a:solidFill>
+                            <a:schemeClr val="bg1">
+                              <a:lumMod val="65000"/>
+                            </a:schemeClr>
+                          </a:solidFill>
+                        </a:rPr>
+                        <a:t>}</a:t>
+                      </a:r>
+                      <a:r>
+                        <a:rPr lang="en-US" sz="3200" baseline="0" dirty="0" smtClean="0">
+                          <a:solidFill>
+                            <a:schemeClr val="bg1">
+                              <a:lumMod val="65000"/>
+                            </a:schemeClr>
+                          </a:solidFill>
+                        </a:rPr>
+                        <a:t> state of &lt;??&gt;</a:t>
+                      </a:r>
+                      <a:endParaRPr lang="en-US" sz="3200" dirty="0" smtClean="0">
+                        <a:solidFill>
+                          <a:schemeClr val="bg1">
+                            <a:lumMod val="65000"/>
+                          </a:schemeClr>
+                        </a:solidFill>
+                      </a:endParaRPr>
+                    </a:p>
+                  </a:txBody>
+                  <a:tcPr/>
+                </a:tc>
+              </a:tr>
+            </a:tbl>
+          </a:graphicData>
+        </a:graphic>
+      </p:graphicFrame>
+      <p:sp>
+        <p:nvSpPr>
+          <p:cNvPr id="3" name="Slide Number Placeholder 2"/>
+          <p:cNvSpPr>
+            <a:spLocks noGrp="1"/>
+          </p:cNvSpPr>
+          <p:nvPr>
+            <p:ph type="sldNum" sz="quarter" idx="12"/>
+          </p:nvPr>
+        </p:nvSpPr>
+        <p:spPr/>
+        <p:txBody>
+          <a:bodyPr/>
+          <a:lstStyle/>
+          <a:p>
+            <a:fld id="{2AF3B5EA-18B6-4040-9F78-6052AF49C681}" type="slidenum">
+              <a:rPr lang="en-US" smtClean="0"/>
+              <a:t>24</a:t>
+            </a:fld>
+            <a:endParaRPr lang="en-US"/>
+          </a:p>
+        </p:txBody>
+      </p:sp>
+    </p:spTree>
+    <p:extLst>
+      <p:ext uri="{BB962C8B-B14F-4D97-AF65-F5344CB8AC3E}">
+        <p14:creationId xmlns:p14="http://schemas.microsoft.com/office/powerpoint/2010/main" val="2358874268"/>
+      </p:ext>
+    </p:extLst>
+  </p:cSld>
+  <p:clrMapOvr>
+    <a:masterClrMapping/>
+  </p:clrMapOvr>
+  <p:timing>
+    <p:tnLst>
+      <p:par>
+        <p:cTn id="1" dur="indefinite" restart="never" nodeType="tmRoot"/>
+      </p:par>
+    </p:tnLst>
+  </p:timing>
+</p:sld>
+</file>
+
+<file path=ppt/slides/slide25.xml><?xml version="1.0" encoding="utf-8"?>
+<p:sld xmlns:a="http://schemas.openxmlformats.org/drawingml/2006/main" xmlns:r="http://schemas.openxmlformats.org/officeDocument/2006/relationships" xmlns:p="http://schemas.openxmlformats.org/presentationml/2006/main">
+  <p:cSld>
+    <p:spTree>
+      <p:nvGrpSpPr>
+        <p:cNvPr id="1" name=""/>
+        <p:cNvGrpSpPr/>
+        <p:nvPr/>
+      </p:nvGrpSpPr>
+      <p:grpSpPr>
+        <a:xfrm>
+          <a:off x="0" y="0"/>
+          <a:ext cx="0" cy="0"/>
+          <a:chOff x="0" y="0"/>
+          <a:chExt cx="0" cy="0"/>
+        </a:xfrm>
+      </p:grpSpPr>
+      <p:sp>
+        <p:nvSpPr>
+          <p:cNvPr id="2" name="Title 1"/>
+          <p:cNvSpPr>
+            <a:spLocks noGrp="1"/>
+          </p:cNvSpPr>
+          <p:nvPr>
+            <p:ph type="title"/>
+          </p:nvPr>
+        </p:nvSpPr>
+        <p:spPr/>
+        <p:txBody>
+          <a:bodyPr/>
+          <a:lstStyle/>
+          <a:p>
+            <a:r>
+              <a:rPr lang="en-US" dirty="0" smtClean="0"/>
               <a:t>The Strategy Selection Recipe</a:t>
             </a:r>
             <a:endParaRPr lang="en-US" dirty="0"/>
@@ -11890,7 +12234,7 @@
           <a:p>
             <a:fld id="{2AF3B5EA-18B6-4040-9F78-6052AF49C681}" type="slidenum">
               <a:rPr lang="en-US" smtClean="0"/>
-              <a:t>24</a:t>
+              <a:t>25</a:t>
             </a:fld>
             <a:endParaRPr lang="en-US"/>
           </a:p>
@@ -11916,7 +12260,7 @@
 </p:sld>
 </file>
 
-<file path=ppt/slides/slide25.xml><?xml version="1.0" encoding="utf-8"?>
+<file path=ppt/slides/slide26.xml><?xml version="1.0" encoding="utf-8"?>
 <p:sld xmlns:a="http://schemas.openxmlformats.org/drawingml/2006/main" xmlns:r="http://schemas.openxmlformats.org/officeDocument/2006/relationships" xmlns:p="http://schemas.openxmlformats.org/presentationml/2006/main">
   <p:cSld>
     <p:spTree>
@@ -12240,7 +12584,7 @@
           <a:p>
             <a:fld id="{2AF3B5EA-18B6-4040-9F78-6052AF49C681}" type="slidenum">
               <a:rPr lang="en-US" smtClean="0"/>
-              <a:t>25</a:t>
+              <a:t>26</a:t>
             </a:fld>
             <a:endParaRPr lang="en-US"/>
           </a:p>
@@ -12266,7 +12610,7 @@
 </p:sld>
 </file>
 
-<file path=ppt/slides/slide26.xml><?xml version="1.0" encoding="utf-8"?>
+<file path=ppt/slides/slide27.xml><?xml version="1.0" encoding="utf-8"?>
 <p:sld xmlns:a="http://schemas.openxmlformats.org/drawingml/2006/main" xmlns:r="http://schemas.openxmlformats.org/officeDocument/2006/relationships" xmlns:p="http://schemas.openxmlformats.org/presentationml/2006/main">
   <p:cSld>
     <p:spTree>
@@ -12572,7 +12916,7 @@
           <a:p>
             <a:fld id="{2AF3B5EA-18B6-4040-9F78-6052AF49C681}" type="slidenum">
               <a:rPr lang="en-US" smtClean="0"/>
-              <a:t>26</a:t>
+              <a:t>27</a:t>
             </a:fld>
             <a:endParaRPr lang="en-US"/>
           </a:p>
@@ -12582,309 +12926,6 @@
     <p:extLst>
       <p:ext uri="{BB962C8B-B14F-4D97-AF65-F5344CB8AC3E}">
         <p14:creationId xmlns:p14="http://schemas.microsoft.com/office/powerpoint/2010/main" val="483285437"/>
-      </p:ext>
-    </p:extLst>
-  </p:cSld>
-  <p:clrMapOvr>
-    <a:masterClrMapping/>
-  </p:clrMapOvr>
-  <p:timing>
-    <p:tnLst>
-      <p:par>
-        <p:cTn id="1" dur="indefinite" restart="never" nodeType="tmRoot"/>
-      </p:par>
-    </p:tnLst>
-  </p:timing>
-</p:sld>
-</file>
-
-<file path=ppt/slides/slide27.xml><?xml version="1.0" encoding="utf-8"?>
-<p:sld xmlns:a="http://schemas.openxmlformats.org/drawingml/2006/main" xmlns:r="http://schemas.openxmlformats.org/officeDocument/2006/relationships" xmlns:p="http://schemas.openxmlformats.org/presentationml/2006/main">
-  <p:cSld>
-    <p:spTree>
-      <p:nvGrpSpPr>
-        <p:cNvPr id="1" name=""/>
-        <p:cNvGrpSpPr/>
-        <p:nvPr/>
-      </p:nvGrpSpPr>
-      <p:grpSpPr>
-        <a:xfrm>
-          <a:off x="0" y="0"/>
-          <a:ext cx="0" cy="0"/>
-          <a:chOff x="0" y="0"/>
-          <a:chExt cx="0" cy="0"/>
-        </a:xfrm>
-      </p:grpSpPr>
-      <p:sp>
-        <p:nvSpPr>
-          <p:cNvPr id="2" name="Title 1"/>
-          <p:cNvSpPr>
-            <a:spLocks noGrp="1"/>
-          </p:cNvSpPr>
-          <p:nvPr>
-            <p:ph type="title"/>
-          </p:nvPr>
-        </p:nvSpPr>
-        <p:spPr/>
-        <p:txBody>
-          <a:bodyPr/>
-          <a:lstStyle/>
-          <a:p>
-            <a:r>
-              <a:rPr lang="en-US" dirty="0" smtClean="0"/>
-              <a:t>How to Design Worlds</a:t>
-            </a:r>
-            <a:endParaRPr lang="en-US" dirty="0"/>
-          </a:p>
-        </p:txBody>
-      </p:sp>
-      <p:graphicFrame>
-        <p:nvGraphicFramePr>
-          <p:cNvPr id="4" name="Content Placeholder 3"/>
-          <p:cNvGraphicFramePr>
-            <a:graphicFrameLocks/>
-          </p:cNvGraphicFramePr>
-          <p:nvPr>
-            <p:extLst>
-              <p:ext uri="{D42A27DB-BD31-4B8C-83A1-F6EECF244321}">
-                <p14:modId xmlns:p14="http://schemas.microsoft.com/office/powerpoint/2010/main" val="3972999738"/>
-              </p:ext>
-            </p:extLst>
-          </p:nvPr>
-        </p:nvGraphicFramePr>
-        <p:xfrm>
-          <a:off x="457200" y="1600200"/>
-          <a:ext cx="8229600" cy="4480560"/>
-        </p:xfrm>
-        <a:graphic>
-          <a:graphicData uri="http://schemas.openxmlformats.org/drawingml/2006/table">
-            <a:tbl>
-              <a:tblPr firstRow="1" bandRow="1">
-                <a:tableStyleId>{5C22544A-7EE6-4342-B048-85BDC9FD1C3A}</a:tableStyleId>
-              </a:tblPr>
-              <a:tblGrid>
-                <a:gridCol w="8229600"/>
-              </a:tblGrid>
-              <a:tr h="370840">
-                <a:tc>
-                  <a:txBody>
-                    <a:bodyPr/>
-                    <a:lstStyle/>
-                    <a:p>
-                      <a:pPr algn="ctr"/>
-                      <a:r>
-                        <a:rPr lang="en-US" sz="2400" dirty="0" smtClean="0"/>
-                        <a:t>How to Design Universe Programs</a:t>
-                      </a:r>
-                      <a:endParaRPr lang="en-US" sz="2400" dirty="0"/>
-                    </a:p>
-                  </a:txBody>
-                  <a:tcPr/>
-                </a:tc>
-              </a:tr>
-              <a:tr h="1229360">
-                <a:tc>
-                  <a:txBody>
-                    <a:bodyPr/>
-                    <a:lstStyle/>
-                    <a:p>
-                      <a:pPr marL="342900" indent="-342900">
-                        <a:buAutoNum type="arabicPeriod"/>
-                      </a:pPr>
-                      <a:r>
-                        <a:rPr lang="en-US" sz="2400" baseline="0" dirty="0" smtClean="0"/>
-                        <a:t>Information Analysis</a:t>
-                      </a:r>
-                    </a:p>
-                    <a:p>
-                      <a:pPr marL="800100" lvl="1" indent="-342900">
-                        <a:buFont typeface="Arial" pitchFamily="34" charset="0"/>
-                        <a:buChar char="•"/>
-                      </a:pPr>
-                      <a:r>
-                        <a:rPr lang="en-US" sz="2400" baseline="0" dirty="0" smtClean="0"/>
-                        <a:t>What events should the world respond to?</a:t>
-                      </a:r>
-                    </a:p>
-                    <a:p>
-                      <a:pPr marL="800100" lvl="1" indent="-342900">
-                        <a:buFont typeface="Arial" pitchFamily="34" charset="0"/>
-                        <a:buChar char="•"/>
-                      </a:pPr>
-                      <a:r>
-                        <a:rPr lang="en-US" sz="2400" baseline="0" dirty="0" smtClean="0"/>
-                        <a:t>What information changes in response to an event?</a:t>
-                      </a:r>
-                    </a:p>
-                    <a:p>
-                      <a:pPr marL="800100" lvl="1" indent="-342900">
-                        <a:buFont typeface="Arial" pitchFamily="34" charset="0"/>
-                        <a:buChar char="•"/>
-                      </a:pPr>
-                      <a:r>
-                        <a:rPr lang="en-US" sz="2400" baseline="0" dirty="0" smtClean="0"/>
-                        <a:t>What information doesn't change in response to an event?</a:t>
-                      </a:r>
-                      <a:endParaRPr lang="en-US" sz="2400" dirty="0" smtClean="0"/>
-                    </a:p>
-                  </a:txBody>
-                  <a:tcPr/>
-                </a:tc>
-              </a:tr>
-              <a:tr h="370840">
-                <a:tc>
-                  <a:txBody>
-                    <a:bodyPr/>
-                    <a:lstStyle/>
-                    <a:p>
-                      <a:r>
-                        <a:rPr lang="en-US" sz="2400" dirty="0" smtClean="0"/>
-                        <a:t>2. From your information analysis, write out the constant definitions and data definitions.</a:t>
-                      </a:r>
-                      <a:endParaRPr lang="en-US" sz="2400" dirty="0"/>
-                    </a:p>
-                  </a:txBody>
-                  <a:tcPr/>
-                </a:tc>
-              </a:tr>
-              <a:tr h="370840">
-                <a:tc>
-                  <a:txBody>
-                    <a:bodyPr/>
-                    <a:lstStyle/>
-                    <a:p>
-                      <a:r>
-                        <a:rPr lang="en-US" sz="2400" dirty="0" smtClean="0"/>
-                        <a:t>3. From your list of events, write a </a:t>
-                      </a:r>
-                      <a:r>
-                        <a:rPr lang="en-US" sz="2400" dirty="0" err="1" smtClean="0"/>
-                        <a:t>wishlist</a:t>
-                      </a:r>
-                      <a:r>
-                        <a:rPr lang="en-US" sz="2400" dirty="0" smtClean="0"/>
-                        <a:t> of functions to be designed</a:t>
-                      </a:r>
-                      <a:endParaRPr lang="en-US" sz="2400" dirty="0"/>
-                    </a:p>
-                  </a:txBody>
-                  <a:tcPr/>
-                </a:tc>
-              </a:tr>
-              <a:tr h="370840">
-                <a:tc>
-                  <a:txBody>
-                    <a:bodyPr/>
-                    <a:lstStyle/>
-                    <a:p>
-                      <a:r>
-                        <a:rPr lang="en-US" sz="2400" dirty="0" smtClean="0"/>
-                        <a:t>4. Design the functions on your </a:t>
-                      </a:r>
-                      <a:r>
-                        <a:rPr lang="en-US" sz="2400" dirty="0" err="1" smtClean="0"/>
-                        <a:t>wishlist</a:t>
-                      </a:r>
-                      <a:r>
-                        <a:rPr lang="en-US" sz="2400" dirty="0" smtClean="0"/>
-                        <a:t> (use the design recipe!)</a:t>
-                      </a:r>
-                      <a:endParaRPr lang="en-US" sz="2400" dirty="0"/>
-                    </a:p>
-                  </a:txBody>
-                  <a:tcPr/>
-                </a:tc>
-              </a:tr>
-            </a:tbl>
-          </a:graphicData>
-        </a:graphic>
-      </p:graphicFrame>
-      <p:sp>
-        <p:nvSpPr>
-          <p:cNvPr id="6" name="Parallelogram 5"/>
-          <p:cNvSpPr/>
-          <p:nvPr/>
-        </p:nvSpPr>
-        <p:spPr>
-          <a:xfrm>
-            <a:off x="2590800" y="4876800"/>
-            <a:ext cx="3048000" cy="1447800"/>
-          </a:xfrm>
-          <a:prstGeom prst="parallelogram">
-            <a:avLst/>
-          </a:prstGeom>
-          <a:solidFill>
-            <a:srgbClr val="FFFF00"/>
-          </a:solidFill>
-          <a:ln/>
-        </p:spPr>
-        <p:style>
-          <a:lnRef idx="2">
-            <a:schemeClr val="accent1"/>
-          </a:lnRef>
-          <a:fillRef idx="1">
-            <a:schemeClr val="lt1"/>
-          </a:fillRef>
-          <a:effectRef idx="0">
-            <a:schemeClr val="accent1"/>
-          </a:effectRef>
-          <a:fontRef idx="minor">
-            <a:schemeClr val="dk1"/>
-          </a:fontRef>
-        </p:style>
-        <p:txBody>
-          <a:bodyPr rot="0" spcFirstLastPara="0" vertOverflow="overflow" horzOverflow="overflow" vert="horz" wrap="square" lIns="91440" tIns="45720" rIns="91440" bIns="45720" numCol="1" spcCol="0" rtlCol="0" fromWordArt="0" anchor="ctr" anchorCtr="0" forceAA="0" compatLnSpc="1">
-            <a:prstTxWarp prst="textNoShape">
-              <a:avLst/>
-            </a:prstTxWarp>
-            <a:noAutofit/>
-          </a:bodyPr>
-          <a:lstStyle/>
-          <a:p>
-            <a:pPr algn="ctr"/>
-            <a:r>
-              <a:rPr lang="en-US" dirty="0" smtClean="0">
-                <a:solidFill>
-                  <a:schemeClr val="tx1"/>
-                </a:solidFill>
-              </a:rPr>
-              <a:t>This is an instance of the System Design Recipe (!)</a:t>
-            </a:r>
-            <a:endParaRPr lang="en-US" dirty="0">
-              <a:solidFill>
-                <a:schemeClr val="tx1"/>
-              </a:solidFill>
-            </a:endParaRPr>
-          </a:p>
-        </p:txBody>
-      </p:sp>
-      <p:sp>
-        <p:nvSpPr>
-          <p:cNvPr id="3" name="Slide Number Placeholder 2"/>
-          <p:cNvSpPr>
-            <a:spLocks noGrp="1"/>
-          </p:cNvSpPr>
-          <p:nvPr>
-            <p:ph type="sldNum" sz="quarter" idx="12"/>
-          </p:nvPr>
-        </p:nvSpPr>
-        <p:spPr/>
-        <p:txBody>
-          <a:bodyPr/>
-          <a:lstStyle/>
-          <a:p>
-            <a:fld id="{2AF3B5EA-18B6-4040-9F78-6052AF49C681}" type="slidenum">
-              <a:rPr lang="en-US" smtClean="0"/>
-              <a:t>27</a:t>
-            </a:fld>
-            <a:endParaRPr lang="en-US"/>
-          </a:p>
-        </p:txBody>
-      </p:sp>
-    </p:spTree>
-    <p:extLst>
-      <p:ext uri="{BB962C8B-B14F-4D97-AF65-F5344CB8AC3E}">
-        <p14:creationId xmlns:p14="http://schemas.microsoft.com/office/powerpoint/2010/main" val="787565434"/>
       </p:ext>
     </p:extLst>
   </p:cSld>
@@ -12935,7 +12976,7 @@
           <a:p>
             <a:r>
               <a:rPr lang="en-US" dirty="0" smtClean="0"/>
-              <a:t>The Iterative Design Recipe</a:t>
+              <a:t>How to Design Worlds</a:t>
             </a:r>
             <a:endParaRPr lang="en-US" dirty="0"/>
           </a:p>
@@ -12945,16 +12986,19 @@
         <p:nvGraphicFramePr>
           <p:cNvPr id="4" name="Content Placeholder 3"/>
           <p:cNvGraphicFramePr>
-            <a:graphicFrameLocks noGrp="1"/>
+            <a:graphicFrameLocks/>
           </p:cNvGraphicFramePr>
           <p:nvPr>
-            <p:ph idx="1"/>
-            <p:extLst/>
+            <p:extLst>
+              <p:ext uri="{D42A27DB-BD31-4B8C-83A1-F6EECF244321}">
+                <p14:modId xmlns:p14="http://schemas.microsoft.com/office/powerpoint/2010/main" val="3972999738"/>
+              </p:ext>
+            </p:extLst>
           </p:nvPr>
         </p:nvGraphicFramePr>
         <p:xfrm>
           <a:off x="457200" y="1600200"/>
-          <a:ext cx="8229600" cy="5029200"/>
+          <a:ext cx="8229600" cy="4480560"/>
         </p:xfrm>
         <a:graphic>
           <a:graphicData uri="http://schemas.openxmlformats.org/drawingml/2006/table">
@@ -12971,11 +13015,61 @@
                     <a:bodyPr/>
                     <a:lstStyle/>
                     <a:p>
-                      <a:r>
-                        <a:rPr lang="en-US" sz="3200" dirty="0" smtClean="0"/>
-                        <a:t>Adding a New Feature to an Existing Program</a:t>
-                      </a:r>
-                      <a:endParaRPr lang="en-US" sz="3200" dirty="0"/>
+                      <a:pPr algn="ctr"/>
+                      <a:r>
+                        <a:rPr lang="en-US" sz="2400" dirty="0" smtClean="0"/>
+                        <a:t>How to Design Universe Programs</a:t>
+                      </a:r>
+                      <a:endParaRPr lang="en-US" sz="2400" dirty="0"/>
+                    </a:p>
+                  </a:txBody>
+                  <a:tcPr/>
+                </a:tc>
+              </a:tr>
+              <a:tr h="1229360">
+                <a:tc>
+                  <a:txBody>
+                    <a:bodyPr/>
+                    <a:lstStyle/>
+                    <a:p>
+                      <a:pPr marL="342900" indent="-342900">
+                        <a:buAutoNum type="arabicPeriod"/>
+                      </a:pPr>
+                      <a:r>
+                        <a:rPr lang="en-US" sz="2400" baseline="0" dirty="0" smtClean="0"/>
+                        <a:t>Information Analysis</a:t>
+                      </a:r>
+                    </a:p>
+                    <a:p>
+                      <a:pPr marL="800100" lvl="1" indent="-342900">
+                        <a:buFont typeface="Arial" pitchFamily="34" charset="0"/>
+                        <a:buChar char="•"/>
+                      </a:pPr>
+                      <a:r>
+                        <a:rPr lang="en-US" sz="2400" baseline="0" dirty="0" smtClean="0"/>
+                        <a:t>What events should the world respond to?</a:t>
+                      </a:r>
+                    </a:p>
+                    <a:p>
+                      <a:pPr marL="800100" lvl="1" indent="-342900">
+                        <a:buFont typeface="Arial" pitchFamily="34" charset="0"/>
+                        <a:buChar char="•"/>
+                      </a:pPr>
+                      <a:r>
+                        <a:rPr lang="en-US" sz="2400" baseline="0" dirty="0" smtClean="0"/>
+                        <a:t>What information changes in response to an event?</a:t>
+                      </a:r>
+                    </a:p>
+                    <a:p>
+                      <a:pPr marL="800100" lvl="1" indent="-342900">
+                        <a:buFont typeface="Arial" pitchFamily="34" charset="0"/>
+                        <a:buChar char="•"/>
+                      </a:pPr>
+                      <a:r>
+                        <a:rPr lang="en-US" sz="2400" baseline="0" dirty="0" smtClean="0"/>
+                        <a:t>What information doesn't change in response to an event?</a:t>
+                      </a:r>
+                      <a:endParaRPr lang="en-US" sz="2400" dirty="0" smtClean="0"/>
                     </a:p>
                   </a:txBody>
                   <a:tcPr/>
@@ -12987,17 +13081,11 @@
                     <a:bodyPr/>
                     <a:lstStyle/>
                     <a:p>
-                      <a:pPr marL="0" indent="0">
-                        <a:buNone/>
-                      </a:pPr>
-                      <a:r>
-                        <a:rPr lang="en-US" sz="3200" dirty="0" smtClean="0"/>
-                        <a:t>1. Perform</a:t>
-                      </a:r>
-                      <a:r>
-                        <a:rPr lang="en-US" sz="3200" baseline="0" dirty="0" smtClean="0"/>
-                        <a:t> information analysis for new feature</a:t>
-                      </a:r>
+                      <a:r>
+                        <a:rPr lang="en-US" sz="2400" dirty="0" smtClean="0"/>
+                        <a:t>2. From your information analysis, write out the constant definitions and data definitions.</a:t>
+                      </a:r>
+                      <a:endParaRPr lang="en-US" sz="2400" dirty="0"/>
                     </a:p>
                   </a:txBody>
                   <a:tcPr/>
@@ -13010,14 +13098,18 @@
                     <a:lstStyle/>
                     <a:p>
                       <a:r>
-                        <a:rPr lang="en-US" sz="3200" dirty="0" smtClean="0"/>
-                        <a:t>2. Modify data definitions</a:t>
-                      </a:r>
-                      <a:r>
-                        <a:rPr lang="en-US" sz="3200" baseline="0" dirty="0" smtClean="0"/>
-                        <a:t> as needed</a:t>
-                      </a:r>
-                      <a:endParaRPr lang="en-US" sz="3200" dirty="0"/>
+                        <a:rPr lang="en-US" sz="2400" dirty="0" smtClean="0"/>
+                        <a:t>3. From your list of events, write a </a:t>
+                      </a:r>
+                      <a:r>
+                        <a:rPr lang="en-US" sz="2400" dirty="0" err="1" smtClean="0"/>
+                        <a:t>wishlist</a:t>
+                      </a:r>
+                      <a:r>
+                        <a:rPr lang="en-US" sz="2400" dirty="0" smtClean="0"/>
+                        <a:t> of functions to be designed</a:t>
+                      </a:r>
+                      <a:endParaRPr lang="en-US" sz="2400" dirty="0"/>
                     </a:p>
                   </a:txBody>
                   <a:tcPr/>
@@ -13030,71 +13122,18 @@
                     <a:lstStyle/>
                     <a:p>
                       <a:r>
-                        <a:rPr lang="en-US" sz="3200" dirty="0" smtClean="0"/>
-                        <a:t>3. Update existing functions to work with</a:t>
-                      </a:r>
-                      <a:r>
-                        <a:rPr lang="en-US" sz="3200" baseline="0" dirty="0" smtClean="0"/>
-                        <a:t> new data definitions</a:t>
-                      </a:r>
-                    </a:p>
-                  </a:txBody>
-                  <a:tcPr/>
-                </a:tc>
-              </a:tr>
-              <a:tr h="370840">
-                <a:tc>
-                  <a:txBody>
-                    <a:bodyPr/>
-                    <a:lstStyle/>
-                    <a:p>
-                      <a:r>
-                        <a:rPr lang="en-US" sz="3200" dirty="0" smtClean="0"/>
-                        <a:t>4. Write </a:t>
-                      </a:r>
-                      <a:r>
-                        <a:rPr lang="en-US" sz="3200" dirty="0" err="1" smtClean="0"/>
+                        <a:rPr lang="en-US" sz="2400" dirty="0" smtClean="0"/>
+                        <a:t>4. Design the functions on your </a:t>
+                      </a:r>
+                      <a:r>
+                        <a:rPr lang="en-US" sz="2400" dirty="0" err="1" smtClean="0"/>
                         <a:t>wishlist</a:t>
                       </a:r>
                       <a:r>
-                        <a:rPr lang="en-US" sz="3200" dirty="0" smtClean="0"/>
-                        <a:t> of functions for new feature</a:t>
-                      </a:r>
-                      <a:endParaRPr lang="en-US" sz="3200" dirty="0"/>
-                    </a:p>
-                  </a:txBody>
-                  <a:tcPr/>
-                </a:tc>
-              </a:tr>
-              <a:tr h="370840">
-                <a:tc>
-                  <a:txBody>
-                    <a:bodyPr/>
-                    <a:lstStyle/>
-                    <a:p>
-                      <a:r>
-                        <a:rPr lang="en-US" sz="3200" dirty="0" smtClean="0"/>
-                        <a:t>5. Design new functions following the Design</a:t>
-                      </a:r>
-                      <a:r>
-                        <a:rPr lang="en-US" sz="3200" baseline="0" dirty="0" smtClean="0"/>
-                        <a:t> Recipe</a:t>
-                      </a:r>
-                    </a:p>
-                  </a:txBody>
-                  <a:tcPr/>
-                </a:tc>
-              </a:tr>
-              <a:tr h="370840">
-                <a:tc>
-                  <a:txBody>
-                    <a:bodyPr/>
-                    <a:lstStyle/>
-                    <a:p>
-                      <a:r>
-                        <a:rPr lang="en-US" sz="3200" baseline="0" dirty="0" smtClean="0"/>
-                        <a:t>6. Repeat for the next new feature</a:t>
-                      </a:r>
+                        <a:rPr lang="en-US" sz="2400" dirty="0" smtClean="0"/>
+                        <a:t> (use the design recipe!)</a:t>
+                      </a:r>
+                      <a:endParaRPr lang="en-US" sz="2400" dirty="0"/>
                     </a:p>
                   </a:txBody>
                   <a:tcPr/>
@@ -13106,6 +13145,65 @@
       </p:graphicFrame>
       <p:sp>
         <p:nvSpPr>
+          <p:cNvPr id="6" name="Parallelogram 5"/>
+          <p:cNvSpPr/>
+          <p:nvPr/>
+        </p:nvSpPr>
+        <p:spPr>
+          <a:xfrm>
+            <a:off x="2590800" y="4876800"/>
+            <a:ext cx="3048000" cy="1447800"/>
+          </a:xfrm>
+          <a:prstGeom prst="parallelogram">
+            <a:avLst/>
+          </a:prstGeom>
+          <a:solidFill>
+            <a:srgbClr val="FFFF00"/>
+          </a:solidFill>
+          <a:ln/>
+        </p:spPr>
+        <p:style>
+          <a:lnRef idx="2">
+            <a:schemeClr val="accent1"/>
+          </a:lnRef>
+          <a:fillRef idx="1">
+            <a:schemeClr val="lt1"/>
+          </a:fillRef>
+          <a:effectRef idx="0">
+            <a:schemeClr val="accent1"/>
+          </a:effectRef>
+          <a:fontRef idx="minor">
+            <a:schemeClr val="dk1"/>
+          </a:fontRef>
+        </p:style>
+        <p:txBody>
+          <a:bodyPr rot="0" spcFirstLastPara="0" vertOverflow="overflow" horzOverflow="overflow" vert="horz" wrap="square" lIns="91440" tIns="45720" rIns="91440" bIns="45720" numCol="1" spcCol="0" rtlCol="0" fromWordArt="0" anchor="ctr" anchorCtr="0" forceAA="0" compatLnSpc="1">
+            <a:prstTxWarp prst="textNoShape">
+              <a:avLst/>
+            </a:prstTxWarp>
+            <a:noAutofit/>
+          </a:bodyPr>
+          <a:lstStyle/>
+          <a:p>
+            <a:pPr algn="ctr"/>
+            <a:r>
+              <a:rPr lang="en-US" dirty="0" smtClean="0">
+                <a:solidFill>
+                  <a:schemeClr val="tx1"/>
+                </a:solidFill>
+              </a:rPr>
+              <a:t>This is an instance of the System Design Recipe (!)</a:t>
+            </a:r>
+            <a:endParaRPr lang="en-US" dirty="0">
+              <a:solidFill>
+                <a:schemeClr val="tx1"/>
+              </a:solidFill>
+            </a:endParaRPr>
+          </a:p>
+        </p:txBody>
+      </p:sp>
+      <p:sp>
+        <p:nvSpPr>
           <p:cNvPr id="3" name="Slide Number Placeholder 2"/>
           <p:cNvSpPr>
             <a:spLocks noGrp="1"/>
@@ -13130,7 +13228,7 @@
     </p:spTree>
     <p:extLst>
       <p:ext uri="{BB962C8B-B14F-4D97-AF65-F5344CB8AC3E}">
-        <p14:creationId xmlns:p14="http://schemas.microsoft.com/office/powerpoint/2010/main" val="1638683311"/>
+        <p14:creationId xmlns:p14="http://schemas.microsoft.com/office/powerpoint/2010/main" val="787565434"/>
       </p:ext>
     </p:extLst>
   </p:cSld>
@@ -13181,7 +13279,7 @@
           <a:p>
             <a:r>
               <a:rPr lang="en-US" dirty="0" smtClean="0"/>
-              <a:t>The Recursion Recipe</a:t>
+              <a:t>The Iterative Design Recipe</a:t>
             </a:r>
             <a:endParaRPr lang="en-US" dirty="0"/>
           </a:p>
@@ -13195,11 +13293,12 @@
           </p:cNvGraphicFramePr>
           <p:nvPr>
             <p:ph idx="1"/>
+            <p:extLst/>
           </p:nvPr>
         </p:nvGraphicFramePr>
         <p:xfrm>
           <a:off x="457200" y="1600200"/>
-          <a:ext cx="8229600" cy="3779520"/>
+          <a:ext cx="8229600" cy="5029200"/>
         </p:xfrm>
         <a:graphic>
           <a:graphicData uri="http://schemas.openxmlformats.org/drawingml/2006/table">
@@ -13216,14 +13315,9 @@
                     <a:bodyPr/>
                     <a:lstStyle/>
                     <a:p>
-                      <a:pPr algn="ctr"/>
                       <a:r>
                         <a:rPr lang="en-US" sz="3200" dirty="0" smtClean="0"/>
-                        <a:t>Recursion</a:t>
-                      </a:r>
-                      <a:r>
-                        <a:rPr lang="en-US" sz="3200" baseline="0" dirty="0" smtClean="0"/>
-                        <a:t> and Self-Reference</a:t>
+                        <a:t>Adding a New Feature to an Existing Program</a:t>
                       </a:r>
                       <a:endParaRPr lang="en-US" sz="3200" dirty="0"/>
                     </a:p>
@@ -13237,50 +13331,35 @@
                     <a:bodyPr/>
                     <a:lstStyle/>
                     <a:p>
-                      <a:pPr marL="0" marR="0" indent="0" algn="l" defTabSz="914400" rtl="0" eaLnBrk="1" fontAlgn="auto" latinLnBrk="0" hangingPunct="1">
-                        <a:lnSpc>
-                          <a:spcPct val="100000"/>
-                        </a:lnSpc>
-                        <a:spcBef>
-                          <a:spcPts val="0"/>
-                        </a:spcBef>
-                        <a:spcAft>
-                          <a:spcPts val="0"/>
-                        </a:spcAft>
-                        <a:buClrTx/>
-                        <a:buSzTx/>
-                        <a:buFontTx/>
+                      <a:pPr marL="0" indent="0">
                         <a:buNone/>
-                        <a:tabLst/>
-                        <a:defRPr/>
                       </a:pPr>
                       <a:r>
                         <a:rPr lang="en-US" sz="3200" dirty="0" smtClean="0"/>
-                        <a:t>Represent arbitrary-sized information using a </a:t>
-                      </a:r>
-                      <a:r>
-                        <a:rPr lang="en-US" sz="3200" i="1" dirty="0" smtClean="0">
-                          <a:solidFill>
-                            <a:srgbClr val="FF0000"/>
-                          </a:solidFill>
-                        </a:rPr>
-                        <a:t>self-referential</a:t>
-                      </a:r>
+                        <a:t>1. Perform</a:t>
+                      </a:r>
+                      <a:r>
+                        <a:rPr lang="en-US" sz="3200" baseline="0" dirty="0" smtClean="0"/>
+                        <a:t> information analysis for new feature</a:t>
+                      </a:r>
+                    </a:p>
+                  </a:txBody>
+                  <a:tcPr/>
+                </a:tc>
+              </a:tr>
+              <a:tr h="370840">
+                <a:tc>
+                  <a:txBody>
+                    <a:bodyPr/>
+                    <a:lstStyle/>
+                    <a:p>
                       <a:r>
                         <a:rPr lang="en-US" sz="3200" dirty="0" smtClean="0"/>
-                        <a:t> (or </a:t>
-                      </a:r>
-                      <a:r>
-                        <a:rPr lang="en-US" sz="3200" i="1" dirty="0" smtClean="0">
-                          <a:solidFill>
-                            <a:srgbClr val="FF0000"/>
-                          </a:solidFill>
-                        </a:rPr>
-                        <a:t>recursive</a:t>
-                      </a:r>
-                      <a:r>
-                        <a:rPr lang="en-US" sz="3200" dirty="0" smtClean="0"/>
-                        <a:t>) data definition.</a:t>
+                        <a:t>2. Modify data definitions</a:t>
+                      </a:r>
+                      <a:r>
+                        <a:rPr lang="en-US" sz="3200" baseline="0" dirty="0" smtClean="0"/>
+                        <a:t> as needed</a:t>
                       </a:r>
                       <a:endParaRPr lang="en-US" sz="3200" dirty="0"/>
                     </a:p>
@@ -13296,7 +13375,34 @@
                     <a:p>
                       <a:r>
                         <a:rPr lang="en-US" sz="3200" dirty="0" smtClean="0"/>
-                        <a:t>Self-reference in the data definition leads to self-reference in the template</a:t>
+                        <a:t>3. Update existing functions to work with</a:t>
+                      </a:r>
+                      <a:r>
+                        <a:rPr lang="en-US" sz="3200" baseline="0" dirty="0" smtClean="0"/>
+                        <a:t> new data definitions</a:t>
+                      </a:r>
+                    </a:p>
+                  </a:txBody>
+                  <a:tcPr/>
+                </a:tc>
+              </a:tr>
+              <a:tr h="370840">
+                <a:tc>
+                  <a:txBody>
+                    <a:bodyPr/>
+                    <a:lstStyle/>
+                    <a:p>
+                      <a:r>
+                        <a:rPr lang="en-US" sz="3200" dirty="0" smtClean="0"/>
+                        <a:t>4. Write </a:t>
+                      </a:r>
+                      <a:r>
+                        <a:rPr lang="en-US" sz="3200" dirty="0" err="1" smtClean="0"/>
+                        <a:t>wishlist</a:t>
+                      </a:r>
+                      <a:r>
+                        <a:rPr lang="en-US" sz="3200" dirty="0" smtClean="0"/>
+                        <a:t> of functions for new feature</a:t>
                       </a:r>
                       <a:endParaRPr lang="en-US" sz="3200" dirty="0"/>
                     </a:p>
@@ -13310,28 +13416,29 @@
                     <a:bodyPr/>
                     <a:lstStyle/>
                     <a:p>
-                      <a:pPr marL="0" marR="0" indent="0" algn="l" defTabSz="914400" rtl="0" eaLnBrk="1" fontAlgn="auto" latinLnBrk="0" hangingPunct="1">
-                        <a:lnSpc>
-                          <a:spcPct val="100000"/>
-                        </a:lnSpc>
-                        <a:spcBef>
-                          <a:spcPts val="0"/>
-                        </a:spcBef>
-                        <a:spcAft>
-                          <a:spcPts val="0"/>
-                        </a:spcAft>
-                        <a:buClrTx/>
-                        <a:buSzTx/>
-                        <a:buFontTx/>
-                        <a:buNone/>
-                        <a:tabLst/>
-                        <a:defRPr/>
-                      </a:pPr>
                       <a:r>
                         <a:rPr lang="en-US" sz="3200" dirty="0" smtClean="0"/>
-                        <a:t>Self-reference in the template leads to self-reference in the code.</a:t>
-                      </a:r>
-                      <a:endParaRPr lang="en-US" sz="3200" dirty="0"/>
+                        <a:t>5. Design new functions following the Design</a:t>
+                      </a:r>
+                      <a:r>
+                        <a:rPr lang="en-US" sz="3200" baseline="0" dirty="0" smtClean="0"/>
+                        <a:t> Recipe</a:t>
+                      </a:r>
+                    </a:p>
+                  </a:txBody>
+                  <a:tcPr/>
+                </a:tc>
+              </a:tr>
+              <a:tr h="370840">
+                <a:tc>
+                  <a:txBody>
+                    <a:bodyPr/>
+                    <a:lstStyle/>
+                    <a:p>
+                      <a:r>
+                        <a:rPr lang="en-US" sz="3200" baseline="0" dirty="0" smtClean="0"/>
+                        <a:t>6. Repeat for the next new feature</a:t>
+                      </a:r>
                     </a:p>
                   </a:txBody>
                   <a:tcPr/>
@@ -13367,7 +13474,7 @@
     </p:spTree>
     <p:extLst>
       <p:ext uri="{BB962C8B-B14F-4D97-AF65-F5344CB8AC3E}">
-        <p14:creationId xmlns:p14="http://schemas.microsoft.com/office/powerpoint/2010/main" val="1269136783"/>
+        <p14:creationId xmlns:p14="http://schemas.microsoft.com/office/powerpoint/2010/main" val="1638683311"/>
       </p:ext>
     </p:extLst>
   </p:cSld>
@@ -13520,7 +13627,7 @@
           <a:p>
             <a:r>
               <a:rPr lang="en-US" dirty="0" smtClean="0"/>
-              <a:t>Uses of Examples</a:t>
+              <a:t>The Recursion Recipe</a:t>
             </a:r>
             <a:endParaRPr lang="en-US" dirty="0"/>
           </a:p>
@@ -13534,16 +13641,11 @@
           </p:cNvGraphicFramePr>
           <p:nvPr>
             <p:ph idx="1"/>
-            <p:extLst>
-              <p:ext uri="{D42A27DB-BD31-4B8C-83A1-F6EECF244321}">
-                <p14:modId xmlns:p14="http://schemas.microsoft.com/office/powerpoint/2010/main" val="4283516127"/>
-              </p:ext>
-            </p:extLst>
           </p:nvPr>
         </p:nvGraphicFramePr>
         <p:xfrm>
           <a:off x="457200" y="1600200"/>
-          <a:ext cx="8229600" cy="3383280"/>
+          <a:ext cx="8229600" cy="3779520"/>
         </p:xfrm>
         <a:graphic>
           <a:graphicData uri="http://schemas.openxmlformats.org/drawingml/2006/table">
@@ -13563,7 +13665,11 @@
                       <a:pPr algn="ctr"/>
                       <a:r>
                         <a:rPr lang="en-US" sz="3200" dirty="0" smtClean="0"/>
-                        <a:t>Uses of Examples</a:t>
+                        <a:t>Recursion</a:t>
+                      </a:r>
+                      <a:r>
+                        <a:rPr lang="en-US" sz="3200" baseline="0" dirty="0" smtClean="0"/>
+                        <a:t> and Self-Reference</a:t>
                       </a:r>
                       <a:endParaRPr lang="en-US" sz="3200" dirty="0"/>
                     </a:p>
@@ -13577,35 +13683,50 @@
                     <a:bodyPr/>
                     <a:lstStyle/>
                     <a:p>
-                      <a:pPr marL="0" indent="0">
+                      <a:pPr marL="0" marR="0" indent="0" algn="l" defTabSz="914400" rtl="0" eaLnBrk="1" fontAlgn="auto" latinLnBrk="0" hangingPunct="1">
+                        <a:lnSpc>
+                          <a:spcPct val="100000"/>
+                        </a:lnSpc>
+                        <a:spcBef>
+                          <a:spcPts val="0"/>
+                        </a:spcBef>
+                        <a:spcAft>
+                          <a:spcPts val="0"/>
+                        </a:spcAft>
+                        <a:buClrTx/>
+                        <a:buSzTx/>
+                        <a:buFontTx/>
                         <a:buNone/>
+                        <a:tabLst/>
+                        <a:defRPr/>
                       </a:pPr>
                       <a:r>
                         <a:rPr lang="en-US" sz="3200" dirty="0" smtClean="0"/>
-                        <a:t>1. Clarify purpose statement for</a:t>
-                      </a:r>
-                      <a:r>
-                        <a:rPr lang="en-US" sz="3200" baseline="0" dirty="0" smtClean="0"/>
-                        <a:t> YOU</a:t>
-                      </a:r>
-                    </a:p>
-                  </a:txBody>
-                  <a:tcPr/>
-                </a:tc>
-              </a:tr>
-              <a:tr h="370840">
-                <a:tc>
-                  <a:txBody>
-                    <a:bodyPr/>
-                    <a:lstStyle/>
-                    <a:p>
+                        <a:t>Represent arbitrary-sized information using a </a:t>
+                      </a:r>
+                      <a:r>
+                        <a:rPr lang="en-US" sz="3200" i="1" dirty="0" smtClean="0">
+                          <a:solidFill>
+                            <a:srgbClr val="FF0000"/>
+                          </a:solidFill>
+                        </a:rPr>
+                        <a:t>self-referential</a:t>
+                      </a:r>
                       <a:r>
                         <a:rPr lang="en-US" sz="3200" dirty="0" smtClean="0"/>
-                        <a:t>2. Clarify purpose statement</a:t>
-                      </a:r>
-                      <a:r>
-                        <a:rPr lang="en-US" sz="3200" baseline="0" dirty="0" smtClean="0"/>
-                        <a:t> for the reader</a:t>
+                        <a:t> (or </a:t>
+                      </a:r>
+                      <a:r>
+                        <a:rPr lang="en-US" sz="3200" i="1" dirty="0" smtClean="0">
+                          <a:solidFill>
+                            <a:srgbClr val="FF0000"/>
+                          </a:solidFill>
+                        </a:rPr>
+                        <a:t>recursive</a:t>
+                      </a:r>
+                      <a:r>
+                        <a:rPr lang="en-US" sz="3200" dirty="0" smtClean="0"/>
+                        <a:t>) data definition.</a:t>
                       </a:r>
                       <a:endParaRPr lang="en-US" sz="3200" dirty="0"/>
                     </a:p>
@@ -13621,12 +13742,9 @@
                     <a:p>
                       <a:r>
                         <a:rPr lang="en-US" sz="3200" dirty="0" smtClean="0"/>
-                        <a:t>3. Document calling sequence, etc., for the user</a:t>
-                      </a:r>
-                      <a:r>
-                        <a:rPr lang="en-US" sz="3200" baseline="0" dirty="0" smtClean="0"/>
-                        <a:t> (the person who will be calling this function)</a:t>
-                      </a:r>
+                        <a:t>Self-reference in the data definition leads to self-reference in the template</a:t>
+                      </a:r>
+                      <a:endParaRPr lang="en-US" sz="3200" dirty="0"/>
                     </a:p>
                   </a:txBody>
                   <a:tcPr/>
@@ -13638,9 +13756,26 @@
                     <a:bodyPr/>
                     <a:lstStyle/>
                     <a:p>
+                      <a:pPr marL="0" marR="0" indent="0" algn="l" defTabSz="914400" rtl="0" eaLnBrk="1" fontAlgn="auto" latinLnBrk="0" hangingPunct="1">
+                        <a:lnSpc>
+                          <a:spcPct val="100000"/>
+                        </a:lnSpc>
+                        <a:spcBef>
+                          <a:spcPts val="0"/>
+                        </a:spcBef>
+                        <a:spcAft>
+                          <a:spcPts val="0"/>
+                        </a:spcAft>
+                        <a:buClrTx/>
+                        <a:buSzTx/>
+                        <a:buFontTx/>
+                        <a:buNone/>
+                        <a:tabLst/>
+                        <a:defRPr/>
+                      </a:pPr>
                       <a:r>
                         <a:rPr lang="en-US" sz="3200" dirty="0" smtClean="0"/>
-                        <a:t>4. Serve as basis for acceptance tests</a:t>
+                        <a:t>Self-reference in the template leads to self-reference in the code.</a:t>
                       </a:r>
                       <a:endParaRPr lang="en-US" sz="3200" dirty="0"/>
                     </a:p>
@@ -13678,7 +13813,7 @@
     </p:spTree>
     <p:extLst>
       <p:ext uri="{BB962C8B-B14F-4D97-AF65-F5344CB8AC3E}">
-        <p14:creationId xmlns:p14="http://schemas.microsoft.com/office/powerpoint/2010/main" val="3511145810"/>
+        <p14:creationId xmlns:p14="http://schemas.microsoft.com/office/powerpoint/2010/main" val="1269136783"/>
       </p:ext>
     </p:extLst>
   </p:cSld>
@@ -13729,6 +13864,215 @@
           <a:p>
             <a:r>
               <a:rPr lang="en-US" dirty="0" smtClean="0"/>
+              <a:t>Uses of Examples</a:t>
+            </a:r>
+            <a:endParaRPr lang="en-US" dirty="0"/>
+          </a:p>
+        </p:txBody>
+      </p:sp>
+      <p:graphicFrame>
+        <p:nvGraphicFramePr>
+          <p:cNvPr id="4" name="Content Placeholder 3"/>
+          <p:cNvGraphicFramePr>
+            <a:graphicFrameLocks noGrp="1"/>
+          </p:cNvGraphicFramePr>
+          <p:nvPr>
+            <p:ph idx="1"/>
+            <p:extLst>
+              <p:ext uri="{D42A27DB-BD31-4B8C-83A1-F6EECF244321}">
+                <p14:modId xmlns:p14="http://schemas.microsoft.com/office/powerpoint/2010/main" val="4283516127"/>
+              </p:ext>
+            </p:extLst>
+          </p:nvPr>
+        </p:nvGraphicFramePr>
+        <p:xfrm>
+          <a:off x="457200" y="1600200"/>
+          <a:ext cx="8229600" cy="3383280"/>
+        </p:xfrm>
+        <a:graphic>
+          <a:graphicData uri="http://schemas.openxmlformats.org/drawingml/2006/table">
+            <a:tbl>
+              <a:tblPr firstRow="1" bandRow="1">
+                <a:tableStyleId>{5C22544A-7EE6-4342-B048-85BDC9FD1C3A}</a:tableStyleId>
+              </a:tblPr>
+              <a:tblGrid>
+                <a:gridCol w="8229600"/>
+              </a:tblGrid>
+              <a:tr h="370840">
+                <a:tc>
+                  <a:txBody>
+                    <a:bodyPr/>
+                    <a:lstStyle/>
+                    <a:p>
+                      <a:pPr algn="ctr"/>
+                      <a:r>
+                        <a:rPr lang="en-US" sz="3200" dirty="0" smtClean="0"/>
+                        <a:t>Uses of Examples</a:t>
+                      </a:r>
+                      <a:endParaRPr lang="en-US" sz="3200" dirty="0"/>
+                    </a:p>
+                  </a:txBody>
+                  <a:tcPr/>
+                </a:tc>
+              </a:tr>
+              <a:tr h="370840">
+                <a:tc>
+                  <a:txBody>
+                    <a:bodyPr/>
+                    <a:lstStyle/>
+                    <a:p>
+                      <a:pPr marL="0" indent="0">
+                        <a:buNone/>
+                      </a:pPr>
+                      <a:r>
+                        <a:rPr lang="en-US" sz="3200" dirty="0" smtClean="0"/>
+                        <a:t>1. Clarify purpose statement for</a:t>
+                      </a:r>
+                      <a:r>
+                        <a:rPr lang="en-US" sz="3200" baseline="0" dirty="0" smtClean="0"/>
+                        <a:t> YOU</a:t>
+                      </a:r>
+                    </a:p>
+                  </a:txBody>
+                  <a:tcPr/>
+                </a:tc>
+              </a:tr>
+              <a:tr h="370840">
+                <a:tc>
+                  <a:txBody>
+                    <a:bodyPr/>
+                    <a:lstStyle/>
+                    <a:p>
+                      <a:r>
+                        <a:rPr lang="en-US" sz="3200" dirty="0" smtClean="0"/>
+                        <a:t>2. Clarify purpose statement</a:t>
+                      </a:r>
+                      <a:r>
+                        <a:rPr lang="en-US" sz="3200" baseline="0" dirty="0" smtClean="0"/>
+                        <a:t> for the reader</a:t>
+                      </a:r>
+                      <a:endParaRPr lang="en-US" sz="3200" dirty="0"/>
+                    </a:p>
+                  </a:txBody>
+                  <a:tcPr/>
+                </a:tc>
+              </a:tr>
+              <a:tr h="370840">
+                <a:tc>
+                  <a:txBody>
+                    <a:bodyPr/>
+                    <a:lstStyle/>
+                    <a:p>
+                      <a:r>
+                        <a:rPr lang="en-US" sz="3200" dirty="0" smtClean="0"/>
+                        <a:t>3. Document calling sequence, etc., for the user</a:t>
+                      </a:r>
+                      <a:r>
+                        <a:rPr lang="en-US" sz="3200" baseline="0" dirty="0" smtClean="0"/>
+                        <a:t> (the person who will be calling this function)</a:t>
+                      </a:r>
+                    </a:p>
+                  </a:txBody>
+                  <a:tcPr/>
+                </a:tc>
+              </a:tr>
+              <a:tr h="370840">
+                <a:tc>
+                  <a:txBody>
+                    <a:bodyPr/>
+                    <a:lstStyle/>
+                    <a:p>
+                      <a:r>
+                        <a:rPr lang="en-US" sz="3200" dirty="0" smtClean="0"/>
+                        <a:t>4. Serve as basis for acceptance tests</a:t>
+                      </a:r>
+                      <a:endParaRPr lang="en-US" sz="3200" dirty="0"/>
+                    </a:p>
+                  </a:txBody>
+                  <a:tcPr/>
+                </a:tc>
+              </a:tr>
+            </a:tbl>
+          </a:graphicData>
+        </a:graphic>
+      </p:graphicFrame>
+      <p:sp>
+        <p:nvSpPr>
+          <p:cNvPr id="3" name="Slide Number Placeholder 2"/>
+          <p:cNvSpPr>
+            <a:spLocks noGrp="1"/>
+          </p:cNvSpPr>
+          <p:nvPr>
+            <p:ph type="sldNum" sz="quarter" idx="12"/>
+          </p:nvPr>
+        </p:nvSpPr>
+        <p:spPr/>
+        <p:txBody>
+          <a:bodyPr/>
+          <a:lstStyle/>
+          <a:p>
+            <a:fld id="{2AF3B5EA-18B6-4040-9F78-6052AF49C681}" type="slidenum">
+              <a:rPr lang="en-US" smtClean="0"/>
+              <a:t>31</a:t>
+            </a:fld>
+            <a:endParaRPr lang="en-US"/>
+          </a:p>
+        </p:txBody>
+      </p:sp>
+    </p:spTree>
+    <p:extLst>
+      <p:ext uri="{BB962C8B-B14F-4D97-AF65-F5344CB8AC3E}">
+        <p14:creationId xmlns:p14="http://schemas.microsoft.com/office/powerpoint/2010/main" val="3511145810"/>
+      </p:ext>
+    </p:extLst>
+  </p:cSld>
+  <p:clrMapOvr>
+    <a:masterClrMapping/>
+  </p:clrMapOvr>
+  <p:timing>
+    <p:tnLst>
+      <p:par>
+        <p:cTn id="1" dur="indefinite" restart="never" nodeType="tmRoot"/>
+      </p:par>
+    </p:tnLst>
+  </p:timing>
+</p:sld>
+</file>
+
+<file path=ppt/slides/slide32.xml><?xml version="1.0" encoding="utf-8"?>
+<p:sld xmlns:a="http://schemas.openxmlformats.org/drawingml/2006/main" xmlns:r="http://schemas.openxmlformats.org/officeDocument/2006/relationships" xmlns:p="http://schemas.openxmlformats.org/presentationml/2006/main">
+  <p:cSld>
+    <p:spTree>
+      <p:nvGrpSpPr>
+        <p:cNvPr id="1" name=""/>
+        <p:cNvGrpSpPr/>
+        <p:nvPr/>
+      </p:nvGrpSpPr>
+      <p:grpSpPr>
+        <a:xfrm>
+          <a:off x="0" y="0"/>
+          <a:ext cx="0" cy="0"/>
+          <a:chOff x="0" y="0"/>
+          <a:chExt cx="0" cy="0"/>
+        </a:xfrm>
+      </p:grpSpPr>
+      <p:sp>
+        <p:nvSpPr>
+          <p:cNvPr id="2" name="Title 1"/>
+          <p:cNvSpPr>
+            <a:spLocks noGrp="1"/>
+          </p:cNvSpPr>
+          <p:nvPr>
+            <p:ph type="title"/>
+          </p:nvPr>
+        </p:nvSpPr>
+        <p:spPr/>
+        <p:txBody>
+          <a:bodyPr/>
+          <a:lstStyle/>
+          <a:p>
+            <a:r>
+              <a:rPr lang="en-US" dirty="0" smtClean="0"/>
               <a:t>The Program Review Recipe</a:t>
             </a:r>
             <a:endParaRPr lang="en-US" dirty="0"/>
@@ -13895,7 +14239,7 @@
           <a:p>
             <a:fld id="{2AF3B5EA-18B6-4040-9F78-6052AF49C681}" type="slidenum">
               <a:rPr lang="en-US" smtClean="0"/>
-              <a:t>31</a:t>
+              <a:t>32</a:t>
             </a:fld>
             <a:endParaRPr lang="en-US"/>
           </a:p>
@@ -15950,6 +16294,68 @@
           </a:p>
         </p:txBody>
       </p:sp>
+      <p:sp>
+        <p:nvSpPr>
+          <p:cNvPr id="3" name="Rectangle 2"/>
+          <p:cNvSpPr/>
+          <p:nvPr/>
+        </p:nvSpPr>
+        <p:spPr>
+          <a:xfrm>
+            <a:off x="2743200" y="533400"/>
+            <a:ext cx="3657600" cy="1371600"/>
+          </a:xfrm>
+          <a:prstGeom prst="rect">
+            <a:avLst/>
+          </a:prstGeom>
+          <a:solidFill>
+            <a:schemeClr val="accent3">
+              <a:lumMod val="40000"/>
+              <a:lumOff val="60000"/>
+            </a:schemeClr>
+          </a:solidFill>
+          <a:ln/>
+        </p:spPr>
+        <p:style>
+          <a:lnRef idx="2">
+            <a:schemeClr val="accent1"/>
+          </a:lnRef>
+          <a:fillRef idx="1">
+            <a:schemeClr val="lt1"/>
+          </a:fillRef>
+          <a:effectRef idx="0">
+            <a:schemeClr val="accent1"/>
+          </a:effectRef>
+          <a:fontRef idx="minor">
+            <a:schemeClr val="dk1"/>
+          </a:fontRef>
+        </p:style>
+        <p:txBody>
+          <a:bodyPr rot="0" spcFirstLastPara="0" vertOverflow="overflow" horzOverflow="overflow" vert="horz" wrap="square" lIns="91440" tIns="45720" rIns="91440" bIns="45720" numCol="1" spcCol="0" rtlCol="0" fromWordArt="0" anchor="ctr" anchorCtr="0" forceAA="0" compatLnSpc="1">
+            <a:prstTxWarp prst="textNoShape">
+              <a:avLst/>
+            </a:prstTxWarp>
+            <a:noAutofit/>
+          </a:bodyPr>
+          <a:lstStyle/>
+          <a:p>
+            <a:pPr algn="ctr"/>
+            <a:r>
+              <a:rPr lang="en-US" dirty="0" smtClean="0">
+                <a:solidFill>
+                  <a:schemeClr val="tx1"/>
+                </a:solidFill>
+              </a:rPr>
+              <a:t>2014</a:t>
+            </a:r>
+            <a:endParaRPr lang="en-US" dirty="0">
+              <a:solidFill>
+                <a:schemeClr val="tx1"/>
+              </a:solidFill>
+            </a:endParaRPr>
+          </a:p>
+        </p:txBody>
+      </p:sp>
     </p:spTree>
     <p:extLst>
       <p:ext uri="{BB962C8B-B14F-4D97-AF65-F5344CB8AC3E}">
@@ -15989,22 +16395,41 @@
       </p:grpSpPr>
       <p:sp>
         <p:nvSpPr>
-          <p:cNvPr id="2" name="Title 1"/>
-          <p:cNvSpPr>
-            <a:spLocks noGrp="1"/>
-          </p:cNvSpPr>
-          <p:nvPr>
-            <p:ph type="title"/>
-          </p:nvPr>
-        </p:nvSpPr>
-        <p:spPr/>
-        <p:txBody>
-          <a:bodyPr/>
-          <a:lstStyle/>
-          <a:p>
+          <p:cNvPr id="7" name="Rounded Rectangle 6"/>
+          <p:cNvSpPr/>
+          <p:nvPr/>
+        </p:nvSpPr>
+        <p:spPr>
+          <a:xfrm>
+            <a:off x="6400800" y="1757787"/>
+            <a:ext cx="1828800" cy="533400"/>
+          </a:xfrm>
+          <a:prstGeom prst="roundRect">
+            <a:avLst/>
+          </a:prstGeom>
+        </p:spPr>
+        <p:style>
+          <a:lnRef idx="0">
+            <a:schemeClr val="accent1"/>
+          </a:lnRef>
+          <a:fillRef idx="3">
+            <a:schemeClr val="accent1"/>
+          </a:fillRef>
+          <a:effectRef idx="3">
+            <a:schemeClr val="accent1"/>
+          </a:effectRef>
+          <a:fontRef idx="minor">
+            <a:schemeClr val="lt1"/>
+          </a:fontRef>
+        </p:style>
+        <p:txBody>
+          <a:bodyPr rtlCol="0" anchor="ctr"/>
+          <a:lstStyle/>
+          <a:p>
+            <a:pPr algn="ctr"/>
             <a:r>
               <a:rPr lang="en-US" dirty="0" smtClean="0"/>
-              <a:t>Default Boxes</a:t>
+              <a:t>Generalization</a:t>
             </a:r>
             <a:endParaRPr lang="en-US" dirty="0"/>
           </a:p>
@@ -16012,44 +16437,1309 @@
       </p:sp>
       <p:sp>
         <p:nvSpPr>
-          <p:cNvPr id="3" name="Content Placeholder 2"/>
-          <p:cNvSpPr>
-            <a:spLocks noGrp="1"/>
-          </p:cNvSpPr>
-          <p:nvPr>
-            <p:ph idx="1"/>
-          </p:nvPr>
-        </p:nvSpPr>
-        <p:spPr/>
-        <p:txBody>
-          <a:bodyPr/>
-          <a:lstStyle/>
-          <a:p>
-            <a:endParaRPr lang="en-US" dirty="0"/>
-          </a:p>
-        </p:txBody>
-      </p:sp>
-      <p:sp>
-        <p:nvSpPr>
-          <p:cNvPr id="4" name="Rectangle 3"/>
+          <p:cNvPr id="14" name="Rounded Rectangle 13"/>
           <p:cNvSpPr/>
           <p:nvPr/>
         </p:nvSpPr>
         <p:spPr>
           <a:xfrm>
-            <a:off x="4097655" y="3626604"/>
-            <a:ext cx="4149090" cy="916880"/>
+            <a:off x="6400800" y="2564470"/>
+            <a:ext cx="1828800" cy="533400"/>
           </a:xfrm>
-          <a:prstGeom prst="rect">
+          <a:prstGeom prst="roundRect">
             <a:avLst/>
           </a:prstGeom>
           <a:solidFill>
-            <a:schemeClr val="accent3">
-              <a:lumMod val="40000"/>
-              <a:lumOff val="60000"/>
+            <a:schemeClr val="accent1">
+              <a:lumMod val="20000"/>
+              <a:lumOff val="80000"/>
             </a:schemeClr>
           </a:solidFill>
-          <a:ln/>
+        </p:spPr>
+        <p:style>
+          <a:lnRef idx="1">
+            <a:schemeClr val="accent1"/>
+          </a:lnRef>
+          <a:fillRef idx="2">
+            <a:schemeClr val="accent1"/>
+          </a:fillRef>
+          <a:effectRef idx="1">
+            <a:schemeClr val="accent1"/>
+          </a:effectRef>
+          <a:fontRef idx="minor">
+            <a:schemeClr val="dk1"/>
+          </a:fontRef>
+        </p:style>
+        <p:txBody>
+          <a:bodyPr rtlCol="0" anchor="ctr"/>
+          <a:lstStyle/>
+          <a:p>
+            <a:pPr algn="ctr"/>
+            <a:r>
+              <a:rPr lang="en-US" dirty="0" smtClean="0"/>
+              <a:t>Over Constants</a:t>
+            </a:r>
+            <a:endParaRPr lang="en-US" dirty="0"/>
+          </a:p>
+        </p:txBody>
+      </p:sp>
+      <p:sp>
+        <p:nvSpPr>
+          <p:cNvPr id="29" name="Rounded Rectangle 28"/>
+          <p:cNvSpPr/>
+          <p:nvPr/>
+        </p:nvSpPr>
+        <p:spPr>
+          <a:xfrm>
+            <a:off x="6400800" y="3371153"/>
+            <a:ext cx="1828800" cy="533400"/>
+          </a:xfrm>
+          <a:prstGeom prst="roundRect">
+            <a:avLst/>
+          </a:prstGeom>
+          <a:solidFill>
+            <a:schemeClr val="accent1">
+              <a:lumMod val="20000"/>
+              <a:lumOff val="80000"/>
+            </a:schemeClr>
+          </a:solidFill>
+        </p:spPr>
+        <p:style>
+          <a:lnRef idx="1">
+            <a:schemeClr val="accent1"/>
+          </a:lnRef>
+          <a:fillRef idx="2">
+            <a:schemeClr val="accent1"/>
+          </a:fillRef>
+          <a:effectRef idx="1">
+            <a:schemeClr val="accent1"/>
+          </a:effectRef>
+          <a:fontRef idx="minor">
+            <a:schemeClr val="dk1"/>
+          </a:fontRef>
+        </p:style>
+        <p:txBody>
+          <a:bodyPr rtlCol="0" anchor="ctr"/>
+          <a:lstStyle/>
+          <a:p>
+            <a:pPr algn="ctr"/>
+            <a:r>
+              <a:rPr lang="en-US" dirty="0" smtClean="0"/>
+              <a:t>Over Expressions</a:t>
+            </a:r>
+          </a:p>
+        </p:txBody>
+      </p:sp>
+      <p:sp>
+        <p:nvSpPr>
+          <p:cNvPr id="34" name="Rounded Rectangle 33"/>
+          <p:cNvSpPr/>
+          <p:nvPr/>
+        </p:nvSpPr>
+        <p:spPr>
+          <a:xfrm>
+            <a:off x="6400800" y="4177836"/>
+            <a:ext cx="1828800" cy="533400"/>
+          </a:xfrm>
+          <a:prstGeom prst="roundRect">
+            <a:avLst/>
+          </a:prstGeom>
+          <a:solidFill>
+            <a:schemeClr val="accent1">
+              <a:lumMod val="20000"/>
+              <a:lumOff val="80000"/>
+            </a:schemeClr>
+          </a:solidFill>
+        </p:spPr>
+        <p:style>
+          <a:lnRef idx="1">
+            <a:schemeClr val="accent1"/>
+          </a:lnRef>
+          <a:fillRef idx="2">
+            <a:schemeClr val="accent1"/>
+          </a:fillRef>
+          <a:effectRef idx="1">
+            <a:schemeClr val="accent1"/>
+          </a:effectRef>
+          <a:fontRef idx="minor">
+            <a:schemeClr val="dk1"/>
+          </a:fontRef>
+        </p:style>
+        <p:txBody>
+          <a:bodyPr rtlCol="0" anchor="ctr"/>
+          <a:lstStyle/>
+          <a:p>
+            <a:pPr algn="ctr"/>
+            <a:r>
+              <a:rPr lang="en-US" dirty="0" smtClean="0"/>
+              <a:t>Over Contexts</a:t>
+            </a:r>
+            <a:endParaRPr lang="en-US" dirty="0"/>
+          </a:p>
+        </p:txBody>
+      </p:sp>
+      <p:sp>
+        <p:nvSpPr>
+          <p:cNvPr id="39" name="Rounded Rectangle 38"/>
+          <p:cNvSpPr/>
+          <p:nvPr/>
+        </p:nvSpPr>
+        <p:spPr>
+          <a:xfrm>
+            <a:off x="6400800" y="4984519"/>
+            <a:ext cx="1828800" cy="533400"/>
+          </a:xfrm>
+          <a:prstGeom prst="roundRect">
+            <a:avLst/>
+          </a:prstGeom>
+          <a:solidFill>
+            <a:schemeClr val="accent1">
+              <a:lumMod val="20000"/>
+              <a:lumOff val="80000"/>
+            </a:schemeClr>
+          </a:solidFill>
+        </p:spPr>
+        <p:style>
+          <a:lnRef idx="1">
+            <a:schemeClr val="accent1"/>
+          </a:lnRef>
+          <a:fillRef idx="2">
+            <a:schemeClr val="accent1"/>
+          </a:fillRef>
+          <a:effectRef idx="1">
+            <a:schemeClr val="accent1"/>
+          </a:effectRef>
+          <a:fontRef idx="minor">
+            <a:schemeClr val="dk1"/>
+          </a:fontRef>
+        </p:style>
+        <p:txBody>
+          <a:bodyPr rtlCol="0" anchor="ctr"/>
+          <a:lstStyle/>
+          <a:p>
+            <a:pPr algn="ctr"/>
+            <a:r>
+              <a:rPr lang="en-US" dirty="0" smtClean="0"/>
+              <a:t>Over Data Representations</a:t>
+            </a:r>
+            <a:endParaRPr lang="en-US" dirty="0"/>
+          </a:p>
+        </p:txBody>
+      </p:sp>
+      <p:sp>
+        <p:nvSpPr>
+          <p:cNvPr id="44" name="Rounded Rectangle 43"/>
+          <p:cNvSpPr/>
+          <p:nvPr/>
+        </p:nvSpPr>
+        <p:spPr>
+          <a:xfrm>
+            <a:off x="6400800" y="5791200"/>
+            <a:ext cx="1828800" cy="533400"/>
+          </a:xfrm>
+          <a:prstGeom prst="roundRect">
+            <a:avLst/>
+          </a:prstGeom>
+          <a:solidFill>
+            <a:schemeClr val="accent1">
+              <a:lumMod val="20000"/>
+              <a:lumOff val="80000"/>
+            </a:schemeClr>
+          </a:solidFill>
+        </p:spPr>
+        <p:style>
+          <a:lnRef idx="1">
+            <a:schemeClr val="accent1"/>
+          </a:lnRef>
+          <a:fillRef idx="2">
+            <a:schemeClr val="accent1"/>
+          </a:fillRef>
+          <a:effectRef idx="1">
+            <a:schemeClr val="accent1"/>
+          </a:effectRef>
+          <a:fontRef idx="minor">
+            <a:schemeClr val="dk1"/>
+          </a:fontRef>
+        </p:style>
+        <p:txBody>
+          <a:bodyPr rtlCol="0" anchor="ctr"/>
+          <a:lstStyle/>
+          <a:p>
+            <a:pPr algn="ctr"/>
+            <a:r>
+              <a:rPr lang="en-US" dirty="0" smtClean="0"/>
+              <a:t>Over Method Implementations</a:t>
+            </a:r>
+            <a:endParaRPr lang="en-US" dirty="0"/>
+          </a:p>
+        </p:txBody>
+      </p:sp>
+      <p:grpSp>
+        <p:nvGrpSpPr>
+          <p:cNvPr id="78" name="Group 77"/>
+          <p:cNvGrpSpPr/>
+          <p:nvPr/>
+        </p:nvGrpSpPr>
+        <p:grpSpPr>
+          <a:xfrm>
+            <a:off x="914400" y="951104"/>
+            <a:ext cx="1828800" cy="5373496"/>
+            <a:chOff x="476250" y="951104"/>
+            <a:chExt cx="1828800" cy="5373496"/>
+          </a:xfrm>
+        </p:grpSpPr>
+        <p:sp>
+          <p:nvSpPr>
+            <p:cNvPr id="22" name="Rounded Rectangle 21"/>
+            <p:cNvSpPr/>
+            <p:nvPr/>
+          </p:nvSpPr>
+          <p:spPr>
+            <a:xfrm>
+              <a:off x="476250" y="2564470"/>
+              <a:ext cx="1828800" cy="533400"/>
+            </a:xfrm>
+            <a:prstGeom prst="roundRect">
+              <a:avLst/>
+            </a:prstGeom>
+            <a:solidFill>
+              <a:schemeClr val="accent1">
+                <a:lumMod val="20000"/>
+                <a:lumOff val="80000"/>
+              </a:schemeClr>
+            </a:solidFill>
+          </p:spPr>
+          <p:style>
+            <a:lnRef idx="1">
+              <a:schemeClr val="accent1"/>
+            </a:lnRef>
+            <a:fillRef idx="2">
+              <a:schemeClr val="accent1"/>
+            </a:fillRef>
+            <a:effectRef idx="1">
+              <a:schemeClr val="accent1"/>
+            </a:effectRef>
+            <a:fontRef idx="minor">
+              <a:schemeClr val="dk1"/>
+            </a:fontRef>
+          </p:style>
+          <p:txBody>
+            <a:bodyPr rtlCol="0" anchor="ctr"/>
+            <a:lstStyle/>
+            <a:p>
+              <a:pPr algn="ctr"/>
+              <a:r>
+                <a:rPr lang="en-US" dirty="0" smtClean="0"/>
+                <a:t>Mixed Data</a:t>
+              </a:r>
+              <a:endParaRPr lang="en-US" dirty="0"/>
+            </a:p>
+          </p:txBody>
+        </p:sp>
+        <p:sp>
+          <p:nvSpPr>
+            <p:cNvPr id="5" name="Rounded Rectangle 4"/>
+            <p:cNvSpPr/>
+            <p:nvPr/>
+          </p:nvSpPr>
+          <p:spPr>
+            <a:xfrm>
+              <a:off x="476250" y="951104"/>
+              <a:ext cx="1828800" cy="533400"/>
+            </a:xfrm>
+            <a:prstGeom prst="roundRect">
+              <a:avLst/>
+            </a:prstGeom>
+          </p:spPr>
+          <p:style>
+            <a:lnRef idx="0">
+              <a:schemeClr val="accent1"/>
+            </a:lnRef>
+            <a:fillRef idx="3">
+              <a:schemeClr val="accent1"/>
+            </a:fillRef>
+            <a:effectRef idx="3">
+              <a:schemeClr val="accent1"/>
+            </a:effectRef>
+            <a:fontRef idx="minor">
+              <a:schemeClr val="lt1"/>
+            </a:fontRef>
+          </p:style>
+          <p:txBody>
+            <a:bodyPr rtlCol="0" anchor="ctr"/>
+            <a:lstStyle/>
+            <a:p>
+              <a:pPr algn="ctr"/>
+              <a:r>
+                <a:rPr lang="en-US" dirty="0" smtClean="0"/>
+                <a:t>Data Representations</a:t>
+              </a:r>
+              <a:endParaRPr lang="en-US" dirty="0"/>
+            </a:p>
+          </p:txBody>
+        </p:sp>
+        <p:sp>
+          <p:nvSpPr>
+            <p:cNvPr id="12" name="Rounded Rectangle 11"/>
+            <p:cNvSpPr/>
+            <p:nvPr/>
+          </p:nvSpPr>
+          <p:spPr>
+            <a:xfrm>
+              <a:off x="476250" y="1757787"/>
+              <a:ext cx="1828800" cy="533400"/>
+            </a:xfrm>
+            <a:prstGeom prst="roundRect">
+              <a:avLst/>
+            </a:prstGeom>
+            <a:solidFill>
+              <a:schemeClr val="accent1">
+                <a:lumMod val="20000"/>
+                <a:lumOff val="80000"/>
+              </a:schemeClr>
+            </a:solidFill>
+          </p:spPr>
+          <p:style>
+            <a:lnRef idx="1">
+              <a:schemeClr val="accent1"/>
+            </a:lnRef>
+            <a:fillRef idx="2">
+              <a:schemeClr val="accent1"/>
+            </a:fillRef>
+            <a:effectRef idx="1">
+              <a:schemeClr val="accent1"/>
+            </a:effectRef>
+            <a:fontRef idx="minor">
+              <a:schemeClr val="dk1"/>
+            </a:fontRef>
+          </p:style>
+          <p:txBody>
+            <a:bodyPr rtlCol="0" anchor="ctr"/>
+            <a:lstStyle/>
+            <a:p>
+              <a:pPr algn="ctr"/>
+              <a:r>
+                <a:rPr lang="en-US" dirty="0" smtClean="0"/>
+                <a:t>Basics</a:t>
+              </a:r>
+              <a:endParaRPr lang="en-US" dirty="0"/>
+            </a:p>
+          </p:txBody>
+        </p:sp>
+        <p:sp>
+          <p:nvSpPr>
+            <p:cNvPr id="27" name="Rounded Rectangle 26"/>
+            <p:cNvSpPr/>
+            <p:nvPr/>
+          </p:nvSpPr>
+          <p:spPr>
+            <a:xfrm>
+              <a:off x="476250" y="3371153"/>
+              <a:ext cx="1828800" cy="533400"/>
+            </a:xfrm>
+            <a:prstGeom prst="roundRect">
+              <a:avLst/>
+            </a:prstGeom>
+            <a:solidFill>
+              <a:schemeClr val="accent1">
+                <a:lumMod val="20000"/>
+                <a:lumOff val="80000"/>
+              </a:schemeClr>
+            </a:solidFill>
+          </p:spPr>
+          <p:style>
+            <a:lnRef idx="1">
+              <a:schemeClr val="accent1"/>
+            </a:lnRef>
+            <a:fillRef idx="2">
+              <a:schemeClr val="accent1"/>
+            </a:fillRef>
+            <a:effectRef idx="1">
+              <a:schemeClr val="accent1"/>
+            </a:effectRef>
+            <a:fontRef idx="minor">
+              <a:schemeClr val="dk1"/>
+            </a:fontRef>
+          </p:style>
+          <p:txBody>
+            <a:bodyPr rtlCol="0" anchor="ctr"/>
+            <a:lstStyle/>
+            <a:p>
+              <a:pPr algn="ctr"/>
+              <a:r>
+                <a:rPr lang="en-US" dirty="0" smtClean="0"/>
+                <a:t>Recursive Data</a:t>
+              </a:r>
+              <a:endParaRPr lang="en-US" dirty="0"/>
+            </a:p>
+          </p:txBody>
+        </p:sp>
+        <p:sp>
+          <p:nvSpPr>
+            <p:cNvPr id="37" name="Rounded Rectangle 36"/>
+            <p:cNvSpPr/>
+            <p:nvPr/>
+          </p:nvSpPr>
+          <p:spPr>
+            <a:xfrm>
+              <a:off x="476250" y="4177836"/>
+              <a:ext cx="1828800" cy="533400"/>
+            </a:xfrm>
+            <a:prstGeom prst="roundRect">
+              <a:avLst/>
+            </a:prstGeom>
+            <a:solidFill>
+              <a:schemeClr val="accent1">
+                <a:lumMod val="20000"/>
+                <a:lumOff val="80000"/>
+              </a:schemeClr>
+            </a:solidFill>
+          </p:spPr>
+          <p:style>
+            <a:lnRef idx="1">
+              <a:schemeClr val="accent1"/>
+            </a:lnRef>
+            <a:fillRef idx="2">
+              <a:schemeClr val="accent1"/>
+            </a:fillRef>
+            <a:effectRef idx="1">
+              <a:schemeClr val="accent1"/>
+            </a:effectRef>
+            <a:fontRef idx="minor">
+              <a:schemeClr val="dk1"/>
+            </a:fontRef>
+          </p:style>
+          <p:txBody>
+            <a:bodyPr rtlCol="0" anchor="ctr"/>
+            <a:lstStyle/>
+            <a:p>
+              <a:pPr algn="ctr"/>
+              <a:r>
+                <a:rPr lang="en-US" dirty="0" smtClean="0"/>
+                <a:t>Functional Data</a:t>
+              </a:r>
+              <a:endParaRPr lang="en-US" dirty="0"/>
+            </a:p>
+          </p:txBody>
+        </p:sp>
+        <p:sp>
+          <p:nvSpPr>
+            <p:cNvPr id="42" name="Rounded Rectangle 41"/>
+            <p:cNvSpPr/>
+            <p:nvPr/>
+          </p:nvSpPr>
+          <p:spPr>
+            <a:xfrm>
+              <a:off x="476250" y="4984519"/>
+              <a:ext cx="1828800" cy="533400"/>
+            </a:xfrm>
+            <a:prstGeom prst="roundRect">
+              <a:avLst/>
+            </a:prstGeom>
+            <a:solidFill>
+              <a:schemeClr val="accent1">
+                <a:lumMod val="20000"/>
+                <a:lumOff val="80000"/>
+              </a:schemeClr>
+            </a:solidFill>
+          </p:spPr>
+          <p:style>
+            <a:lnRef idx="1">
+              <a:schemeClr val="accent1"/>
+            </a:lnRef>
+            <a:fillRef idx="2">
+              <a:schemeClr val="accent1"/>
+            </a:fillRef>
+            <a:effectRef idx="1">
+              <a:schemeClr val="accent1"/>
+            </a:effectRef>
+            <a:fontRef idx="minor">
+              <a:schemeClr val="dk1"/>
+            </a:fontRef>
+          </p:style>
+          <p:txBody>
+            <a:bodyPr rtlCol="0" anchor="ctr"/>
+            <a:lstStyle/>
+            <a:p>
+              <a:pPr algn="ctr"/>
+              <a:r>
+                <a:rPr lang="en-US" dirty="0" smtClean="0"/>
+                <a:t>Objects &amp; Classes</a:t>
+              </a:r>
+              <a:endParaRPr lang="en-US" dirty="0"/>
+            </a:p>
+          </p:txBody>
+        </p:sp>
+        <p:sp>
+          <p:nvSpPr>
+            <p:cNvPr id="47" name="Rounded Rectangle 46"/>
+            <p:cNvSpPr/>
+            <p:nvPr/>
+          </p:nvSpPr>
+          <p:spPr>
+            <a:xfrm>
+              <a:off x="476250" y="5791200"/>
+              <a:ext cx="1828800" cy="533400"/>
+            </a:xfrm>
+            <a:prstGeom prst="roundRect">
+              <a:avLst/>
+            </a:prstGeom>
+            <a:solidFill>
+              <a:schemeClr val="accent1">
+                <a:lumMod val="20000"/>
+                <a:lumOff val="80000"/>
+              </a:schemeClr>
+            </a:solidFill>
+          </p:spPr>
+          <p:style>
+            <a:lnRef idx="1">
+              <a:schemeClr val="accent1"/>
+            </a:lnRef>
+            <a:fillRef idx="2">
+              <a:schemeClr val="accent1"/>
+            </a:fillRef>
+            <a:effectRef idx="1">
+              <a:schemeClr val="accent1"/>
+            </a:effectRef>
+            <a:fontRef idx="minor">
+              <a:schemeClr val="dk1"/>
+            </a:fontRef>
+          </p:style>
+          <p:txBody>
+            <a:bodyPr rtlCol="0" anchor="ctr"/>
+            <a:lstStyle/>
+            <a:p>
+              <a:pPr algn="ctr"/>
+              <a:r>
+                <a:rPr lang="en-US" dirty="0" err="1" smtClean="0"/>
+                <a:t>Stateful</a:t>
+              </a:r>
+              <a:r>
+                <a:rPr lang="en-US" dirty="0" smtClean="0"/>
+                <a:t> Objects</a:t>
+              </a:r>
+              <a:endParaRPr lang="en-US" dirty="0"/>
+            </a:p>
+          </p:txBody>
+        </p:sp>
+        <p:cxnSp>
+          <p:nvCxnSpPr>
+            <p:cNvPr id="58" name="Straight Arrow Connector 57"/>
+            <p:cNvCxnSpPr>
+              <a:stCxn id="12" idx="2"/>
+              <a:endCxn id="22" idx="0"/>
+            </p:cNvCxnSpPr>
+            <p:nvPr/>
+          </p:nvCxnSpPr>
+          <p:spPr>
+            <a:xfrm>
+              <a:off x="1390650" y="2291187"/>
+              <a:ext cx="0" cy="273283"/>
+            </a:xfrm>
+            <a:prstGeom prst="straightConnector1">
+              <a:avLst/>
+            </a:prstGeom>
+            <a:ln>
+              <a:tailEnd type="triangle"/>
+            </a:ln>
+          </p:spPr>
+          <p:style>
+            <a:lnRef idx="1">
+              <a:schemeClr val="accent1"/>
+            </a:lnRef>
+            <a:fillRef idx="0">
+              <a:schemeClr val="accent1"/>
+            </a:fillRef>
+            <a:effectRef idx="0">
+              <a:schemeClr val="accent1"/>
+            </a:effectRef>
+            <a:fontRef idx="minor">
+              <a:schemeClr val="tx1"/>
+            </a:fontRef>
+          </p:style>
+        </p:cxnSp>
+        <p:cxnSp>
+          <p:nvCxnSpPr>
+            <p:cNvPr id="66" name="Straight Arrow Connector 65"/>
+            <p:cNvCxnSpPr>
+              <a:stCxn id="22" idx="2"/>
+              <a:endCxn id="27" idx="0"/>
+            </p:cNvCxnSpPr>
+            <p:nvPr/>
+          </p:nvCxnSpPr>
+          <p:spPr>
+            <a:xfrm>
+              <a:off x="1390650" y="3097870"/>
+              <a:ext cx="0" cy="273283"/>
+            </a:xfrm>
+            <a:prstGeom prst="straightConnector1">
+              <a:avLst/>
+            </a:prstGeom>
+            <a:ln>
+              <a:tailEnd type="triangle"/>
+            </a:ln>
+          </p:spPr>
+          <p:style>
+            <a:lnRef idx="1">
+              <a:schemeClr val="accent1"/>
+            </a:lnRef>
+            <a:fillRef idx="0">
+              <a:schemeClr val="accent1"/>
+            </a:fillRef>
+            <a:effectRef idx="0">
+              <a:schemeClr val="accent1"/>
+            </a:effectRef>
+            <a:fontRef idx="minor">
+              <a:schemeClr val="tx1"/>
+            </a:fontRef>
+          </p:style>
+        </p:cxnSp>
+      </p:grpSp>
+      <p:grpSp>
+        <p:nvGrpSpPr>
+          <p:cNvPr id="80" name="Group 79"/>
+          <p:cNvGrpSpPr/>
+          <p:nvPr/>
+        </p:nvGrpSpPr>
+        <p:grpSpPr>
+          <a:xfrm>
+            <a:off x="3657600" y="951104"/>
+            <a:ext cx="1828800" cy="5373496"/>
+            <a:chOff x="2598691" y="951104"/>
+            <a:chExt cx="1828800" cy="5373496"/>
+          </a:xfrm>
+        </p:grpSpPr>
+        <p:sp>
+          <p:nvSpPr>
+            <p:cNvPr id="6" name="Rounded Rectangle 5"/>
+            <p:cNvSpPr/>
+            <p:nvPr/>
+          </p:nvSpPr>
+          <p:spPr>
+            <a:xfrm>
+              <a:off x="2598691" y="951104"/>
+              <a:ext cx="1828800" cy="533400"/>
+            </a:xfrm>
+            <a:prstGeom prst="roundRect">
+              <a:avLst/>
+            </a:prstGeom>
+          </p:spPr>
+          <p:style>
+            <a:lnRef idx="0">
+              <a:schemeClr val="accent1"/>
+            </a:lnRef>
+            <a:fillRef idx="3">
+              <a:schemeClr val="accent1"/>
+            </a:fillRef>
+            <a:effectRef idx="3">
+              <a:schemeClr val="accent1"/>
+            </a:effectRef>
+            <a:fontRef idx="minor">
+              <a:schemeClr val="lt1"/>
+            </a:fontRef>
+          </p:style>
+          <p:txBody>
+            <a:bodyPr rtlCol="0" anchor="ctr"/>
+            <a:lstStyle/>
+            <a:p>
+              <a:pPr algn="ctr"/>
+              <a:r>
+                <a:rPr lang="en-US" dirty="0" smtClean="0"/>
+                <a:t>Design Strategies</a:t>
+              </a:r>
+              <a:endParaRPr lang="en-US" dirty="0"/>
+            </a:p>
+          </p:txBody>
+        </p:sp>
+        <p:sp>
+          <p:nvSpPr>
+            <p:cNvPr id="13" name="Rounded Rectangle 12"/>
+            <p:cNvSpPr/>
+            <p:nvPr/>
+          </p:nvSpPr>
+          <p:spPr>
+            <a:xfrm>
+              <a:off x="2598691" y="1757787"/>
+              <a:ext cx="1828800" cy="533400"/>
+            </a:xfrm>
+            <a:prstGeom prst="roundRect">
+              <a:avLst/>
+            </a:prstGeom>
+            <a:solidFill>
+              <a:schemeClr val="accent1">
+                <a:lumMod val="20000"/>
+                <a:lumOff val="80000"/>
+              </a:schemeClr>
+            </a:solidFill>
+          </p:spPr>
+          <p:style>
+            <a:lnRef idx="1">
+              <a:schemeClr val="accent1"/>
+            </a:lnRef>
+            <a:fillRef idx="2">
+              <a:schemeClr val="accent1"/>
+            </a:fillRef>
+            <a:effectRef idx="1">
+              <a:schemeClr val="accent1"/>
+            </a:effectRef>
+            <a:fontRef idx="minor">
+              <a:schemeClr val="dk1"/>
+            </a:fontRef>
+          </p:style>
+          <p:txBody>
+            <a:bodyPr rtlCol="0" anchor="ctr"/>
+            <a:lstStyle/>
+            <a:p>
+              <a:pPr algn="ctr"/>
+              <a:r>
+                <a:rPr lang="en-US" dirty="0" smtClean="0"/>
+                <a:t>Combine simpler functions</a:t>
+              </a:r>
+              <a:endParaRPr lang="en-US" dirty="0"/>
+            </a:p>
+          </p:txBody>
+        </p:sp>
+        <p:sp>
+          <p:nvSpPr>
+            <p:cNvPr id="23" name="Rounded Rectangle 22"/>
+            <p:cNvSpPr/>
+            <p:nvPr/>
+          </p:nvSpPr>
+          <p:spPr>
+            <a:xfrm>
+              <a:off x="2598691" y="2766140"/>
+              <a:ext cx="1828800" cy="533400"/>
+            </a:xfrm>
+            <a:prstGeom prst="roundRect">
+              <a:avLst/>
+            </a:prstGeom>
+            <a:solidFill>
+              <a:schemeClr val="accent1">
+                <a:lumMod val="20000"/>
+                <a:lumOff val="80000"/>
+              </a:schemeClr>
+            </a:solidFill>
+          </p:spPr>
+          <p:style>
+            <a:lnRef idx="1">
+              <a:schemeClr val="accent1"/>
+            </a:lnRef>
+            <a:fillRef idx="2">
+              <a:schemeClr val="accent1"/>
+            </a:fillRef>
+            <a:effectRef idx="1">
+              <a:schemeClr val="accent1"/>
+            </a:effectRef>
+            <a:fontRef idx="minor">
+              <a:schemeClr val="dk1"/>
+            </a:fontRef>
+          </p:style>
+          <p:txBody>
+            <a:bodyPr rtlCol="0" anchor="ctr"/>
+            <a:lstStyle/>
+            <a:p>
+              <a:pPr algn="ctr"/>
+              <a:r>
+                <a:rPr lang="en-US" dirty="0" smtClean="0"/>
+                <a:t>Use a template</a:t>
+              </a:r>
+              <a:endParaRPr lang="en-US" dirty="0"/>
+            </a:p>
+          </p:txBody>
+        </p:sp>
+        <p:sp>
+          <p:nvSpPr>
+            <p:cNvPr id="28" name="Rounded Rectangle 27"/>
+            <p:cNvSpPr/>
+            <p:nvPr/>
+          </p:nvSpPr>
+          <p:spPr>
+            <a:xfrm>
+              <a:off x="2598691" y="3774493"/>
+              <a:ext cx="1828800" cy="533400"/>
+            </a:xfrm>
+            <a:prstGeom prst="roundRect">
+              <a:avLst/>
+            </a:prstGeom>
+            <a:solidFill>
+              <a:schemeClr val="accent1">
+                <a:lumMod val="20000"/>
+                <a:lumOff val="80000"/>
+              </a:schemeClr>
+            </a:solidFill>
+          </p:spPr>
+          <p:style>
+            <a:lnRef idx="1">
+              <a:schemeClr val="accent1"/>
+            </a:lnRef>
+            <a:fillRef idx="2">
+              <a:schemeClr val="accent1"/>
+            </a:fillRef>
+            <a:effectRef idx="1">
+              <a:schemeClr val="accent1"/>
+            </a:effectRef>
+            <a:fontRef idx="minor">
+              <a:schemeClr val="dk1"/>
+            </a:fontRef>
+          </p:style>
+          <p:txBody>
+            <a:bodyPr rtlCol="0" anchor="ctr"/>
+            <a:lstStyle/>
+            <a:p>
+              <a:pPr algn="ctr"/>
+              <a:r>
+                <a:rPr lang="en-US" dirty="0" smtClean="0"/>
+                <a:t>Divide into Cases</a:t>
+              </a:r>
+              <a:endParaRPr lang="en-US" dirty="0"/>
+            </a:p>
+          </p:txBody>
+        </p:sp>
+        <p:sp>
+          <p:nvSpPr>
+            <p:cNvPr id="38" name="Rounded Rectangle 37"/>
+            <p:cNvSpPr/>
+            <p:nvPr/>
+          </p:nvSpPr>
+          <p:spPr>
+            <a:xfrm>
+              <a:off x="2598691" y="4782846"/>
+              <a:ext cx="1828800" cy="533400"/>
+            </a:xfrm>
+            <a:prstGeom prst="roundRect">
+              <a:avLst/>
+            </a:prstGeom>
+            <a:solidFill>
+              <a:schemeClr val="accent1">
+                <a:lumMod val="20000"/>
+                <a:lumOff val="80000"/>
+              </a:schemeClr>
+            </a:solidFill>
+          </p:spPr>
+          <p:style>
+            <a:lnRef idx="1">
+              <a:schemeClr val="accent1"/>
+            </a:lnRef>
+            <a:fillRef idx="2">
+              <a:schemeClr val="accent1"/>
+            </a:fillRef>
+            <a:effectRef idx="1">
+              <a:schemeClr val="accent1"/>
+            </a:effectRef>
+            <a:fontRef idx="minor">
+              <a:schemeClr val="dk1"/>
+            </a:fontRef>
+          </p:style>
+          <p:txBody>
+            <a:bodyPr rtlCol="0" anchor="ctr"/>
+            <a:lstStyle/>
+            <a:p>
+              <a:pPr algn="ctr"/>
+              <a:r>
+                <a:rPr lang="en-US" dirty="0" smtClean="0"/>
+                <a:t>Call a more general function</a:t>
+              </a:r>
+              <a:endParaRPr lang="en-US" dirty="0"/>
+            </a:p>
+          </p:txBody>
+        </p:sp>
+        <p:sp>
+          <p:nvSpPr>
+            <p:cNvPr id="48" name="Rounded Rectangle 47"/>
+            <p:cNvSpPr/>
+            <p:nvPr/>
+          </p:nvSpPr>
+          <p:spPr>
+            <a:xfrm>
+              <a:off x="2598691" y="5791200"/>
+              <a:ext cx="1828800" cy="533400"/>
+            </a:xfrm>
+            <a:prstGeom prst="roundRect">
+              <a:avLst/>
+            </a:prstGeom>
+            <a:solidFill>
+              <a:schemeClr val="accent1">
+                <a:lumMod val="20000"/>
+                <a:lumOff val="80000"/>
+              </a:schemeClr>
+            </a:solidFill>
+          </p:spPr>
+          <p:style>
+            <a:lnRef idx="1">
+              <a:schemeClr val="accent1"/>
+            </a:lnRef>
+            <a:fillRef idx="2">
+              <a:schemeClr val="accent1"/>
+            </a:fillRef>
+            <a:effectRef idx="1">
+              <a:schemeClr val="accent1"/>
+            </a:effectRef>
+            <a:fontRef idx="minor">
+              <a:schemeClr val="dk1"/>
+            </a:fontRef>
+          </p:style>
+          <p:txBody>
+            <a:bodyPr rtlCol="0" anchor="ctr"/>
+            <a:lstStyle/>
+            <a:p>
+              <a:pPr algn="ctr"/>
+              <a:r>
+                <a:rPr lang="en-US" dirty="0" smtClean="0"/>
+                <a:t>Communicate </a:t>
+              </a:r>
+              <a:r>
+                <a:rPr lang="en-US" dirty="0" smtClean="0"/>
+                <a:t>via State</a:t>
+              </a:r>
+              <a:endParaRPr lang="en-US" dirty="0"/>
+            </a:p>
+          </p:txBody>
+        </p:sp>
+        <p:cxnSp>
+          <p:nvCxnSpPr>
+            <p:cNvPr id="70" name="Straight Arrow Connector 69"/>
+            <p:cNvCxnSpPr>
+              <a:stCxn id="13" idx="2"/>
+              <a:endCxn id="23" idx="0"/>
+            </p:cNvCxnSpPr>
+            <p:nvPr/>
+          </p:nvCxnSpPr>
+          <p:spPr>
+            <a:xfrm>
+              <a:off x="3513091" y="2291187"/>
+              <a:ext cx="0" cy="474953"/>
+            </a:xfrm>
+            <a:prstGeom prst="straightConnector1">
+              <a:avLst/>
+            </a:prstGeom>
+            <a:ln>
+              <a:tailEnd type="triangle"/>
+            </a:ln>
+          </p:spPr>
+          <p:style>
+            <a:lnRef idx="1">
+              <a:schemeClr val="accent1"/>
+            </a:lnRef>
+            <a:fillRef idx="0">
+              <a:schemeClr val="accent1"/>
+            </a:fillRef>
+            <a:effectRef idx="0">
+              <a:schemeClr val="accent1"/>
+            </a:effectRef>
+            <a:fontRef idx="minor">
+              <a:schemeClr val="tx1"/>
+            </a:fontRef>
+          </p:style>
+        </p:cxnSp>
+        <p:cxnSp>
+          <p:nvCxnSpPr>
+            <p:cNvPr id="72" name="Straight Arrow Connector 71"/>
+            <p:cNvCxnSpPr>
+              <a:stCxn id="23" idx="2"/>
+              <a:endCxn id="28" idx="0"/>
+            </p:cNvCxnSpPr>
+            <p:nvPr/>
+          </p:nvCxnSpPr>
+          <p:spPr>
+            <a:xfrm>
+              <a:off x="3513091" y="3299540"/>
+              <a:ext cx="0" cy="474953"/>
+            </a:xfrm>
+            <a:prstGeom prst="straightConnector1">
+              <a:avLst/>
+            </a:prstGeom>
+            <a:ln>
+              <a:tailEnd type="triangle"/>
+            </a:ln>
+          </p:spPr>
+          <p:style>
+            <a:lnRef idx="1">
+              <a:schemeClr val="accent1"/>
+            </a:lnRef>
+            <a:fillRef idx="0">
+              <a:schemeClr val="accent1"/>
+            </a:fillRef>
+            <a:effectRef idx="0">
+              <a:schemeClr val="accent1"/>
+            </a:effectRef>
+            <a:fontRef idx="minor">
+              <a:schemeClr val="tx1"/>
+            </a:fontRef>
+          </p:style>
+        </p:cxnSp>
+        <p:cxnSp>
+          <p:nvCxnSpPr>
+            <p:cNvPr id="74" name="Straight Arrow Connector 73"/>
+            <p:cNvCxnSpPr>
+              <a:stCxn id="28" idx="2"/>
+              <a:endCxn id="38" idx="0"/>
+            </p:cNvCxnSpPr>
+            <p:nvPr/>
+          </p:nvCxnSpPr>
+          <p:spPr>
+            <a:xfrm>
+              <a:off x="3513091" y="4307893"/>
+              <a:ext cx="0" cy="474953"/>
+            </a:xfrm>
+            <a:prstGeom prst="straightConnector1">
+              <a:avLst/>
+            </a:prstGeom>
+            <a:ln>
+              <a:tailEnd type="triangle"/>
+            </a:ln>
+          </p:spPr>
+          <p:style>
+            <a:lnRef idx="1">
+              <a:schemeClr val="accent1"/>
+            </a:lnRef>
+            <a:fillRef idx="0">
+              <a:schemeClr val="accent1"/>
+            </a:fillRef>
+            <a:effectRef idx="0">
+              <a:schemeClr val="accent1"/>
+            </a:effectRef>
+            <a:fontRef idx="minor">
+              <a:schemeClr val="tx1"/>
+            </a:fontRef>
+          </p:style>
+        </p:cxnSp>
+        <p:cxnSp>
+          <p:nvCxnSpPr>
+            <p:cNvPr id="77" name="Straight Arrow Connector 76"/>
+            <p:cNvCxnSpPr>
+              <a:stCxn id="38" idx="2"/>
+              <a:endCxn id="48" idx="0"/>
+            </p:cNvCxnSpPr>
+            <p:nvPr/>
+          </p:nvCxnSpPr>
+          <p:spPr>
+            <a:xfrm>
+              <a:off x="3513091" y="5316246"/>
+              <a:ext cx="0" cy="474954"/>
+            </a:xfrm>
+            <a:prstGeom prst="straightConnector1">
+              <a:avLst/>
+            </a:prstGeom>
+            <a:ln>
+              <a:tailEnd type="triangle"/>
+            </a:ln>
+          </p:spPr>
+          <p:style>
+            <a:lnRef idx="1">
+              <a:schemeClr val="accent1"/>
+            </a:lnRef>
+            <a:fillRef idx="0">
+              <a:schemeClr val="accent1"/>
+            </a:fillRef>
+            <a:effectRef idx="0">
+              <a:schemeClr val="accent1"/>
+            </a:effectRef>
+            <a:fontRef idx="minor">
+              <a:schemeClr val="tx1"/>
+            </a:fontRef>
+          </p:style>
+        </p:cxnSp>
+      </p:grpSp>
+      <p:cxnSp>
+        <p:nvCxnSpPr>
+          <p:cNvPr id="88" name="Straight Arrow Connector 87"/>
+          <p:cNvCxnSpPr>
+            <a:stCxn id="7" idx="2"/>
+            <a:endCxn id="14" idx="0"/>
+          </p:cNvCxnSpPr>
+          <p:nvPr/>
+        </p:nvCxnSpPr>
+        <p:spPr>
+          <a:xfrm>
+            <a:off x="7315200" y="2291187"/>
+            <a:ext cx="0" cy="273283"/>
+          </a:xfrm>
+          <a:prstGeom prst="straightConnector1">
+            <a:avLst/>
+          </a:prstGeom>
+          <a:ln>
+            <a:tailEnd type="triangle"/>
+          </a:ln>
+        </p:spPr>
+        <p:style>
+          <a:lnRef idx="1">
+            <a:schemeClr val="accent1"/>
+          </a:lnRef>
+          <a:fillRef idx="0">
+            <a:schemeClr val="accent1"/>
+          </a:fillRef>
+          <a:effectRef idx="0">
+            <a:schemeClr val="accent1"/>
+          </a:effectRef>
+          <a:fontRef idx="minor">
+            <a:schemeClr val="tx1"/>
+          </a:fontRef>
+        </p:style>
+      </p:cxnSp>
+      <p:cxnSp>
+        <p:nvCxnSpPr>
+          <p:cNvPr id="92" name="Straight Arrow Connector 91"/>
+          <p:cNvCxnSpPr>
+            <a:stCxn id="14" idx="2"/>
+            <a:endCxn id="29" idx="0"/>
+          </p:cNvCxnSpPr>
+          <p:nvPr/>
+        </p:nvCxnSpPr>
+        <p:spPr>
+          <a:xfrm>
+            <a:off x="7315200" y="3097870"/>
+            <a:ext cx="0" cy="273283"/>
+          </a:xfrm>
+          <a:prstGeom prst="straightConnector1">
+            <a:avLst/>
+          </a:prstGeom>
+          <a:ln>
+            <a:tailEnd type="triangle"/>
+          </a:ln>
+        </p:spPr>
+        <p:style>
+          <a:lnRef idx="1">
+            <a:schemeClr val="accent1"/>
+          </a:lnRef>
+          <a:fillRef idx="0">
+            <a:schemeClr val="accent1"/>
+          </a:fillRef>
+          <a:effectRef idx="0">
+            <a:schemeClr val="accent1"/>
+          </a:effectRef>
+          <a:fontRef idx="minor">
+            <a:schemeClr val="tx1"/>
+          </a:fontRef>
+        </p:style>
+      </p:cxnSp>
+      <p:cxnSp>
+        <p:nvCxnSpPr>
+          <p:cNvPr id="98" name="Straight Arrow Connector 97"/>
+          <p:cNvCxnSpPr>
+            <a:stCxn id="29" idx="2"/>
+            <a:endCxn id="34" idx="0"/>
+          </p:cNvCxnSpPr>
+          <p:nvPr/>
+        </p:nvCxnSpPr>
+        <p:spPr>
+          <a:xfrm>
+            <a:off x="7315200" y="3904553"/>
+            <a:ext cx="0" cy="273283"/>
+          </a:xfrm>
+          <a:prstGeom prst="straightConnector1">
+            <a:avLst/>
+          </a:prstGeom>
+          <a:ln>
+            <a:tailEnd type="triangle"/>
+          </a:ln>
+        </p:spPr>
+        <p:style>
+          <a:lnRef idx="1">
+            <a:schemeClr val="accent1"/>
+          </a:lnRef>
+          <a:fillRef idx="0">
+            <a:schemeClr val="accent1"/>
+          </a:fillRef>
+          <a:effectRef idx="0">
+            <a:schemeClr val="accent1"/>
+          </a:effectRef>
+          <a:fontRef idx="minor">
+            <a:schemeClr val="tx1"/>
+          </a:fontRef>
+        </p:style>
+      </p:cxnSp>
+      <p:cxnSp>
+        <p:nvCxnSpPr>
+          <p:cNvPr id="100" name="Straight Arrow Connector 99"/>
+          <p:cNvCxnSpPr>
+            <a:stCxn id="34" idx="2"/>
+            <a:endCxn id="39" idx="0"/>
+          </p:cNvCxnSpPr>
+          <p:nvPr/>
+        </p:nvCxnSpPr>
+        <p:spPr>
+          <a:xfrm>
+            <a:off x="7315200" y="4711236"/>
+            <a:ext cx="0" cy="273283"/>
+          </a:xfrm>
+          <a:prstGeom prst="straightConnector1">
+            <a:avLst/>
+          </a:prstGeom>
+          <a:ln>
+            <a:tailEnd type="triangle"/>
+          </a:ln>
+        </p:spPr>
+        <p:style>
+          <a:lnRef idx="1">
+            <a:schemeClr val="accent1"/>
+          </a:lnRef>
+          <a:fillRef idx="0">
+            <a:schemeClr val="accent1"/>
+          </a:fillRef>
+          <a:effectRef idx="0">
+            <a:schemeClr val="accent1"/>
+          </a:effectRef>
+          <a:fontRef idx="minor">
+            <a:schemeClr val="tx1"/>
+          </a:fontRef>
+        </p:style>
+      </p:cxnSp>
+      <p:cxnSp>
+        <p:nvCxnSpPr>
+          <p:cNvPr id="102" name="Straight Arrow Connector 101"/>
+          <p:cNvCxnSpPr>
+            <a:stCxn id="39" idx="2"/>
+            <a:endCxn id="44" idx="0"/>
+          </p:cNvCxnSpPr>
+          <p:nvPr/>
+        </p:nvCxnSpPr>
+        <p:spPr>
+          <a:xfrm>
+            <a:off x="7315200" y="5517919"/>
+            <a:ext cx="0" cy="273281"/>
+          </a:xfrm>
+          <a:prstGeom prst="straightConnector1">
+            <a:avLst/>
+          </a:prstGeom>
+          <a:ln>
+            <a:tailEnd type="triangle"/>
+          </a:ln>
+        </p:spPr>
+        <p:style>
+          <a:lnRef idx="1">
+            <a:schemeClr val="accent1"/>
+          </a:lnRef>
+          <a:fillRef idx="0">
+            <a:schemeClr val="accent1"/>
+          </a:fillRef>
+          <a:effectRef idx="0">
+            <a:schemeClr val="accent1"/>
+          </a:effectRef>
+          <a:fontRef idx="minor">
+            <a:schemeClr val="tx1"/>
+          </a:fontRef>
+        </p:style>
+      </p:cxnSp>
+      <p:sp>
+        <p:nvSpPr>
+          <p:cNvPr id="103" name="Rounded Rectangle 102"/>
+          <p:cNvSpPr/>
+          <p:nvPr/>
+        </p:nvSpPr>
+        <p:spPr>
+          <a:xfrm>
+            <a:off x="5791200" y="417704"/>
+            <a:ext cx="3048000" cy="1066800"/>
+          </a:xfrm>
+          <a:prstGeom prst="roundRect">
+            <a:avLst/>
+          </a:prstGeom>
+          <a:noFill/>
+          <a:ln w="28575">
+            <a:solidFill>
+              <a:schemeClr val="accent2"/>
+            </a:solidFill>
+          </a:ln>
         </p:spPr>
         <p:style>
           <a:lnRef idx="2">
@@ -16074,18 +17764,12 @@
           </a:bodyPr>
           <a:lstStyle/>
           <a:p>
-            <a:pPr>
-              <a:defRPr/>
-            </a:pPr>
+            <a:pPr algn="ctr"/>
             <a:r>
-              <a:rPr lang="en-US" dirty="0" smtClean="0">
-                <a:solidFill>
-                  <a:schemeClr val="tx1"/>
-                </a:solidFill>
-              </a:rPr>
-              <a:t>This is the default information box.</a:t>
+              <a:rPr lang="en-US" sz="4400" dirty="0"/>
+              <a:t>Course Map</a:t>
             </a:r>
-            <a:endParaRPr lang="en-US" dirty="0">
+            <a:endParaRPr lang="en-US" sz="4400" dirty="0">
               <a:solidFill>
                 <a:schemeClr val="tx1"/>
               </a:solidFill>
@@ -16093,186 +17777,155 @@
           </a:p>
         </p:txBody>
       </p:sp>
-      <p:sp>
-        <p:nvSpPr>
-          <p:cNvPr id="6" name="Parallelogram 5"/>
-          <p:cNvSpPr/>
+      <p:cxnSp>
+        <p:nvCxnSpPr>
+          <p:cNvPr id="107" name="Straight Arrow Connector 106"/>
+          <p:cNvCxnSpPr>
+            <a:stCxn id="27" idx="2"/>
+            <a:endCxn id="37" idx="0"/>
+          </p:cNvCxnSpPr>
           <p:nvPr/>
-        </p:nvSpPr>
+        </p:nvCxnSpPr>
         <p:spPr>
           <a:xfrm>
-            <a:off x="609600" y="4038600"/>
-            <a:ext cx="3048000" cy="1447800"/>
+            <a:off x="1828800" y="3904553"/>
+            <a:ext cx="0" cy="273283"/>
           </a:xfrm>
-          <a:prstGeom prst="parallelogram">
+          <a:prstGeom prst="straightConnector1">
             <a:avLst/>
           </a:prstGeom>
-          <a:solidFill>
-            <a:srgbClr val="FFFF00"/>
-          </a:solidFill>
-          <a:ln/>
-        </p:spPr>
-        <p:style>
-          <a:lnRef idx="2">
-            <a:schemeClr val="accent1"/>
-          </a:lnRef>
-          <a:fillRef idx="1">
-            <a:schemeClr val="lt1"/>
-          </a:fillRef>
-          <a:effectRef idx="0">
-            <a:schemeClr val="accent1"/>
-          </a:effectRef>
-          <a:fontRef idx="minor">
-            <a:schemeClr val="dk1"/>
-          </a:fontRef>
-        </p:style>
-        <p:txBody>
-          <a:bodyPr rot="0" spcFirstLastPara="0" vertOverflow="overflow" horzOverflow="overflow" vert="horz" wrap="square" lIns="91440" tIns="45720" rIns="91440" bIns="45720" numCol="1" spcCol="0" rtlCol="0" fromWordArt="0" anchor="ctr" anchorCtr="0" forceAA="0" compatLnSpc="1">
-            <a:prstTxWarp prst="textNoShape">
-              <a:avLst/>
-            </a:prstTxWarp>
-            <a:noAutofit/>
-          </a:bodyPr>
-          <a:lstStyle/>
-          <a:p>
-            <a:pPr algn="ctr"/>
-            <a:r>
-              <a:rPr lang="en-US" dirty="0" smtClean="0">
-                <a:solidFill>
-                  <a:schemeClr val="tx1"/>
-                </a:solidFill>
-              </a:rPr>
-              <a:t>This is the default "TODO"/meta</a:t>
-            </a:r>
-          </a:p>
-          <a:p>
-            <a:pPr algn="ctr"/>
-            <a:r>
-              <a:rPr lang="en-US" dirty="0" smtClean="0">
-                <a:solidFill>
-                  <a:schemeClr val="tx1"/>
-                </a:solidFill>
-              </a:rPr>
-              <a:t>box</a:t>
-            </a:r>
-            <a:endParaRPr lang="en-US" dirty="0">
-              <a:solidFill>
-                <a:schemeClr val="tx1"/>
-              </a:solidFill>
-            </a:endParaRPr>
-          </a:p>
-        </p:txBody>
-      </p:sp>
-      <p:sp>
-        <p:nvSpPr>
-          <p:cNvPr id="7" name="Rounded Rectangle 6"/>
-          <p:cNvSpPr/>
-          <p:nvPr/>
-        </p:nvSpPr>
-        <p:spPr>
-          <a:xfrm>
-            <a:off x="6612255" y="1896137"/>
-            <a:ext cx="1828800" cy="506845"/>
-          </a:xfrm>
-          <a:prstGeom prst="roundRect">
-            <a:avLst>
-              <a:gd name="adj" fmla="val 4685"/>
-            </a:avLst>
-          </a:prstGeom>
-          <a:noFill/>
-          <a:ln w="57150">
-            <a:solidFill>
-              <a:srgbClr val="AC0000"/>
-            </a:solidFill>
+          <a:ln>
+            <a:tailEnd type="triangle"/>
           </a:ln>
         </p:spPr>
         <p:style>
-          <a:lnRef idx="2">
-            <a:schemeClr val="accent1">
-              <a:shade val="50000"/>
-            </a:schemeClr>
+          <a:lnRef idx="1">
+            <a:schemeClr val="accent1"/>
           </a:lnRef>
-          <a:fillRef idx="1">
+          <a:fillRef idx="0">
             <a:schemeClr val="accent1"/>
           </a:fillRef>
           <a:effectRef idx="0">
             <a:schemeClr val="accent1"/>
           </a:effectRef>
           <a:fontRef idx="minor">
-            <a:schemeClr val="lt1"/>
+            <a:schemeClr val="tx1"/>
           </a:fontRef>
         </p:style>
-        <p:txBody>
-          <a:bodyPr rtlCol="0" anchor="ctr"/>
-          <a:lstStyle/>
-          <a:p>
-            <a:pPr algn="ctr"/>
-            <a:endParaRPr lang="en-US"/>
-          </a:p>
-        </p:txBody>
-      </p:sp>
-      <p:sp>
-        <p:nvSpPr>
-          <p:cNvPr id="8" name="Rectangle 7"/>
-          <p:cNvSpPr/>
+      </p:cxnSp>
+      <p:cxnSp>
+        <p:nvCxnSpPr>
+          <p:cNvPr id="109" name="Straight Arrow Connector 108"/>
+          <p:cNvCxnSpPr>
+            <a:stCxn id="37" idx="2"/>
+            <a:endCxn id="42" idx="0"/>
+          </p:cNvCxnSpPr>
           <p:nvPr/>
-        </p:nvSpPr>
+        </p:nvCxnSpPr>
         <p:spPr>
           <a:xfrm>
-            <a:off x="4082907" y="5486400"/>
-            <a:ext cx="4149090" cy="970113"/>
+            <a:off x="1828800" y="4711236"/>
+            <a:ext cx="0" cy="273283"/>
           </a:xfrm>
-          <a:prstGeom prst="rect">
+          <a:prstGeom prst="straightConnector1">
             <a:avLst/>
           </a:prstGeom>
-          <a:noFill/>
-          <a:ln/>
+          <a:ln>
+            <a:tailEnd type="triangle"/>
+          </a:ln>
         </p:spPr>
         <p:style>
-          <a:lnRef idx="2">
+          <a:lnRef idx="1">
             <a:schemeClr val="accent1"/>
           </a:lnRef>
-          <a:fillRef idx="1">
-            <a:schemeClr val="lt1"/>
+          <a:fillRef idx="0">
+            <a:schemeClr val="accent1"/>
           </a:fillRef>
           <a:effectRef idx="0">
             <a:schemeClr val="accent1"/>
           </a:effectRef>
           <a:fontRef idx="minor">
-            <a:schemeClr val="dk1"/>
+            <a:schemeClr val="tx1"/>
           </a:fontRef>
         </p:style>
-        <p:txBody>
-          <a:bodyPr rot="0" spcFirstLastPara="0" vertOverflow="overflow" horzOverflow="overflow" vert="horz" wrap="square" lIns="91440" tIns="45720" rIns="91440" bIns="45720" numCol="1" spcCol="0" rtlCol="0" fromWordArt="0" anchor="ctr" anchorCtr="0" forceAA="0" compatLnSpc="1">
-            <a:prstTxWarp prst="textNoShape">
-              <a:avLst/>
-            </a:prstTxWarp>
-            <a:noAutofit/>
-          </a:bodyPr>
-          <a:lstStyle/>
-          <a:p>
-            <a:pPr>
-              <a:defRPr/>
-            </a:pPr>
-            <a:r>
-              <a:rPr lang="en-US" dirty="0" smtClean="0">
-                <a:solidFill>
-                  <a:schemeClr val="tx1"/>
-                </a:solidFill>
-              </a:rPr>
-              <a:t>This is another information box.</a:t>
-            </a:r>
-            <a:endParaRPr lang="en-US" dirty="0">
-              <a:solidFill>
-                <a:schemeClr val="tx1"/>
-              </a:solidFill>
-            </a:endParaRPr>
-          </a:p>
-        </p:txBody>
-      </p:sp>
-      <p:sp>
-        <p:nvSpPr>
-          <p:cNvPr id="5" name="Slide Number Placeholder 4"/>
+      </p:cxnSp>
+      <p:cxnSp>
+        <p:nvCxnSpPr>
+          <p:cNvPr id="111" name="Straight Arrow Connector 110"/>
+          <p:cNvCxnSpPr>
+            <a:stCxn id="42" idx="2"/>
+            <a:endCxn id="47" idx="0"/>
+          </p:cNvCxnSpPr>
+          <p:nvPr/>
+        </p:nvCxnSpPr>
+        <p:spPr>
+          <a:xfrm>
+            <a:off x="1828800" y="5517919"/>
+            <a:ext cx="0" cy="273281"/>
+          </a:xfrm>
+          <a:prstGeom prst="straightConnector1">
+            <a:avLst/>
+          </a:prstGeom>
+          <a:ln>
+            <a:tailEnd type="triangle"/>
+          </a:ln>
+        </p:spPr>
+        <p:style>
+          <a:lnRef idx="1">
+            <a:schemeClr val="accent1"/>
+          </a:lnRef>
+          <a:fillRef idx="0">
+            <a:schemeClr val="accent1"/>
+          </a:fillRef>
+          <a:effectRef idx="0">
+            <a:schemeClr val="accent1"/>
+          </a:effectRef>
+          <a:fontRef idx="minor">
+            <a:schemeClr val="tx1"/>
+          </a:fontRef>
+        </p:style>
+      </p:cxnSp>
+      <p:cxnSp>
+        <p:nvCxnSpPr>
+          <p:cNvPr id="113" name="Elbow Connector 112"/>
+          <p:cNvCxnSpPr>
+            <a:stCxn id="38" idx="3"/>
+            <a:endCxn id="7" idx="1"/>
+          </p:cNvCxnSpPr>
+          <p:nvPr/>
+        </p:nvCxnSpPr>
+        <p:spPr>
+          <a:xfrm flipV="1">
+            <a:off x="5486400" y="2024487"/>
+            <a:ext cx="914400" cy="3025059"/>
+          </a:xfrm>
+          <a:prstGeom prst="bentConnector3">
+            <a:avLst>
+              <a:gd name="adj1" fmla="val 50000"/>
+            </a:avLst>
+          </a:prstGeom>
+          <a:ln w="38100">
+            <a:tailEnd type="triangle"/>
+          </a:ln>
+        </p:spPr>
+        <p:style>
+          <a:lnRef idx="1">
+            <a:schemeClr val="accent1"/>
+          </a:lnRef>
+          <a:fillRef idx="0">
+            <a:schemeClr val="accent1"/>
+          </a:fillRef>
+          <a:effectRef idx="0">
+            <a:schemeClr val="accent1"/>
+          </a:effectRef>
+          <a:fontRef idx="minor">
+            <a:schemeClr val="tx1"/>
+          </a:fontRef>
+        </p:style>
+      </p:cxnSp>
+      <p:sp>
+        <p:nvSpPr>
+          <p:cNvPr id="2" name="Slide Number Placeholder 1"/>
           <p:cNvSpPr>
             <a:spLocks noGrp="1"/>
           </p:cNvSpPr>
@@ -16296,7 +17949,7 @@
     </p:spTree>
     <p:extLst>
       <p:ext uri="{BB962C8B-B14F-4D97-AF65-F5344CB8AC3E}">
-        <p14:creationId xmlns:p14="http://schemas.microsoft.com/office/powerpoint/2010/main" val="1169906283"/>
+        <p14:creationId xmlns:p14="http://schemas.microsoft.com/office/powerpoint/2010/main" val="3383648435"/>
       </p:ext>
     </p:extLst>
   </p:cSld>

--- a/Slides/Common Slides for CS 5010.pptx
+++ b/Slides/Common Slides for CS 5010.pptx
@@ -240,7 +240,7 @@
           <a:p>
             <a:fld id="{03B24962-D7B5-4FEA-ABE9-8C89DFE85AA1}" type="datetimeFigureOut">
               <a:rPr lang="en-US" smtClean="0"/>
-              <a:t>10/8/2015</a:t>
+              <a:t>10/19/2015</a:t>
             </a:fld>
             <a:endParaRPr lang="en-US"/>
           </a:p>
@@ -1917,7 +1917,7 @@
           <a:p>
             <a:fld id="{2F1F79F5-7BEC-496A-AFC7-876E38F64D71}" type="datetime1">
               <a:rPr lang="en-US" smtClean="0"/>
-              <a:t>10/8/2015</a:t>
+              <a:t>10/19/2015</a:t>
             </a:fld>
             <a:endParaRPr lang="en-US"/>
           </a:p>
@@ -2019,7 +2019,7 @@
           <a:p>
             <a:fld id="{0A05703A-7669-4FEA-9056-25299B4D29D4}" type="datetime1">
               <a:rPr lang="en-US" smtClean="0"/>
-              <a:t>10/8/2015</a:t>
+              <a:t>10/19/2015</a:t>
             </a:fld>
             <a:endParaRPr lang="en-US"/>
           </a:p>
@@ -2296,7 +2296,7 @@
           <a:p>
             <a:fld id="{6E5077B5-BB57-49DB-88CA-226A139E5C01}" type="datetime1">
               <a:rPr lang="en-US" smtClean="0"/>
-              <a:t>10/8/2015</a:t>
+              <a:t>10/19/2015</a:t>
             </a:fld>
             <a:endParaRPr lang="en-US"/>
           </a:p>
@@ -2549,7 +2549,7 @@
           <a:p>
             <a:fld id="{C48D9447-CBD6-49A1-89FD-8512A8CF8999}" type="datetime1">
               <a:rPr lang="en-US" smtClean="0"/>
-              <a:t>10/8/2015</a:t>
+              <a:t>10/19/2015</a:t>
             </a:fld>
             <a:endParaRPr lang="en-US"/>
           </a:p>
@@ -2719,7 +2719,7 @@
           <a:p>
             <a:fld id="{A3639A2A-823D-48B7-9ACE-7FAF42870BA9}" type="datetime1">
               <a:rPr lang="en-US" smtClean="0"/>
-              <a:t>10/8/2015</a:t>
+              <a:t>10/19/2015</a:t>
             </a:fld>
             <a:endParaRPr lang="en-US"/>
           </a:p>
@@ -2899,7 +2899,7 @@
           <a:p>
             <a:fld id="{ED1B6996-82E9-463C-972C-7B56056E426C}" type="datetime1">
               <a:rPr lang="en-US" smtClean="0"/>
-              <a:t>10/8/2015</a:t>
+              <a:t>10/19/2015</a:t>
             </a:fld>
             <a:endParaRPr lang="en-US"/>
           </a:p>
@@ -3075,7 +3075,7 @@
           <a:p>
             <a:fld id="{E22ED4DA-448D-4BB1-B935-CC112220207B}" type="datetime1">
               <a:rPr lang="en-US" smtClean="0"/>
-              <a:t>10/8/2015</a:t>
+              <a:t>10/19/2015</a:t>
             </a:fld>
             <a:endParaRPr lang="en-US"/>
           </a:p>
@@ -3257,7 +3257,7 @@
           <a:p>
             <a:fld id="{E22ED4DA-448D-4BB1-B935-CC112220207B}" type="datetime1">
               <a:rPr lang="en-US" smtClean="0"/>
-              <a:t>10/8/2015</a:t>
+              <a:t>10/19/2015</a:t>
             </a:fld>
             <a:endParaRPr lang="en-US"/>
           </a:p>
@@ -3526,7 +3526,7 @@
           <a:p>
             <a:fld id="{FF5D65A6-AB94-4435-B0B7-3743215FA46C}" type="datetime1">
               <a:rPr lang="en-US" smtClean="0"/>
-              <a:t>10/8/2015</a:t>
+              <a:t>10/19/2015</a:t>
             </a:fld>
             <a:endParaRPr lang="en-US"/>
           </a:p>
@@ -3711,7 +3711,7 @@
           <a:p>
             <a:fld id="{FF5D65A6-AB94-4435-B0B7-3743215FA46C}" type="datetime1">
               <a:rPr lang="en-US" smtClean="0"/>
-              <a:t>10/8/2015</a:t>
+              <a:t>10/19/2015</a:t>
             </a:fld>
             <a:endParaRPr lang="en-US"/>
           </a:p>
@@ -4013,7 +4013,7 @@
           <a:p>
             <a:fld id="{7C193DC4-6EF0-48C9-B29C-616106A645E1}" type="datetime1">
               <a:rPr lang="en-US" smtClean="0"/>
-              <a:t>10/8/2015</a:t>
+              <a:t>10/19/2015</a:t>
             </a:fld>
             <a:endParaRPr lang="en-US"/>
           </a:p>
@@ -4301,7 +4301,7 @@
           <a:p>
             <a:fld id="{5D1846AD-9252-4647-9435-4C2AC365653A}" type="datetime1">
               <a:rPr lang="en-US" smtClean="0"/>
-              <a:t>10/8/2015</a:t>
+              <a:t>10/19/2015</a:t>
             </a:fld>
             <a:endParaRPr lang="en-US"/>
           </a:p>
@@ -4723,7 +4723,7 @@
           <a:p>
             <a:fld id="{CE56DC10-3561-4063-A6AF-C1CC7A41040A}" type="datetime1">
               <a:rPr lang="en-US" smtClean="0"/>
-              <a:t>10/8/2015</a:t>
+              <a:t>10/19/2015</a:t>
             </a:fld>
             <a:endParaRPr lang="en-US"/>
           </a:p>
@@ -4841,7 +4841,7 @@
           <a:p>
             <a:fld id="{2F7B77F5-1464-4F6B-92A8-64FC8A508293}" type="datetime1">
               <a:rPr lang="en-US" smtClean="0"/>
-              <a:t>10/8/2015</a:t>
+              <a:t>10/19/2015</a:t>
             </a:fld>
             <a:endParaRPr lang="en-US"/>
           </a:p>
@@ -5073,7 +5073,7 @@
           <a:p>
             <a:fld id="{02B3F677-983B-48DB-ADFD-63FE6CBC7FB2}" type="datetime1">
               <a:rPr lang="en-US" smtClean="0"/>
-              <a:t>10/8/2015</a:t>
+              <a:t>10/19/2015</a:t>
             </a:fld>
             <a:endParaRPr lang="en-US"/>
           </a:p>
@@ -9903,13 +9903,8 @@
                     <a:p>
                       <a:r>
                         <a:rPr lang="en-US" sz="3200" dirty="0" smtClean="0"/>
-                        <a:t>5. Call a more general </a:t>
-                      </a:r>
-                      <a:r>
-                        <a:rPr lang="en-US" sz="3200" dirty="0" smtClean="0"/>
-                        <a:t>function</a:t>
-                      </a:r>
-                      <a:endParaRPr lang="en-US" sz="3200" dirty="0" smtClean="0"/>
+                        <a:t>5. Call a more general function</a:t>
+                      </a:r>
                     </a:p>
                   </a:txBody>
                   <a:tcPr/>
@@ -9925,7 +9920,6 @@
                         <a:rPr lang="en-US" sz="3200" dirty="0" smtClean="0"/>
                         <a:t>6. General Recursion</a:t>
                       </a:r>
-                      <a:endParaRPr lang="en-US" sz="3200" dirty="0" smtClean="0"/>
                     </a:p>
                   </a:txBody>
                   <a:tcPr/>
@@ -13465,447 +13459,6 @@
           </p:style>
         </p:cxnSp>
       </p:grpSp>
-      <p:grpSp>
-        <p:nvGrpSpPr>
-          <p:cNvPr id="80" name="Group 79"/>
-          <p:cNvGrpSpPr/>
-          <p:nvPr/>
-        </p:nvGrpSpPr>
-        <p:grpSpPr>
-          <a:xfrm>
-            <a:off x="3657600" y="951104"/>
-            <a:ext cx="1828800" cy="5373496"/>
-            <a:chOff x="2598691" y="951104"/>
-            <a:chExt cx="1828800" cy="5373496"/>
-          </a:xfrm>
-        </p:grpSpPr>
-        <p:sp>
-          <p:nvSpPr>
-            <p:cNvPr id="6" name="Rounded Rectangle 5"/>
-            <p:cNvSpPr/>
-            <p:nvPr/>
-          </p:nvSpPr>
-          <p:spPr>
-            <a:xfrm>
-              <a:off x="2598691" y="951104"/>
-              <a:ext cx="1828800" cy="533400"/>
-            </a:xfrm>
-            <a:prstGeom prst="roundRect">
-              <a:avLst/>
-            </a:prstGeom>
-          </p:spPr>
-          <p:style>
-            <a:lnRef idx="0">
-              <a:schemeClr val="accent1"/>
-            </a:lnRef>
-            <a:fillRef idx="3">
-              <a:schemeClr val="accent1"/>
-            </a:fillRef>
-            <a:effectRef idx="3">
-              <a:schemeClr val="accent1"/>
-            </a:effectRef>
-            <a:fontRef idx="minor">
-              <a:schemeClr val="lt1"/>
-            </a:fontRef>
-          </p:style>
-          <p:txBody>
-            <a:bodyPr rtlCol="0" anchor="ctr"/>
-            <a:lstStyle/>
-            <a:p>
-              <a:pPr algn="ctr"/>
-              <a:r>
-                <a:rPr lang="en-US" dirty="0" smtClean="0"/>
-                <a:t>Design Strategies</a:t>
-              </a:r>
-              <a:endParaRPr lang="en-US" dirty="0"/>
-            </a:p>
-          </p:txBody>
-        </p:sp>
-        <p:sp>
-          <p:nvSpPr>
-            <p:cNvPr id="13" name="Rounded Rectangle 12"/>
-            <p:cNvSpPr/>
-            <p:nvPr/>
-          </p:nvSpPr>
-          <p:spPr>
-            <a:xfrm>
-              <a:off x="2598691" y="1757787"/>
-              <a:ext cx="1828800" cy="533400"/>
-            </a:xfrm>
-            <a:prstGeom prst="roundRect">
-              <a:avLst/>
-            </a:prstGeom>
-            <a:solidFill>
-              <a:schemeClr val="accent1">
-                <a:lumMod val="20000"/>
-                <a:lumOff val="80000"/>
-              </a:schemeClr>
-            </a:solidFill>
-          </p:spPr>
-          <p:style>
-            <a:lnRef idx="1">
-              <a:schemeClr val="accent1"/>
-            </a:lnRef>
-            <a:fillRef idx="2">
-              <a:schemeClr val="accent1"/>
-            </a:fillRef>
-            <a:effectRef idx="1">
-              <a:schemeClr val="accent1"/>
-            </a:effectRef>
-            <a:fontRef idx="minor">
-              <a:schemeClr val="dk1"/>
-            </a:fontRef>
-          </p:style>
-          <p:txBody>
-            <a:bodyPr rtlCol="0" anchor="ctr"/>
-            <a:lstStyle/>
-            <a:p>
-              <a:pPr algn="ctr"/>
-              <a:r>
-                <a:rPr lang="en-US" dirty="0" smtClean="0"/>
-                <a:t>Combine simpler functions</a:t>
-              </a:r>
-              <a:endParaRPr lang="en-US" dirty="0"/>
-            </a:p>
-          </p:txBody>
-        </p:sp>
-        <p:sp>
-          <p:nvSpPr>
-            <p:cNvPr id="23" name="Rounded Rectangle 22"/>
-            <p:cNvSpPr/>
-            <p:nvPr/>
-          </p:nvSpPr>
-          <p:spPr>
-            <a:xfrm>
-              <a:off x="2598691" y="2766140"/>
-              <a:ext cx="1828800" cy="533400"/>
-            </a:xfrm>
-            <a:prstGeom prst="roundRect">
-              <a:avLst/>
-            </a:prstGeom>
-            <a:solidFill>
-              <a:schemeClr val="accent1">
-                <a:lumMod val="20000"/>
-                <a:lumOff val="80000"/>
-              </a:schemeClr>
-            </a:solidFill>
-          </p:spPr>
-          <p:style>
-            <a:lnRef idx="1">
-              <a:schemeClr val="accent1"/>
-            </a:lnRef>
-            <a:fillRef idx="2">
-              <a:schemeClr val="accent1"/>
-            </a:fillRef>
-            <a:effectRef idx="1">
-              <a:schemeClr val="accent1"/>
-            </a:effectRef>
-            <a:fontRef idx="minor">
-              <a:schemeClr val="dk1"/>
-            </a:fontRef>
-          </p:style>
-          <p:txBody>
-            <a:bodyPr rtlCol="0" anchor="ctr"/>
-            <a:lstStyle/>
-            <a:p>
-              <a:pPr algn="ctr"/>
-              <a:r>
-                <a:rPr lang="en-US" dirty="0" smtClean="0"/>
-                <a:t>Use a template</a:t>
-              </a:r>
-              <a:endParaRPr lang="en-US" dirty="0"/>
-            </a:p>
-          </p:txBody>
-        </p:sp>
-        <p:sp>
-          <p:nvSpPr>
-            <p:cNvPr id="28" name="Rounded Rectangle 27"/>
-            <p:cNvSpPr/>
-            <p:nvPr/>
-          </p:nvSpPr>
-          <p:spPr>
-            <a:xfrm>
-              <a:off x="2598691" y="3774493"/>
-              <a:ext cx="1828800" cy="533400"/>
-            </a:xfrm>
-            <a:prstGeom prst="roundRect">
-              <a:avLst/>
-            </a:prstGeom>
-            <a:solidFill>
-              <a:schemeClr val="accent1">
-                <a:lumMod val="20000"/>
-                <a:lumOff val="80000"/>
-              </a:schemeClr>
-            </a:solidFill>
-          </p:spPr>
-          <p:style>
-            <a:lnRef idx="1">
-              <a:schemeClr val="accent1"/>
-            </a:lnRef>
-            <a:fillRef idx="2">
-              <a:schemeClr val="accent1"/>
-            </a:fillRef>
-            <a:effectRef idx="1">
-              <a:schemeClr val="accent1"/>
-            </a:effectRef>
-            <a:fontRef idx="minor">
-              <a:schemeClr val="dk1"/>
-            </a:fontRef>
-          </p:style>
-          <p:txBody>
-            <a:bodyPr rtlCol="0" anchor="ctr"/>
-            <a:lstStyle/>
-            <a:p>
-              <a:pPr algn="ctr"/>
-              <a:r>
-                <a:rPr lang="en-US" dirty="0" smtClean="0"/>
-                <a:t>Divide into Cases</a:t>
-              </a:r>
-              <a:endParaRPr lang="en-US" dirty="0"/>
-            </a:p>
-          </p:txBody>
-        </p:sp>
-        <p:sp>
-          <p:nvSpPr>
-            <p:cNvPr id="38" name="Rounded Rectangle 37"/>
-            <p:cNvSpPr/>
-            <p:nvPr/>
-          </p:nvSpPr>
-          <p:spPr>
-            <a:xfrm>
-              <a:off x="2598691" y="4782846"/>
-              <a:ext cx="1828800" cy="533400"/>
-            </a:xfrm>
-            <a:prstGeom prst="roundRect">
-              <a:avLst/>
-            </a:prstGeom>
-            <a:solidFill>
-              <a:schemeClr val="accent1">
-                <a:lumMod val="20000"/>
-                <a:lumOff val="80000"/>
-              </a:schemeClr>
-            </a:solidFill>
-          </p:spPr>
-          <p:style>
-            <a:lnRef idx="1">
-              <a:schemeClr val="accent1"/>
-            </a:lnRef>
-            <a:fillRef idx="2">
-              <a:schemeClr val="accent1"/>
-            </a:fillRef>
-            <a:effectRef idx="1">
-              <a:schemeClr val="accent1"/>
-            </a:effectRef>
-            <a:fontRef idx="minor">
-              <a:schemeClr val="dk1"/>
-            </a:fontRef>
-          </p:style>
-          <p:txBody>
-            <a:bodyPr rtlCol="0" anchor="ctr"/>
-            <a:lstStyle/>
-            <a:p>
-              <a:pPr algn="ctr"/>
-              <a:r>
-                <a:rPr lang="en-US" dirty="0" smtClean="0"/>
-                <a:t>Call a more general function</a:t>
-              </a:r>
-              <a:endParaRPr lang="en-US" dirty="0"/>
-            </a:p>
-          </p:txBody>
-        </p:sp>
-        <p:sp>
-          <p:nvSpPr>
-            <p:cNvPr id="48" name="Rounded Rectangle 47"/>
-            <p:cNvSpPr/>
-            <p:nvPr/>
-          </p:nvSpPr>
-          <p:spPr>
-            <a:xfrm>
-              <a:off x="2598691" y="5791200"/>
-              <a:ext cx="1828800" cy="533400"/>
-            </a:xfrm>
-            <a:prstGeom prst="roundRect">
-              <a:avLst/>
-            </a:prstGeom>
-            <a:solidFill>
-              <a:schemeClr val="accent1">
-                <a:lumMod val="20000"/>
-                <a:lumOff val="80000"/>
-              </a:schemeClr>
-            </a:solidFill>
-          </p:spPr>
-          <p:style>
-            <a:lnRef idx="1">
-              <a:schemeClr val="accent1"/>
-            </a:lnRef>
-            <a:fillRef idx="2">
-              <a:schemeClr val="accent1"/>
-            </a:fillRef>
-            <a:effectRef idx="1">
-              <a:schemeClr val="accent1"/>
-            </a:effectRef>
-            <a:fontRef idx="minor">
-              <a:schemeClr val="dk1"/>
-            </a:fontRef>
-          </p:style>
-          <p:txBody>
-            <a:bodyPr rtlCol="0" anchor="ctr"/>
-            <a:lstStyle/>
-            <a:p>
-              <a:pPr algn="ctr"/>
-              <a:r>
-                <a:rPr lang="en-US" dirty="0" smtClean="0"/>
-                <a:t>Communicate via State</a:t>
-              </a:r>
-              <a:endParaRPr lang="en-US" dirty="0"/>
-            </a:p>
-          </p:txBody>
-        </p:sp>
-        <p:cxnSp>
-          <p:nvCxnSpPr>
-            <p:cNvPr id="70" name="Straight Arrow Connector 69"/>
-            <p:cNvCxnSpPr>
-              <a:stCxn id="13" idx="2"/>
-              <a:endCxn id="23" idx="0"/>
-            </p:cNvCxnSpPr>
-            <p:nvPr/>
-          </p:nvCxnSpPr>
-          <p:spPr>
-            <a:xfrm>
-              <a:off x="3513091" y="2291187"/>
-              <a:ext cx="0" cy="474953"/>
-            </a:xfrm>
-            <a:prstGeom prst="straightConnector1">
-              <a:avLst/>
-            </a:prstGeom>
-            <a:ln>
-              <a:tailEnd type="triangle"/>
-            </a:ln>
-          </p:spPr>
-          <p:style>
-            <a:lnRef idx="1">
-              <a:schemeClr val="accent1"/>
-            </a:lnRef>
-            <a:fillRef idx="0">
-              <a:schemeClr val="accent1"/>
-            </a:fillRef>
-            <a:effectRef idx="0">
-              <a:schemeClr val="accent1"/>
-            </a:effectRef>
-            <a:fontRef idx="minor">
-              <a:schemeClr val="tx1"/>
-            </a:fontRef>
-          </p:style>
-        </p:cxnSp>
-        <p:cxnSp>
-          <p:nvCxnSpPr>
-            <p:cNvPr id="72" name="Straight Arrow Connector 71"/>
-            <p:cNvCxnSpPr>
-              <a:stCxn id="23" idx="2"/>
-              <a:endCxn id="28" idx="0"/>
-            </p:cNvCxnSpPr>
-            <p:nvPr/>
-          </p:nvCxnSpPr>
-          <p:spPr>
-            <a:xfrm>
-              <a:off x="3513091" y="3299540"/>
-              <a:ext cx="0" cy="474953"/>
-            </a:xfrm>
-            <a:prstGeom prst="straightConnector1">
-              <a:avLst/>
-            </a:prstGeom>
-            <a:ln>
-              <a:tailEnd type="triangle"/>
-            </a:ln>
-          </p:spPr>
-          <p:style>
-            <a:lnRef idx="1">
-              <a:schemeClr val="accent1"/>
-            </a:lnRef>
-            <a:fillRef idx="0">
-              <a:schemeClr val="accent1"/>
-            </a:fillRef>
-            <a:effectRef idx="0">
-              <a:schemeClr val="accent1"/>
-            </a:effectRef>
-            <a:fontRef idx="minor">
-              <a:schemeClr val="tx1"/>
-            </a:fontRef>
-          </p:style>
-        </p:cxnSp>
-        <p:cxnSp>
-          <p:nvCxnSpPr>
-            <p:cNvPr id="74" name="Straight Arrow Connector 73"/>
-            <p:cNvCxnSpPr>
-              <a:stCxn id="28" idx="2"/>
-              <a:endCxn id="38" idx="0"/>
-            </p:cNvCxnSpPr>
-            <p:nvPr/>
-          </p:nvCxnSpPr>
-          <p:spPr>
-            <a:xfrm>
-              <a:off x="3513091" y="4307893"/>
-              <a:ext cx="0" cy="474953"/>
-            </a:xfrm>
-            <a:prstGeom prst="straightConnector1">
-              <a:avLst/>
-            </a:prstGeom>
-            <a:ln>
-              <a:tailEnd type="triangle"/>
-            </a:ln>
-          </p:spPr>
-          <p:style>
-            <a:lnRef idx="1">
-              <a:schemeClr val="accent1"/>
-            </a:lnRef>
-            <a:fillRef idx="0">
-              <a:schemeClr val="accent1"/>
-            </a:fillRef>
-            <a:effectRef idx="0">
-              <a:schemeClr val="accent1"/>
-            </a:effectRef>
-            <a:fontRef idx="minor">
-              <a:schemeClr val="tx1"/>
-            </a:fontRef>
-          </p:style>
-        </p:cxnSp>
-        <p:cxnSp>
-          <p:nvCxnSpPr>
-            <p:cNvPr id="77" name="Straight Arrow Connector 76"/>
-            <p:cNvCxnSpPr>
-              <a:stCxn id="38" idx="2"/>
-              <a:endCxn id="48" idx="0"/>
-            </p:cNvCxnSpPr>
-            <p:nvPr/>
-          </p:nvCxnSpPr>
-          <p:spPr>
-            <a:xfrm>
-              <a:off x="3513091" y="5316246"/>
-              <a:ext cx="0" cy="474954"/>
-            </a:xfrm>
-            <a:prstGeom prst="straightConnector1">
-              <a:avLst/>
-            </a:prstGeom>
-            <a:ln>
-              <a:tailEnd type="triangle"/>
-            </a:ln>
-          </p:spPr>
-          <p:style>
-            <a:lnRef idx="1">
-              <a:schemeClr val="accent1"/>
-            </a:lnRef>
-            <a:fillRef idx="0">
-              <a:schemeClr val="accent1"/>
-            </a:fillRef>
-            <a:effectRef idx="0">
-              <a:schemeClr val="accent1"/>
-            </a:effectRef>
-            <a:fontRef idx="minor">
-              <a:schemeClr val="tx1"/>
-            </a:fontRef>
-          </p:style>
-        </p:cxnSp>
-      </p:grpSp>
       <p:cxnSp>
         <p:nvCxnSpPr>
           <p:cNvPr id="88" name="Straight Arrow Connector 87"/>
@@ -14262,8 +13815,8 @@
         </p:nvCxnSpPr>
         <p:spPr>
           <a:xfrm flipV="1">
-            <a:off x="5486400" y="2024487"/>
-            <a:ext cx="914400" cy="3025059"/>
+            <a:off x="5486398" y="2024487"/>
+            <a:ext cx="914402" cy="2410424"/>
           </a:xfrm>
           <a:prstGeom prst="bentConnector3">
             <a:avLst>
@@ -14312,6 +13865,535 @@
           </a:p>
         </p:txBody>
       </p:sp>
+      <p:grpSp>
+        <p:nvGrpSpPr>
+          <p:cNvPr id="24" name="Group 23"/>
+          <p:cNvGrpSpPr/>
+          <p:nvPr/>
+        </p:nvGrpSpPr>
+        <p:grpSpPr>
+          <a:xfrm>
+            <a:off x="3657598" y="941479"/>
+            <a:ext cx="1832811" cy="5373496"/>
+            <a:chOff x="3657598" y="941479"/>
+            <a:chExt cx="1832811" cy="5373496"/>
+          </a:xfrm>
+        </p:grpSpPr>
+        <p:sp>
+          <p:nvSpPr>
+            <p:cNvPr id="6" name="Rounded Rectangle 5"/>
+            <p:cNvSpPr/>
+            <p:nvPr/>
+          </p:nvSpPr>
+          <p:spPr>
+            <a:xfrm>
+              <a:off x="3657599" y="941479"/>
+              <a:ext cx="1828800" cy="533400"/>
+            </a:xfrm>
+            <a:prstGeom prst="roundRect">
+              <a:avLst/>
+            </a:prstGeom>
+          </p:spPr>
+          <p:style>
+            <a:lnRef idx="0">
+              <a:schemeClr val="accent1"/>
+            </a:lnRef>
+            <a:fillRef idx="3">
+              <a:schemeClr val="accent1"/>
+            </a:fillRef>
+            <a:effectRef idx="3">
+              <a:schemeClr val="accent1"/>
+            </a:effectRef>
+            <a:fontRef idx="minor">
+              <a:schemeClr val="lt1"/>
+            </a:fontRef>
+          </p:style>
+          <p:txBody>
+            <a:bodyPr rtlCol="0" anchor="ctr"/>
+            <a:lstStyle/>
+            <a:p>
+              <a:pPr algn="ctr"/>
+              <a:r>
+                <a:rPr lang="en-US" dirty="0" smtClean="0"/>
+                <a:t>Design Strategies</a:t>
+              </a:r>
+              <a:endParaRPr lang="en-US" dirty="0"/>
+            </a:p>
+          </p:txBody>
+        </p:sp>
+        <p:sp>
+          <p:nvSpPr>
+            <p:cNvPr id="13" name="Rounded Rectangle 12"/>
+            <p:cNvSpPr/>
+            <p:nvPr/>
+          </p:nvSpPr>
+          <p:spPr>
+            <a:xfrm>
+              <a:off x="3657599" y="1748162"/>
+              <a:ext cx="1828800" cy="533400"/>
+            </a:xfrm>
+            <a:prstGeom prst="roundRect">
+              <a:avLst/>
+            </a:prstGeom>
+            <a:solidFill>
+              <a:schemeClr val="accent1">
+                <a:lumMod val="20000"/>
+                <a:lumOff val="80000"/>
+              </a:schemeClr>
+            </a:solidFill>
+          </p:spPr>
+          <p:style>
+            <a:lnRef idx="1">
+              <a:schemeClr val="accent1"/>
+            </a:lnRef>
+            <a:fillRef idx="2">
+              <a:schemeClr val="accent1"/>
+            </a:fillRef>
+            <a:effectRef idx="1">
+              <a:schemeClr val="accent1"/>
+            </a:effectRef>
+            <a:fontRef idx="minor">
+              <a:schemeClr val="dk1"/>
+            </a:fontRef>
+          </p:style>
+          <p:txBody>
+            <a:bodyPr rtlCol="0" anchor="ctr"/>
+            <a:lstStyle/>
+            <a:p>
+              <a:pPr algn="ctr"/>
+              <a:r>
+                <a:rPr lang="en-US" dirty="0" smtClean="0"/>
+                <a:t>Combine simpler functions</a:t>
+              </a:r>
+              <a:endParaRPr lang="en-US" dirty="0"/>
+            </a:p>
+          </p:txBody>
+        </p:sp>
+        <p:sp>
+          <p:nvSpPr>
+            <p:cNvPr id="23" name="Rounded Rectangle 22"/>
+            <p:cNvSpPr/>
+            <p:nvPr/>
+          </p:nvSpPr>
+          <p:spPr>
+            <a:xfrm>
+              <a:off x="3660004" y="2554845"/>
+              <a:ext cx="1828800" cy="533400"/>
+            </a:xfrm>
+            <a:prstGeom prst="roundRect">
+              <a:avLst/>
+            </a:prstGeom>
+            <a:solidFill>
+              <a:schemeClr val="accent1">
+                <a:lumMod val="20000"/>
+                <a:lumOff val="80000"/>
+              </a:schemeClr>
+            </a:solidFill>
+          </p:spPr>
+          <p:style>
+            <a:lnRef idx="1">
+              <a:schemeClr val="accent1"/>
+            </a:lnRef>
+            <a:fillRef idx="2">
+              <a:schemeClr val="accent1"/>
+            </a:fillRef>
+            <a:effectRef idx="1">
+              <a:schemeClr val="accent1"/>
+            </a:effectRef>
+            <a:fontRef idx="minor">
+              <a:schemeClr val="dk1"/>
+            </a:fontRef>
+          </p:style>
+          <p:txBody>
+            <a:bodyPr rtlCol="0" anchor="ctr"/>
+            <a:lstStyle/>
+            <a:p>
+              <a:pPr algn="ctr"/>
+              <a:r>
+                <a:rPr lang="en-US" dirty="0" smtClean="0"/>
+                <a:t>Use a template</a:t>
+              </a:r>
+              <a:endParaRPr lang="en-US" dirty="0"/>
+            </a:p>
+          </p:txBody>
+        </p:sp>
+        <p:sp>
+          <p:nvSpPr>
+            <p:cNvPr id="28" name="Rounded Rectangle 27"/>
+            <p:cNvSpPr/>
+            <p:nvPr/>
+          </p:nvSpPr>
+          <p:spPr>
+            <a:xfrm>
+              <a:off x="3661609" y="3361528"/>
+              <a:ext cx="1828800" cy="533400"/>
+            </a:xfrm>
+            <a:prstGeom prst="roundRect">
+              <a:avLst/>
+            </a:prstGeom>
+            <a:solidFill>
+              <a:schemeClr val="accent1">
+                <a:lumMod val="20000"/>
+                <a:lumOff val="80000"/>
+              </a:schemeClr>
+            </a:solidFill>
+          </p:spPr>
+          <p:style>
+            <a:lnRef idx="1">
+              <a:schemeClr val="accent1"/>
+            </a:lnRef>
+            <a:fillRef idx="2">
+              <a:schemeClr val="accent1"/>
+            </a:fillRef>
+            <a:effectRef idx="1">
+              <a:schemeClr val="accent1"/>
+            </a:effectRef>
+            <a:fontRef idx="minor">
+              <a:schemeClr val="dk1"/>
+            </a:fontRef>
+          </p:style>
+          <p:txBody>
+            <a:bodyPr rtlCol="0" anchor="ctr"/>
+            <a:lstStyle/>
+            <a:p>
+              <a:pPr algn="ctr"/>
+              <a:r>
+                <a:rPr lang="en-US" dirty="0" smtClean="0"/>
+                <a:t>Divide into Cases</a:t>
+              </a:r>
+              <a:endParaRPr lang="en-US" dirty="0"/>
+            </a:p>
+          </p:txBody>
+        </p:sp>
+        <p:sp>
+          <p:nvSpPr>
+            <p:cNvPr id="38" name="Rounded Rectangle 37"/>
+            <p:cNvSpPr/>
+            <p:nvPr/>
+          </p:nvSpPr>
+          <p:spPr>
+            <a:xfrm>
+              <a:off x="3657598" y="4168211"/>
+              <a:ext cx="1828800" cy="533400"/>
+            </a:xfrm>
+            <a:prstGeom prst="roundRect">
+              <a:avLst/>
+            </a:prstGeom>
+            <a:solidFill>
+              <a:schemeClr val="accent1">
+                <a:lumMod val="20000"/>
+                <a:lumOff val="80000"/>
+              </a:schemeClr>
+            </a:solidFill>
+          </p:spPr>
+          <p:style>
+            <a:lnRef idx="1">
+              <a:schemeClr val="accent1"/>
+            </a:lnRef>
+            <a:fillRef idx="2">
+              <a:schemeClr val="accent1"/>
+            </a:fillRef>
+            <a:effectRef idx="1">
+              <a:schemeClr val="accent1"/>
+            </a:effectRef>
+            <a:fontRef idx="minor">
+              <a:schemeClr val="dk1"/>
+            </a:fontRef>
+          </p:style>
+          <p:txBody>
+            <a:bodyPr rtlCol="0" anchor="ctr"/>
+            <a:lstStyle/>
+            <a:p>
+              <a:pPr algn="ctr"/>
+              <a:r>
+                <a:rPr lang="en-US" dirty="0" smtClean="0"/>
+                <a:t>Call a more general function</a:t>
+              </a:r>
+              <a:endParaRPr lang="en-US" dirty="0"/>
+            </a:p>
+          </p:txBody>
+        </p:sp>
+        <p:sp>
+          <p:nvSpPr>
+            <p:cNvPr id="48" name="Rounded Rectangle 47"/>
+            <p:cNvSpPr/>
+            <p:nvPr/>
+          </p:nvSpPr>
+          <p:spPr>
+            <a:xfrm>
+              <a:off x="3657599" y="5781575"/>
+              <a:ext cx="1828800" cy="533400"/>
+            </a:xfrm>
+            <a:prstGeom prst="roundRect">
+              <a:avLst/>
+            </a:prstGeom>
+            <a:solidFill>
+              <a:schemeClr val="accent1">
+                <a:lumMod val="20000"/>
+                <a:lumOff val="80000"/>
+              </a:schemeClr>
+            </a:solidFill>
+          </p:spPr>
+          <p:style>
+            <a:lnRef idx="1">
+              <a:schemeClr val="accent1"/>
+            </a:lnRef>
+            <a:fillRef idx="2">
+              <a:schemeClr val="accent1"/>
+            </a:fillRef>
+            <a:effectRef idx="1">
+              <a:schemeClr val="accent1"/>
+            </a:effectRef>
+            <a:fontRef idx="minor">
+              <a:schemeClr val="dk1"/>
+            </a:fontRef>
+          </p:style>
+          <p:txBody>
+            <a:bodyPr rtlCol="0" anchor="ctr"/>
+            <a:lstStyle/>
+            <a:p>
+              <a:pPr algn="ctr"/>
+              <a:r>
+                <a:rPr lang="en-US" dirty="0" smtClean="0"/>
+                <a:t>Communicate via State</a:t>
+              </a:r>
+              <a:endParaRPr lang="en-US" dirty="0"/>
+            </a:p>
+          </p:txBody>
+        </p:sp>
+        <p:cxnSp>
+          <p:nvCxnSpPr>
+            <p:cNvPr id="70" name="Straight Arrow Connector 69"/>
+            <p:cNvCxnSpPr>
+              <a:stCxn id="13" idx="2"/>
+              <a:endCxn id="23" idx="0"/>
+            </p:cNvCxnSpPr>
+            <p:nvPr/>
+          </p:nvCxnSpPr>
+          <p:spPr>
+            <a:xfrm>
+              <a:off x="4571999" y="2281562"/>
+              <a:ext cx="2405" cy="273283"/>
+            </a:xfrm>
+            <a:prstGeom prst="straightConnector1">
+              <a:avLst/>
+            </a:prstGeom>
+            <a:ln>
+              <a:tailEnd type="triangle"/>
+            </a:ln>
+          </p:spPr>
+          <p:style>
+            <a:lnRef idx="1">
+              <a:schemeClr val="accent1"/>
+            </a:lnRef>
+            <a:fillRef idx="0">
+              <a:schemeClr val="accent1"/>
+            </a:fillRef>
+            <a:effectRef idx="0">
+              <a:schemeClr val="accent1"/>
+            </a:effectRef>
+            <a:fontRef idx="minor">
+              <a:schemeClr val="tx1"/>
+            </a:fontRef>
+          </p:style>
+        </p:cxnSp>
+        <p:cxnSp>
+          <p:nvCxnSpPr>
+            <p:cNvPr id="72" name="Straight Arrow Connector 71"/>
+            <p:cNvCxnSpPr>
+              <a:stCxn id="23" idx="2"/>
+              <a:endCxn id="28" idx="0"/>
+            </p:cNvCxnSpPr>
+            <p:nvPr/>
+          </p:nvCxnSpPr>
+          <p:spPr>
+            <a:xfrm>
+              <a:off x="4574404" y="3088245"/>
+              <a:ext cx="1605" cy="273283"/>
+            </a:xfrm>
+            <a:prstGeom prst="straightConnector1">
+              <a:avLst/>
+            </a:prstGeom>
+            <a:ln>
+              <a:tailEnd type="triangle"/>
+            </a:ln>
+          </p:spPr>
+          <p:style>
+            <a:lnRef idx="1">
+              <a:schemeClr val="accent1"/>
+            </a:lnRef>
+            <a:fillRef idx="0">
+              <a:schemeClr val="accent1"/>
+            </a:fillRef>
+            <a:effectRef idx="0">
+              <a:schemeClr val="accent1"/>
+            </a:effectRef>
+            <a:fontRef idx="minor">
+              <a:schemeClr val="tx1"/>
+            </a:fontRef>
+          </p:style>
+        </p:cxnSp>
+        <p:cxnSp>
+          <p:nvCxnSpPr>
+            <p:cNvPr id="74" name="Straight Arrow Connector 73"/>
+            <p:cNvCxnSpPr>
+              <a:stCxn id="28" idx="2"/>
+              <a:endCxn id="38" idx="0"/>
+            </p:cNvCxnSpPr>
+            <p:nvPr/>
+          </p:nvCxnSpPr>
+          <p:spPr>
+            <a:xfrm flipH="1">
+              <a:off x="4571998" y="3894928"/>
+              <a:ext cx="4011" cy="273283"/>
+            </a:xfrm>
+            <a:prstGeom prst="straightConnector1">
+              <a:avLst/>
+            </a:prstGeom>
+            <a:ln>
+              <a:tailEnd type="triangle"/>
+            </a:ln>
+          </p:spPr>
+          <p:style>
+            <a:lnRef idx="1">
+              <a:schemeClr val="accent1"/>
+            </a:lnRef>
+            <a:fillRef idx="0">
+              <a:schemeClr val="accent1"/>
+            </a:fillRef>
+            <a:effectRef idx="0">
+              <a:schemeClr val="accent1"/>
+            </a:effectRef>
+            <a:fontRef idx="minor">
+              <a:schemeClr val="tx1"/>
+            </a:fontRef>
+          </p:style>
+        </p:cxnSp>
+        <p:cxnSp>
+          <p:nvCxnSpPr>
+            <p:cNvPr id="77" name="Straight Arrow Connector 76"/>
+            <p:cNvCxnSpPr>
+              <a:stCxn id="38" idx="2"/>
+              <a:endCxn id="43" idx="0"/>
+            </p:cNvCxnSpPr>
+            <p:nvPr/>
+          </p:nvCxnSpPr>
+          <p:spPr>
+            <a:xfrm>
+              <a:off x="4571998" y="4701611"/>
+              <a:ext cx="0" cy="273283"/>
+            </a:xfrm>
+            <a:prstGeom prst="straightConnector1">
+              <a:avLst/>
+            </a:prstGeom>
+            <a:ln>
+              <a:tailEnd type="triangle"/>
+            </a:ln>
+          </p:spPr>
+          <p:style>
+            <a:lnRef idx="1">
+              <a:schemeClr val="accent1"/>
+            </a:lnRef>
+            <a:fillRef idx="0">
+              <a:schemeClr val="accent1"/>
+            </a:fillRef>
+            <a:effectRef idx="0">
+              <a:schemeClr val="accent1"/>
+            </a:effectRef>
+            <a:fontRef idx="minor">
+              <a:schemeClr val="tx1"/>
+            </a:fontRef>
+          </p:style>
+        </p:cxnSp>
+        <p:sp>
+          <p:nvSpPr>
+            <p:cNvPr id="43" name="Rounded Rectangle 42"/>
+            <p:cNvSpPr/>
+            <p:nvPr/>
+          </p:nvSpPr>
+          <p:spPr>
+            <a:xfrm>
+              <a:off x="3657598" y="4974894"/>
+              <a:ext cx="1828800" cy="533400"/>
+            </a:xfrm>
+            <a:prstGeom prst="roundRect">
+              <a:avLst/>
+            </a:prstGeom>
+            <a:solidFill>
+              <a:schemeClr val="accent1">
+                <a:lumMod val="20000"/>
+                <a:lumOff val="80000"/>
+              </a:schemeClr>
+            </a:solidFill>
+          </p:spPr>
+          <p:style>
+            <a:lnRef idx="1">
+              <a:schemeClr val="accent1"/>
+            </a:lnRef>
+            <a:fillRef idx="2">
+              <a:schemeClr val="accent1"/>
+            </a:fillRef>
+            <a:effectRef idx="1">
+              <a:schemeClr val="accent1"/>
+            </a:effectRef>
+            <a:fontRef idx="minor">
+              <a:schemeClr val="dk1"/>
+            </a:fontRef>
+          </p:style>
+          <p:txBody>
+            <a:bodyPr rtlCol="0" anchor="ctr"/>
+            <a:lstStyle/>
+            <a:p>
+              <a:pPr algn="ctr"/>
+              <a:r>
+                <a:rPr lang="en-US" dirty="0" smtClean="0"/>
+                <a:t>Recur on </a:t>
+              </a:r>
+              <a:r>
+                <a:rPr lang="en-US" dirty="0" err="1" smtClean="0"/>
+                <a:t>subproblem</a:t>
+              </a:r>
+              <a:endParaRPr lang="en-US" dirty="0"/>
+            </a:p>
+          </p:txBody>
+        </p:sp>
+      </p:grpSp>
+      <p:cxnSp>
+        <p:nvCxnSpPr>
+          <p:cNvPr id="51" name="Straight Arrow Connector 50"/>
+          <p:cNvCxnSpPr>
+            <a:stCxn id="43" idx="2"/>
+            <a:endCxn id="48" idx="0"/>
+          </p:cNvCxnSpPr>
+          <p:nvPr/>
+        </p:nvCxnSpPr>
+        <p:spPr>
+          <a:xfrm>
+            <a:off x="4571998" y="5508294"/>
+            <a:ext cx="1" cy="273281"/>
+          </a:xfrm>
+          <a:prstGeom prst="straightConnector1">
+            <a:avLst/>
+          </a:prstGeom>
+          <a:ln>
+            <a:tailEnd type="triangle"/>
+          </a:ln>
+        </p:spPr>
+        <p:style>
+          <a:lnRef idx="1">
+            <a:schemeClr val="accent1"/>
+          </a:lnRef>
+          <a:fillRef idx="0">
+            <a:schemeClr val="accent1"/>
+          </a:fillRef>
+          <a:effectRef idx="0">
+            <a:schemeClr val="accent1"/>
+          </a:effectRef>
+          <a:fontRef idx="minor">
+            <a:schemeClr val="tx1"/>
+          </a:fontRef>
+        </p:style>
+      </p:cxnSp>
     </p:spTree>
     <p:extLst>
       <p:ext uri="{BB962C8B-B14F-4D97-AF65-F5344CB8AC3E}">

--- a/Slides/Common Slides for CS 5010.pptx
+++ b/Slides/Common Slides for CS 5010.pptx
@@ -240,7 +240,7 @@
           <a:p>
             <a:fld id="{03B24962-D7B5-4FEA-ABE9-8C89DFE85AA1}" type="datetimeFigureOut">
               <a:rPr lang="en-US" smtClean="0"/>
-              <a:t>10/19/2015</a:t>
+              <a:t>10/22/2015</a:t>
             </a:fld>
             <a:endParaRPr lang="en-US"/>
           </a:p>
@@ -1917,7 +1917,7 @@
           <a:p>
             <a:fld id="{2F1F79F5-7BEC-496A-AFC7-876E38F64D71}" type="datetime1">
               <a:rPr lang="en-US" smtClean="0"/>
-              <a:t>10/19/2015</a:t>
+              <a:t>10/22/2015</a:t>
             </a:fld>
             <a:endParaRPr lang="en-US"/>
           </a:p>
@@ -1986,6 +1986,131 @@
 </file>
 
 <file path=ppt/slideLayouts/slideLayout10.xml><?xml version="1.0" encoding="utf-8"?>
+<p:sldLayout xmlns:a="http://schemas.openxmlformats.org/drawingml/2006/main" xmlns:r="http://schemas.openxmlformats.org/officeDocument/2006/relationships" xmlns:p="http://schemas.openxmlformats.org/presentationml/2006/main" type="titleOnly" preserve="1">
+  <p:cSld name="Title Only">
+    <p:spTree>
+      <p:nvGrpSpPr>
+        <p:cNvPr id="1" name=""/>
+        <p:cNvGrpSpPr/>
+        <p:nvPr/>
+      </p:nvGrpSpPr>
+      <p:grpSpPr>
+        <a:xfrm>
+          <a:off x="0" y="0"/>
+          <a:ext cx="0" cy="0"/>
+          <a:chOff x="0" y="0"/>
+          <a:chExt cx="0" cy="0"/>
+        </a:xfrm>
+      </p:grpSpPr>
+      <p:sp>
+        <p:nvSpPr>
+          <p:cNvPr id="2" name="Title 1"/>
+          <p:cNvSpPr>
+            <a:spLocks noGrp="1"/>
+          </p:cNvSpPr>
+          <p:nvPr>
+            <p:ph type="title"/>
+          </p:nvPr>
+        </p:nvSpPr>
+        <p:spPr/>
+        <p:txBody>
+          <a:bodyPr/>
+          <a:lstStyle/>
+          <a:p>
+            <a:r>
+              <a:rPr lang="en-US" smtClean="0"/>
+              <a:t>Click to edit Master title style</a:t>
+            </a:r>
+            <a:endParaRPr lang="en-US"/>
+          </a:p>
+        </p:txBody>
+      </p:sp>
+      <p:sp>
+        <p:nvSpPr>
+          <p:cNvPr id="3" name="Date Placeholder 2"/>
+          <p:cNvSpPr>
+            <a:spLocks noGrp="1"/>
+          </p:cNvSpPr>
+          <p:nvPr>
+            <p:ph type="dt" sz="half" idx="10"/>
+          </p:nvPr>
+        </p:nvSpPr>
+        <p:spPr/>
+        <p:txBody>
+          <a:bodyPr/>
+          <a:lstStyle/>
+          <a:p>
+            <a:fld id="{2F7B77F5-1464-4F6B-92A8-64FC8A508293}" type="datetime1">
+              <a:rPr lang="en-US" smtClean="0"/>
+              <a:t>10/22/2015</a:t>
+            </a:fld>
+            <a:endParaRPr lang="en-US"/>
+          </a:p>
+        </p:txBody>
+      </p:sp>
+      <p:sp>
+        <p:nvSpPr>
+          <p:cNvPr id="4" name="Footer Placeholder 3"/>
+          <p:cNvSpPr>
+            <a:spLocks noGrp="1"/>
+          </p:cNvSpPr>
+          <p:nvPr>
+            <p:ph type="ftr" sz="quarter" idx="11"/>
+          </p:nvPr>
+        </p:nvSpPr>
+        <p:spPr/>
+        <p:txBody>
+          <a:bodyPr/>
+          <a:lstStyle/>
+          <a:p>
+            <a:endParaRPr lang="en-US"/>
+          </a:p>
+        </p:txBody>
+      </p:sp>
+      <p:sp>
+        <p:nvSpPr>
+          <p:cNvPr id="5" name="Slide Number Placeholder 4"/>
+          <p:cNvSpPr>
+            <a:spLocks noGrp="1"/>
+          </p:cNvSpPr>
+          <p:nvPr>
+            <p:ph type="sldNum" sz="quarter" idx="12"/>
+          </p:nvPr>
+        </p:nvSpPr>
+        <p:spPr/>
+        <p:txBody>
+          <a:bodyPr/>
+          <a:lstStyle/>
+          <a:p>
+            <a:fld id="{2AF3B5EA-18B6-4040-9F78-6052AF49C681}" type="slidenum">
+              <a:rPr lang="en-US" smtClean="0"/>
+              <a:t>‹#›</a:t>
+            </a:fld>
+            <a:endParaRPr lang="en-US"/>
+          </a:p>
+        </p:txBody>
+      </p:sp>
+    </p:spTree>
+    <p:extLst>
+      <p:ext uri="{BB962C8B-B14F-4D97-AF65-F5344CB8AC3E}">
+        <p14:creationId xmlns:p14="http://schemas.microsoft.com/office/powerpoint/2010/main" val="3754008708"/>
+      </p:ext>
+    </p:extLst>
+  </p:cSld>
+  <p:clrMapOvr>
+    <a:masterClrMapping/>
+  </p:clrMapOvr>
+  <p:timing>
+    <p:tnLst>
+      <p:par>
+        <p:cTn id="1" dur="indefinite" restart="never" nodeType="tmRoot"/>
+      </p:par>
+    </p:tnLst>
+  </p:timing>
+</p:sldLayout>
+</file>
+
+<file path=ppt/slideLayouts/slideLayout11.xml><?xml version="1.0" encoding="utf-8"?>
 <p:sldLayout xmlns:a="http://schemas.openxmlformats.org/drawingml/2006/main" xmlns:r="http://schemas.openxmlformats.org/officeDocument/2006/relationships" xmlns:p="http://schemas.openxmlformats.org/presentationml/2006/main" type="blank" preserve="1">
   <p:cSld name="Blank">
     <p:spTree>
@@ -2019,7 +2144,7 @@
           <a:p>
             <a:fld id="{0A05703A-7669-4FEA-9056-25299B4D29D4}" type="datetime1">
               <a:rPr lang="en-US" smtClean="0"/>
-              <a:t>10/19/2015</a:t>
+              <a:t>10/22/2015</a:t>
             </a:fld>
             <a:endParaRPr lang="en-US"/>
           </a:p>
@@ -2080,7 +2205,7 @@
 </p:sldLayout>
 </file>
 
-<file path=ppt/slideLayouts/slideLayout11.xml><?xml version="1.0" encoding="utf-8"?>
+<file path=ppt/slideLayouts/slideLayout12.xml><?xml version="1.0" encoding="utf-8"?>
 <p:sldLayout xmlns:a="http://schemas.openxmlformats.org/drawingml/2006/main" xmlns:r="http://schemas.openxmlformats.org/officeDocument/2006/relationships" xmlns:p="http://schemas.openxmlformats.org/presentationml/2006/main" type="objTx" preserve="1">
   <p:cSld name="Content with Caption">
     <p:spTree>
@@ -2296,7 +2421,7 @@
           <a:p>
             <a:fld id="{6E5077B5-BB57-49DB-88CA-226A139E5C01}" type="datetime1">
               <a:rPr lang="en-US" smtClean="0"/>
-              <a:t>10/19/2015</a:t>
+              <a:t>10/22/2015</a:t>
             </a:fld>
             <a:endParaRPr lang="en-US"/>
           </a:p>
@@ -2357,7 +2482,7 @@
 </p:sldLayout>
 </file>
 
-<file path=ppt/slideLayouts/slideLayout12.xml><?xml version="1.0" encoding="utf-8"?>
+<file path=ppt/slideLayouts/slideLayout13.xml><?xml version="1.0" encoding="utf-8"?>
 <p:sldLayout xmlns:a="http://schemas.openxmlformats.org/drawingml/2006/main" xmlns:r="http://schemas.openxmlformats.org/officeDocument/2006/relationships" xmlns:p="http://schemas.openxmlformats.org/presentationml/2006/main" type="picTx" preserve="1">
   <p:cSld name="Picture with Caption">
     <p:spTree>
@@ -2549,7 +2674,7 @@
           <a:p>
             <a:fld id="{C48D9447-CBD6-49A1-89FD-8512A8CF8999}" type="datetime1">
               <a:rPr lang="en-US" smtClean="0"/>
-              <a:t>10/19/2015</a:t>
+              <a:t>10/22/2015</a:t>
             </a:fld>
             <a:endParaRPr lang="en-US"/>
           </a:p>
@@ -2610,7 +2735,7 @@
 </p:sldLayout>
 </file>
 
-<file path=ppt/slideLayouts/slideLayout13.xml><?xml version="1.0" encoding="utf-8"?>
+<file path=ppt/slideLayouts/slideLayout14.xml><?xml version="1.0" encoding="utf-8"?>
 <p:sldLayout xmlns:a="http://schemas.openxmlformats.org/drawingml/2006/main" xmlns:r="http://schemas.openxmlformats.org/officeDocument/2006/relationships" xmlns:p="http://schemas.openxmlformats.org/presentationml/2006/main" type="vertTx" preserve="1">
   <p:cSld name="Title and Vertical Text">
     <p:spTree>
@@ -2719,7 +2844,7 @@
           <a:p>
             <a:fld id="{A3639A2A-823D-48B7-9ACE-7FAF42870BA9}" type="datetime1">
               <a:rPr lang="en-US" smtClean="0"/>
-              <a:t>10/19/2015</a:t>
+              <a:t>10/22/2015</a:t>
             </a:fld>
             <a:endParaRPr lang="en-US"/>
           </a:p>
@@ -2780,7 +2905,7 @@
 </p:sldLayout>
 </file>
 
-<file path=ppt/slideLayouts/slideLayout14.xml><?xml version="1.0" encoding="utf-8"?>
+<file path=ppt/slideLayouts/slideLayout15.xml><?xml version="1.0" encoding="utf-8"?>
 <p:sldLayout xmlns:a="http://schemas.openxmlformats.org/drawingml/2006/main" xmlns:r="http://schemas.openxmlformats.org/officeDocument/2006/relationships" xmlns:p="http://schemas.openxmlformats.org/presentationml/2006/main" type="vertTitleAndTx" preserve="1">
   <p:cSld name="Vertical Title and Text">
     <p:spTree>
@@ -2899,7 +3024,7 @@
           <a:p>
             <a:fld id="{ED1B6996-82E9-463C-972C-7B56056E426C}" type="datetime1">
               <a:rPr lang="en-US" smtClean="0"/>
-              <a:t>10/19/2015</a:t>
+              <a:t>10/22/2015</a:t>
             </a:fld>
             <a:endParaRPr lang="en-US"/>
           </a:p>
@@ -3075,7 +3200,7 @@
           <a:p>
             <a:fld id="{E22ED4DA-448D-4BB1-B935-CC112220207B}" type="datetime1">
               <a:rPr lang="en-US" smtClean="0"/>
-              <a:t>10/19/2015</a:t>
+              <a:t>10/22/2015</a:t>
             </a:fld>
             <a:endParaRPr lang="en-US"/>
           </a:p>
@@ -3257,7 +3382,7 @@
           <a:p>
             <a:fld id="{E22ED4DA-448D-4BB1-B935-CC112220207B}" type="datetime1">
               <a:rPr lang="en-US" smtClean="0"/>
-              <a:t>10/19/2015</a:t>
+              <a:t>10/22/2015</a:t>
             </a:fld>
             <a:endParaRPr lang="en-US"/>
           </a:p>
@@ -3526,7 +3651,7 @@
           <a:p>
             <a:fld id="{FF5D65A6-AB94-4435-B0B7-3743215FA46C}" type="datetime1">
               <a:rPr lang="en-US" smtClean="0"/>
-              <a:t>10/19/2015</a:t>
+              <a:t>10/22/2015</a:t>
             </a:fld>
             <a:endParaRPr lang="en-US"/>
           </a:p>
@@ -3711,7 +3836,7 @@
           <a:p>
             <a:fld id="{FF5D65A6-AB94-4435-B0B7-3743215FA46C}" type="datetime1">
               <a:rPr lang="en-US" smtClean="0"/>
-              <a:t>10/19/2015</a:t>
+              <a:t>10/22/2015</a:t>
             </a:fld>
             <a:endParaRPr lang="en-US"/>
           </a:p>
@@ -4013,7 +4138,7 @@
           <a:p>
             <a:fld id="{7C193DC4-6EF0-48C9-B29C-616106A645E1}" type="datetime1">
               <a:rPr lang="en-US" smtClean="0"/>
-              <a:t>10/19/2015</a:t>
+              <a:t>10/22/2015</a:t>
             </a:fld>
             <a:endParaRPr lang="en-US"/>
           </a:p>
@@ -4301,7 +4426,7 @@
           <a:p>
             <a:fld id="{5D1846AD-9252-4647-9435-4C2AC365653A}" type="datetime1">
               <a:rPr lang="en-US" smtClean="0"/>
-              <a:t>10/19/2015</a:t>
+              <a:t>10/22/2015</a:t>
             </a:fld>
             <a:endParaRPr lang="en-US"/>
           </a:p>
@@ -4363,6 +4488,302 @@
 </file>
 
 <file path=ppt/slideLayouts/slideLayout8.xml><?xml version="1.0" encoding="utf-8"?>
+<p:sldLayout xmlns:a="http://schemas.openxmlformats.org/drawingml/2006/main" xmlns:r="http://schemas.openxmlformats.org/officeDocument/2006/relationships" xmlns:p="http://schemas.openxmlformats.org/presentationml/2006/main" type="twoObj" preserve="1">
+  <p:cSld name="Code_two_columns">
+    <p:spTree>
+      <p:nvGrpSpPr>
+        <p:cNvPr id="1" name=""/>
+        <p:cNvGrpSpPr/>
+        <p:nvPr/>
+      </p:nvGrpSpPr>
+      <p:grpSpPr>
+        <a:xfrm>
+          <a:off x="0" y="0"/>
+          <a:ext cx="0" cy="0"/>
+          <a:chOff x="0" y="0"/>
+          <a:chExt cx="0" cy="0"/>
+        </a:xfrm>
+      </p:grpSpPr>
+      <p:sp>
+        <p:nvSpPr>
+          <p:cNvPr id="2" name="Title 1"/>
+          <p:cNvSpPr>
+            <a:spLocks noGrp="1"/>
+          </p:cNvSpPr>
+          <p:nvPr>
+            <p:ph type="title"/>
+          </p:nvPr>
+        </p:nvSpPr>
+        <p:spPr/>
+        <p:txBody>
+          <a:bodyPr/>
+          <a:lstStyle/>
+          <a:p>
+            <a:r>
+              <a:rPr lang="en-US" smtClean="0"/>
+              <a:t>Click to edit Master title style</a:t>
+            </a:r>
+            <a:endParaRPr lang="en-US"/>
+          </a:p>
+        </p:txBody>
+      </p:sp>
+      <p:sp>
+        <p:nvSpPr>
+          <p:cNvPr id="3" name="Content Placeholder 2"/>
+          <p:cNvSpPr>
+            <a:spLocks noGrp="1"/>
+          </p:cNvSpPr>
+          <p:nvPr>
+            <p:ph sz="half" idx="1"/>
+          </p:nvPr>
+        </p:nvSpPr>
+        <p:spPr>
+          <a:xfrm>
+            <a:off x="457200" y="1600200"/>
+            <a:ext cx="4038600" cy="4525963"/>
+          </a:xfrm>
+        </p:spPr>
+        <p:txBody>
+          <a:bodyPr/>
+          <a:lstStyle>
+            <a:lvl1pPr marL="0" indent="0">
+              <a:buNone/>
+              <a:defRPr sz="2400" b="1">
+                <a:latin typeface="Consolas" panose="020B0609020204030204" pitchFamily="49" charset="0"/>
+                <a:cs typeface="Consolas" panose="020B0609020204030204" pitchFamily="49" charset="0"/>
+              </a:defRPr>
+            </a:lvl1pPr>
+            <a:lvl2pPr>
+              <a:defRPr sz="2400"/>
+            </a:lvl2pPr>
+            <a:lvl3pPr>
+              <a:defRPr sz="2000"/>
+            </a:lvl3pPr>
+            <a:lvl4pPr>
+              <a:defRPr sz="1800"/>
+            </a:lvl4pPr>
+            <a:lvl5pPr>
+              <a:defRPr sz="1800"/>
+            </a:lvl5pPr>
+            <a:lvl6pPr>
+              <a:defRPr sz="1800"/>
+            </a:lvl6pPr>
+            <a:lvl7pPr>
+              <a:defRPr sz="1800"/>
+            </a:lvl7pPr>
+            <a:lvl8pPr>
+              <a:defRPr sz="1800"/>
+            </a:lvl8pPr>
+            <a:lvl9pPr>
+              <a:defRPr sz="1800"/>
+            </a:lvl9pPr>
+          </a:lstStyle>
+          <a:p>
+            <a:pPr lvl="0"/>
+            <a:r>
+              <a:rPr lang="en-US" dirty="0" smtClean="0"/>
+              <a:t>Click to edit Master text styles</a:t>
+            </a:r>
+          </a:p>
+          <a:p>
+            <a:pPr lvl="1"/>
+            <a:r>
+              <a:rPr lang="en-US" dirty="0" smtClean="0"/>
+              <a:t>Second level</a:t>
+            </a:r>
+          </a:p>
+          <a:p>
+            <a:pPr lvl="2"/>
+            <a:r>
+              <a:rPr lang="en-US" dirty="0" smtClean="0"/>
+              <a:t>Third level</a:t>
+            </a:r>
+          </a:p>
+          <a:p>
+            <a:pPr lvl="3"/>
+            <a:r>
+              <a:rPr lang="en-US" dirty="0" smtClean="0"/>
+              <a:t>Fourth level</a:t>
+            </a:r>
+          </a:p>
+          <a:p>
+            <a:pPr lvl="4"/>
+            <a:r>
+              <a:rPr lang="en-US" dirty="0" smtClean="0"/>
+              <a:t>Fifth level</a:t>
+            </a:r>
+            <a:endParaRPr lang="en-US" dirty="0"/>
+          </a:p>
+        </p:txBody>
+      </p:sp>
+      <p:sp>
+        <p:nvSpPr>
+          <p:cNvPr id="4" name="Content Placeholder 3"/>
+          <p:cNvSpPr>
+            <a:spLocks noGrp="1"/>
+          </p:cNvSpPr>
+          <p:nvPr>
+            <p:ph sz="half" idx="2"/>
+          </p:nvPr>
+        </p:nvSpPr>
+        <p:spPr>
+          <a:xfrm>
+            <a:off x="4648200" y="1600200"/>
+            <a:ext cx="4038600" cy="4525963"/>
+          </a:xfrm>
+        </p:spPr>
+        <p:txBody>
+          <a:bodyPr/>
+          <a:lstStyle>
+            <a:lvl1pPr marL="0" indent="0">
+              <a:buNone/>
+              <a:defRPr sz="2400" b="1">
+                <a:latin typeface="Consolas" panose="020B0609020204030204" pitchFamily="49" charset="0"/>
+                <a:cs typeface="Consolas" panose="020B0609020204030204" pitchFamily="49" charset="0"/>
+              </a:defRPr>
+            </a:lvl1pPr>
+            <a:lvl2pPr>
+              <a:defRPr sz="2400"/>
+            </a:lvl2pPr>
+            <a:lvl3pPr>
+              <a:defRPr sz="2000"/>
+            </a:lvl3pPr>
+            <a:lvl4pPr>
+              <a:defRPr sz="1800"/>
+            </a:lvl4pPr>
+            <a:lvl5pPr>
+              <a:defRPr sz="1800"/>
+            </a:lvl5pPr>
+            <a:lvl6pPr>
+              <a:defRPr sz="1800"/>
+            </a:lvl6pPr>
+            <a:lvl7pPr>
+              <a:defRPr sz="1800"/>
+            </a:lvl7pPr>
+            <a:lvl8pPr>
+              <a:defRPr sz="1800"/>
+            </a:lvl8pPr>
+            <a:lvl9pPr>
+              <a:defRPr sz="1800"/>
+            </a:lvl9pPr>
+          </a:lstStyle>
+          <a:p>
+            <a:pPr lvl="0"/>
+            <a:r>
+              <a:rPr lang="en-US" dirty="0" smtClean="0"/>
+              <a:t>Click to edit Master text styles</a:t>
+            </a:r>
+          </a:p>
+          <a:p>
+            <a:pPr lvl="1"/>
+            <a:r>
+              <a:rPr lang="en-US" dirty="0" smtClean="0"/>
+              <a:t>Second level</a:t>
+            </a:r>
+          </a:p>
+          <a:p>
+            <a:pPr lvl="2"/>
+            <a:r>
+              <a:rPr lang="en-US" dirty="0" smtClean="0"/>
+              <a:t>Third level</a:t>
+            </a:r>
+          </a:p>
+          <a:p>
+            <a:pPr lvl="3"/>
+            <a:r>
+              <a:rPr lang="en-US" dirty="0" smtClean="0"/>
+              <a:t>Fourth level</a:t>
+            </a:r>
+          </a:p>
+          <a:p>
+            <a:pPr lvl="4"/>
+            <a:r>
+              <a:rPr lang="en-US" dirty="0" smtClean="0"/>
+              <a:t>Fifth level</a:t>
+            </a:r>
+            <a:endParaRPr lang="en-US" dirty="0"/>
+          </a:p>
+        </p:txBody>
+      </p:sp>
+      <p:sp>
+        <p:nvSpPr>
+          <p:cNvPr id="5" name="Date Placeholder 4"/>
+          <p:cNvSpPr>
+            <a:spLocks noGrp="1"/>
+          </p:cNvSpPr>
+          <p:nvPr>
+            <p:ph type="dt" sz="half" idx="10"/>
+          </p:nvPr>
+        </p:nvSpPr>
+        <p:spPr/>
+        <p:txBody>
+          <a:bodyPr/>
+          <a:lstStyle/>
+          <a:p>
+            <a:fld id="{5D1846AD-9252-4647-9435-4C2AC365653A}" type="datetime1">
+              <a:rPr lang="en-US" smtClean="0"/>
+              <a:t>10/22/2015</a:t>
+            </a:fld>
+            <a:endParaRPr lang="en-US"/>
+          </a:p>
+        </p:txBody>
+      </p:sp>
+      <p:sp>
+        <p:nvSpPr>
+          <p:cNvPr id="6" name="Footer Placeholder 5"/>
+          <p:cNvSpPr>
+            <a:spLocks noGrp="1"/>
+          </p:cNvSpPr>
+          <p:nvPr>
+            <p:ph type="ftr" sz="quarter" idx="11"/>
+          </p:nvPr>
+        </p:nvSpPr>
+        <p:spPr/>
+        <p:txBody>
+          <a:bodyPr/>
+          <a:lstStyle/>
+          <a:p>
+            <a:endParaRPr lang="en-US"/>
+          </a:p>
+        </p:txBody>
+      </p:sp>
+      <p:sp>
+        <p:nvSpPr>
+          <p:cNvPr id="7" name="Slide Number Placeholder 6"/>
+          <p:cNvSpPr>
+            <a:spLocks noGrp="1"/>
+          </p:cNvSpPr>
+          <p:nvPr>
+            <p:ph type="sldNum" sz="quarter" idx="12"/>
+          </p:nvPr>
+        </p:nvSpPr>
+        <p:spPr/>
+        <p:txBody>
+          <a:bodyPr/>
+          <a:lstStyle/>
+          <a:p>
+            <a:fld id="{2AF3B5EA-18B6-4040-9F78-6052AF49C681}" type="slidenum">
+              <a:rPr lang="en-US" smtClean="0"/>
+              <a:t>‹#›</a:t>
+            </a:fld>
+            <a:endParaRPr lang="en-US"/>
+          </a:p>
+        </p:txBody>
+      </p:sp>
+    </p:spTree>
+    <p:extLst>
+      <p:ext uri="{BB962C8B-B14F-4D97-AF65-F5344CB8AC3E}">
+        <p14:creationId xmlns:p14="http://schemas.microsoft.com/office/powerpoint/2010/main" val="1631398137"/>
+      </p:ext>
+    </p:extLst>
+  </p:cSld>
+  <p:clrMapOvr>
+    <a:masterClrMapping/>
+  </p:clrMapOvr>
+</p:sldLayout>
+</file>
+
+<file path=ppt/slideLayouts/slideLayout9.xml><?xml version="1.0" encoding="utf-8"?>
 <p:sldLayout xmlns:a="http://schemas.openxmlformats.org/drawingml/2006/main" xmlns:r="http://schemas.openxmlformats.org/officeDocument/2006/relationships" xmlns:p="http://schemas.openxmlformats.org/presentationml/2006/main" type="twoTxTwoObj" preserve="1">
   <p:cSld name="Comparison">
     <p:spTree>
@@ -4723,7 +5144,7 @@
           <a:p>
             <a:fld id="{CE56DC10-3561-4063-A6AF-C1CC7A41040A}" type="datetime1">
               <a:rPr lang="en-US" smtClean="0"/>
-              <a:t>10/19/2015</a:t>
+              <a:t>10/22/2015</a:t>
             </a:fld>
             <a:endParaRPr lang="en-US"/>
           </a:p>
@@ -4781,131 +5202,6 @@
   <p:clrMapOvr>
     <a:masterClrMapping/>
   </p:clrMapOvr>
-</p:sldLayout>
-</file>
-
-<file path=ppt/slideLayouts/slideLayout9.xml><?xml version="1.0" encoding="utf-8"?>
-<p:sldLayout xmlns:a="http://schemas.openxmlformats.org/drawingml/2006/main" xmlns:r="http://schemas.openxmlformats.org/officeDocument/2006/relationships" xmlns:p="http://schemas.openxmlformats.org/presentationml/2006/main" type="titleOnly" preserve="1">
-  <p:cSld name="Title Only">
-    <p:spTree>
-      <p:nvGrpSpPr>
-        <p:cNvPr id="1" name=""/>
-        <p:cNvGrpSpPr/>
-        <p:nvPr/>
-      </p:nvGrpSpPr>
-      <p:grpSpPr>
-        <a:xfrm>
-          <a:off x="0" y="0"/>
-          <a:ext cx="0" cy="0"/>
-          <a:chOff x="0" y="0"/>
-          <a:chExt cx="0" cy="0"/>
-        </a:xfrm>
-      </p:grpSpPr>
-      <p:sp>
-        <p:nvSpPr>
-          <p:cNvPr id="2" name="Title 1"/>
-          <p:cNvSpPr>
-            <a:spLocks noGrp="1"/>
-          </p:cNvSpPr>
-          <p:nvPr>
-            <p:ph type="title"/>
-          </p:nvPr>
-        </p:nvSpPr>
-        <p:spPr/>
-        <p:txBody>
-          <a:bodyPr/>
-          <a:lstStyle/>
-          <a:p>
-            <a:r>
-              <a:rPr lang="en-US" smtClean="0"/>
-              <a:t>Click to edit Master title style</a:t>
-            </a:r>
-            <a:endParaRPr lang="en-US"/>
-          </a:p>
-        </p:txBody>
-      </p:sp>
-      <p:sp>
-        <p:nvSpPr>
-          <p:cNvPr id="3" name="Date Placeholder 2"/>
-          <p:cNvSpPr>
-            <a:spLocks noGrp="1"/>
-          </p:cNvSpPr>
-          <p:nvPr>
-            <p:ph type="dt" sz="half" idx="10"/>
-          </p:nvPr>
-        </p:nvSpPr>
-        <p:spPr/>
-        <p:txBody>
-          <a:bodyPr/>
-          <a:lstStyle/>
-          <a:p>
-            <a:fld id="{2F7B77F5-1464-4F6B-92A8-64FC8A508293}" type="datetime1">
-              <a:rPr lang="en-US" smtClean="0"/>
-              <a:t>10/19/2015</a:t>
-            </a:fld>
-            <a:endParaRPr lang="en-US"/>
-          </a:p>
-        </p:txBody>
-      </p:sp>
-      <p:sp>
-        <p:nvSpPr>
-          <p:cNvPr id="4" name="Footer Placeholder 3"/>
-          <p:cNvSpPr>
-            <a:spLocks noGrp="1"/>
-          </p:cNvSpPr>
-          <p:nvPr>
-            <p:ph type="ftr" sz="quarter" idx="11"/>
-          </p:nvPr>
-        </p:nvSpPr>
-        <p:spPr/>
-        <p:txBody>
-          <a:bodyPr/>
-          <a:lstStyle/>
-          <a:p>
-            <a:endParaRPr lang="en-US"/>
-          </a:p>
-        </p:txBody>
-      </p:sp>
-      <p:sp>
-        <p:nvSpPr>
-          <p:cNvPr id="5" name="Slide Number Placeholder 4"/>
-          <p:cNvSpPr>
-            <a:spLocks noGrp="1"/>
-          </p:cNvSpPr>
-          <p:nvPr>
-            <p:ph type="sldNum" sz="quarter" idx="12"/>
-          </p:nvPr>
-        </p:nvSpPr>
-        <p:spPr/>
-        <p:txBody>
-          <a:bodyPr/>
-          <a:lstStyle/>
-          <a:p>
-            <a:fld id="{2AF3B5EA-18B6-4040-9F78-6052AF49C681}" type="slidenum">
-              <a:rPr lang="en-US" smtClean="0"/>
-              <a:t>‹#›</a:t>
-            </a:fld>
-            <a:endParaRPr lang="en-US"/>
-          </a:p>
-        </p:txBody>
-      </p:sp>
-    </p:spTree>
-    <p:extLst>
-      <p:ext uri="{BB962C8B-B14F-4D97-AF65-F5344CB8AC3E}">
-        <p14:creationId xmlns:p14="http://schemas.microsoft.com/office/powerpoint/2010/main" val="3754008708"/>
-      </p:ext>
-    </p:extLst>
-  </p:cSld>
-  <p:clrMapOvr>
-    <a:masterClrMapping/>
-  </p:clrMapOvr>
-  <p:timing>
-    <p:tnLst>
-      <p:par>
-        <p:cTn id="1" dur="indefinite" restart="never" nodeType="tmRoot"/>
-      </p:par>
-    </p:tnLst>
-  </p:timing>
 </p:sldLayout>
 </file>
 
@@ -5073,7 +5369,7 @@
           <a:p>
             <a:fld id="{02B3F677-983B-48DB-ADFD-63FE6CBC7FB2}" type="datetime1">
               <a:rPr lang="en-US" smtClean="0"/>
-              <a:t>10/19/2015</a:t>
+              <a:t>10/22/2015</a:t>
             </a:fld>
             <a:endParaRPr lang="en-US"/>
           </a:p>
@@ -5173,13 +5469,14 @@
     <p:sldLayoutId id="2147483662" r:id="rId5"/>
     <p:sldLayoutId id="2147483651" r:id="rId6"/>
     <p:sldLayoutId id="2147483652" r:id="rId7"/>
-    <p:sldLayoutId id="2147483653" r:id="rId8"/>
-    <p:sldLayoutId id="2147483654" r:id="rId9"/>
-    <p:sldLayoutId id="2147483655" r:id="rId10"/>
-    <p:sldLayoutId id="2147483656" r:id="rId11"/>
-    <p:sldLayoutId id="2147483657" r:id="rId12"/>
-    <p:sldLayoutId id="2147483658" r:id="rId13"/>
-    <p:sldLayoutId id="2147483659" r:id="rId14"/>
+    <p:sldLayoutId id="2147483663" r:id="rId8"/>
+    <p:sldLayoutId id="2147483653" r:id="rId9"/>
+    <p:sldLayoutId id="2147483654" r:id="rId10"/>
+    <p:sldLayoutId id="2147483655" r:id="rId11"/>
+    <p:sldLayoutId id="2147483656" r:id="rId12"/>
+    <p:sldLayoutId id="2147483657" r:id="rId13"/>
+    <p:sldLayoutId id="2147483658" r:id="rId14"/>
+    <p:sldLayoutId id="2147483659" r:id="rId15"/>
   </p:sldLayoutIdLst>
   <p:timing>
     <p:tnLst>

--- a/Slides/Common Slides for CS 5010.pptx
+++ b/Slides/Common Slides for CS 5010.pptx
@@ -240,7 +240,7 @@
           <a:p>
             <a:fld id="{03B24962-D7B5-4FEA-ABE9-8C89DFE85AA1}" type="datetimeFigureOut">
               <a:rPr lang="en-US" smtClean="0"/>
-              <a:t>10/22/2015</a:t>
+              <a:t>11/12/2015</a:t>
             </a:fld>
             <a:endParaRPr lang="en-US"/>
           </a:p>
@@ -1917,7 +1917,7 @@
           <a:p>
             <a:fld id="{2F1F79F5-7BEC-496A-AFC7-876E38F64D71}" type="datetime1">
               <a:rPr lang="en-US" smtClean="0"/>
-              <a:t>10/22/2015</a:t>
+              <a:t>11/12/2015</a:t>
             </a:fld>
             <a:endParaRPr lang="en-US"/>
           </a:p>
@@ -2042,7 +2042,7 @@
           <a:p>
             <a:fld id="{2F7B77F5-1464-4F6B-92A8-64FC8A508293}" type="datetime1">
               <a:rPr lang="en-US" smtClean="0"/>
-              <a:t>10/22/2015</a:t>
+              <a:t>11/12/2015</a:t>
             </a:fld>
             <a:endParaRPr lang="en-US"/>
           </a:p>
@@ -2144,7 +2144,7 @@
           <a:p>
             <a:fld id="{0A05703A-7669-4FEA-9056-25299B4D29D4}" type="datetime1">
               <a:rPr lang="en-US" smtClean="0"/>
-              <a:t>10/22/2015</a:t>
+              <a:t>11/12/2015</a:t>
             </a:fld>
             <a:endParaRPr lang="en-US"/>
           </a:p>
@@ -2421,7 +2421,7 @@
           <a:p>
             <a:fld id="{6E5077B5-BB57-49DB-88CA-226A139E5C01}" type="datetime1">
               <a:rPr lang="en-US" smtClean="0"/>
-              <a:t>10/22/2015</a:t>
+              <a:t>11/12/2015</a:t>
             </a:fld>
             <a:endParaRPr lang="en-US"/>
           </a:p>
@@ -2674,7 +2674,7 @@
           <a:p>
             <a:fld id="{C48D9447-CBD6-49A1-89FD-8512A8CF8999}" type="datetime1">
               <a:rPr lang="en-US" smtClean="0"/>
-              <a:t>10/22/2015</a:t>
+              <a:t>11/12/2015</a:t>
             </a:fld>
             <a:endParaRPr lang="en-US"/>
           </a:p>
@@ -2844,7 +2844,7 @@
           <a:p>
             <a:fld id="{A3639A2A-823D-48B7-9ACE-7FAF42870BA9}" type="datetime1">
               <a:rPr lang="en-US" smtClean="0"/>
-              <a:t>10/22/2015</a:t>
+              <a:t>11/12/2015</a:t>
             </a:fld>
             <a:endParaRPr lang="en-US"/>
           </a:p>
@@ -3024,7 +3024,7 @@
           <a:p>
             <a:fld id="{ED1B6996-82E9-463C-972C-7B56056E426C}" type="datetime1">
               <a:rPr lang="en-US" smtClean="0"/>
-              <a:t>10/22/2015</a:t>
+              <a:t>11/12/2015</a:t>
             </a:fld>
             <a:endParaRPr lang="en-US"/>
           </a:p>
@@ -3200,7 +3200,7 @@
           <a:p>
             <a:fld id="{E22ED4DA-448D-4BB1-B935-CC112220207B}" type="datetime1">
               <a:rPr lang="en-US" smtClean="0"/>
-              <a:t>10/22/2015</a:t>
+              <a:t>11/12/2015</a:t>
             </a:fld>
             <a:endParaRPr lang="en-US"/>
           </a:p>
@@ -3382,7 +3382,7 @@
           <a:p>
             <a:fld id="{E22ED4DA-448D-4BB1-B935-CC112220207B}" type="datetime1">
               <a:rPr lang="en-US" smtClean="0"/>
-              <a:t>10/22/2015</a:t>
+              <a:t>11/12/2015</a:t>
             </a:fld>
             <a:endParaRPr lang="en-US"/>
           </a:p>
@@ -3651,7 +3651,7 @@
           <a:p>
             <a:fld id="{FF5D65A6-AB94-4435-B0B7-3743215FA46C}" type="datetime1">
               <a:rPr lang="en-US" smtClean="0"/>
-              <a:t>10/22/2015</a:t>
+              <a:t>11/12/2015</a:t>
             </a:fld>
             <a:endParaRPr lang="en-US"/>
           </a:p>
@@ -3836,7 +3836,7 @@
           <a:p>
             <a:fld id="{FF5D65A6-AB94-4435-B0B7-3743215FA46C}" type="datetime1">
               <a:rPr lang="en-US" smtClean="0"/>
-              <a:t>10/22/2015</a:t>
+              <a:t>11/12/2015</a:t>
             </a:fld>
             <a:endParaRPr lang="en-US"/>
           </a:p>
@@ -4138,7 +4138,7 @@
           <a:p>
             <a:fld id="{7C193DC4-6EF0-48C9-B29C-616106A645E1}" type="datetime1">
               <a:rPr lang="en-US" smtClean="0"/>
-              <a:t>10/22/2015</a:t>
+              <a:t>11/12/2015</a:t>
             </a:fld>
             <a:endParaRPr lang="en-US"/>
           </a:p>
@@ -4426,7 +4426,7 @@
           <a:p>
             <a:fld id="{5D1846AD-9252-4647-9435-4C2AC365653A}" type="datetime1">
               <a:rPr lang="en-US" smtClean="0"/>
-              <a:t>10/22/2015</a:t>
+              <a:t>11/12/2015</a:t>
             </a:fld>
             <a:endParaRPr lang="en-US"/>
           </a:p>
@@ -4548,7 +4548,7 @@
           <a:lstStyle>
             <a:lvl1pPr marL="0" indent="0">
               <a:buNone/>
-              <a:defRPr sz="2400" b="1">
+              <a:defRPr sz="1000" b="1">
                 <a:latin typeface="Consolas" panose="020B0609020204030204" pitchFamily="49" charset="0"/>
                 <a:cs typeface="Consolas" panose="020B0609020204030204" pitchFamily="49" charset="0"/>
               </a:defRPr>
@@ -4637,7 +4637,7 @@
           <a:lstStyle>
             <a:lvl1pPr marL="0" indent="0">
               <a:buNone/>
-              <a:defRPr sz="2400" b="1">
+              <a:defRPr sz="1000" b="1">
                 <a:latin typeface="Consolas" panose="020B0609020204030204" pitchFamily="49" charset="0"/>
                 <a:cs typeface="Consolas" panose="020B0609020204030204" pitchFamily="49" charset="0"/>
               </a:defRPr>
@@ -4722,7 +4722,7 @@
           <a:p>
             <a:fld id="{5D1846AD-9252-4647-9435-4C2AC365653A}" type="datetime1">
               <a:rPr lang="en-US" smtClean="0"/>
-              <a:t>10/22/2015</a:t>
+              <a:t>11/12/2015</a:t>
             </a:fld>
             <a:endParaRPr lang="en-US"/>
           </a:p>
@@ -5144,7 +5144,7 @@
           <a:p>
             <a:fld id="{CE56DC10-3561-4063-A6AF-C1CC7A41040A}" type="datetime1">
               <a:rPr lang="en-US" smtClean="0"/>
-              <a:t>10/22/2015</a:t>
+              <a:t>11/12/2015</a:t>
             </a:fld>
             <a:endParaRPr lang="en-US"/>
           </a:p>
@@ -5369,7 +5369,7 @@
           <a:p>
             <a:fld id="{02B3F677-983B-48DB-ADFD-63FE6CBC7FB2}" type="datetime1">
               <a:rPr lang="en-US" smtClean="0"/>
-              <a:t>10/22/2015</a:t>
+              <a:t>11/12/2015</a:t>
             </a:fld>
             <a:endParaRPr lang="en-US"/>
           </a:p>

--- a/Slides/Common Slides for CS 5010.pptx
+++ b/Slides/Common Slides for CS 5010.pptx
@@ -240,7 +240,7 @@
           <a:p>
             <a:fld id="{03B24962-D7B5-4FEA-ABE9-8C89DFE85AA1}" type="datetimeFigureOut">
               <a:rPr lang="en-US" smtClean="0"/>
-              <a:t>11/12/2015</a:t>
+              <a:t>11/17/2015</a:t>
             </a:fld>
             <a:endParaRPr lang="en-US"/>
           </a:p>
@@ -1917,7 +1917,7 @@
           <a:p>
             <a:fld id="{2F1F79F5-7BEC-496A-AFC7-876E38F64D71}" type="datetime1">
               <a:rPr lang="en-US" smtClean="0"/>
-              <a:t>11/12/2015</a:t>
+              <a:t>11/17/2015</a:t>
             </a:fld>
             <a:endParaRPr lang="en-US"/>
           </a:p>
@@ -2042,7 +2042,7 @@
           <a:p>
             <a:fld id="{2F7B77F5-1464-4F6B-92A8-64FC8A508293}" type="datetime1">
               <a:rPr lang="en-US" smtClean="0"/>
-              <a:t>11/12/2015</a:t>
+              <a:t>11/17/2015</a:t>
             </a:fld>
             <a:endParaRPr lang="en-US"/>
           </a:p>
@@ -2144,7 +2144,7 @@
           <a:p>
             <a:fld id="{0A05703A-7669-4FEA-9056-25299B4D29D4}" type="datetime1">
               <a:rPr lang="en-US" smtClean="0"/>
-              <a:t>11/12/2015</a:t>
+              <a:t>11/17/2015</a:t>
             </a:fld>
             <a:endParaRPr lang="en-US"/>
           </a:p>
@@ -2421,7 +2421,7 @@
           <a:p>
             <a:fld id="{6E5077B5-BB57-49DB-88CA-226A139E5C01}" type="datetime1">
               <a:rPr lang="en-US" smtClean="0"/>
-              <a:t>11/12/2015</a:t>
+              <a:t>11/17/2015</a:t>
             </a:fld>
             <a:endParaRPr lang="en-US"/>
           </a:p>
@@ -2674,7 +2674,7 @@
           <a:p>
             <a:fld id="{C48D9447-CBD6-49A1-89FD-8512A8CF8999}" type="datetime1">
               <a:rPr lang="en-US" smtClean="0"/>
-              <a:t>11/12/2015</a:t>
+              <a:t>11/17/2015</a:t>
             </a:fld>
             <a:endParaRPr lang="en-US"/>
           </a:p>
@@ -2844,7 +2844,7 @@
           <a:p>
             <a:fld id="{A3639A2A-823D-48B7-9ACE-7FAF42870BA9}" type="datetime1">
               <a:rPr lang="en-US" smtClean="0"/>
-              <a:t>11/12/2015</a:t>
+              <a:t>11/17/2015</a:t>
             </a:fld>
             <a:endParaRPr lang="en-US"/>
           </a:p>
@@ -3024,7 +3024,7 @@
           <a:p>
             <a:fld id="{ED1B6996-82E9-463C-972C-7B56056E426C}" type="datetime1">
               <a:rPr lang="en-US" smtClean="0"/>
-              <a:t>11/12/2015</a:t>
+              <a:t>11/17/2015</a:t>
             </a:fld>
             <a:endParaRPr lang="en-US"/>
           </a:p>
@@ -3200,7 +3200,7 @@
           <a:p>
             <a:fld id="{E22ED4DA-448D-4BB1-B935-CC112220207B}" type="datetime1">
               <a:rPr lang="en-US" smtClean="0"/>
-              <a:t>11/12/2015</a:t>
+              <a:t>11/17/2015</a:t>
             </a:fld>
             <a:endParaRPr lang="en-US"/>
           </a:p>
@@ -3382,7 +3382,7 @@
           <a:p>
             <a:fld id="{E22ED4DA-448D-4BB1-B935-CC112220207B}" type="datetime1">
               <a:rPr lang="en-US" smtClean="0"/>
-              <a:t>11/12/2015</a:t>
+              <a:t>11/17/2015</a:t>
             </a:fld>
             <a:endParaRPr lang="en-US"/>
           </a:p>
@@ -3589,6 +3589,9 @@
           <a:bodyPr/>
           <a:lstStyle>
             <a:lvl1pPr marL="0" indent="0">
+              <a:spcBef>
+                <a:spcPts val="0"/>
+              </a:spcBef>
               <a:buNone/>
               <a:defRPr b="1">
                 <a:latin typeface="Consolas" pitchFamily="49" charset="0"/>
@@ -3651,7 +3654,7 @@
           <a:p>
             <a:fld id="{FF5D65A6-AB94-4435-B0B7-3743215FA46C}" type="datetime1">
               <a:rPr lang="en-US" smtClean="0"/>
-              <a:t>11/12/2015</a:t>
+              <a:t>11/17/2015</a:t>
             </a:fld>
             <a:endParaRPr lang="en-US"/>
           </a:p>
@@ -3836,7 +3839,7 @@
           <a:p>
             <a:fld id="{FF5D65A6-AB94-4435-B0B7-3743215FA46C}" type="datetime1">
               <a:rPr lang="en-US" smtClean="0"/>
-              <a:t>11/12/2015</a:t>
+              <a:t>11/17/2015</a:t>
             </a:fld>
             <a:endParaRPr lang="en-US"/>
           </a:p>
@@ -4138,7 +4141,7 @@
           <a:p>
             <a:fld id="{7C193DC4-6EF0-48C9-B29C-616106A645E1}" type="datetime1">
               <a:rPr lang="en-US" smtClean="0"/>
-              <a:t>11/12/2015</a:t>
+              <a:t>11/17/2015</a:t>
             </a:fld>
             <a:endParaRPr lang="en-US"/>
           </a:p>
@@ -4426,7 +4429,7 @@
           <a:p>
             <a:fld id="{5D1846AD-9252-4647-9435-4C2AC365653A}" type="datetime1">
               <a:rPr lang="en-US" smtClean="0"/>
-              <a:t>11/12/2015</a:t>
+              <a:t>11/17/2015</a:t>
             </a:fld>
             <a:endParaRPr lang="en-US"/>
           </a:p>
@@ -4547,6 +4550,9 @@
           <a:bodyPr/>
           <a:lstStyle>
             <a:lvl1pPr marL="0" indent="0">
+              <a:spcBef>
+                <a:spcPts val="0"/>
+              </a:spcBef>
               <a:buNone/>
               <a:defRPr sz="1000" b="1">
                 <a:latin typeface="Consolas" panose="020B0609020204030204" pitchFamily="49" charset="0"/>
@@ -4636,6 +4642,9 @@
           <a:bodyPr/>
           <a:lstStyle>
             <a:lvl1pPr marL="0" indent="0">
+              <a:spcBef>
+                <a:spcPts val="0"/>
+              </a:spcBef>
               <a:buNone/>
               <a:defRPr sz="1000" b="1">
                 <a:latin typeface="Consolas" panose="020B0609020204030204" pitchFamily="49" charset="0"/>
@@ -4722,7 +4731,7 @@
           <a:p>
             <a:fld id="{5D1846AD-9252-4647-9435-4C2AC365653A}" type="datetime1">
               <a:rPr lang="en-US" smtClean="0"/>
-              <a:t>11/12/2015</a:t>
+              <a:t>11/17/2015</a:t>
             </a:fld>
             <a:endParaRPr lang="en-US"/>
           </a:p>
@@ -5144,7 +5153,7 @@
           <a:p>
             <a:fld id="{CE56DC10-3561-4063-A6AF-C1CC7A41040A}" type="datetime1">
               <a:rPr lang="en-US" smtClean="0"/>
-              <a:t>11/12/2015</a:t>
+              <a:t>11/17/2015</a:t>
             </a:fld>
             <a:endParaRPr lang="en-US"/>
           </a:p>
@@ -5369,7 +5378,7 @@
           <a:p>
             <a:fld id="{02B3F677-983B-48DB-ADFD-63FE6CBC7FB2}" type="datetime1">
               <a:rPr lang="en-US" smtClean="0"/>
-              <a:t>11/12/2015</a:t>
+              <a:t>11/17/2015</a:t>
             </a:fld>
             <a:endParaRPr lang="en-US"/>
           </a:p>

--- a/Slides/Common Slides for CS 5010.pptx
+++ b/Slides/Common Slides for CS 5010.pptx
@@ -240,7 +240,7 @@
           <a:p>
             <a:fld id="{03B24962-D7B5-4FEA-ABE9-8C89DFE85AA1}" type="datetimeFigureOut">
               <a:rPr lang="en-US" smtClean="0"/>
-              <a:t>11/17/2015</a:t>
+              <a:t>7/24/2016</a:t>
             </a:fld>
             <a:endParaRPr lang="en-US"/>
           </a:p>
@@ -304,38 +304,37 @@
           <a:p>
             <a:pPr lvl="0"/>
             <a:r>
-              <a:rPr lang="en-US" smtClean="0"/>
+              <a:rPr lang="en-US"/>
               <a:t>Click to edit Master text styles</a:t>
             </a:r>
           </a:p>
           <a:p>
             <a:pPr lvl="1"/>
             <a:r>
-              <a:rPr lang="en-US" smtClean="0"/>
+              <a:rPr lang="en-US"/>
               <a:t>Second level</a:t>
             </a:r>
           </a:p>
           <a:p>
             <a:pPr lvl="2"/>
             <a:r>
-              <a:rPr lang="en-US" smtClean="0"/>
+              <a:rPr lang="en-US"/>
               <a:t>Third level</a:t>
             </a:r>
           </a:p>
           <a:p>
             <a:pPr lvl="3"/>
             <a:r>
-              <a:rPr lang="en-US" smtClean="0"/>
+              <a:rPr lang="en-US"/>
               <a:t>Fourth level</a:t>
             </a:r>
           </a:p>
           <a:p>
             <a:pPr lvl="4"/>
             <a:r>
-              <a:rPr lang="en-US" smtClean="0"/>
+              <a:rPr lang="en-US"/>
               <a:t>Fifth level</a:t>
             </a:r>
-            <a:endParaRPr lang="en-US"/>
           </a:p>
         </p:txBody>
       </p:sp>
@@ -637,10 +636,9 @@
           <a:lstStyle/>
           <a:p>
             <a:r>
-              <a:rPr lang="en-US" dirty="0" smtClean="0"/>
+              <a:rPr lang="en-US" dirty="0"/>
               <a:t>Here is the function design recipe.  </a:t>
             </a:r>
-            <a:endParaRPr lang="en-US" dirty="0"/>
           </a:p>
         </p:txBody>
       </p:sp>
@@ -726,10 +724,9 @@
           <a:lstStyle/>
           <a:p>
             <a:r>
-              <a:rPr lang="en-US" dirty="0" smtClean="0"/>
+              <a:rPr lang="en-US" dirty="0"/>
               <a:t>Here is the function design recipe.  </a:t>
             </a:r>
-            <a:endParaRPr lang="en-US" dirty="0"/>
           </a:p>
         </p:txBody>
       </p:sp>
@@ -815,10 +812,9 @@
           <a:lstStyle/>
           <a:p>
             <a:r>
-              <a:rPr lang="en-US" dirty="0" smtClean="0"/>
+              <a:rPr lang="en-US" dirty="0"/>
               <a:t>Here is the function design recipe.  </a:t>
             </a:r>
-            <a:endParaRPr lang="en-US" dirty="0"/>
           </a:p>
         </p:txBody>
       </p:sp>
@@ -989,11 +985,11 @@
           <a:lstStyle/>
           <a:p>
             <a:r>
-              <a:rPr lang="en-US" dirty="0" smtClean="0"/>
+              <a:rPr lang="en-US" dirty="0"/>
               <a:t>Here is another set of our favorite</a:t>
             </a:r>
             <a:r>
-              <a:rPr lang="en-US" baseline="0" dirty="0" smtClean="0"/>
+              <a:rPr lang="en-US" baseline="0" dirty="0"/>
               <a:t> slogans.</a:t>
             </a:r>
             <a:endParaRPr lang="en-US" dirty="0"/>
@@ -1336,10 +1332,9 @@
           <a:lstStyle/>
           <a:p>
             <a:r>
-              <a:rPr lang="en-US" dirty="0" smtClean="0"/>
+              <a:rPr lang="en-US" dirty="0"/>
               <a:t>Here is the function design recipe.  </a:t>
             </a:r>
-            <a:endParaRPr lang="en-US" dirty="0"/>
           </a:p>
         </p:txBody>
       </p:sp>
@@ -1425,10 +1420,9 @@
           <a:lstStyle/>
           <a:p>
             <a:r>
-              <a:rPr lang="en-US" dirty="0" smtClean="0"/>
+              <a:rPr lang="en-US" dirty="0"/>
               <a:t>Here is the data design recipe.  </a:t>
             </a:r>
-            <a:endParaRPr lang="en-US" dirty="0"/>
           </a:p>
         </p:txBody>
       </p:sp>
@@ -1514,10 +1508,9 @@
           <a:lstStyle/>
           <a:p>
             <a:r>
-              <a:rPr lang="en-US" dirty="0" smtClean="0"/>
+              <a:rPr lang="en-US" dirty="0"/>
               <a:t>Here is the function design recipe.  </a:t>
             </a:r>
-            <a:endParaRPr lang="en-US" dirty="0"/>
           </a:p>
         </p:txBody>
       </p:sp>
@@ -1603,10 +1596,9 @@
           <a:lstStyle/>
           <a:p>
             <a:r>
-              <a:rPr lang="en-US" dirty="0" smtClean="0"/>
+              <a:rPr lang="en-US" dirty="0"/>
               <a:t>Here is the function design recipe.  </a:t>
             </a:r>
-            <a:endParaRPr lang="en-US" dirty="0"/>
           </a:p>
         </p:txBody>
       </p:sp>
@@ -1692,10 +1684,9 @@
           <a:lstStyle/>
           <a:p>
             <a:r>
-              <a:rPr lang="en-US" dirty="0" smtClean="0"/>
+              <a:rPr lang="en-US" dirty="0"/>
               <a:t>Here is the function design recipe.  </a:t>
             </a:r>
-            <a:endParaRPr lang="en-US" dirty="0"/>
           </a:p>
         </p:txBody>
       </p:sp>
@@ -1774,10 +1765,9 @@
           <a:lstStyle/>
           <a:p>
             <a:r>
-              <a:rPr lang="en-US" smtClean="0"/>
+              <a:rPr lang="en-US"/>
               <a:t>Click to edit Master title style</a:t>
             </a:r>
-            <a:endParaRPr lang="en-US"/>
           </a:p>
         </p:txBody>
       </p:sp>
@@ -1893,10 +1883,9 @@
           </a:lstStyle>
           <a:p>
             <a:r>
-              <a:rPr lang="en-US" smtClean="0"/>
+              <a:rPr lang="en-US"/>
               <a:t>Click to edit Master subtitle style</a:t>
             </a:r>
-            <a:endParaRPr lang="en-US"/>
           </a:p>
         </p:txBody>
       </p:sp>
@@ -1917,7 +1906,7 @@
           <a:p>
             <a:fld id="{2F1F79F5-7BEC-496A-AFC7-876E38F64D71}" type="datetime1">
               <a:rPr lang="en-US" smtClean="0"/>
-              <a:t>11/17/2015</a:t>
+              <a:t>7/24/2016</a:t>
             </a:fld>
             <a:endParaRPr lang="en-US"/>
           </a:p>
@@ -1975,13 +1964,6 @@
   <p:clrMapOvr>
     <a:masterClrMapping/>
   </p:clrMapOvr>
-  <p:timing>
-    <p:tnLst>
-      <p:par>
-        <p:cTn id="1" dur="indefinite" restart="never" nodeType="tmRoot"/>
-      </p:par>
-    </p:tnLst>
-  </p:timing>
 </p:sldLayout>
 </file>
 
@@ -2018,10 +2000,9 @@
           <a:lstStyle/>
           <a:p>
             <a:r>
-              <a:rPr lang="en-US" smtClean="0"/>
+              <a:rPr lang="en-US"/>
               <a:t>Click to edit Master title style</a:t>
             </a:r>
-            <a:endParaRPr lang="en-US"/>
           </a:p>
         </p:txBody>
       </p:sp>
@@ -2042,7 +2023,7 @@
           <a:p>
             <a:fld id="{2F7B77F5-1464-4F6B-92A8-64FC8A508293}" type="datetime1">
               <a:rPr lang="en-US" smtClean="0"/>
-              <a:t>11/17/2015</a:t>
+              <a:t>7/24/2016</a:t>
             </a:fld>
             <a:endParaRPr lang="en-US"/>
           </a:p>
@@ -2100,13 +2081,6 @@
   <p:clrMapOvr>
     <a:masterClrMapping/>
   </p:clrMapOvr>
-  <p:timing>
-    <p:tnLst>
-      <p:par>
-        <p:cTn id="1" dur="indefinite" restart="never" nodeType="tmRoot"/>
-      </p:par>
-    </p:tnLst>
-  </p:timing>
 </p:sldLayout>
 </file>
 
@@ -2144,7 +2118,7 @@
           <a:p>
             <a:fld id="{0A05703A-7669-4FEA-9056-25299B4D29D4}" type="datetime1">
               <a:rPr lang="en-US" smtClean="0"/>
-              <a:t>11/17/2015</a:t>
+              <a:t>7/24/2016</a:t>
             </a:fld>
             <a:endParaRPr lang="en-US"/>
           </a:p>
@@ -2247,10 +2221,9 @@
           </a:lstStyle>
           <a:p>
             <a:r>
-              <a:rPr lang="en-US" smtClean="0"/>
+              <a:rPr lang="en-US"/>
               <a:t>Click to edit Master title style</a:t>
             </a:r>
-            <a:endParaRPr lang="en-US"/>
           </a:p>
         </p:txBody>
       </p:sp>
@@ -2304,38 +2277,37 @@
           <a:p>
             <a:pPr lvl="0"/>
             <a:r>
-              <a:rPr lang="en-US" smtClean="0"/>
+              <a:rPr lang="en-US"/>
               <a:t>Click to edit Master text styles</a:t>
             </a:r>
           </a:p>
           <a:p>
             <a:pPr lvl="1"/>
             <a:r>
-              <a:rPr lang="en-US" smtClean="0"/>
+              <a:rPr lang="en-US"/>
               <a:t>Second level</a:t>
             </a:r>
           </a:p>
           <a:p>
             <a:pPr lvl="2"/>
             <a:r>
-              <a:rPr lang="en-US" smtClean="0"/>
+              <a:rPr lang="en-US"/>
               <a:t>Third level</a:t>
             </a:r>
           </a:p>
           <a:p>
             <a:pPr lvl="3"/>
             <a:r>
-              <a:rPr lang="en-US" smtClean="0"/>
+              <a:rPr lang="en-US"/>
               <a:t>Fourth level</a:t>
             </a:r>
           </a:p>
           <a:p>
             <a:pPr lvl="4"/>
             <a:r>
-              <a:rPr lang="en-US" smtClean="0"/>
+              <a:rPr lang="en-US"/>
               <a:t>Fifth level</a:t>
             </a:r>
-            <a:endParaRPr lang="en-US"/>
           </a:p>
         </p:txBody>
       </p:sp>
@@ -2398,7 +2370,7 @@
           <a:p>
             <a:pPr lvl="0"/>
             <a:r>
-              <a:rPr lang="en-US" smtClean="0"/>
+              <a:rPr lang="en-US"/>
               <a:t>Click to edit Master text styles</a:t>
             </a:r>
           </a:p>
@@ -2421,7 +2393,7 @@
           <a:p>
             <a:fld id="{6E5077B5-BB57-49DB-88CA-226A139E5C01}" type="datetime1">
               <a:rPr lang="en-US" smtClean="0"/>
-              <a:t>11/17/2015</a:t>
+              <a:t>7/24/2016</a:t>
             </a:fld>
             <a:endParaRPr lang="en-US"/>
           </a:p>
@@ -2524,10 +2496,9 @@
           </a:lstStyle>
           <a:p>
             <a:r>
-              <a:rPr lang="en-US" smtClean="0"/>
+              <a:rPr lang="en-US"/>
               <a:t>Click to edit Master title style</a:t>
             </a:r>
-            <a:endParaRPr lang="en-US"/>
           </a:p>
         </p:txBody>
       </p:sp>
@@ -2651,7 +2622,7 @@
           <a:p>
             <a:pPr lvl="0"/>
             <a:r>
-              <a:rPr lang="en-US" smtClean="0"/>
+              <a:rPr lang="en-US"/>
               <a:t>Click to edit Master text styles</a:t>
             </a:r>
           </a:p>
@@ -2674,7 +2645,7 @@
           <a:p>
             <a:fld id="{C48D9447-CBD6-49A1-89FD-8512A8CF8999}" type="datetime1">
               <a:rPr lang="en-US" smtClean="0"/>
-              <a:t>11/17/2015</a:t>
+              <a:t>7/24/2016</a:t>
             </a:fld>
             <a:endParaRPr lang="en-US"/>
           </a:p>
@@ -2768,10 +2739,9 @@
           <a:lstStyle/>
           <a:p>
             <a:r>
-              <a:rPr lang="en-US" smtClean="0"/>
+              <a:rPr lang="en-US"/>
               <a:t>Click to edit Master title style</a:t>
             </a:r>
-            <a:endParaRPr lang="en-US"/>
           </a:p>
         </p:txBody>
       </p:sp>
@@ -2792,38 +2762,37 @@
           <a:p>
             <a:pPr lvl="0"/>
             <a:r>
-              <a:rPr lang="en-US" smtClean="0"/>
+              <a:rPr lang="en-US"/>
               <a:t>Click to edit Master text styles</a:t>
             </a:r>
           </a:p>
           <a:p>
             <a:pPr lvl="1"/>
             <a:r>
-              <a:rPr lang="en-US" smtClean="0"/>
+              <a:rPr lang="en-US"/>
               <a:t>Second level</a:t>
             </a:r>
           </a:p>
           <a:p>
             <a:pPr lvl="2"/>
             <a:r>
-              <a:rPr lang="en-US" smtClean="0"/>
+              <a:rPr lang="en-US"/>
               <a:t>Third level</a:t>
             </a:r>
           </a:p>
           <a:p>
             <a:pPr lvl="3"/>
             <a:r>
-              <a:rPr lang="en-US" smtClean="0"/>
+              <a:rPr lang="en-US"/>
               <a:t>Fourth level</a:t>
             </a:r>
           </a:p>
           <a:p>
             <a:pPr lvl="4"/>
             <a:r>
-              <a:rPr lang="en-US" smtClean="0"/>
+              <a:rPr lang="en-US"/>
               <a:t>Fifth level</a:t>
             </a:r>
-            <a:endParaRPr lang="en-US"/>
           </a:p>
         </p:txBody>
       </p:sp>
@@ -2844,7 +2813,7 @@
           <a:p>
             <a:fld id="{A3639A2A-823D-48B7-9ACE-7FAF42870BA9}" type="datetime1">
               <a:rPr lang="en-US" smtClean="0"/>
-              <a:t>11/17/2015</a:t>
+              <a:t>7/24/2016</a:t>
             </a:fld>
             <a:endParaRPr lang="en-US"/>
           </a:p>
@@ -2943,10 +2912,9 @@
           <a:lstStyle/>
           <a:p>
             <a:r>
-              <a:rPr lang="en-US" smtClean="0"/>
+              <a:rPr lang="en-US"/>
               <a:t>Click to edit Master title style</a:t>
             </a:r>
-            <a:endParaRPr lang="en-US"/>
           </a:p>
         </p:txBody>
       </p:sp>
@@ -2972,38 +2940,37 @@
           <a:p>
             <a:pPr lvl="0"/>
             <a:r>
-              <a:rPr lang="en-US" smtClean="0"/>
+              <a:rPr lang="en-US"/>
               <a:t>Click to edit Master text styles</a:t>
             </a:r>
           </a:p>
           <a:p>
             <a:pPr lvl="1"/>
             <a:r>
-              <a:rPr lang="en-US" smtClean="0"/>
+              <a:rPr lang="en-US"/>
               <a:t>Second level</a:t>
             </a:r>
           </a:p>
           <a:p>
             <a:pPr lvl="2"/>
             <a:r>
-              <a:rPr lang="en-US" smtClean="0"/>
+              <a:rPr lang="en-US"/>
               <a:t>Third level</a:t>
             </a:r>
           </a:p>
           <a:p>
             <a:pPr lvl="3"/>
             <a:r>
-              <a:rPr lang="en-US" smtClean="0"/>
+              <a:rPr lang="en-US"/>
               <a:t>Fourth level</a:t>
             </a:r>
           </a:p>
           <a:p>
             <a:pPr lvl="4"/>
             <a:r>
-              <a:rPr lang="en-US" smtClean="0"/>
+              <a:rPr lang="en-US"/>
               <a:t>Fifth level</a:t>
             </a:r>
-            <a:endParaRPr lang="en-US"/>
           </a:p>
         </p:txBody>
       </p:sp>
@@ -3024,7 +2991,7 @@
           <a:p>
             <a:fld id="{ED1B6996-82E9-463C-972C-7B56056E426C}" type="datetime1">
               <a:rPr lang="en-US" smtClean="0"/>
-              <a:t>11/17/2015</a:t>
+              <a:t>7/24/2016</a:t>
             </a:fld>
             <a:endParaRPr lang="en-US"/>
           </a:p>
@@ -3124,10 +3091,9 @@
           <a:lstStyle/>
           <a:p>
             <a:r>
-              <a:rPr lang="en-US" dirty="0" smtClean="0"/>
+              <a:rPr lang="en-US" dirty="0"/>
               <a:t>Click to edit Master title style</a:t>
             </a:r>
-            <a:endParaRPr lang="en-US" dirty="0"/>
           </a:p>
         </p:txBody>
       </p:sp>
@@ -3148,38 +3114,37 @@
           <a:p>
             <a:pPr lvl="0"/>
             <a:r>
-              <a:rPr lang="en-US" smtClean="0"/>
+              <a:rPr lang="en-US"/>
               <a:t>Click to edit Master text styles</a:t>
             </a:r>
           </a:p>
           <a:p>
             <a:pPr lvl="1"/>
             <a:r>
-              <a:rPr lang="en-US" smtClean="0"/>
+              <a:rPr lang="en-US"/>
               <a:t>Second level</a:t>
             </a:r>
           </a:p>
           <a:p>
             <a:pPr lvl="2"/>
             <a:r>
-              <a:rPr lang="en-US" smtClean="0"/>
+              <a:rPr lang="en-US"/>
               <a:t>Third level</a:t>
             </a:r>
           </a:p>
           <a:p>
             <a:pPr lvl="3"/>
             <a:r>
-              <a:rPr lang="en-US" smtClean="0"/>
+              <a:rPr lang="en-US"/>
               <a:t>Fourth level</a:t>
             </a:r>
           </a:p>
           <a:p>
             <a:pPr lvl="4"/>
             <a:r>
-              <a:rPr lang="en-US" smtClean="0"/>
+              <a:rPr lang="en-US"/>
               <a:t>Fifth level</a:t>
             </a:r>
-            <a:endParaRPr lang="en-US"/>
           </a:p>
         </p:txBody>
       </p:sp>
@@ -3200,7 +3165,7 @@
           <a:p>
             <a:fld id="{E22ED4DA-448D-4BB1-B935-CC112220207B}" type="datetime1">
               <a:rPr lang="en-US" smtClean="0"/>
-              <a:t>11/17/2015</a:t>
+              <a:t>7/24/2016</a:t>
             </a:fld>
             <a:endParaRPr lang="en-US"/>
           </a:p>
@@ -3258,13 +3223,6 @@
   <p:clrMapOvr>
     <a:masterClrMapping/>
   </p:clrMapOvr>
-  <p:timing>
-    <p:tnLst>
-      <p:par>
-        <p:cTn id="1" dur="indefinite" restart="never" nodeType="tmRoot"/>
-      </p:par>
-    </p:tnLst>
-  </p:timing>
 </p:sldLayout>
 </file>
 
@@ -3301,10 +3259,9 @@
           <a:lstStyle/>
           <a:p>
             <a:r>
-              <a:rPr lang="en-US" smtClean="0"/>
+              <a:rPr lang="en-US"/>
               <a:t>Click to edit Master title style</a:t>
             </a:r>
-            <a:endParaRPr lang="en-US"/>
           </a:p>
         </p:txBody>
       </p:sp>
@@ -3330,38 +3287,37 @@
           <a:p>
             <a:pPr lvl="0"/>
             <a:r>
-              <a:rPr lang="en-US" dirty="0" smtClean="0"/>
+              <a:rPr lang="en-US" dirty="0"/>
               <a:t>Click to edit Master text styles</a:t>
             </a:r>
           </a:p>
           <a:p>
             <a:pPr lvl="1"/>
             <a:r>
-              <a:rPr lang="en-US" dirty="0" smtClean="0"/>
+              <a:rPr lang="en-US" dirty="0"/>
               <a:t>Second level</a:t>
             </a:r>
           </a:p>
           <a:p>
             <a:pPr lvl="2"/>
             <a:r>
-              <a:rPr lang="en-US" dirty="0" smtClean="0"/>
+              <a:rPr lang="en-US" dirty="0"/>
               <a:t>Third level</a:t>
             </a:r>
           </a:p>
           <a:p>
             <a:pPr lvl="3"/>
             <a:r>
-              <a:rPr lang="en-US" dirty="0" smtClean="0"/>
+              <a:rPr lang="en-US" dirty="0"/>
               <a:t>Fourth level</a:t>
             </a:r>
           </a:p>
           <a:p>
             <a:pPr lvl="4"/>
             <a:r>
-              <a:rPr lang="en-US" dirty="0" smtClean="0"/>
+              <a:rPr lang="en-US" dirty="0"/>
               <a:t>Fifth level</a:t>
             </a:r>
-            <a:endParaRPr lang="en-US" dirty="0"/>
           </a:p>
         </p:txBody>
       </p:sp>
@@ -3382,7 +3338,7 @@
           <a:p>
             <a:fld id="{E22ED4DA-448D-4BB1-B935-CC112220207B}" type="datetime1">
               <a:rPr lang="en-US" smtClean="0"/>
-              <a:t>11/17/2015</a:t>
+              <a:t>7/24/2016</a:t>
             </a:fld>
             <a:endParaRPr lang="en-US"/>
           </a:p>
@@ -3472,7 +3428,7 @@
           <a:lstStyle/>
           <a:p>
             <a:pPr algn="ctr"/>
-            <a:endParaRPr lang="en-US" dirty="0" smtClean="0">
+            <a:endParaRPr lang="en-US" dirty="0">
               <a:solidFill>
                 <a:schemeClr val="tx1"/>
               </a:solidFill>
@@ -3503,11 +3459,11 @@
           <a:lstStyle/>
           <a:p>
             <a:r>
-              <a:rPr lang="en-US" dirty="0" smtClean="0"/>
+              <a:rPr lang="en-US" dirty="0"/>
               <a:t>Resize video to this</a:t>
             </a:r>
             <a:r>
-              <a:rPr lang="en-US" baseline="0" dirty="0" smtClean="0"/>
+              <a:rPr lang="en-US" baseline="0" dirty="0"/>
               <a:t> box.</a:t>
             </a:r>
             <a:endParaRPr lang="en-US" dirty="0"/>
@@ -3524,13 +3480,6 @@
   <p:clrMapOvr>
     <a:masterClrMapping/>
   </p:clrMapOvr>
-  <p:timing>
-    <p:tnLst>
-      <p:par>
-        <p:cTn id="1" dur="indefinite" restart="never" nodeType="tmRoot"/>
-      </p:par>
-    </p:tnLst>
-  </p:timing>
 </p:sldLayout>
 </file>
 
@@ -3567,10 +3516,9 @@
           <a:lstStyle/>
           <a:p>
             <a:r>
-              <a:rPr lang="en-US" smtClean="0"/>
+              <a:rPr lang="en-US"/>
               <a:t>Click to edit Master title style</a:t>
             </a:r>
-            <a:endParaRPr lang="en-US"/>
           </a:p>
         </p:txBody>
       </p:sp>
@@ -3602,38 +3550,37 @@
           <a:p>
             <a:pPr lvl="0"/>
             <a:r>
-              <a:rPr lang="en-US" dirty="0" smtClean="0"/>
+              <a:rPr lang="en-US" dirty="0"/>
               <a:t>Click to edit Master text styles</a:t>
             </a:r>
           </a:p>
           <a:p>
             <a:pPr lvl="1"/>
             <a:r>
-              <a:rPr lang="en-US" dirty="0" smtClean="0"/>
+              <a:rPr lang="en-US" dirty="0"/>
               <a:t>Second level</a:t>
             </a:r>
           </a:p>
           <a:p>
             <a:pPr lvl="2"/>
             <a:r>
-              <a:rPr lang="en-US" dirty="0" smtClean="0"/>
+              <a:rPr lang="en-US" dirty="0"/>
               <a:t>Third level</a:t>
             </a:r>
           </a:p>
           <a:p>
             <a:pPr lvl="3"/>
             <a:r>
-              <a:rPr lang="en-US" dirty="0" smtClean="0"/>
+              <a:rPr lang="en-US" dirty="0"/>
               <a:t>Fourth level</a:t>
             </a:r>
           </a:p>
           <a:p>
             <a:pPr lvl="4"/>
             <a:r>
-              <a:rPr lang="en-US" dirty="0" smtClean="0"/>
+              <a:rPr lang="en-US" dirty="0"/>
               <a:t>Fifth level</a:t>
             </a:r>
-            <a:endParaRPr lang="en-US" dirty="0"/>
           </a:p>
         </p:txBody>
       </p:sp>
@@ -3654,7 +3601,7 @@
           <a:p>
             <a:fld id="{FF5D65A6-AB94-4435-B0B7-3743215FA46C}" type="datetime1">
               <a:rPr lang="en-US" smtClean="0"/>
-              <a:t>11/17/2015</a:t>
+              <a:t>7/24/2016</a:t>
             </a:fld>
             <a:endParaRPr lang="en-US"/>
           </a:p>
@@ -3712,13 +3659,6 @@
   <p:clrMapOvr>
     <a:masterClrMapping/>
   </p:clrMapOvr>
-  <p:timing>
-    <p:tnLst>
-      <p:par>
-        <p:cTn id="1" dur="indefinite" restart="never" nodeType="tmRoot"/>
-      </p:par>
-    </p:tnLst>
-  </p:timing>
 </p:sldLayout>
 </file>
 
@@ -3755,10 +3695,9 @@
           <a:lstStyle/>
           <a:p>
             <a:r>
-              <a:rPr lang="en-US" smtClean="0"/>
+              <a:rPr lang="en-US"/>
               <a:t>Click to edit Master title style</a:t>
             </a:r>
-            <a:endParaRPr lang="en-US"/>
           </a:p>
         </p:txBody>
       </p:sp>
@@ -3787,38 +3726,37 @@
           <a:p>
             <a:pPr lvl="0"/>
             <a:r>
-              <a:rPr lang="en-US" dirty="0" smtClean="0"/>
+              <a:rPr lang="en-US" dirty="0"/>
               <a:t>Click to edit Master text styles</a:t>
             </a:r>
           </a:p>
           <a:p>
             <a:pPr lvl="1"/>
             <a:r>
-              <a:rPr lang="en-US" dirty="0" smtClean="0"/>
+              <a:rPr lang="en-US" dirty="0"/>
               <a:t>Second level</a:t>
             </a:r>
           </a:p>
           <a:p>
             <a:pPr lvl="2"/>
             <a:r>
-              <a:rPr lang="en-US" dirty="0" smtClean="0"/>
+              <a:rPr lang="en-US" dirty="0"/>
               <a:t>Third level</a:t>
             </a:r>
           </a:p>
           <a:p>
             <a:pPr lvl="3"/>
             <a:r>
-              <a:rPr lang="en-US" dirty="0" smtClean="0"/>
+              <a:rPr lang="en-US" dirty="0"/>
               <a:t>Fourth level</a:t>
             </a:r>
           </a:p>
           <a:p>
             <a:pPr lvl="4"/>
             <a:r>
-              <a:rPr lang="en-US" dirty="0" smtClean="0"/>
+              <a:rPr lang="en-US" dirty="0"/>
               <a:t>Fifth level</a:t>
             </a:r>
-            <a:endParaRPr lang="en-US" dirty="0"/>
           </a:p>
         </p:txBody>
       </p:sp>
@@ -3839,7 +3777,7 @@
           <a:p>
             <a:fld id="{FF5D65A6-AB94-4435-B0B7-3743215FA46C}" type="datetime1">
               <a:rPr lang="en-US" smtClean="0"/>
-              <a:t>11/17/2015</a:t>
+              <a:t>7/24/2016</a:t>
             </a:fld>
             <a:endParaRPr lang="en-US"/>
           </a:p>
@@ -3946,13 +3884,6 @@
   <p:clrMapOvr>
     <a:masterClrMapping/>
   </p:clrMapOvr>
-  <p:timing>
-    <p:tnLst>
-      <p:par>
-        <p:cTn id="1" dur="indefinite" restart="never" nodeType="tmRoot"/>
-      </p:par>
-    </p:tnLst>
-  </p:timing>
 </p:sldLayout>
 </file>
 
@@ -3998,10 +3929,9 @@
           </a:lstStyle>
           <a:p>
             <a:r>
-              <a:rPr lang="en-US" smtClean="0"/>
+              <a:rPr lang="en-US"/>
               <a:t>Click to edit Master title style</a:t>
             </a:r>
-            <a:endParaRPr lang="en-US"/>
           </a:p>
         </p:txBody>
       </p:sp>
@@ -4118,7 +4048,7 @@
           <a:p>
             <a:pPr lvl="0"/>
             <a:r>
-              <a:rPr lang="en-US" smtClean="0"/>
+              <a:rPr lang="en-US"/>
               <a:t>Click to edit Master text styles</a:t>
             </a:r>
           </a:p>
@@ -4141,7 +4071,7 @@
           <a:p>
             <a:fld id="{7C193DC4-6EF0-48C9-B29C-616106A645E1}" type="datetime1">
               <a:rPr lang="en-US" smtClean="0"/>
-              <a:t>11/17/2015</a:t>
+              <a:t>7/24/2016</a:t>
             </a:fld>
             <a:endParaRPr lang="en-US"/>
           </a:p>
@@ -4235,10 +4165,9 @@
           <a:lstStyle/>
           <a:p>
             <a:r>
-              <a:rPr lang="en-US" smtClean="0"/>
+              <a:rPr lang="en-US"/>
               <a:t>Click to edit Master title style</a:t>
             </a:r>
-            <a:endParaRPr lang="en-US"/>
           </a:p>
         </p:txBody>
       </p:sp>
@@ -4292,38 +4221,37 @@
           <a:p>
             <a:pPr lvl="0"/>
             <a:r>
-              <a:rPr lang="en-US" smtClean="0"/>
+              <a:rPr lang="en-US"/>
               <a:t>Click to edit Master text styles</a:t>
             </a:r>
           </a:p>
           <a:p>
             <a:pPr lvl="1"/>
             <a:r>
-              <a:rPr lang="en-US" smtClean="0"/>
+              <a:rPr lang="en-US"/>
               <a:t>Second level</a:t>
             </a:r>
           </a:p>
           <a:p>
             <a:pPr lvl="2"/>
             <a:r>
-              <a:rPr lang="en-US" smtClean="0"/>
+              <a:rPr lang="en-US"/>
               <a:t>Third level</a:t>
             </a:r>
           </a:p>
           <a:p>
             <a:pPr lvl="3"/>
             <a:r>
-              <a:rPr lang="en-US" smtClean="0"/>
+              <a:rPr lang="en-US"/>
               <a:t>Fourth level</a:t>
             </a:r>
           </a:p>
           <a:p>
             <a:pPr lvl="4"/>
             <a:r>
-              <a:rPr lang="en-US" smtClean="0"/>
+              <a:rPr lang="en-US"/>
               <a:t>Fifth level</a:t>
             </a:r>
-            <a:endParaRPr lang="en-US"/>
           </a:p>
         </p:txBody>
       </p:sp>
@@ -4377,38 +4305,37 @@
           <a:p>
             <a:pPr lvl="0"/>
             <a:r>
-              <a:rPr lang="en-US" smtClean="0"/>
+              <a:rPr lang="en-US"/>
               <a:t>Click to edit Master text styles</a:t>
             </a:r>
           </a:p>
           <a:p>
             <a:pPr lvl="1"/>
             <a:r>
-              <a:rPr lang="en-US" smtClean="0"/>
+              <a:rPr lang="en-US"/>
               <a:t>Second level</a:t>
             </a:r>
           </a:p>
           <a:p>
             <a:pPr lvl="2"/>
             <a:r>
-              <a:rPr lang="en-US" smtClean="0"/>
+              <a:rPr lang="en-US"/>
               <a:t>Third level</a:t>
             </a:r>
           </a:p>
           <a:p>
             <a:pPr lvl="3"/>
             <a:r>
-              <a:rPr lang="en-US" smtClean="0"/>
+              <a:rPr lang="en-US"/>
               <a:t>Fourth level</a:t>
             </a:r>
           </a:p>
           <a:p>
             <a:pPr lvl="4"/>
             <a:r>
-              <a:rPr lang="en-US" smtClean="0"/>
+              <a:rPr lang="en-US"/>
               <a:t>Fifth level</a:t>
             </a:r>
-            <a:endParaRPr lang="en-US"/>
           </a:p>
         </p:txBody>
       </p:sp>
@@ -4429,7 +4356,7 @@
           <a:p>
             <a:fld id="{5D1846AD-9252-4647-9435-4C2AC365653A}" type="datetime1">
               <a:rPr lang="en-US" smtClean="0"/>
-              <a:t>11/17/2015</a:t>
+              <a:t>7/24/2016</a:t>
             </a:fld>
             <a:endParaRPr lang="en-US"/>
           </a:p>
@@ -4523,10 +4450,9 @@
           <a:lstStyle/>
           <a:p>
             <a:r>
-              <a:rPr lang="en-US" smtClean="0"/>
+              <a:rPr lang="en-US"/>
               <a:t>Click to edit Master title style</a:t>
             </a:r>
-            <a:endParaRPr lang="en-US"/>
           </a:p>
         </p:txBody>
       </p:sp>
@@ -4587,38 +4513,37 @@
           <a:p>
             <a:pPr lvl="0"/>
             <a:r>
-              <a:rPr lang="en-US" dirty="0" smtClean="0"/>
+              <a:rPr lang="en-US" dirty="0"/>
               <a:t>Click to edit Master text styles</a:t>
             </a:r>
           </a:p>
           <a:p>
             <a:pPr lvl="1"/>
             <a:r>
-              <a:rPr lang="en-US" dirty="0" smtClean="0"/>
+              <a:rPr lang="en-US" dirty="0"/>
               <a:t>Second level</a:t>
             </a:r>
           </a:p>
           <a:p>
             <a:pPr lvl="2"/>
             <a:r>
-              <a:rPr lang="en-US" dirty="0" smtClean="0"/>
+              <a:rPr lang="en-US" dirty="0"/>
               <a:t>Third level</a:t>
             </a:r>
           </a:p>
           <a:p>
             <a:pPr lvl="3"/>
             <a:r>
-              <a:rPr lang="en-US" dirty="0" smtClean="0"/>
+              <a:rPr lang="en-US" dirty="0"/>
               <a:t>Fourth level</a:t>
             </a:r>
           </a:p>
           <a:p>
             <a:pPr lvl="4"/>
             <a:r>
-              <a:rPr lang="en-US" dirty="0" smtClean="0"/>
+              <a:rPr lang="en-US" dirty="0"/>
               <a:t>Fifth level</a:t>
             </a:r>
-            <a:endParaRPr lang="en-US" dirty="0"/>
           </a:p>
         </p:txBody>
       </p:sp>
@@ -4679,38 +4604,37 @@
           <a:p>
             <a:pPr lvl="0"/>
             <a:r>
-              <a:rPr lang="en-US" dirty="0" smtClean="0"/>
+              <a:rPr lang="en-US" dirty="0"/>
               <a:t>Click to edit Master text styles</a:t>
             </a:r>
           </a:p>
           <a:p>
             <a:pPr lvl="1"/>
             <a:r>
-              <a:rPr lang="en-US" dirty="0" smtClean="0"/>
+              <a:rPr lang="en-US" dirty="0"/>
               <a:t>Second level</a:t>
             </a:r>
           </a:p>
           <a:p>
             <a:pPr lvl="2"/>
             <a:r>
-              <a:rPr lang="en-US" dirty="0" smtClean="0"/>
+              <a:rPr lang="en-US" dirty="0"/>
               <a:t>Third level</a:t>
             </a:r>
           </a:p>
           <a:p>
             <a:pPr lvl="3"/>
             <a:r>
-              <a:rPr lang="en-US" dirty="0" smtClean="0"/>
+              <a:rPr lang="en-US" dirty="0"/>
               <a:t>Fourth level</a:t>
             </a:r>
           </a:p>
           <a:p>
             <a:pPr lvl="4"/>
             <a:r>
-              <a:rPr lang="en-US" dirty="0" smtClean="0"/>
+              <a:rPr lang="en-US" dirty="0"/>
               <a:t>Fifth level</a:t>
             </a:r>
-            <a:endParaRPr lang="en-US" dirty="0"/>
           </a:p>
         </p:txBody>
       </p:sp>
@@ -4731,7 +4655,7 @@
           <a:p>
             <a:fld id="{5D1846AD-9252-4647-9435-4C2AC365653A}" type="datetime1">
               <a:rPr lang="en-US" smtClean="0"/>
-              <a:t>11/17/2015</a:t>
+              <a:t>7/24/2016</a:t>
             </a:fld>
             <a:endParaRPr lang="en-US"/>
           </a:p>
@@ -4829,10 +4753,9 @@
           </a:lstStyle>
           <a:p>
             <a:r>
-              <a:rPr lang="en-US" smtClean="0"/>
+              <a:rPr lang="en-US"/>
               <a:t>Click to edit Master title style</a:t>
             </a:r>
-            <a:endParaRPr lang="en-US"/>
           </a:p>
         </p:txBody>
       </p:sp>
@@ -4895,7 +4818,7 @@
           <a:p>
             <a:pPr lvl="0"/>
             <a:r>
-              <a:rPr lang="en-US" smtClean="0"/>
+              <a:rPr lang="en-US"/>
               <a:t>Click to edit Master text styles</a:t>
             </a:r>
           </a:p>
@@ -4951,38 +4874,37 @@
           <a:p>
             <a:pPr lvl="0"/>
             <a:r>
-              <a:rPr lang="en-US" smtClean="0"/>
+              <a:rPr lang="en-US"/>
               <a:t>Click to edit Master text styles</a:t>
             </a:r>
           </a:p>
           <a:p>
             <a:pPr lvl="1"/>
             <a:r>
-              <a:rPr lang="en-US" smtClean="0"/>
+              <a:rPr lang="en-US"/>
               <a:t>Second level</a:t>
             </a:r>
           </a:p>
           <a:p>
             <a:pPr lvl="2"/>
             <a:r>
-              <a:rPr lang="en-US" smtClean="0"/>
+              <a:rPr lang="en-US"/>
               <a:t>Third level</a:t>
             </a:r>
           </a:p>
           <a:p>
             <a:pPr lvl="3"/>
             <a:r>
-              <a:rPr lang="en-US" smtClean="0"/>
+              <a:rPr lang="en-US"/>
               <a:t>Fourth level</a:t>
             </a:r>
           </a:p>
           <a:p>
             <a:pPr lvl="4"/>
             <a:r>
-              <a:rPr lang="en-US" smtClean="0"/>
+              <a:rPr lang="en-US"/>
               <a:t>Fifth level</a:t>
             </a:r>
-            <a:endParaRPr lang="en-US"/>
           </a:p>
         </p:txBody>
       </p:sp>
@@ -5045,7 +4967,7 @@
           <a:p>
             <a:pPr lvl="0"/>
             <a:r>
-              <a:rPr lang="en-US" smtClean="0"/>
+              <a:rPr lang="en-US"/>
               <a:t>Click to edit Master text styles</a:t>
             </a:r>
           </a:p>
@@ -5101,38 +5023,37 @@
           <a:p>
             <a:pPr lvl="0"/>
             <a:r>
-              <a:rPr lang="en-US" smtClean="0"/>
+              <a:rPr lang="en-US"/>
               <a:t>Click to edit Master text styles</a:t>
             </a:r>
           </a:p>
           <a:p>
             <a:pPr lvl="1"/>
             <a:r>
-              <a:rPr lang="en-US" smtClean="0"/>
+              <a:rPr lang="en-US"/>
               <a:t>Second level</a:t>
             </a:r>
           </a:p>
           <a:p>
             <a:pPr lvl="2"/>
             <a:r>
-              <a:rPr lang="en-US" smtClean="0"/>
+              <a:rPr lang="en-US"/>
               <a:t>Third level</a:t>
             </a:r>
           </a:p>
           <a:p>
             <a:pPr lvl="3"/>
             <a:r>
-              <a:rPr lang="en-US" smtClean="0"/>
+              <a:rPr lang="en-US"/>
               <a:t>Fourth level</a:t>
             </a:r>
           </a:p>
           <a:p>
             <a:pPr lvl="4"/>
             <a:r>
-              <a:rPr lang="en-US" smtClean="0"/>
+              <a:rPr lang="en-US"/>
               <a:t>Fifth level</a:t>
             </a:r>
-            <a:endParaRPr lang="en-US"/>
           </a:p>
         </p:txBody>
       </p:sp>
@@ -5153,7 +5074,7 @@
           <a:p>
             <a:fld id="{CE56DC10-3561-4063-A6AF-C1CC7A41040A}" type="datetime1">
               <a:rPr lang="en-US" smtClean="0"/>
-              <a:t>11/17/2015</a:t>
+              <a:t>7/24/2016</a:t>
             </a:fld>
             <a:endParaRPr lang="en-US"/>
           </a:p>
@@ -5274,10 +5195,9 @@
           <a:lstStyle/>
           <a:p>
             <a:r>
-              <a:rPr lang="en-US" smtClean="0"/>
+              <a:rPr lang="en-US"/>
               <a:t>Click to edit Master title style</a:t>
             </a:r>
-            <a:endParaRPr lang="en-US"/>
           </a:p>
         </p:txBody>
       </p:sp>
@@ -5308,38 +5228,37 @@
           <a:p>
             <a:pPr lvl="0"/>
             <a:r>
-              <a:rPr lang="en-US" smtClean="0"/>
+              <a:rPr lang="en-US"/>
               <a:t>Click to edit Master text styles</a:t>
             </a:r>
           </a:p>
           <a:p>
             <a:pPr lvl="1"/>
             <a:r>
-              <a:rPr lang="en-US" smtClean="0"/>
+              <a:rPr lang="en-US"/>
               <a:t>Second level</a:t>
             </a:r>
           </a:p>
           <a:p>
             <a:pPr lvl="2"/>
             <a:r>
-              <a:rPr lang="en-US" smtClean="0"/>
+              <a:rPr lang="en-US"/>
               <a:t>Third level</a:t>
             </a:r>
           </a:p>
           <a:p>
             <a:pPr lvl="3"/>
             <a:r>
-              <a:rPr lang="en-US" smtClean="0"/>
+              <a:rPr lang="en-US"/>
               <a:t>Fourth level</a:t>
             </a:r>
           </a:p>
           <a:p>
             <a:pPr lvl="4"/>
             <a:r>
-              <a:rPr lang="en-US" smtClean="0"/>
+              <a:rPr lang="en-US"/>
               <a:t>Fifth level</a:t>
             </a:r>
-            <a:endParaRPr lang="en-US"/>
           </a:p>
         </p:txBody>
       </p:sp>
@@ -5378,7 +5297,7 @@
           <a:p>
             <a:fld id="{02B3F677-983B-48DB-ADFD-63FE6CBC7FB2}" type="datetime1">
               <a:rPr lang="en-US" smtClean="0"/>
-              <a:t>11/17/2015</a:t>
+              <a:t>7/24/2016</a:t>
             </a:fld>
             <a:endParaRPr lang="en-US"/>
           </a:p>
@@ -5487,13 +5406,6 @@
     <p:sldLayoutId id="2147483658" r:id="rId14"/>
     <p:sldLayoutId id="2147483659" r:id="rId15"/>
   </p:sldLayoutIdLst>
-  <p:timing>
-    <p:tnLst>
-      <p:par>
-        <p:cTn id="1" dur="indefinite" restart="never" nodeType="tmRoot"/>
-      </p:par>
-    </p:tnLst>
-  </p:timing>
   <p:hf hdr="0" ftr="0" dt="0"/>
   <p:txStyles>
     <p:titleStyle>
@@ -5781,10 +5693,9 @@
           <a:lstStyle/>
           <a:p>
             <a:r>
-              <a:rPr lang="en-US" dirty="0" smtClean="0"/>
+              <a:rPr lang="en-US" dirty="0"/>
               <a:t>Common Slides for CS 5010</a:t>
             </a:r>
-            <a:endParaRPr lang="en-US" dirty="0"/>
           </a:p>
         </p:txBody>
       </p:sp>
@@ -5819,13 +5730,8 @@
           <a:p>
             <a:r>
               <a:rPr lang="en-US" dirty="0"/>
-              <a:t>Lesson </a:t>
-            </a:r>
-            <a:r>
-              <a:rPr lang="en-US" dirty="0" smtClean="0"/>
-              <a:t>N.M</a:t>
-            </a:r>
-            <a:endParaRPr lang="en-US" dirty="0"/>
+              <a:t>Lesson N.M</a:t>
+            </a:r>
           </a:p>
           <a:p>
             <a:endParaRPr lang="en-US" dirty="0"/>
@@ -5900,27 +5806,13 @@
             <a:p>
               <a:r>
                 <a:rPr lang="en-US" sz="1000" dirty="0"/>
-                <a:t>© Mitchell Wand, </a:t>
-              </a:r>
-              <a:r>
-                <a:rPr lang="en-US" sz="1000" dirty="0" smtClean="0"/>
-                <a:t>2012-2015</a:t>
+                <a:t>© Mitchell Wand, 2012-2015</a:t>
               </a:r>
             </a:p>
             <a:p>
               <a:r>
-                <a:rPr lang="en-US" sz="1000" dirty="0" smtClean="0"/>
+                <a:rPr lang="en-US" sz="1000" dirty="0"/>
                 <a:t>This work is licensed under a </a:t>
-              </a:r>
-              <a:r>
-                <a:rPr lang="en-US" altLang="en-US" sz="1000" dirty="0" smtClean="0">
-                  <a:solidFill>
-                    <a:srgbClr val="4374B7"/>
-                  </a:solidFill>
-                  <a:latin typeface="Helvetica Neue"/>
-                  <a:hlinkClick r:id="rId4"/>
-                </a:rPr>
-                <a:t>Creative </a:t>
               </a:r>
               <a:r>
                 <a:rPr lang="en-US" altLang="en-US" sz="1000" dirty="0">
@@ -5930,7 +5822,7 @@
                   <a:latin typeface="Helvetica Neue"/>
                   <a:hlinkClick r:id="rId4"/>
                 </a:rPr>
-                <a:t>Commons Attribution-</a:t>
+                <a:t>Creative Commons Attribution-</a:t>
               </a:r>
               <a:r>
                 <a:rPr lang="en-US" altLang="en-US" sz="1000" dirty="0" err="1">
@@ -5953,10 +5845,9 @@
                 <a:t> 4.0 International License</a:t>
               </a:r>
               <a:r>
-                <a:rPr lang="en-US" sz="1000" dirty="0" smtClean="0"/>
+                <a:rPr lang="en-US" sz="1000" dirty="0"/>
                 <a:t>.</a:t>
               </a:r>
-              <a:endParaRPr lang="en-US" sz="1000" dirty="0"/>
             </a:p>
           </p:txBody>
         </p:sp>
@@ -5994,13 +5885,6 @@
   <p:clrMapOvr>
     <a:masterClrMapping/>
   </p:clrMapOvr>
-  <p:timing>
-    <p:tnLst>
-      <p:par>
-        <p:cTn id="1" dur="indefinite" restart="never" nodeType="tmRoot"/>
-      </p:par>
-    </p:tnLst>
-  </p:timing>
 </p:sld>
 </file>
 
@@ -6044,10 +5928,9 @@
           <a:lstStyle/>
           <a:p>
             <a:r>
-              <a:rPr lang="en-US" sz="7200" dirty="0" smtClean="0"/>
+              <a:rPr lang="en-US" sz="7200" dirty="0"/>
               <a:t>The Recipes</a:t>
             </a:r>
-            <a:endParaRPr lang="en-US" sz="7200" dirty="0"/>
           </a:p>
         </p:txBody>
       </p:sp>
@@ -6084,13 +5967,6 @@
   <p:clrMapOvr>
     <a:masterClrMapping/>
   </p:clrMapOvr>
-  <p:timing>
-    <p:tnLst>
-      <p:par>
-        <p:cTn id="1" dur="indefinite" restart="never" nodeType="tmRoot"/>
-      </p:par>
-    </p:tnLst>
-  </p:timing>
 </p:sld>
 </file>
 
@@ -6127,10 +6003,9 @@
           <a:lstStyle/>
           <a:p>
             <a:r>
-              <a:rPr lang="en-US" dirty="0" smtClean="0"/>
+              <a:rPr lang="en-US" dirty="0"/>
               <a:t>It's not calculus</a:t>
             </a:r>
-            <a:endParaRPr lang="en-US" dirty="0"/>
           </a:p>
         </p:txBody>
       </p:sp>
@@ -6152,11 +6027,11 @@
           <a:lstStyle/>
           <a:p>
             <a:r>
-              <a:rPr lang="en-US" dirty="0" smtClean="0"/>
+              <a:rPr lang="en-US" dirty="0"/>
               <a:t>We want you to write </a:t>
             </a:r>
             <a:r>
-              <a:rPr lang="en-US" dirty="0" smtClean="0">
+              <a:rPr lang="en-US" dirty="0">
                 <a:solidFill>
                   <a:srgbClr val="FF0000"/>
                 </a:solidFill>
@@ -6164,23 +6039,23 @@
               <a:t>beautiful</a:t>
             </a:r>
             <a:r>
-              <a:rPr lang="en-US" dirty="0" smtClean="0"/>
+              <a:rPr lang="en-US" dirty="0"/>
               <a:t> programs</a:t>
             </a:r>
           </a:p>
           <a:p>
             <a:r>
-              <a:rPr lang="en-US" dirty="0" smtClean="0"/>
+              <a:rPr lang="en-US" dirty="0"/>
               <a:t>It's not enough to get the right answers</a:t>
             </a:r>
           </a:p>
           <a:p>
             <a:r>
-              <a:rPr lang="en-US" dirty="0" smtClean="0"/>
+              <a:rPr lang="en-US" dirty="0"/>
               <a:t>It's about </a:t>
             </a:r>
             <a:r>
-              <a:rPr lang="en-US" dirty="0" smtClean="0">
+              <a:rPr lang="en-US" dirty="0">
                 <a:solidFill>
                   <a:srgbClr val="FF0000"/>
                 </a:solidFill>
@@ -6188,27 +6063,27 @@
               <a:t>design</a:t>
             </a:r>
             <a:r>
-              <a:rPr lang="en-US" dirty="0" smtClean="0"/>
+              <a:rPr lang="en-US" dirty="0"/>
               <a:t>– which means making your program readable and modifiable by humans</a:t>
             </a:r>
           </a:p>
           <a:p>
             <a:r>
-              <a:rPr lang="en-US" dirty="0" smtClean="0"/>
+              <a:rPr lang="en-US" dirty="0"/>
               <a:t>This includes documenting your program</a:t>
             </a:r>
           </a:p>
           <a:p>
             <a:pPr lvl="1"/>
             <a:r>
-              <a:rPr lang="en-US" dirty="0" smtClean="0"/>
+              <a:rPr lang="en-US" dirty="0"/>
               <a:t>so the TA can understand it</a:t>
             </a:r>
           </a:p>
           <a:p>
             <a:pPr lvl="1"/>
             <a:r>
-              <a:rPr lang="en-US" dirty="0" smtClean="0"/>
+              <a:rPr lang="en-US" dirty="0"/>
               <a:t>so a future programmer can understand and modify it</a:t>
             </a:r>
           </a:p>
@@ -6263,13 +6138,6 @@
   <p:clrMapOvr>
     <a:masterClrMapping/>
   </p:clrMapOvr>
-  <p:timing>
-    <p:tnLst>
-      <p:par>
-        <p:cTn id="1" dur="indefinite" restart="never" nodeType="tmRoot"/>
-      </p:par>
-    </p:tnLst>
-  </p:timing>
 </p:sld>
 </file>
 
@@ -6316,7 +6184,13 @@
                 <a:tableStyleId>{5C22544A-7EE6-4342-B048-85BDC9FD1C3A}</a:tableStyleId>
               </a:tblPr>
               <a:tblGrid>
-                <a:gridCol w="8534400"/>
+                <a:gridCol w="8534400">
+                  <a:extLst>
+                    <a:ext uri="{9D8B030D-6E8A-4147-A177-3AD203B41FA5}">
+                      <a16:colId xmlns:a16="http://schemas.microsoft.com/office/drawing/2014/main" val="20000"/>
+                    </a:ext>
+                  </a:extLst>
+                </a:gridCol>
               </a:tblGrid>
               <a:tr h="1066800">
                 <a:tc>
@@ -6326,14 +6200,18 @@
                     <a:p>
                       <a:pPr algn="ctr"/>
                       <a:r>
-                        <a:rPr lang="en-US" sz="8000" dirty="0" smtClean="0"/>
+                        <a:rPr lang="en-US" sz="8000" dirty="0"/>
                         <a:t>The Point</a:t>
                       </a:r>
-                      <a:endParaRPr lang="en-US" sz="8000" dirty="0"/>
                     </a:p>
                   </a:txBody>
                   <a:tcPr/>
                 </a:tc>
+                <a:extLst>
+                  <a:ext uri="{0D108BD9-81ED-4DB2-BD59-A6C34878D82A}">
+                    <a16:rowId xmlns:a16="http://schemas.microsoft.com/office/drawing/2014/main" val="10000"/>
+                  </a:ext>
+                </a:extLst>
               </a:tr>
               <a:tr h="370840">
                 <a:tc>
@@ -6342,15 +6220,15 @@
                     <a:lstStyle/>
                     <a:p>
                       <a:r>
-                        <a:rPr lang="en-US" sz="3200" dirty="0" smtClean="0"/>
+                        <a:rPr lang="en-US" sz="3200" dirty="0"/>
                         <a:t>1. It’s not calculus.</a:t>
                       </a:r>
                       <a:r>
-                        <a:rPr lang="en-US" sz="3200" baseline="0" dirty="0" smtClean="0"/>
+                        <a:rPr lang="en-US" sz="3200" baseline="0" dirty="0"/>
                         <a:t>  Getting the right answer is </a:t>
                       </a:r>
                       <a:r>
-                        <a:rPr lang="en-US" sz="3200" baseline="0" dirty="0" smtClean="0">
+                        <a:rPr lang="en-US" sz="3200" baseline="0" dirty="0">
                           <a:solidFill>
                             <a:srgbClr val="FF0000"/>
                           </a:solidFill>
@@ -6359,7 +6237,7 @@
                         <a:t>not enough</a:t>
                       </a:r>
                       <a:r>
-                        <a:rPr lang="en-US" sz="3200" baseline="0" dirty="0" smtClean="0"/>
+                        <a:rPr lang="en-US" sz="3200" baseline="0" dirty="0"/>
                         <a:t>.</a:t>
                       </a:r>
                       <a:endParaRPr lang="en-US" sz="3200" dirty="0"/>
@@ -6367,6 +6245,11 @@
                   </a:txBody>
                   <a:tcPr/>
                 </a:tc>
+                <a:extLst>
+                  <a:ext uri="{0D108BD9-81ED-4DB2-BD59-A6C34878D82A}">
+                    <a16:rowId xmlns:a16="http://schemas.microsoft.com/office/drawing/2014/main" val="10001"/>
+                  </a:ext>
+                </a:extLst>
               </a:tr>
               <a:tr h="370840">
                 <a:tc>
@@ -6375,15 +6258,15 @@
                     <a:lstStyle/>
                     <a:p>
                       <a:r>
-                        <a:rPr lang="en-US" sz="3200" dirty="0" smtClean="0"/>
+                        <a:rPr lang="en-US" sz="3200" dirty="0"/>
                         <a:t>2. The goal</a:t>
                       </a:r>
                       <a:r>
-                        <a:rPr lang="en-US" sz="3200" baseline="0" dirty="0" smtClean="0"/>
+                        <a:rPr lang="en-US" sz="3200" baseline="0" dirty="0"/>
                         <a:t> is to write </a:t>
                       </a:r>
                       <a:r>
-                        <a:rPr lang="en-US" sz="3200" i="0" baseline="0" dirty="0" smtClean="0">
+                        <a:rPr lang="en-US" sz="3200" i="0" baseline="0" dirty="0">
                           <a:solidFill>
                             <a:srgbClr val="FF0000"/>
                           </a:solidFill>
@@ -6392,7 +6275,7 @@
                         <a:t>beautiful programs</a:t>
                       </a:r>
                       <a:r>
-                        <a:rPr lang="en-US" sz="3200" baseline="0" dirty="0" smtClean="0"/>
+                        <a:rPr lang="en-US" sz="3200" baseline="0" dirty="0"/>
                         <a:t>.</a:t>
                       </a:r>
                       <a:endParaRPr lang="en-US" sz="3200" dirty="0"/>
@@ -6400,6 +6283,11 @@
                   </a:txBody>
                   <a:tcPr/>
                 </a:tc>
+                <a:extLst>
+                  <a:ext uri="{0D108BD9-81ED-4DB2-BD59-A6C34878D82A}">
+                    <a16:rowId xmlns:a16="http://schemas.microsoft.com/office/drawing/2014/main" val="10002"/>
+                  </a:ext>
+                </a:extLst>
               </a:tr>
               <a:tr h="370840">
                 <a:tc>
@@ -6425,11 +6313,11 @@
                         <a:defRPr/>
                       </a:pPr>
                       <a:r>
-                        <a:rPr lang="en-US" sz="3200" dirty="0" smtClean="0"/>
+                        <a:rPr lang="en-US" sz="3200" dirty="0"/>
                         <a:t>3.</a:t>
                       </a:r>
                       <a:r>
-                        <a:rPr lang="en-US" sz="3200" baseline="0" dirty="0" smtClean="0"/>
+                        <a:rPr lang="en-US" sz="3200" baseline="0" dirty="0"/>
                         <a:t> A beautiful program is one that is readable, understandable, and modifiable by people.</a:t>
                       </a:r>
                       <a:endParaRPr lang="en-US" sz="3200" dirty="0"/>
@@ -6437,6 +6325,11 @@
                   </a:txBody>
                   <a:tcPr/>
                 </a:tc>
+                <a:extLst>
+                  <a:ext uri="{0D108BD9-81ED-4DB2-BD59-A6C34878D82A}">
+                    <a16:rowId xmlns:a16="http://schemas.microsoft.com/office/drawing/2014/main" val="10003"/>
+                  </a:ext>
+                </a:extLst>
               </a:tr>
             </a:tbl>
           </a:graphicData>
@@ -6475,13 +6368,6 @@
   <p:clrMapOvr>
     <a:masterClrMapping/>
   </p:clrMapOvr>
-  <p:timing>
-    <p:tnLst>
-      <p:par>
-        <p:cTn id="1" dur="indefinite" restart="never" nodeType="tmRoot"/>
-      </p:par>
-    </p:tnLst>
-  </p:timing>
 </p:sld>
 </file>
 
@@ -6524,7 +6410,13 @@
                 <a:tableStyleId>{5C22544A-7EE6-4342-B048-85BDC9FD1C3A}</a:tableStyleId>
               </a:tblPr>
               <a:tblGrid>
-                <a:gridCol w="8229600"/>
+                <a:gridCol w="8229600">
+                  <a:extLst>
+                    <a:ext uri="{9D8B030D-6E8A-4147-A177-3AD203B41FA5}">
+                      <a16:colId xmlns:a16="http://schemas.microsoft.com/office/drawing/2014/main" val="20000"/>
+                    </a:ext>
+                  </a:extLst>
+                </a:gridCol>
               </a:tblGrid>
               <a:tr h="370840">
                 <a:tc>
@@ -6534,14 +6426,18 @@
                     <a:p>
                       <a:pPr algn="ctr"/>
                       <a:r>
-                        <a:rPr lang="en-US" sz="3200" dirty="0" smtClean="0"/>
+                        <a:rPr lang="en-US" sz="3200" dirty="0"/>
                         <a:t>Principles for writing beautiful programs</a:t>
                       </a:r>
-                      <a:endParaRPr lang="en-US" sz="3200" dirty="0"/>
                     </a:p>
                   </a:txBody>
                   <a:tcPr/>
                 </a:tc>
+                <a:extLst>
+                  <a:ext uri="{0D108BD9-81ED-4DB2-BD59-A6C34878D82A}">
+                    <a16:rowId xmlns:a16="http://schemas.microsoft.com/office/drawing/2014/main" val="10000"/>
+                  </a:ext>
+                </a:extLst>
               </a:tr>
               <a:tr h="370840">
                 <a:tc>
@@ -6550,22 +6446,26 @@
                     <a:lstStyle/>
                     <a:p>
                       <a:r>
-                        <a:rPr lang="en-US" sz="3200" dirty="0" smtClean="0"/>
+                        <a:rPr lang="en-US" sz="3200" dirty="0"/>
                         <a:t>1. Always</a:t>
                       </a:r>
                       <a:r>
-                        <a:rPr lang="en-US" sz="3200" baseline="0" dirty="0" smtClean="0"/>
+                        <a:rPr lang="en-US" sz="3200" baseline="0" dirty="0"/>
                         <a:t> remember: </a:t>
                       </a:r>
                       <a:r>
-                        <a:rPr lang="en-US" sz="3200" dirty="0" smtClean="0"/>
+                        <a:rPr lang="en-US" sz="3200" dirty="0"/>
                         <a:t>Programming is a People Discipline</a:t>
                       </a:r>
-                      <a:endParaRPr lang="en-US" sz="3200" dirty="0"/>
                     </a:p>
                   </a:txBody>
                   <a:tcPr/>
                 </a:tc>
+                <a:extLst>
+                  <a:ext uri="{0D108BD9-81ED-4DB2-BD59-A6C34878D82A}">
+                    <a16:rowId xmlns:a16="http://schemas.microsoft.com/office/drawing/2014/main" val="10001"/>
+                  </a:ext>
+                </a:extLst>
               </a:tr>
               <a:tr h="370840">
                 <a:tc>
@@ -6574,14 +6474,18 @@
                     <a:lstStyle/>
                     <a:p>
                       <a:r>
-                        <a:rPr lang="en-US" sz="3200" dirty="0" smtClean="0"/>
+                        <a:rPr lang="en-US" sz="3200" dirty="0"/>
                         <a:t>2. Represent Information as Data; Interpret Data as Information</a:t>
                       </a:r>
-                      <a:endParaRPr lang="en-US" sz="3200" dirty="0"/>
                     </a:p>
                   </a:txBody>
                   <a:tcPr/>
                 </a:tc>
+                <a:extLst>
+                  <a:ext uri="{0D108BD9-81ED-4DB2-BD59-A6C34878D82A}">
+                    <a16:rowId xmlns:a16="http://schemas.microsoft.com/office/drawing/2014/main" val="10002"/>
+                  </a:ext>
+                </a:extLst>
               </a:tr>
               <a:tr h="370840">
                 <a:tc>
@@ -6607,11 +6511,11 @@
                         <a:defRPr/>
                       </a:pPr>
                       <a:r>
-                        <a:rPr lang="en-US" sz="3200" dirty="0" smtClean="0"/>
+                        <a:rPr lang="en-US" sz="3200" dirty="0"/>
                         <a:t>3.</a:t>
                       </a:r>
                       <a:r>
-                        <a:rPr lang="en-US" sz="3200" baseline="0" dirty="0" smtClean="0"/>
+                        <a:rPr lang="en-US" sz="3200" baseline="0" dirty="0"/>
                         <a:t> Programs should consist of functions and methods that consume and produce values</a:t>
                       </a:r>
                       <a:endParaRPr lang="en-US" sz="3200" dirty="0"/>
@@ -6619,6 +6523,11 @@
                   </a:txBody>
                   <a:tcPr/>
                 </a:tc>
+                <a:extLst>
+                  <a:ext uri="{0D108BD9-81ED-4DB2-BD59-A6C34878D82A}">
+                    <a16:rowId xmlns:a16="http://schemas.microsoft.com/office/drawing/2014/main" val="10003"/>
+                  </a:ext>
+                </a:extLst>
               </a:tr>
               <a:tr h="370840">
                 <a:tc>
@@ -6627,18 +6536,23 @@
                     <a:lstStyle/>
                     <a:p>
                       <a:r>
-                        <a:rPr lang="en-US" sz="3200" dirty="0" smtClean="0"/>
+                        <a:rPr lang="en-US" sz="3200" dirty="0"/>
                         <a:t>4. Design Functions</a:t>
                       </a:r>
                       <a:r>
-                        <a:rPr lang="en-US" sz="3200" baseline="0" dirty="0" smtClean="0"/>
+                        <a:rPr lang="en-US" sz="3200" baseline="0" dirty="0"/>
                         <a:t> Systematically</a:t>
                       </a:r>
-                      <a:endParaRPr lang="en-US" sz="3200" dirty="0" smtClean="0"/>
+                      <a:endParaRPr lang="en-US" sz="3200" dirty="0"/>
                     </a:p>
                   </a:txBody>
                   <a:tcPr/>
                 </a:tc>
+                <a:extLst>
+                  <a:ext uri="{0D108BD9-81ED-4DB2-BD59-A6C34878D82A}">
+                    <a16:rowId xmlns:a16="http://schemas.microsoft.com/office/drawing/2014/main" val="10004"/>
+                  </a:ext>
+                </a:extLst>
               </a:tr>
               <a:tr h="370840">
                 <a:tc>
@@ -6647,14 +6561,18 @@
                     <a:lstStyle/>
                     <a:p>
                       <a:r>
-                        <a:rPr lang="en-US" sz="3200" dirty="0" smtClean="0"/>
+                        <a:rPr lang="en-US" sz="3200" dirty="0"/>
                         <a:t>5. Design Systems Iteratively</a:t>
                       </a:r>
-                      <a:endParaRPr lang="en-US" sz="3200" dirty="0"/>
                     </a:p>
                   </a:txBody>
                   <a:tcPr/>
                 </a:tc>
+                <a:extLst>
+                  <a:ext uri="{0D108BD9-81ED-4DB2-BD59-A6C34878D82A}">
+                    <a16:rowId xmlns:a16="http://schemas.microsoft.com/office/drawing/2014/main" val="10005"/>
+                  </a:ext>
+                </a:extLst>
               </a:tr>
               <a:tr h="370840">
                 <a:tc>
@@ -6663,14 +6581,18 @@
                     <a:lstStyle/>
                     <a:p>
                       <a:r>
-                        <a:rPr lang="en-US" sz="3200" dirty="0" smtClean="0"/>
+                        <a:rPr lang="en-US" sz="3200" dirty="0"/>
                         <a:t>6. Pass values when you can, share state only when you must.</a:t>
                       </a:r>
-                      <a:endParaRPr lang="en-US" sz="3200" dirty="0"/>
                     </a:p>
                   </a:txBody>
                   <a:tcPr/>
                 </a:tc>
+                <a:extLst>
+                  <a:ext uri="{0D108BD9-81ED-4DB2-BD59-A6C34878D82A}">
+                    <a16:rowId xmlns:a16="http://schemas.microsoft.com/office/drawing/2014/main" val="10006"/>
+                  </a:ext>
+                </a:extLst>
               </a:tr>
             </a:tbl>
           </a:graphicData>
@@ -6709,13 +6631,6 @@
   <p:clrMapOvr>
     <a:masterClrMapping/>
   </p:clrMapOvr>
-  <p:timing>
-    <p:tnLst>
-      <p:par>
-        <p:cTn id="1" dur="indefinite" restart="never" nodeType="tmRoot"/>
-      </p:par>
-    </p:tnLst>
-  </p:timing>
 </p:sld>
 </file>
 
@@ -6757,10 +6672,9 @@
           <a:lstStyle/>
           <a:p>
             <a:r>
-              <a:rPr lang="en-US" dirty="0" smtClean="0"/>
+              <a:rPr lang="en-US" dirty="0"/>
               <a:t>Let's see where we are</a:t>
             </a:r>
-            <a:endParaRPr lang="en-US" dirty="0"/>
           </a:p>
         </p:txBody>
       </p:sp>
@@ -6786,7 +6700,13 @@
                 <a:tableStyleId>{5C22544A-7EE6-4342-B048-85BDC9FD1C3A}</a:tableStyleId>
               </a:tblPr>
               <a:tblGrid>
-                <a:gridCol w="2057400"/>
+                <a:gridCol w="2057400">
+                  <a:extLst>
+                    <a:ext uri="{9D8B030D-6E8A-4147-A177-3AD203B41FA5}">
+                      <a16:colId xmlns:a16="http://schemas.microsoft.com/office/drawing/2014/main" val="20000"/>
+                    </a:ext>
+                  </a:extLst>
+                </a:gridCol>
               </a:tblGrid>
               <a:tr h="262236">
                 <a:tc>
@@ -6796,14 +6716,18 @@
                     <a:p>
                       <a:pPr algn="ctr"/>
                       <a:r>
-                        <a:rPr lang="en-US" sz="1200" dirty="0" smtClean="0"/>
+                        <a:rPr lang="en-US" sz="1200" dirty="0"/>
                         <a:t>The Function Design Recipe</a:t>
                       </a:r>
-                      <a:endParaRPr lang="en-US" sz="1200" dirty="0"/>
                     </a:p>
                   </a:txBody>
                   <a:tcPr/>
                 </a:tc>
+                <a:extLst>
+                  <a:ext uri="{0D108BD9-81ED-4DB2-BD59-A6C34878D82A}">
+                    <a16:rowId xmlns:a16="http://schemas.microsoft.com/office/drawing/2014/main" val="10000"/>
+                  </a:ext>
+                </a:extLst>
               </a:tr>
               <a:tr h="262236">
                 <a:tc>
@@ -6812,14 +6736,18 @@
                     <a:lstStyle/>
                     <a:p>
                       <a:r>
-                        <a:rPr lang="en-US" sz="1200" dirty="0" smtClean="0"/>
+                        <a:rPr lang="en-US" sz="1200" dirty="0"/>
                         <a:t>1. Data Design</a:t>
                       </a:r>
-                      <a:endParaRPr lang="en-US" sz="1200" dirty="0"/>
                     </a:p>
                   </a:txBody>
                   <a:tcPr/>
                 </a:tc>
+                <a:extLst>
+                  <a:ext uri="{0D108BD9-81ED-4DB2-BD59-A6C34878D82A}">
+                    <a16:rowId xmlns:a16="http://schemas.microsoft.com/office/drawing/2014/main" val="10001"/>
+                  </a:ext>
+                </a:extLst>
               </a:tr>
               <a:tr h="285546">
                 <a:tc>
@@ -6828,14 +6756,18 @@
                     <a:lstStyle/>
                     <a:p>
                       <a:r>
-                        <a:rPr lang="en-US" sz="1200" dirty="0" smtClean="0"/>
+                        <a:rPr lang="en-US" sz="1200" dirty="0"/>
                         <a:t>2. Contract and Purpose Statement</a:t>
                       </a:r>
-                      <a:endParaRPr lang="en-US" sz="1200" dirty="0"/>
                     </a:p>
                   </a:txBody>
                   <a:tcPr/>
                 </a:tc>
+                <a:extLst>
+                  <a:ext uri="{0D108BD9-81ED-4DB2-BD59-A6C34878D82A}">
+                    <a16:rowId xmlns:a16="http://schemas.microsoft.com/office/drawing/2014/main" val="10002"/>
+                  </a:ext>
+                </a:extLst>
               </a:tr>
               <a:tr h="262236">
                 <a:tc>
@@ -6844,11 +6776,11 @@
                     <a:lstStyle/>
                     <a:p>
                       <a:r>
-                        <a:rPr lang="en-US" sz="1200" dirty="0" smtClean="0"/>
+                        <a:rPr lang="en-US" sz="1200" dirty="0"/>
                         <a:t>3.</a:t>
                       </a:r>
                       <a:r>
-                        <a:rPr lang="en-US" sz="1200" baseline="0" dirty="0" smtClean="0"/>
+                        <a:rPr lang="en-US" sz="1200" baseline="0" dirty="0"/>
                         <a:t> Examples and Tests</a:t>
                       </a:r>
                       <a:endParaRPr lang="en-US" sz="1200" dirty="0"/>
@@ -6856,6 +6788,11 @@
                   </a:txBody>
                   <a:tcPr/>
                 </a:tc>
+                <a:extLst>
+                  <a:ext uri="{0D108BD9-81ED-4DB2-BD59-A6C34878D82A}">
+                    <a16:rowId xmlns:a16="http://schemas.microsoft.com/office/drawing/2014/main" val="10003"/>
+                  </a:ext>
+                </a:extLst>
               </a:tr>
               <a:tr h="262236">
                 <a:tc>
@@ -6864,13 +6801,18 @@
                     <a:lstStyle/>
                     <a:p>
                       <a:r>
-                        <a:rPr lang="en-US" sz="1200" dirty="0" smtClean="0"/>
+                        <a:rPr lang="en-US" sz="1200" dirty="0"/>
                         <a:t>4. Design Strategy</a:t>
                       </a:r>
                     </a:p>
                   </a:txBody>
                   <a:tcPr/>
                 </a:tc>
+                <a:extLst>
+                  <a:ext uri="{0D108BD9-81ED-4DB2-BD59-A6C34878D82A}">
+                    <a16:rowId xmlns:a16="http://schemas.microsoft.com/office/drawing/2014/main" val="10004"/>
+                  </a:ext>
+                </a:extLst>
               </a:tr>
               <a:tr h="262236">
                 <a:tc>
@@ -6879,14 +6821,18 @@
                     <a:lstStyle/>
                     <a:p>
                       <a:r>
-                        <a:rPr lang="en-US" sz="1200" dirty="0" smtClean="0"/>
+                        <a:rPr lang="en-US" sz="1200" dirty="0"/>
                         <a:t>5. Function Definition</a:t>
                       </a:r>
-                      <a:endParaRPr lang="en-US" sz="1200" dirty="0"/>
                     </a:p>
                   </a:txBody>
                   <a:tcPr/>
                 </a:tc>
+                <a:extLst>
+                  <a:ext uri="{0D108BD9-81ED-4DB2-BD59-A6C34878D82A}">
+                    <a16:rowId xmlns:a16="http://schemas.microsoft.com/office/drawing/2014/main" val="10005"/>
+                  </a:ext>
+                </a:extLst>
               </a:tr>
               <a:tr h="262236">
                 <a:tc>
@@ -6895,11 +6841,11 @@
                     <a:lstStyle/>
                     <a:p>
                       <a:r>
-                        <a:rPr lang="en-US" sz="1200" dirty="0" smtClean="0"/>
+                        <a:rPr lang="en-US" sz="1200" dirty="0"/>
                         <a:t>6. Program</a:t>
                       </a:r>
                       <a:r>
-                        <a:rPr lang="en-US" sz="1200" baseline="0" dirty="0" smtClean="0"/>
+                        <a:rPr lang="en-US" sz="1200" baseline="0" dirty="0"/>
                         <a:t> Review</a:t>
                       </a:r>
                       <a:endParaRPr lang="en-US" sz="1200" dirty="0"/>
@@ -6907,6 +6853,11 @@
                   </a:txBody>
                   <a:tcPr/>
                 </a:tc>
+                <a:extLst>
+                  <a:ext uri="{0D108BD9-81ED-4DB2-BD59-A6C34878D82A}">
+                    <a16:rowId xmlns:a16="http://schemas.microsoft.com/office/drawing/2014/main" val="10006"/>
+                  </a:ext>
+                </a:extLst>
               </a:tr>
             </a:tbl>
           </a:graphicData>
@@ -6973,7 +6924,13 @@
                 <a:tableStyleId>{5C22544A-7EE6-4342-B048-85BDC9FD1C3A}</a:tableStyleId>
               </a:tblPr>
               <a:tblGrid>
-                <a:gridCol w="3352800"/>
+                <a:gridCol w="3352800">
+                  <a:extLst>
+                    <a:ext uri="{9D8B030D-6E8A-4147-A177-3AD203B41FA5}">
+                      <a16:colId xmlns:a16="http://schemas.microsoft.com/office/drawing/2014/main" val="20000"/>
+                    </a:ext>
+                  </a:extLst>
+                </a:gridCol>
               </a:tblGrid>
               <a:tr h="314229">
                 <a:tc>
@@ -6983,14 +6940,18 @@
                     <a:p>
                       <a:pPr algn="ctr"/>
                       <a:r>
-                        <a:rPr lang="en-US" sz="1200" dirty="0" smtClean="0"/>
+                        <a:rPr lang="en-US" sz="1200" dirty="0"/>
                         <a:t>The Six Principles of this course</a:t>
                       </a:r>
-                      <a:endParaRPr lang="en-US" sz="1200" dirty="0"/>
                     </a:p>
                   </a:txBody>
                   <a:tcPr/>
                 </a:tc>
+                <a:extLst>
+                  <a:ext uri="{0D108BD9-81ED-4DB2-BD59-A6C34878D82A}">
+                    <a16:rowId xmlns:a16="http://schemas.microsoft.com/office/drawing/2014/main" val="10000"/>
+                  </a:ext>
+                </a:extLst>
               </a:tr>
               <a:tr h="314229">
                 <a:tc>
@@ -6999,14 +6960,18 @@
                     <a:lstStyle/>
                     <a:p>
                       <a:r>
-                        <a:rPr lang="en-US" sz="1200" dirty="0" smtClean="0"/>
+                        <a:rPr lang="en-US" sz="1200" dirty="0"/>
                         <a:t>1. Programming is a People Discipline</a:t>
                       </a:r>
-                      <a:endParaRPr lang="en-US" sz="1200" dirty="0"/>
                     </a:p>
                   </a:txBody>
                   <a:tcPr/>
                 </a:tc>
+                <a:extLst>
+                  <a:ext uri="{0D108BD9-81ED-4DB2-BD59-A6C34878D82A}">
+                    <a16:rowId xmlns:a16="http://schemas.microsoft.com/office/drawing/2014/main" val="10001"/>
+                  </a:ext>
+                </a:extLst>
               </a:tr>
               <a:tr h="378923">
                 <a:tc>
@@ -7015,14 +6980,18 @@
                     <a:lstStyle/>
                     <a:p>
                       <a:r>
-                        <a:rPr lang="en-US" sz="1200" dirty="0" smtClean="0"/>
+                        <a:rPr lang="en-US" sz="1200" dirty="0"/>
                         <a:t>2. Represent Information as Data; Interpret Data as Information</a:t>
                       </a:r>
-                      <a:endParaRPr lang="en-US" sz="1200" dirty="0"/>
                     </a:p>
                   </a:txBody>
                   <a:tcPr/>
                 </a:tc>
+                <a:extLst>
+                  <a:ext uri="{0D108BD9-81ED-4DB2-BD59-A6C34878D82A}">
+                    <a16:rowId xmlns:a16="http://schemas.microsoft.com/office/drawing/2014/main" val="10002"/>
+                  </a:ext>
+                </a:extLst>
               </a:tr>
               <a:tr h="388166">
                 <a:tc>
@@ -7048,11 +7017,11 @@
                         <a:defRPr/>
                       </a:pPr>
                       <a:r>
-                        <a:rPr lang="en-US" sz="1200" dirty="0" smtClean="0"/>
+                        <a:rPr lang="en-US" sz="1200" dirty="0"/>
                         <a:t>3.</a:t>
                       </a:r>
                       <a:r>
-                        <a:rPr lang="en-US" sz="1200" baseline="0" dirty="0" smtClean="0"/>
+                        <a:rPr lang="en-US" sz="1200" baseline="0" dirty="0"/>
                         <a:t> Programs should consist of functions and methods that consume and produce values</a:t>
                       </a:r>
                       <a:endParaRPr lang="en-US" sz="1200" dirty="0"/>
@@ -7060,6 +7029,11 @@
                   </a:txBody>
                   <a:tcPr/>
                 </a:tc>
+                <a:extLst>
+                  <a:ext uri="{0D108BD9-81ED-4DB2-BD59-A6C34878D82A}">
+                    <a16:rowId xmlns:a16="http://schemas.microsoft.com/office/drawing/2014/main" val="10003"/>
+                  </a:ext>
+                </a:extLst>
               </a:tr>
               <a:tr h="314229">
                 <a:tc>
@@ -7068,18 +7042,23 @@
                     <a:lstStyle/>
                     <a:p>
                       <a:r>
-                        <a:rPr lang="en-US" sz="1200" dirty="0" smtClean="0"/>
+                        <a:rPr lang="en-US" sz="1200" dirty="0"/>
                         <a:t>4. Design Functions</a:t>
                       </a:r>
                       <a:r>
-                        <a:rPr lang="en-US" sz="1200" baseline="0" dirty="0" smtClean="0"/>
+                        <a:rPr lang="en-US" sz="1200" baseline="0" dirty="0"/>
                         <a:t> Systematically</a:t>
                       </a:r>
-                      <a:endParaRPr lang="en-US" sz="1200" dirty="0" smtClean="0"/>
+                      <a:endParaRPr lang="en-US" sz="1200" dirty="0"/>
                     </a:p>
                   </a:txBody>
                   <a:tcPr/>
                 </a:tc>
+                <a:extLst>
+                  <a:ext uri="{0D108BD9-81ED-4DB2-BD59-A6C34878D82A}">
+                    <a16:rowId xmlns:a16="http://schemas.microsoft.com/office/drawing/2014/main" val="10004"/>
+                  </a:ext>
+                </a:extLst>
               </a:tr>
               <a:tr h="314229">
                 <a:tc>
@@ -7088,14 +7067,18 @@
                     <a:lstStyle/>
                     <a:p>
                       <a:r>
-                        <a:rPr lang="en-US" sz="1200" dirty="0" smtClean="0"/>
+                        <a:rPr lang="en-US" sz="1200" dirty="0"/>
                         <a:t>5. Design Systems Iteratively</a:t>
                       </a:r>
-                      <a:endParaRPr lang="en-US" sz="1200" dirty="0"/>
                     </a:p>
                   </a:txBody>
                   <a:tcPr/>
                 </a:tc>
+                <a:extLst>
+                  <a:ext uri="{0D108BD9-81ED-4DB2-BD59-A6C34878D82A}">
+                    <a16:rowId xmlns:a16="http://schemas.microsoft.com/office/drawing/2014/main" val="10005"/>
+                  </a:ext>
+                </a:extLst>
               </a:tr>
               <a:tr h="378923">
                 <a:tc>
@@ -7104,14 +7087,18 @@
                     <a:lstStyle/>
                     <a:p>
                       <a:r>
-                        <a:rPr lang="en-US" sz="1200" dirty="0" smtClean="0"/>
+                        <a:rPr lang="en-US" sz="1200" dirty="0"/>
                         <a:t>6. Pass values when you can, share state only when you must.</a:t>
                       </a:r>
-                      <a:endParaRPr lang="en-US" sz="1200" dirty="0"/>
                     </a:p>
                   </a:txBody>
                   <a:tcPr/>
                 </a:tc>
+                <a:extLst>
+                  <a:ext uri="{0D108BD9-81ED-4DB2-BD59-A6C34878D82A}">
+                    <a16:rowId xmlns:a16="http://schemas.microsoft.com/office/drawing/2014/main" val="10006"/>
+                  </a:ext>
+                </a:extLst>
               </a:tr>
             </a:tbl>
           </a:graphicData>
@@ -7138,7 +7125,13 @@
                 <a:tableStyleId>{5C22544A-7EE6-4342-B048-85BDC9FD1C3A}</a:tableStyleId>
               </a:tblPr>
               <a:tblGrid>
-                <a:gridCol w="1981200"/>
+                <a:gridCol w="1981200">
+                  <a:extLst>
+                    <a:ext uri="{9D8B030D-6E8A-4147-A177-3AD203B41FA5}">
+                      <a16:colId xmlns:a16="http://schemas.microsoft.com/office/drawing/2014/main" val="20000"/>
+                    </a:ext>
+                  </a:extLst>
+                </a:gridCol>
               </a:tblGrid>
               <a:tr h="274320">
                 <a:tc>
@@ -7148,14 +7141,18 @@
                     <a:p>
                       <a:pPr algn="ctr"/>
                       <a:r>
-                        <a:rPr lang="en-US" sz="1200" dirty="0" smtClean="0"/>
+                        <a:rPr lang="en-US" sz="1200" dirty="0"/>
                         <a:t>Design Strategies</a:t>
                       </a:r>
-                      <a:endParaRPr lang="en-US" sz="1200" dirty="0"/>
                     </a:p>
                   </a:txBody>
                   <a:tcPr/>
                 </a:tc>
+                <a:extLst>
+                  <a:ext uri="{0D108BD9-81ED-4DB2-BD59-A6C34878D82A}">
+                    <a16:rowId xmlns:a16="http://schemas.microsoft.com/office/drawing/2014/main" val="10000"/>
+                  </a:ext>
+                </a:extLst>
               </a:tr>
               <a:tr h="228600">
                 <a:tc>
@@ -7164,22 +7161,22 @@
                     <a:lstStyle/>
                     <a:p>
                       <a:r>
-                        <a:rPr lang="en-US" sz="1200" dirty="0" smtClean="0">
+                        <a:rPr lang="en-US" sz="1200" dirty="0">
                           <a:solidFill>
                             <a:schemeClr val="tx1"/>
                           </a:solidFill>
                         </a:rPr>
                         <a:t>1. Function Composition</a:t>
                       </a:r>
-                      <a:endParaRPr lang="en-US" sz="1200" dirty="0">
-                        <a:solidFill>
-                          <a:schemeClr val="tx1"/>
-                        </a:solidFill>
-                      </a:endParaRPr>
                     </a:p>
                   </a:txBody>
                   <a:tcPr/>
                 </a:tc>
+                <a:extLst>
+                  <a:ext uri="{0D108BD9-81ED-4DB2-BD59-A6C34878D82A}">
+                    <a16:rowId xmlns:a16="http://schemas.microsoft.com/office/drawing/2014/main" val="10001"/>
+                  </a:ext>
+                </a:extLst>
               </a:tr>
               <a:tr h="228600">
                 <a:tc>
@@ -7188,7 +7185,7 @@
                     <a:lstStyle/>
                     <a:p>
                       <a:r>
-                        <a:rPr lang="en-US" sz="1200" dirty="0" smtClean="0">
+                        <a:rPr lang="en-US" sz="1200" dirty="0">
                           <a:solidFill>
                             <a:schemeClr val="tx1"/>
                           </a:solidFill>
@@ -7199,6 +7196,11 @@
                   </a:txBody>
                   <a:tcPr/>
                 </a:tc>
+                <a:extLst>
+                  <a:ext uri="{0D108BD9-81ED-4DB2-BD59-A6C34878D82A}">
+                    <a16:rowId xmlns:a16="http://schemas.microsoft.com/office/drawing/2014/main" val="10002"/>
+                  </a:ext>
+                </a:extLst>
               </a:tr>
               <a:tr h="228600">
                 <a:tc>
@@ -7207,22 +7209,22 @@
                     <a:lstStyle/>
                     <a:p>
                       <a:r>
-                        <a:rPr lang="en-US" sz="1200" dirty="0" smtClean="0">
+                        <a:rPr lang="en-US" sz="1200" dirty="0">
                           <a:solidFill>
                             <a:schemeClr val="tx1"/>
                           </a:solidFill>
                         </a:rPr>
                         <a:t>3. Generalization</a:t>
                       </a:r>
-                      <a:endParaRPr lang="en-US" sz="1200" dirty="0">
-                        <a:solidFill>
-                          <a:schemeClr val="tx1"/>
-                        </a:solidFill>
-                      </a:endParaRPr>
                     </a:p>
                   </a:txBody>
                   <a:tcPr/>
                 </a:tc>
+                <a:extLst>
+                  <a:ext uri="{0D108BD9-81ED-4DB2-BD59-A6C34878D82A}">
+                    <a16:rowId xmlns:a16="http://schemas.microsoft.com/office/drawing/2014/main" val="10003"/>
+                  </a:ext>
+                </a:extLst>
               </a:tr>
               <a:tr h="228600">
                 <a:tc>
@@ -7231,22 +7233,22 @@
                     <a:lstStyle/>
                     <a:p>
                       <a:r>
-                        <a:rPr lang="en-US" sz="1200" dirty="0" smtClean="0">
+                        <a:rPr lang="en-US" sz="1200" dirty="0">
                           <a:solidFill>
                             <a:schemeClr val="tx1"/>
                           </a:solidFill>
                         </a:rPr>
                         <a:t>4. General Recursion</a:t>
                       </a:r>
-                      <a:endParaRPr lang="en-US" sz="1200" dirty="0">
-                        <a:solidFill>
-                          <a:schemeClr val="tx1"/>
-                        </a:solidFill>
-                      </a:endParaRPr>
                     </a:p>
                   </a:txBody>
                   <a:tcPr/>
                 </a:tc>
+                <a:extLst>
+                  <a:ext uri="{0D108BD9-81ED-4DB2-BD59-A6C34878D82A}">
+                    <a16:rowId xmlns:a16="http://schemas.microsoft.com/office/drawing/2014/main" val="10004"/>
+                  </a:ext>
+                </a:extLst>
               </a:tr>
               <a:tr h="228600">
                 <a:tc>
@@ -7255,7 +7257,7 @@
                     <a:lstStyle/>
                     <a:p>
                       <a:r>
-                        <a:rPr lang="en-US" sz="1200" dirty="0" smtClean="0">
+                        <a:rPr lang="en-US" sz="1200" dirty="0">
                           <a:solidFill>
                             <a:schemeClr val="tx1"/>
                           </a:solidFill>
@@ -7263,7 +7265,7 @@
                         <a:t>5. Communication</a:t>
                       </a:r>
                       <a:r>
-                        <a:rPr lang="en-US" sz="1200" baseline="0" dirty="0" smtClean="0">
+                        <a:rPr lang="en-US" sz="1200" baseline="0" dirty="0">
                           <a:solidFill>
                             <a:schemeClr val="tx1"/>
                           </a:solidFill>
@@ -7279,6 +7281,11 @@
                   </a:txBody>
                   <a:tcPr/>
                 </a:tc>
+                <a:extLst>
+                  <a:ext uri="{0D108BD9-81ED-4DB2-BD59-A6C34878D82A}">
+                    <a16:rowId xmlns:a16="http://schemas.microsoft.com/office/drawing/2014/main" val="10005"/>
+                  </a:ext>
+                </a:extLst>
               </a:tr>
             </a:tbl>
           </a:graphicData>
@@ -7483,13 +7490,6 @@
   <p:clrMapOvr>
     <a:masterClrMapping/>
   </p:clrMapOvr>
-  <p:timing>
-    <p:tnLst>
-      <p:par>
-        <p:cTn id="1" dur="indefinite" restart="never" nodeType="tmRoot"/>
-      </p:par>
-    </p:tnLst>
-  </p:timing>
 </p:sld>
 </file>
 
@@ -7536,7 +7536,13 @@
                 <a:tableStyleId>{5C22544A-7EE6-4342-B048-85BDC9FD1C3A}</a:tableStyleId>
               </a:tblPr>
               <a:tblGrid>
-                <a:gridCol w="8229600"/>
+                <a:gridCol w="8229600">
+                  <a:extLst>
+                    <a:ext uri="{9D8B030D-6E8A-4147-A177-3AD203B41FA5}">
+                      <a16:colId xmlns:a16="http://schemas.microsoft.com/office/drawing/2014/main" val="20000"/>
+                    </a:ext>
+                  </a:extLst>
+                </a:gridCol>
               </a:tblGrid>
               <a:tr h="370840">
                 <a:tc>
@@ -7546,14 +7552,18 @@
                     <a:p>
                       <a:pPr algn="ctr"/>
                       <a:r>
-                        <a:rPr lang="en-US" sz="3200" dirty="0" smtClean="0"/>
+                        <a:rPr lang="en-US" sz="3200" dirty="0"/>
                         <a:t>Some Slogans</a:t>
                       </a:r>
-                      <a:endParaRPr lang="en-US" sz="3200" dirty="0"/>
                     </a:p>
                   </a:txBody>
                   <a:tcPr/>
                 </a:tc>
+                <a:extLst>
+                  <a:ext uri="{0D108BD9-81ED-4DB2-BD59-A6C34878D82A}">
+                    <a16:rowId xmlns:a16="http://schemas.microsoft.com/office/drawing/2014/main" val="10000"/>
+                  </a:ext>
+                </a:extLst>
               </a:tr>
               <a:tr h="370840">
                 <a:tc>
@@ -7562,14 +7572,18 @@
                     <a:lstStyle/>
                     <a:p>
                       <a:r>
-                        <a:rPr lang="en-US" sz="3200" dirty="0" smtClean="0"/>
+                        <a:rPr lang="en-US" sz="3200" dirty="0"/>
                         <a:t>1. Stick to the recipe!</a:t>
                       </a:r>
-                      <a:endParaRPr lang="en-US" sz="3200" dirty="0"/>
                     </a:p>
                   </a:txBody>
                   <a:tcPr/>
                 </a:tc>
+                <a:extLst>
+                  <a:ext uri="{0D108BD9-81ED-4DB2-BD59-A6C34878D82A}">
+                    <a16:rowId xmlns:a16="http://schemas.microsoft.com/office/drawing/2014/main" val="10001"/>
+                  </a:ext>
+                </a:extLst>
               </a:tr>
               <a:tr h="289560">
                 <a:tc>
@@ -7595,18 +7609,23 @@
                         <a:defRPr/>
                       </a:pPr>
                       <a:r>
-                        <a:rPr lang="en-US" sz="3200" dirty="0" smtClean="0"/>
+                        <a:rPr lang="en-US" sz="3200" dirty="0"/>
                         <a:t>2. You</a:t>
                       </a:r>
                       <a:r>
-                        <a:rPr lang="en-US" sz="3200" baseline="0" dirty="0" smtClean="0"/>
+                        <a:rPr lang="en-US" sz="3200" baseline="0" dirty="0"/>
                         <a:t> don't understand it until you can give an example.</a:t>
                       </a:r>
-                      <a:endParaRPr lang="en-US" sz="3200" dirty="0" smtClean="0"/>
+                      <a:endParaRPr lang="en-US" sz="3200" dirty="0"/>
                     </a:p>
                   </a:txBody>
                   <a:tcPr/>
                 </a:tc>
+                <a:extLst>
+                  <a:ext uri="{0D108BD9-81ED-4DB2-BD59-A6C34878D82A}">
+                    <a16:rowId xmlns:a16="http://schemas.microsoft.com/office/drawing/2014/main" val="10002"/>
+                  </a:ext>
+                </a:extLst>
               </a:tr>
               <a:tr h="289560">
                 <a:tc>
@@ -7632,18 +7651,23 @@
                         <a:defRPr/>
                       </a:pPr>
                       <a:r>
-                        <a:rPr lang="en-US" sz="3200" dirty="0" smtClean="0"/>
+                        <a:rPr lang="en-US" sz="3200" dirty="0"/>
                         <a:t>3. One</a:t>
                       </a:r>
                       <a:r>
-                        <a:rPr lang="en-US" sz="3200" baseline="0" dirty="0" smtClean="0"/>
+                        <a:rPr lang="en-US" sz="3200" baseline="0" dirty="0"/>
                         <a:t> function, one task.</a:t>
                       </a:r>
-                      <a:endParaRPr lang="en-US" sz="3200" dirty="0" smtClean="0"/>
+                      <a:endParaRPr lang="en-US" sz="3200" dirty="0"/>
                     </a:p>
                   </a:txBody>
                   <a:tcPr/>
                 </a:tc>
+                <a:extLst>
+                  <a:ext uri="{0D108BD9-81ED-4DB2-BD59-A6C34878D82A}">
+                    <a16:rowId xmlns:a16="http://schemas.microsoft.com/office/drawing/2014/main" val="10003"/>
+                  </a:ext>
+                </a:extLst>
               </a:tr>
               <a:tr h="370840">
                 <a:tc>
@@ -7652,11 +7676,11 @@
                     <a:lstStyle/>
                     <a:p>
                       <a:r>
-                        <a:rPr lang="en-US" sz="3200" dirty="0" smtClean="0"/>
+                        <a:rPr lang="en-US" sz="3200" dirty="0"/>
                         <a:t>4.</a:t>
                       </a:r>
                       <a:r>
-                        <a:rPr lang="en-US" sz="3200" baseline="0" dirty="0" smtClean="0"/>
+                        <a:rPr lang="en-US" sz="3200" baseline="0" dirty="0"/>
                         <a:t> The Shape of the Data Determines the Shape of the Program.</a:t>
                       </a:r>
                       <a:endParaRPr lang="en-US" sz="3200" dirty="0"/>
@@ -7664,6 +7688,11 @@
                   </a:txBody>
                   <a:tcPr/>
                 </a:tc>
+                <a:extLst>
+                  <a:ext uri="{0D108BD9-81ED-4DB2-BD59-A6C34878D82A}">
+                    <a16:rowId xmlns:a16="http://schemas.microsoft.com/office/drawing/2014/main" val="10004"/>
+                  </a:ext>
+                </a:extLst>
               </a:tr>
               <a:tr h="370840">
                 <a:tc>
@@ -7689,18 +7718,23 @@
                         <a:defRPr/>
                       </a:pPr>
                       <a:r>
-                        <a:rPr lang="en-US" sz="3200" dirty="0" smtClean="0"/>
+                        <a:rPr lang="en-US" sz="3200" dirty="0"/>
                         <a:t>5. Practice</a:t>
                       </a:r>
                       <a:r>
-                        <a:rPr lang="en-US" sz="3200" baseline="0" dirty="0" smtClean="0"/>
+                        <a:rPr lang="en-US" sz="3200" baseline="0" dirty="0"/>
                         <a:t> makes perfect.</a:t>
                       </a:r>
-                      <a:endParaRPr lang="en-US" sz="3200" dirty="0" smtClean="0"/>
+                      <a:endParaRPr lang="en-US" sz="3200" dirty="0"/>
                     </a:p>
                   </a:txBody>
                   <a:tcPr/>
                 </a:tc>
+                <a:extLst>
+                  <a:ext uri="{0D108BD9-81ED-4DB2-BD59-A6C34878D82A}">
+                    <a16:rowId xmlns:a16="http://schemas.microsoft.com/office/drawing/2014/main" val="10005"/>
+                  </a:ext>
+                </a:extLst>
               </a:tr>
             </a:tbl>
           </a:graphicData>
@@ -7739,13 +7773,6 @@
   <p:clrMapOvr>
     <a:masterClrMapping/>
   </p:clrMapOvr>
-  <p:timing>
-    <p:tnLst>
-      <p:par>
-        <p:cTn id="1" dur="indefinite" restart="never" nodeType="tmRoot"/>
-      </p:par>
-    </p:tnLst>
-  </p:timing>
 </p:sld>
 </file>
 
@@ -7782,10 +7809,9 @@
           <a:lstStyle/>
           <a:p>
             <a:r>
-              <a:rPr lang="en-US" dirty="0" smtClean="0"/>
+              <a:rPr lang="en-US" dirty="0"/>
               <a:t>The Function Design Recipe</a:t>
             </a:r>
-            <a:endParaRPr lang="en-US" dirty="0"/>
           </a:p>
         </p:txBody>
       </p:sp>
@@ -7815,7 +7841,13 @@
                 <a:tableStyleId>{5C22544A-7EE6-4342-B048-85BDC9FD1C3A}</a:tableStyleId>
               </a:tblPr>
               <a:tblGrid>
-                <a:gridCol w="8229600"/>
+                <a:gridCol w="8229600">
+                  <a:extLst>
+                    <a:ext uri="{9D8B030D-6E8A-4147-A177-3AD203B41FA5}">
+                      <a16:colId xmlns:a16="http://schemas.microsoft.com/office/drawing/2014/main" val="20000"/>
+                    </a:ext>
+                  </a:extLst>
+                </a:gridCol>
               </a:tblGrid>
               <a:tr h="370840">
                 <a:tc>
@@ -7825,14 +7857,18 @@
                     <a:p>
                       <a:pPr algn="ctr"/>
                       <a:r>
-                        <a:rPr lang="en-US" sz="3200" dirty="0" smtClean="0"/>
+                        <a:rPr lang="en-US" sz="3200" dirty="0"/>
                         <a:t>The Function Design Recipe</a:t>
                       </a:r>
-                      <a:endParaRPr lang="en-US" sz="3200" dirty="0"/>
                     </a:p>
                   </a:txBody>
                   <a:tcPr/>
                 </a:tc>
+                <a:extLst>
+                  <a:ext uri="{0D108BD9-81ED-4DB2-BD59-A6C34878D82A}">
+                    <a16:rowId xmlns:a16="http://schemas.microsoft.com/office/drawing/2014/main" val="10000"/>
+                  </a:ext>
+                </a:extLst>
               </a:tr>
               <a:tr h="370840">
                 <a:tc>
@@ -7841,14 +7877,18 @@
                     <a:lstStyle/>
                     <a:p>
                       <a:r>
-                        <a:rPr lang="en-US" sz="3200" dirty="0" smtClean="0"/>
+                        <a:rPr lang="en-US" sz="3200" dirty="0"/>
                         <a:t>1. Data Design</a:t>
                       </a:r>
-                      <a:endParaRPr lang="en-US" sz="3200" dirty="0"/>
                     </a:p>
                   </a:txBody>
                   <a:tcPr/>
                 </a:tc>
+                <a:extLst>
+                  <a:ext uri="{0D108BD9-81ED-4DB2-BD59-A6C34878D82A}">
+                    <a16:rowId xmlns:a16="http://schemas.microsoft.com/office/drawing/2014/main" val="10001"/>
+                  </a:ext>
+                </a:extLst>
               </a:tr>
               <a:tr h="370840">
                 <a:tc>
@@ -7857,14 +7897,18 @@
                     <a:lstStyle/>
                     <a:p>
                       <a:r>
-                        <a:rPr lang="en-US" sz="3200" dirty="0" smtClean="0"/>
+                        <a:rPr lang="en-US" sz="3200" dirty="0"/>
                         <a:t>2. Contract and Purpose Statement</a:t>
                       </a:r>
-                      <a:endParaRPr lang="en-US" sz="3200" dirty="0"/>
                     </a:p>
                   </a:txBody>
                   <a:tcPr/>
                 </a:tc>
+                <a:extLst>
+                  <a:ext uri="{0D108BD9-81ED-4DB2-BD59-A6C34878D82A}">
+                    <a16:rowId xmlns:a16="http://schemas.microsoft.com/office/drawing/2014/main" val="10002"/>
+                  </a:ext>
+                </a:extLst>
               </a:tr>
               <a:tr h="370840">
                 <a:tc>
@@ -7873,11 +7917,11 @@
                     <a:lstStyle/>
                     <a:p>
                       <a:r>
-                        <a:rPr lang="en-US" sz="3200" dirty="0" smtClean="0"/>
+                        <a:rPr lang="en-US" sz="3200" dirty="0"/>
                         <a:t>3.</a:t>
                       </a:r>
                       <a:r>
-                        <a:rPr lang="en-US" sz="3200" baseline="0" dirty="0" smtClean="0"/>
+                        <a:rPr lang="en-US" sz="3200" baseline="0" dirty="0"/>
                         <a:t> Examples and Tests</a:t>
                       </a:r>
                       <a:endParaRPr lang="en-US" sz="3200" dirty="0"/>
@@ -7885,6 +7929,11 @@
                   </a:txBody>
                   <a:tcPr/>
                 </a:tc>
+                <a:extLst>
+                  <a:ext uri="{0D108BD9-81ED-4DB2-BD59-A6C34878D82A}">
+                    <a16:rowId xmlns:a16="http://schemas.microsoft.com/office/drawing/2014/main" val="10003"/>
+                  </a:ext>
+                </a:extLst>
               </a:tr>
               <a:tr h="370840">
                 <a:tc>
@@ -7893,13 +7942,18 @@
                     <a:lstStyle/>
                     <a:p>
                       <a:r>
-                        <a:rPr lang="en-US" sz="3200" dirty="0" smtClean="0"/>
+                        <a:rPr lang="en-US" sz="3200" dirty="0"/>
                         <a:t>4. Design Strategy</a:t>
                       </a:r>
                     </a:p>
                   </a:txBody>
                   <a:tcPr/>
                 </a:tc>
+                <a:extLst>
+                  <a:ext uri="{0D108BD9-81ED-4DB2-BD59-A6C34878D82A}">
+                    <a16:rowId xmlns:a16="http://schemas.microsoft.com/office/drawing/2014/main" val="10004"/>
+                  </a:ext>
+                </a:extLst>
               </a:tr>
               <a:tr h="370840">
                 <a:tc>
@@ -7908,14 +7962,18 @@
                     <a:lstStyle/>
                     <a:p>
                       <a:r>
-                        <a:rPr lang="en-US" sz="3200" dirty="0" smtClean="0"/>
+                        <a:rPr lang="en-US" sz="3200" dirty="0"/>
                         <a:t>5. Function Definition</a:t>
                       </a:r>
-                      <a:endParaRPr lang="en-US" sz="3200" dirty="0"/>
                     </a:p>
                   </a:txBody>
                   <a:tcPr/>
                 </a:tc>
+                <a:extLst>
+                  <a:ext uri="{0D108BD9-81ED-4DB2-BD59-A6C34878D82A}">
+                    <a16:rowId xmlns:a16="http://schemas.microsoft.com/office/drawing/2014/main" val="10005"/>
+                  </a:ext>
+                </a:extLst>
               </a:tr>
               <a:tr h="370840">
                 <a:tc>
@@ -7924,11 +7982,11 @@
                     <a:lstStyle/>
                     <a:p>
                       <a:r>
-                        <a:rPr lang="en-US" sz="3200" dirty="0" smtClean="0"/>
+                        <a:rPr lang="en-US" sz="3200" dirty="0"/>
                         <a:t>6. Program</a:t>
                       </a:r>
                       <a:r>
-                        <a:rPr lang="en-US" sz="3200" baseline="0" dirty="0" smtClean="0"/>
+                        <a:rPr lang="en-US" sz="3200" baseline="0" dirty="0"/>
                         <a:t> Review</a:t>
                       </a:r>
                       <a:endParaRPr lang="en-US" sz="3200" dirty="0"/>
@@ -7936,6 +7994,11 @@
                   </a:txBody>
                   <a:tcPr/>
                 </a:tc>
+                <a:extLst>
+                  <a:ext uri="{0D108BD9-81ED-4DB2-BD59-A6C34878D82A}">
+                    <a16:rowId xmlns:a16="http://schemas.microsoft.com/office/drawing/2014/main" val="10006"/>
+                  </a:ext>
+                </a:extLst>
               </a:tr>
             </a:tbl>
           </a:graphicData>
@@ -7992,10 +8055,9 @@
           <a:lstStyle/>
           <a:p>
             <a:r>
-              <a:rPr lang="en-US" sz="2000" i="1" dirty="0" smtClean="0"/>
+              <a:rPr lang="en-US" sz="2000" i="1" dirty="0"/>
               <a:t>This is important.  Write it down, in your own handwriting.  Keep it with you at all times.  Put it on your mirror.  Put it under your pillow.  I’m not kidding!</a:t>
             </a:r>
-            <a:endParaRPr lang="en-US" sz="2000" i="1" dirty="0"/>
           </a:p>
         </p:txBody>
       </p:sp>
@@ -8179,10 +8241,9 @@
           <a:lstStyle/>
           <a:p>
             <a:r>
-              <a:rPr lang="en-US" dirty="0" smtClean="0"/>
+              <a:rPr lang="en-US" dirty="0"/>
               <a:t>The Data Design Recipe</a:t>
             </a:r>
-            <a:endParaRPr lang="en-US" dirty="0"/>
           </a:p>
         </p:txBody>
       </p:sp>
@@ -8212,7 +8273,13 @@
                 <a:tableStyleId>{5C22544A-7EE6-4342-B048-85BDC9FD1C3A}</a:tableStyleId>
               </a:tblPr>
               <a:tblGrid>
-                <a:gridCol w="8229600"/>
+                <a:gridCol w="8229600">
+                  <a:extLst>
+                    <a:ext uri="{9D8B030D-6E8A-4147-A177-3AD203B41FA5}">
+                      <a16:colId xmlns:a16="http://schemas.microsoft.com/office/drawing/2014/main" val="20000"/>
+                    </a:ext>
+                  </a:extLst>
+                </a:gridCol>
               </a:tblGrid>
               <a:tr h="370840">
                 <a:tc>
@@ -8222,22 +8289,26 @@
                     <a:p>
                       <a:pPr algn="ctr"/>
                       <a:r>
-                        <a:rPr lang="en-US" sz="3200" dirty="0" smtClean="0"/>
+                        <a:rPr lang="en-US" sz="3200" dirty="0"/>
                         <a:t>The</a:t>
                       </a:r>
                       <a:r>
-                        <a:rPr lang="en-US" sz="3200" baseline="0" dirty="0" smtClean="0"/>
+                        <a:rPr lang="en-US" sz="3200" baseline="0" dirty="0"/>
                         <a:t> Data</a:t>
                       </a:r>
                       <a:r>
-                        <a:rPr lang="en-US" sz="3200" dirty="0" smtClean="0"/>
+                        <a:rPr lang="en-US" sz="3200" dirty="0"/>
                         <a:t> Design Recipe</a:t>
                       </a:r>
-                      <a:endParaRPr lang="en-US" sz="3200" dirty="0"/>
                     </a:p>
                   </a:txBody>
                   <a:tcPr/>
                 </a:tc>
+                <a:extLst>
+                  <a:ext uri="{0D108BD9-81ED-4DB2-BD59-A6C34878D82A}">
+                    <a16:rowId xmlns:a16="http://schemas.microsoft.com/office/drawing/2014/main" val="10000"/>
+                  </a:ext>
+                </a:extLst>
               </a:tr>
               <a:tr h="370840">
                 <a:tc>
@@ -8263,19 +8334,19 @@
                         <a:defRPr/>
                       </a:pPr>
                       <a:r>
-                        <a:rPr lang="en-US" sz="3200" dirty="0" smtClean="0"/>
+                        <a:rPr lang="en-US" sz="3200" dirty="0"/>
                         <a:t>1. What</a:t>
                       </a:r>
                       <a:r>
-                        <a:rPr lang="en-US" sz="3200" baseline="0" dirty="0" smtClean="0"/>
+                        <a:rPr lang="en-US" sz="3200" baseline="0" dirty="0"/>
                         <a:t> information needs to be represented in your program? </a:t>
                       </a:r>
                       <a:r>
-                        <a:rPr lang="en-US" sz="3200" dirty="0" smtClean="0"/>
+                        <a:rPr lang="en-US" sz="3200" dirty="0"/>
                         <a:t>What</a:t>
                       </a:r>
                       <a:r>
-                        <a:rPr lang="en-US" sz="3200" baseline="0" dirty="0" smtClean="0"/>
+                        <a:rPr lang="en-US" sz="3200" baseline="0" dirty="0"/>
                         <a:t> kind of information is each piece?</a:t>
                       </a:r>
                       <a:endParaRPr lang="en-US" sz="3200" dirty="0"/>
@@ -8283,6 +8354,11 @@
                   </a:txBody>
                   <a:tcPr/>
                 </a:tc>
+                <a:extLst>
+                  <a:ext uri="{0D108BD9-81ED-4DB2-BD59-A6C34878D82A}">
+                    <a16:rowId xmlns:a16="http://schemas.microsoft.com/office/drawing/2014/main" val="10001"/>
+                  </a:ext>
+                </a:extLst>
               </a:tr>
               <a:tr h="370840">
                 <a:tc>
@@ -8291,15 +8367,15 @@
                     <a:lstStyle/>
                     <a:p>
                       <a:r>
-                        <a:rPr lang="en-US" sz="3200" dirty="0" smtClean="0"/>
+                        <a:rPr lang="en-US" sz="3200" dirty="0"/>
                         <a:t>2. </a:t>
                       </a:r>
                       <a:r>
-                        <a:rPr lang="en-US" sz="3200" dirty="0" err="1" smtClean="0"/>
+                        <a:rPr lang="en-US" sz="3200" dirty="0" err="1"/>
                         <a:t>Struct</a:t>
                       </a:r>
                       <a:r>
-                        <a:rPr lang="en-US" sz="3200" baseline="0" dirty="0" smtClean="0"/>
+                        <a:rPr lang="en-US" sz="3200" baseline="0" dirty="0"/>
                         <a:t> Definitions</a:t>
                       </a:r>
                       <a:endParaRPr lang="en-US" sz="3200" dirty="0"/>
@@ -8307,6 +8383,11 @@
                   </a:txBody>
                   <a:tcPr/>
                 </a:tc>
+                <a:extLst>
+                  <a:ext uri="{0D108BD9-81ED-4DB2-BD59-A6C34878D82A}">
+                    <a16:rowId xmlns:a16="http://schemas.microsoft.com/office/drawing/2014/main" val="10002"/>
+                  </a:ext>
+                </a:extLst>
               </a:tr>
               <a:tr h="370840">
                 <a:tc>
@@ -8315,11 +8396,11 @@
                     <a:lstStyle/>
                     <a:p>
                       <a:r>
-                        <a:rPr lang="en-US" sz="3200" dirty="0" smtClean="0"/>
+                        <a:rPr lang="en-US" sz="3200" dirty="0"/>
                         <a:t>3.</a:t>
                       </a:r>
                       <a:r>
-                        <a:rPr lang="en-US" sz="3200" baseline="0" dirty="0" smtClean="0"/>
+                        <a:rPr lang="en-US" sz="3200" baseline="0" dirty="0"/>
                         <a:t> Constructor Template</a:t>
                       </a:r>
                       <a:endParaRPr lang="en-US" sz="3200" dirty="0"/>
@@ -8327,6 +8408,11 @@
                   </a:txBody>
                   <a:tcPr/>
                 </a:tc>
+                <a:extLst>
+                  <a:ext uri="{0D108BD9-81ED-4DB2-BD59-A6C34878D82A}">
+                    <a16:rowId xmlns:a16="http://schemas.microsoft.com/office/drawing/2014/main" val="10003"/>
+                  </a:ext>
+                </a:extLst>
               </a:tr>
               <a:tr h="370840">
                 <a:tc>
@@ -8335,13 +8421,18 @@
                     <a:lstStyle/>
                     <a:p>
                       <a:r>
-                        <a:rPr lang="en-US" sz="3200" dirty="0" smtClean="0"/>
+                        <a:rPr lang="en-US" sz="3200" dirty="0"/>
                         <a:t>4. Interpretation</a:t>
                       </a:r>
                     </a:p>
                   </a:txBody>
                   <a:tcPr/>
                 </a:tc>
+                <a:extLst>
+                  <a:ext uri="{0D108BD9-81ED-4DB2-BD59-A6C34878D82A}">
+                    <a16:rowId xmlns:a16="http://schemas.microsoft.com/office/drawing/2014/main" val="10004"/>
+                  </a:ext>
+                </a:extLst>
               </a:tr>
               <a:tr h="370840">
                 <a:tc>
@@ -8350,11 +8441,11 @@
                     <a:lstStyle/>
                     <a:p>
                       <a:r>
-                        <a:rPr lang="en-US" sz="3200" dirty="0" smtClean="0"/>
+                        <a:rPr lang="en-US" sz="3200" dirty="0"/>
                         <a:t>5. Destructor</a:t>
                       </a:r>
                       <a:r>
-                        <a:rPr lang="en-US" sz="3200" baseline="0" dirty="0" smtClean="0"/>
+                        <a:rPr lang="en-US" sz="3200" baseline="0" dirty="0"/>
                         <a:t> Template</a:t>
                       </a:r>
                       <a:endParaRPr lang="en-US" sz="3200" dirty="0"/>
@@ -8362,6 +8453,11 @@
                   </a:txBody>
                   <a:tcPr/>
                 </a:tc>
+                <a:extLst>
+                  <a:ext uri="{0D108BD9-81ED-4DB2-BD59-A6C34878D82A}">
+                    <a16:rowId xmlns:a16="http://schemas.microsoft.com/office/drawing/2014/main" val="10005"/>
+                  </a:ext>
+                </a:extLst>
               </a:tr>
               <a:tr h="370840">
                 <a:tc>
@@ -8370,14 +8466,18 @@
                     <a:lstStyle/>
                     <a:p>
                       <a:r>
-                        <a:rPr lang="en-US" sz="3200" dirty="0" smtClean="0"/>
+                        <a:rPr lang="en-US" sz="3200" dirty="0"/>
                         <a:t>6. Examples</a:t>
                       </a:r>
-                      <a:endParaRPr lang="en-US" sz="3200" dirty="0"/>
                     </a:p>
                   </a:txBody>
                   <a:tcPr/>
                 </a:tc>
+                <a:extLst>
+                  <a:ext uri="{0D108BD9-81ED-4DB2-BD59-A6C34878D82A}">
+                    <a16:rowId xmlns:a16="http://schemas.microsoft.com/office/drawing/2014/main" val="10006"/>
+                  </a:ext>
+                </a:extLst>
               </a:tr>
               <a:tr h="370840">
                 <a:tc>
@@ -8386,14 +8486,18 @@
                     <a:lstStyle/>
                     <a:p>
                       <a:r>
-                        <a:rPr lang="en-US" sz="3200" dirty="0" smtClean="0"/>
+                        <a:rPr lang="en-US" sz="3200" dirty="0"/>
                         <a:t>7. Review</a:t>
                       </a:r>
-                      <a:endParaRPr lang="en-US" sz="3200" dirty="0"/>
                     </a:p>
                   </a:txBody>
                   <a:tcPr/>
                 </a:tc>
+                <a:extLst>
+                  <a:ext uri="{0D108BD9-81ED-4DB2-BD59-A6C34878D82A}">
+                    <a16:rowId xmlns:a16="http://schemas.microsoft.com/office/drawing/2014/main" val="10007"/>
+                  </a:ext>
+                </a:extLst>
               </a:tr>
             </a:tbl>
           </a:graphicData>
@@ -8432,13 +8536,6 @@
   <p:clrMapOvr>
     <a:masterClrMapping/>
   </p:clrMapOvr>
-  <p:timing>
-    <p:tnLst>
-      <p:par>
-        <p:cTn id="1" dur="indefinite" restart="never" nodeType="tmRoot"/>
-      </p:par>
-    </p:tnLst>
-  </p:timing>
 </p:sld>
 </file>
 
@@ -8475,10 +8572,9 @@
           <a:lstStyle/>
           <a:p>
             <a:r>
-              <a:rPr lang="en-US" dirty="0" smtClean="0"/>
+              <a:rPr lang="en-US" dirty="0"/>
               <a:t>Kinds of Data</a:t>
             </a:r>
-            <a:endParaRPr lang="en-US" dirty="0"/>
           </a:p>
         </p:txBody>
       </p:sp>
@@ -8508,7 +8604,13 @@
                 <a:tableStyleId>{5C22544A-7EE6-4342-B048-85BDC9FD1C3A}</a:tableStyleId>
               </a:tblPr>
               <a:tblGrid>
-                <a:gridCol w="8229600"/>
+                <a:gridCol w="8229600">
+                  <a:extLst>
+                    <a:ext uri="{9D8B030D-6E8A-4147-A177-3AD203B41FA5}">
+                      <a16:colId xmlns:a16="http://schemas.microsoft.com/office/drawing/2014/main" val="20000"/>
+                    </a:ext>
+                  </a:extLst>
+                </a:gridCol>
               </a:tblGrid>
               <a:tr h="370840">
                 <a:tc>
@@ -8518,14 +8620,18 @@
                     <a:p>
                       <a:pPr algn="ctr"/>
                       <a:r>
-                        <a:rPr lang="en-US" sz="3200" dirty="0" smtClean="0"/>
+                        <a:rPr lang="en-US" sz="3200" dirty="0"/>
                         <a:t>Kinds of Data</a:t>
                       </a:r>
-                      <a:endParaRPr lang="en-US" sz="3200" dirty="0"/>
                     </a:p>
                   </a:txBody>
                   <a:tcPr/>
                 </a:tc>
+                <a:extLst>
+                  <a:ext uri="{0D108BD9-81ED-4DB2-BD59-A6C34878D82A}">
+                    <a16:rowId xmlns:a16="http://schemas.microsoft.com/office/drawing/2014/main" val="10000"/>
+                  </a:ext>
+                </a:extLst>
               </a:tr>
               <a:tr h="370840">
                 <a:tc>
@@ -8534,14 +8640,18 @@
                     <a:lstStyle/>
                     <a:p>
                       <a:r>
-                        <a:rPr lang="en-US" sz="3200" dirty="0" smtClean="0"/>
+                        <a:rPr lang="en-US" sz="3200" dirty="0"/>
                         <a:t>1. Scalar Data</a:t>
                       </a:r>
-                      <a:endParaRPr lang="en-US" sz="3200" dirty="0"/>
                     </a:p>
                   </a:txBody>
                   <a:tcPr/>
                 </a:tc>
+                <a:extLst>
+                  <a:ext uri="{0D108BD9-81ED-4DB2-BD59-A6C34878D82A}">
+                    <a16:rowId xmlns:a16="http://schemas.microsoft.com/office/drawing/2014/main" val="10001"/>
+                  </a:ext>
+                </a:extLst>
               </a:tr>
               <a:tr h="370840">
                 <a:tc>
@@ -8550,14 +8660,18 @@
                     <a:lstStyle/>
                     <a:p>
                       <a:r>
-                        <a:rPr lang="en-US" sz="3200" dirty="0" smtClean="0"/>
+                        <a:rPr lang="en-US" sz="3200" dirty="0"/>
                         <a:t>2. Compound Data</a:t>
                       </a:r>
-                      <a:endParaRPr lang="en-US" sz="3200" dirty="0"/>
                     </a:p>
                   </a:txBody>
                   <a:tcPr/>
                 </a:tc>
+                <a:extLst>
+                  <a:ext uri="{0D108BD9-81ED-4DB2-BD59-A6C34878D82A}">
+                    <a16:rowId xmlns:a16="http://schemas.microsoft.com/office/drawing/2014/main" val="10002"/>
+                  </a:ext>
+                </a:extLst>
               </a:tr>
               <a:tr h="370840">
                 <a:tc>
@@ -8566,11 +8680,11 @@
                     <a:lstStyle/>
                     <a:p>
                       <a:r>
-                        <a:rPr lang="en-US" sz="3200" dirty="0" smtClean="0"/>
+                        <a:rPr lang="en-US" sz="3200" dirty="0"/>
                         <a:t>3.</a:t>
                       </a:r>
                       <a:r>
-                        <a:rPr lang="en-US" sz="3200" baseline="0" dirty="0" smtClean="0"/>
+                        <a:rPr lang="en-US" sz="3200" baseline="0" dirty="0"/>
                         <a:t> Itemization Data</a:t>
                       </a:r>
                       <a:endParaRPr lang="en-US" sz="3200" dirty="0"/>
@@ -8578,6 +8692,11 @@
                   </a:txBody>
                   <a:tcPr/>
                 </a:tc>
+                <a:extLst>
+                  <a:ext uri="{0D108BD9-81ED-4DB2-BD59-A6C34878D82A}">
+                    <a16:rowId xmlns:a16="http://schemas.microsoft.com/office/drawing/2014/main" val="10003"/>
+                  </a:ext>
+                </a:extLst>
               </a:tr>
               <a:tr h="370840">
                 <a:tc>
@@ -8586,13 +8705,18 @@
                     <a:lstStyle/>
                     <a:p>
                       <a:r>
-                        <a:rPr lang="en-US" sz="3200" dirty="0" smtClean="0"/>
+                        <a:rPr lang="en-US" sz="3200" dirty="0"/>
                         <a:t>4. Mixed Data</a:t>
                       </a:r>
                     </a:p>
                   </a:txBody>
                   <a:tcPr/>
                 </a:tc>
+                <a:extLst>
+                  <a:ext uri="{0D108BD9-81ED-4DB2-BD59-A6C34878D82A}">
+                    <a16:rowId xmlns:a16="http://schemas.microsoft.com/office/drawing/2014/main" val="10004"/>
+                  </a:ext>
+                </a:extLst>
               </a:tr>
               <a:tr h="370840">
                 <a:tc>
@@ -8601,14 +8725,18 @@
                     <a:lstStyle/>
                     <a:p>
                       <a:r>
-                        <a:rPr lang="en-US" sz="3200" dirty="0" smtClean="0"/>
+                        <a:rPr lang="en-US" sz="3200" dirty="0"/>
                         <a:t>5. Recursive Data</a:t>
                       </a:r>
-                      <a:endParaRPr lang="en-US" sz="3200" dirty="0"/>
                     </a:p>
                   </a:txBody>
                   <a:tcPr/>
                 </a:tc>
+                <a:extLst>
+                  <a:ext uri="{0D108BD9-81ED-4DB2-BD59-A6C34878D82A}">
+                    <a16:rowId xmlns:a16="http://schemas.microsoft.com/office/drawing/2014/main" val="10005"/>
+                  </a:ext>
+                </a:extLst>
               </a:tr>
               <a:tr h="370840">
                 <a:tc>
@@ -8617,14 +8745,18 @@
                     <a:lstStyle/>
                     <a:p>
                       <a:r>
-                        <a:rPr lang="en-US" sz="3200" dirty="0" smtClean="0"/>
+                        <a:rPr lang="en-US" sz="3200" dirty="0"/>
                         <a:t>6. Mutually Recursive Data</a:t>
                       </a:r>
-                      <a:endParaRPr lang="en-US" sz="3200" dirty="0"/>
                     </a:p>
                   </a:txBody>
                   <a:tcPr/>
                 </a:tc>
+                <a:extLst>
+                  <a:ext uri="{0D108BD9-81ED-4DB2-BD59-A6C34878D82A}">
+                    <a16:rowId xmlns:a16="http://schemas.microsoft.com/office/drawing/2014/main" val="10006"/>
+                  </a:ext>
+                </a:extLst>
               </a:tr>
               <a:tr h="370840">
                 <a:tc>
@@ -8633,11 +8765,11 @@
                     <a:lstStyle/>
                     <a:p>
                       <a:r>
-                        <a:rPr lang="en-US" sz="3200" dirty="0" smtClean="0"/>
+                        <a:rPr lang="en-US" sz="3200" dirty="0"/>
                         <a:t>7. Functional</a:t>
                       </a:r>
                       <a:r>
-                        <a:rPr lang="en-US" sz="3200" baseline="0" dirty="0" smtClean="0"/>
+                        <a:rPr lang="en-US" sz="3200" baseline="0" dirty="0"/>
                         <a:t> Data</a:t>
                       </a:r>
                       <a:endParaRPr lang="en-US" sz="3200" dirty="0"/>
@@ -8645,6 +8777,11 @@
                   </a:txBody>
                   <a:tcPr/>
                 </a:tc>
+                <a:extLst>
+                  <a:ext uri="{0D108BD9-81ED-4DB2-BD59-A6C34878D82A}">
+                    <a16:rowId xmlns:a16="http://schemas.microsoft.com/office/drawing/2014/main" val="10007"/>
+                  </a:ext>
+                </a:extLst>
               </a:tr>
             </a:tbl>
           </a:graphicData>
@@ -8683,13 +8820,6 @@
   <p:clrMapOvr>
     <a:masterClrMapping/>
   </p:clrMapOvr>
-  <p:timing>
-    <p:tnLst>
-      <p:par>
-        <p:cTn id="1" dur="indefinite" restart="never" nodeType="tmRoot"/>
-      </p:par>
-    </p:tnLst>
-  </p:timing>
 </p:sld>
 </file>
 
@@ -8726,10 +8856,9 @@
           <a:lstStyle/>
           <a:p>
             <a:r>
-              <a:rPr lang="en-US" dirty="0" smtClean="0"/>
+              <a:rPr lang="en-US" dirty="0"/>
               <a:t>Representations of Data in Racket</a:t>
             </a:r>
-            <a:endParaRPr lang="en-US" dirty="0"/>
           </a:p>
         </p:txBody>
       </p:sp>
@@ -8759,8 +8888,20 @@
                 <a:tableStyleId>{5C22544A-7EE6-4342-B048-85BDC9FD1C3A}</a:tableStyleId>
               </a:tblPr>
               <a:tblGrid>
-                <a:gridCol w="4114800"/>
-                <a:gridCol w="4114800"/>
+                <a:gridCol w="4114800">
+                  <a:extLst>
+                    <a:ext uri="{9D8B030D-6E8A-4147-A177-3AD203B41FA5}">
+                      <a16:colId xmlns:a16="http://schemas.microsoft.com/office/drawing/2014/main" val="20000"/>
+                    </a:ext>
+                  </a:extLst>
+                </a:gridCol>
+                <a:gridCol w="4114800">
+                  <a:extLst>
+                    <a:ext uri="{9D8B030D-6E8A-4147-A177-3AD203B41FA5}">
+                      <a16:colId xmlns:a16="http://schemas.microsoft.com/office/drawing/2014/main" val="20001"/>
+                    </a:ext>
+                  </a:extLst>
+                </a:gridCol>
               </a:tblGrid>
               <a:tr h="370840">
                 <a:tc>
@@ -8770,10 +8911,9 @@
                     <a:p>
                       <a:pPr algn="ctr"/>
                       <a:r>
-                        <a:rPr lang="en-US" sz="3200" dirty="0" smtClean="0"/>
+                        <a:rPr lang="en-US" sz="3200" dirty="0"/>
                         <a:t>Kinds of Data</a:t>
                       </a:r>
-                      <a:endParaRPr lang="en-US" sz="3200" dirty="0"/>
                     </a:p>
                   </a:txBody>
                   <a:tcPr/>
@@ -8785,14 +8925,18 @@
                     <a:p>
                       <a:pPr algn="ctr"/>
                       <a:r>
-                        <a:rPr lang="en-US" sz="3200" dirty="0" smtClean="0"/>
+                        <a:rPr lang="en-US" sz="3200" dirty="0"/>
                         <a:t>Racket Representation</a:t>
                       </a:r>
-                      <a:endParaRPr lang="en-US" sz="3200" dirty="0"/>
                     </a:p>
                   </a:txBody>
                   <a:tcPr/>
                 </a:tc>
+                <a:extLst>
+                  <a:ext uri="{0D108BD9-81ED-4DB2-BD59-A6C34878D82A}">
+                    <a16:rowId xmlns:a16="http://schemas.microsoft.com/office/drawing/2014/main" val="10000"/>
+                  </a:ext>
+                </a:extLst>
               </a:tr>
               <a:tr h="370840">
                 <a:tc>
@@ -8801,10 +8945,9 @@
                     <a:lstStyle/>
                     <a:p>
                       <a:r>
-                        <a:rPr lang="en-US" sz="3200" dirty="0" smtClean="0"/>
+                        <a:rPr lang="en-US" sz="3200" dirty="0"/>
                         <a:t>1. Scalar Data</a:t>
                       </a:r>
-                      <a:endParaRPr lang="en-US" sz="3200" dirty="0"/>
                     </a:p>
                   </a:txBody>
                   <a:tcPr/>
@@ -8815,14 +8958,18 @@
                     <a:lstStyle/>
                     <a:p>
                       <a:r>
-                        <a:rPr lang="en-US" sz="3200" dirty="0" smtClean="0"/>
+                        <a:rPr lang="en-US" sz="3200" dirty="0"/>
                         <a:t>Built-in</a:t>
                       </a:r>
-                      <a:endParaRPr lang="en-US" sz="3200" dirty="0"/>
                     </a:p>
                   </a:txBody>
                   <a:tcPr/>
                 </a:tc>
+                <a:extLst>
+                  <a:ext uri="{0D108BD9-81ED-4DB2-BD59-A6C34878D82A}">
+                    <a16:rowId xmlns:a16="http://schemas.microsoft.com/office/drawing/2014/main" val="10001"/>
+                  </a:ext>
+                </a:extLst>
               </a:tr>
               <a:tr h="370840">
                 <a:tc>
@@ -8831,10 +8978,9 @@
                     <a:lstStyle/>
                     <a:p>
                       <a:r>
-                        <a:rPr lang="en-US" sz="3200" dirty="0" smtClean="0"/>
+                        <a:rPr lang="en-US" sz="3200" dirty="0"/>
                         <a:t>2. Compound Data</a:t>
                       </a:r>
-                      <a:endParaRPr lang="en-US" sz="3200" dirty="0"/>
                     </a:p>
                   </a:txBody>
                   <a:tcPr/>
@@ -8845,7 +8991,7 @@
                     <a:lstStyle/>
                     <a:p>
                       <a:r>
-                        <a:rPr lang="en-US" sz="3200" dirty="0" err="1" smtClean="0"/>
+                        <a:rPr lang="en-US" sz="3200" dirty="0" err="1"/>
                         <a:t>Struct</a:t>
                       </a:r>
                       <a:endParaRPr lang="en-US" sz="3200" dirty="0"/>
@@ -8853,6 +8999,11 @@
                   </a:txBody>
                   <a:tcPr/>
                 </a:tc>
+                <a:extLst>
+                  <a:ext uri="{0D108BD9-81ED-4DB2-BD59-A6C34878D82A}">
+                    <a16:rowId xmlns:a16="http://schemas.microsoft.com/office/drawing/2014/main" val="10002"/>
+                  </a:ext>
+                </a:extLst>
               </a:tr>
               <a:tr h="370840">
                 <a:tc>
@@ -8861,11 +9012,11 @@
                     <a:lstStyle/>
                     <a:p>
                       <a:r>
-                        <a:rPr lang="en-US" sz="3200" dirty="0" smtClean="0"/>
+                        <a:rPr lang="en-US" sz="3200" dirty="0"/>
                         <a:t>3.</a:t>
                       </a:r>
                       <a:r>
-                        <a:rPr lang="en-US" sz="3200" baseline="0" dirty="0" smtClean="0"/>
+                        <a:rPr lang="en-US" sz="3200" baseline="0" dirty="0"/>
                         <a:t> Itemization Data</a:t>
                       </a:r>
                       <a:endParaRPr lang="en-US" sz="3200" dirty="0"/>
@@ -8879,14 +9030,18 @@
                     <a:lstStyle/>
                     <a:p>
                       <a:r>
-                        <a:rPr lang="en-US" sz="3200" dirty="0" smtClean="0"/>
+                        <a:rPr lang="en-US" sz="3200" dirty="0"/>
                         <a:t>Choice</a:t>
                       </a:r>
-                      <a:endParaRPr lang="en-US" sz="3200" dirty="0"/>
                     </a:p>
                   </a:txBody>
                   <a:tcPr/>
                 </a:tc>
+                <a:extLst>
+                  <a:ext uri="{0D108BD9-81ED-4DB2-BD59-A6C34878D82A}">
+                    <a16:rowId xmlns:a16="http://schemas.microsoft.com/office/drawing/2014/main" val="10003"/>
+                  </a:ext>
+                </a:extLst>
               </a:tr>
               <a:tr h="370840">
                 <a:tc>
@@ -8895,7 +9050,7 @@
                     <a:lstStyle/>
                     <a:p>
                       <a:r>
-                        <a:rPr lang="en-US" sz="3200" dirty="0" smtClean="0"/>
+                        <a:rPr lang="en-US" sz="3200" dirty="0"/>
                         <a:t>4. Mixed Data</a:t>
                       </a:r>
                     </a:p>
@@ -8908,18 +9063,23 @@
                     <a:lstStyle/>
                     <a:p>
                       <a:r>
-                        <a:rPr lang="en-US" sz="3200" dirty="0" smtClean="0"/>
+                        <a:rPr lang="en-US" sz="3200" dirty="0"/>
                         <a:t>Choice of </a:t>
                       </a:r>
                       <a:r>
-                        <a:rPr lang="en-US" sz="3200" dirty="0" err="1" smtClean="0"/>
+                        <a:rPr lang="en-US" sz="3200" dirty="0" err="1"/>
                         <a:t>structs</a:t>
                       </a:r>
-                      <a:endParaRPr lang="en-US" sz="3200" dirty="0" smtClean="0"/>
+                      <a:endParaRPr lang="en-US" sz="3200" dirty="0"/>
                     </a:p>
                   </a:txBody>
                   <a:tcPr/>
                 </a:tc>
+                <a:extLst>
+                  <a:ext uri="{0D108BD9-81ED-4DB2-BD59-A6C34878D82A}">
+                    <a16:rowId xmlns:a16="http://schemas.microsoft.com/office/drawing/2014/main" val="10004"/>
+                  </a:ext>
+                </a:extLst>
               </a:tr>
               <a:tr h="370840">
                 <a:tc>
@@ -8928,10 +9088,9 @@
                     <a:lstStyle/>
                     <a:p>
                       <a:r>
-                        <a:rPr lang="en-US" sz="3200" dirty="0" smtClean="0"/>
+                        <a:rPr lang="en-US" sz="3200" dirty="0"/>
                         <a:t>5. Recursive Data</a:t>
                       </a:r>
-                      <a:endParaRPr lang="en-US" sz="3200" dirty="0"/>
                     </a:p>
                   </a:txBody>
                   <a:tcPr/>
@@ -8959,11 +9118,11 @@
                         <a:defRPr/>
                       </a:pPr>
                       <a:r>
-                        <a:rPr lang="en-US" sz="3200" dirty="0" smtClean="0"/>
+                        <a:rPr lang="en-US" sz="3200" dirty="0"/>
                         <a:t>Choice of </a:t>
                       </a:r>
                       <a:r>
-                        <a:rPr lang="en-US" sz="3200" dirty="0" err="1" smtClean="0"/>
+                        <a:rPr lang="en-US" sz="3200" dirty="0" err="1"/>
                         <a:t>structs</a:t>
                       </a:r>
                       <a:endParaRPr lang="en-US" sz="3200" dirty="0"/>
@@ -8971,6 +9130,11 @@
                   </a:txBody>
                   <a:tcPr/>
                 </a:tc>
+                <a:extLst>
+                  <a:ext uri="{0D108BD9-81ED-4DB2-BD59-A6C34878D82A}">
+                    <a16:rowId xmlns:a16="http://schemas.microsoft.com/office/drawing/2014/main" val="10005"/>
+                  </a:ext>
+                </a:extLst>
               </a:tr>
               <a:tr h="370840">
                 <a:tc>
@@ -8979,10 +9143,9 @@
                     <a:lstStyle/>
                     <a:p>
                       <a:r>
-                        <a:rPr lang="en-US" sz="3200" dirty="0" smtClean="0"/>
+                        <a:rPr lang="en-US" sz="3200" dirty="0"/>
                         <a:t>6. Mutually Recursive Data</a:t>
                       </a:r>
-                      <a:endParaRPr lang="en-US" sz="3200" dirty="0"/>
                     </a:p>
                   </a:txBody>
                   <a:tcPr/>
@@ -9010,11 +9173,11 @@
                         <a:defRPr/>
                       </a:pPr>
                       <a:r>
-                        <a:rPr lang="en-US" sz="3200" dirty="0" smtClean="0"/>
+                        <a:rPr lang="en-US" sz="3200" dirty="0"/>
                         <a:t>Choice of </a:t>
                       </a:r>
                       <a:r>
-                        <a:rPr lang="en-US" sz="3200" dirty="0" err="1" smtClean="0"/>
+                        <a:rPr lang="en-US" sz="3200" dirty="0" err="1"/>
                         <a:t>structs</a:t>
                       </a:r>
                       <a:endParaRPr lang="en-US" sz="3200" dirty="0"/>
@@ -9022,6 +9185,11 @@
                   </a:txBody>
                   <a:tcPr/>
                 </a:tc>
+                <a:extLst>
+                  <a:ext uri="{0D108BD9-81ED-4DB2-BD59-A6C34878D82A}">
+                    <a16:rowId xmlns:a16="http://schemas.microsoft.com/office/drawing/2014/main" val="10006"/>
+                  </a:ext>
+                </a:extLst>
               </a:tr>
               <a:tr h="370840">
                 <a:tc>
@@ -9030,10 +9198,9 @@
                     <a:lstStyle/>
                     <a:p>
                       <a:r>
-                        <a:rPr lang="en-US" sz="3200" dirty="0" smtClean="0"/>
+                        <a:rPr lang="en-US" sz="3200" dirty="0"/>
                         <a:t>7. Functional Data</a:t>
                       </a:r>
-                      <a:endParaRPr lang="en-US" sz="3200" dirty="0"/>
                     </a:p>
                   </a:txBody>
                   <a:tcPr/>
@@ -9061,14 +9228,18 @@
                         <a:defRPr/>
                       </a:pPr>
                       <a:r>
-                        <a:rPr lang="en-US" sz="3200" dirty="0" smtClean="0"/>
+                        <a:rPr lang="en-US" sz="3200" dirty="0"/>
                         <a:t>Lambda's</a:t>
                       </a:r>
-                      <a:endParaRPr lang="en-US" sz="3200" dirty="0"/>
                     </a:p>
                   </a:txBody>
                   <a:tcPr/>
                 </a:tc>
+                <a:extLst>
+                  <a:ext uri="{0D108BD9-81ED-4DB2-BD59-A6C34878D82A}">
+                    <a16:rowId xmlns:a16="http://schemas.microsoft.com/office/drawing/2014/main" val="10007"/>
+                  </a:ext>
+                </a:extLst>
               </a:tr>
             </a:tbl>
           </a:graphicData>
@@ -9107,13 +9278,6 @@
   <p:clrMapOvr>
     <a:masterClrMapping/>
   </p:clrMapOvr>
-  <p:timing>
-    <p:tnLst>
-      <p:par>
-        <p:cTn id="1" dur="indefinite" restart="never" nodeType="tmRoot"/>
-      </p:par>
-    </p:tnLst>
-  </p:timing>
 </p:sld>
 </file>
 
@@ -9205,13 +9369,6 @@
   <p:clrMapOvr>
     <a:masterClrMapping/>
   </p:clrMapOvr>
-  <p:timing>
-    <p:tnLst>
-      <p:par>
-        <p:cTn id="1" dur="indefinite" restart="never" nodeType="tmRoot"/>
-      </p:par>
-    </p:tnLst>
-  </p:timing>
 </p:sld>
 </file>
 
@@ -9248,10 +9405,9 @@
           <a:lstStyle/>
           <a:p>
             <a:r>
-              <a:rPr lang="en-US" dirty="0" smtClean="0"/>
+              <a:rPr lang="en-US" dirty="0"/>
               <a:t>Representations of Data</a:t>
             </a:r>
-            <a:endParaRPr lang="en-US" dirty="0"/>
           </a:p>
         </p:txBody>
       </p:sp>
@@ -9281,9 +9437,27 @@
                 <a:tableStyleId>{5C22544A-7EE6-4342-B048-85BDC9FD1C3A}</a:tableStyleId>
               </a:tblPr>
               <a:tblGrid>
-                <a:gridCol w="2743200"/>
-                <a:gridCol w="1981200"/>
-                <a:gridCol w="3505200"/>
+                <a:gridCol w="2743200">
+                  <a:extLst>
+                    <a:ext uri="{9D8B030D-6E8A-4147-A177-3AD203B41FA5}">
+                      <a16:colId xmlns:a16="http://schemas.microsoft.com/office/drawing/2014/main" val="20000"/>
+                    </a:ext>
+                  </a:extLst>
+                </a:gridCol>
+                <a:gridCol w="1981200">
+                  <a:extLst>
+                    <a:ext uri="{9D8B030D-6E8A-4147-A177-3AD203B41FA5}">
+                      <a16:colId xmlns:a16="http://schemas.microsoft.com/office/drawing/2014/main" val="20001"/>
+                    </a:ext>
+                  </a:extLst>
+                </a:gridCol>
+                <a:gridCol w="3505200">
+                  <a:extLst>
+                    <a:ext uri="{9D8B030D-6E8A-4147-A177-3AD203B41FA5}">
+                      <a16:colId xmlns:a16="http://schemas.microsoft.com/office/drawing/2014/main" val="20002"/>
+                    </a:ext>
+                  </a:extLst>
+                </a:gridCol>
               </a:tblGrid>
               <a:tr h="370840">
                 <a:tc>
@@ -9293,10 +9467,9 @@
                     <a:p>
                       <a:pPr algn="ctr"/>
                       <a:r>
-                        <a:rPr lang="en-US" sz="1800" dirty="0" smtClean="0"/>
+                        <a:rPr lang="en-US" sz="1800" dirty="0"/>
                         <a:t>Kinds of Data</a:t>
                       </a:r>
-                      <a:endParaRPr lang="en-US" sz="1800" dirty="0"/>
                     </a:p>
                   </a:txBody>
                   <a:tcPr/>
@@ -9308,10 +9481,9 @@
                     <a:p>
                       <a:pPr algn="ctr"/>
                       <a:r>
-                        <a:rPr lang="en-US" sz="1800" dirty="0" smtClean="0"/>
+                        <a:rPr lang="en-US" sz="1800" dirty="0"/>
                         <a:t>Racket</a:t>
                       </a:r>
-                      <a:endParaRPr lang="en-US" sz="1800" dirty="0"/>
                     </a:p>
                   </a:txBody>
                   <a:tcPr/>
@@ -9323,14 +9495,18 @@
                     <a:p>
                       <a:pPr algn="ctr"/>
                       <a:r>
-                        <a:rPr lang="en-US" sz="1800" dirty="0" smtClean="0"/>
+                        <a:rPr lang="en-US" sz="1800" dirty="0"/>
                         <a:t>Object-Oriented Representation</a:t>
                       </a:r>
-                      <a:endParaRPr lang="en-US" sz="1800" dirty="0"/>
                     </a:p>
                   </a:txBody>
                   <a:tcPr/>
                 </a:tc>
+                <a:extLst>
+                  <a:ext uri="{0D108BD9-81ED-4DB2-BD59-A6C34878D82A}">
+                    <a16:rowId xmlns:a16="http://schemas.microsoft.com/office/drawing/2014/main" val="10000"/>
+                  </a:ext>
+                </a:extLst>
               </a:tr>
               <a:tr h="370840">
                 <a:tc>
@@ -9339,10 +9515,9 @@
                     <a:lstStyle/>
                     <a:p>
                       <a:r>
-                        <a:rPr lang="en-US" sz="1800" dirty="0" smtClean="0"/>
+                        <a:rPr lang="en-US" sz="1800" dirty="0"/>
                         <a:t>1. Scalar Data</a:t>
                       </a:r>
-                      <a:endParaRPr lang="en-US" sz="1800" dirty="0"/>
                     </a:p>
                   </a:txBody>
                   <a:tcPr/>
@@ -9353,10 +9528,9 @@
                     <a:lstStyle/>
                     <a:p>
                       <a:r>
-                        <a:rPr lang="en-US" sz="1800" dirty="0" smtClean="0"/>
+                        <a:rPr lang="en-US" sz="1800" dirty="0"/>
                         <a:t>Built-in</a:t>
                       </a:r>
-                      <a:endParaRPr lang="en-US" sz="1800" dirty="0"/>
                     </a:p>
                   </a:txBody>
                   <a:tcPr/>
@@ -9367,14 +9541,18 @@
                     <a:lstStyle/>
                     <a:p>
                       <a:r>
-                        <a:rPr lang="en-US" sz="1800" dirty="0" smtClean="0"/>
+                        <a:rPr lang="en-US" sz="1800" dirty="0"/>
                         <a:t>Build-in</a:t>
                       </a:r>
-                      <a:endParaRPr lang="en-US" sz="1800" dirty="0"/>
                     </a:p>
                   </a:txBody>
                   <a:tcPr/>
                 </a:tc>
+                <a:extLst>
+                  <a:ext uri="{0D108BD9-81ED-4DB2-BD59-A6C34878D82A}">
+                    <a16:rowId xmlns:a16="http://schemas.microsoft.com/office/drawing/2014/main" val="10001"/>
+                  </a:ext>
+                </a:extLst>
               </a:tr>
               <a:tr h="370840">
                 <a:tc>
@@ -9383,10 +9561,9 @@
                     <a:lstStyle/>
                     <a:p>
                       <a:r>
-                        <a:rPr lang="en-US" sz="1800" dirty="0" smtClean="0"/>
+                        <a:rPr lang="en-US" sz="1800" dirty="0"/>
                         <a:t>2. Compound Data</a:t>
                       </a:r>
-                      <a:endParaRPr lang="en-US" sz="1800" dirty="0"/>
                     </a:p>
                   </a:txBody>
                   <a:tcPr/>
@@ -9397,7 +9574,7 @@
                     <a:lstStyle/>
                     <a:p>
                       <a:r>
-                        <a:rPr lang="en-US" sz="1800" dirty="0" err="1" smtClean="0"/>
+                        <a:rPr lang="en-US" sz="1800" dirty="0" err="1"/>
                         <a:t>Struct</a:t>
                       </a:r>
                       <a:endParaRPr lang="en-US" sz="1800" dirty="0"/>
@@ -9411,14 +9588,18 @@
                     <a:lstStyle/>
                     <a:p>
                       <a:r>
-                        <a:rPr lang="en-US" sz="1800" dirty="0" smtClean="0"/>
+                        <a:rPr lang="en-US" sz="1800" dirty="0"/>
                         <a:t>Class</a:t>
                       </a:r>
-                      <a:endParaRPr lang="en-US" sz="1800" dirty="0"/>
                     </a:p>
                   </a:txBody>
                   <a:tcPr/>
                 </a:tc>
+                <a:extLst>
+                  <a:ext uri="{0D108BD9-81ED-4DB2-BD59-A6C34878D82A}">
+                    <a16:rowId xmlns:a16="http://schemas.microsoft.com/office/drawing/2014/main" val="10002"/>
+                  </a:ext>
+                </a:extLst>
               </a:tr>
               <a:tr h="370840">
                 <a:tc>
@@ -9427,11 +9608,11 @@
                     <a:lstStyle/>
                     <a:p>
                       <a:r>
-                        <a:rPr lang="en-US" sz="1800" dirty="0" smtClean="0"/>
+                        <a:rPr lang="en-US" sz="1800" dirty="0"/>
                         <a:t>3.</a:t>
                       </a:r>
                       <a:r>
-                        <a:rPr lang="en-US" sz="1800" baseline="0" dirty="0" smtClean="0"/>
+                        <a:rPr lang="en-US" sz="1800" baseline="0" dirty="0"/>
                         <a:t> Itemization Data</a:t>
                       </a:r>
                       <a:endParaRPr lang="en-US" sz="1800" dirty="0"/>
@@ -9445,10 +9626,9 @@
                     <a:lstStyle/>
                     <a:p>
                       <a:r>
-                        <a:rPr lang="en-US" sz="1800" dirty="0" smtClean="0"/>
+                        <a:rPr lang="en-US" sz="1800" dirty="0"/>
                         <a:t>Choice</a:t>
                       </a:r>
-                      <a:endParaRPr lang="en-US" sz="1800" dirty="0"/>
                     </a:p>
                   </a:txBody>
                   <a:tcPr/>
@@ -9459,14 +9639,18 @@
                     <a:lstStyle/>
                     <a:p>
                       <a:r>
-                        <a:rPr lang="en-US" sz="1800" dirty="0" smtClean="0"/>
+                        <a:rPr lang="en-US" sz="1800" dirty="0"/>
                         <a:t>Interface</a:t>
                       </a:r>
-                      <a:endParaRPr lang="en-US" sz="1800" dirty="0"/>
                     </a:p>
                   </a:txBody>
                   <a:tcPr/>
                 </a:tc>
+                <a:extLst>
+                  <a:ext uri="{0D108BD9-81ED-4DB2-BD59-A6C34878D82A}">
+                    <a16:rowId xmlns:a16="http://schemas.microsoft.com/office/drawing/2014/main" val="10003"/>
+                  </a:ext>
+                </a:extLst>
               </a:tr>
               <a:tr h="370840">
                 <a:tc>
@@ -9475,7 +9659,7 @@
                     <a:lstStyle/>
                     <a:p>
                       <a:r>
-                        <a:rPr lang="en-US" sz="1800" dirty="0" smtClean="0"/>
+                        <a:rPr lang="en-US" sz="1800" dirty="0"/>
                         <a:t>4. Mixed Data</a:t>
                       </a:r>
                     </a:p>
@@ -9488,14 +9672,14 @@
                     <a:lstStyle/>
                     <a:p>
                       <a:r>
-                        <a:rPr lang="en-US" sz="1800" dirty="0" smtClean="0"/>
+                        <a:rPr lang="en-US" sz="1800" dirty="0"/>
                         <a:t>Choice of </a:t>
                       </a:r>
                       <a:r>
-                        <a:rPr lang="en-US" sz="1800" dirty="0" err="1" smtClean="0"/>
+                        <a:rPr lang="en-US" sz="1800" dirty="0" err="1"/>
                         <a:t>structs</a:t>
                       </a:r>
-                      <a:endParaRPr lang="en-US" sz="1800" dirty="0" smtClean="0"/>
+                      <a:endParaRPr lang="en-US" sz="1800" dirty="0"/>
                     </a:p>
                   </a:txBody>
                   <a:tcPr/>
@@ -9506,14 +9690,18 @@
                     <a:lstStyle/>
                     <a:p>
                       <a:r>
-                        <a:rPr lang="en-US" sz="1800" dirty="0" smtClean="0"/>
+                        <a:rPr lang="en-US" sz="1800" dirty="0"/>
                         <a:t>Interface</a:t>
                       </a:r>
-                      <a:endParaRPr lang="en-US" sz="1800" dirty="0"/>
                     </a:p>
                   </a:txBody>
                   <a:tcPr/>
                 </a:tc>
+                <a:extLst>
+                  <a:ext uri="{0D108BD9-81ED-4DB2-BD59-A6C34878D82A}">
+                    <a16:rowId xmlns:a16="http://schemas.microsoft.com/office/drawing/2014/main" val="10004"/>
+                  </a:ext>
+                </a:extLst>
               </a:tr>
               <a:tr h="370840">
                 <a:tc>
@@ -9522,10 +9710,9 @@
                     <a:lstStyle/>
                     <a:p>
                       <a:r>
-                        <a:rPr lang="en-US" sz="1800" dirty="0" smtClean="0"/>
+                        <a:rPr lang="en-US" sz="1800" dirty="0"/>
                         <a:t>5. Recursive Data</a:t>
                       </a:r>
-                      <a:endParaRPr lang="en-US" sz="1800" dirty="0"/>
                     </a:p>
                   </a:txBody>
                   <a:tcPr/>
@@ -9553,11 +9740,11 @@
                         <a:defRPr/>
                       </a:pPr>
                       <a:r>
-                        <a:rPr lang="en-US" sz="1800" dirty="0" smtClean="0"/>
+                        <a:rPr lang="en-US" sz="1800" dirty="0"/>
                         <a:t>Choice of </a:t>
                       </a:r>
                       <a:r>
-                        <a:rPr lang="en-US" sz="1800" dirty="0" err="1" smtClean="0"/>
+                        <a:rPr lang="en-US" sz="1800" dirty="0" err="1"/>
                         <a:t>structs</a:t>
                       </a:r>
                       <a:endParaRPr lang="en-US" sz="1800" dirty="0"/>
@@ -9588,14 +9775,18 @@
                         <a:defRPr/>
                       </a:pPr>
                       <a:r>
-                        <a:rPr lang="en-US" sz="1800" dirty="0" smtClean="0"/>
+                        <a:rPr lang="en-US" sz="1800" dirty="0"/>
                         <a:t>Interface</a:t>
                       </a:r>
-                      <a:endParaRPr lang="en-US" sz="1800" dirty="0"/>
                     </a:p>
                   </a:txBody>
                   <a:tcPr/>
                 </a:tc>
+                <a:extLst>
+                  <a:ext uri="{0D108BD9-81ED-4DB2-BD59-A6C34878D82A}">
+                    <a16:rowId xmlns:a16="http://schemas.microsoft.com/office/drawing/2014/main" val="10005"/>
+                  </a:ext>
+                </a:extLst>
               </a:tr>
               <a:tr h="370840">
                 <a:tc>
@@ -9604,10 +9795,9 @@
                     <a:lstStyle/>
                     <a:p>
                       <a:r>
-                        <a:rPr lang="en-US" sz="1800" dirty="0" smtClean="0"/>
+                        <a:rPr lang="en-US" sz="1800" dirty="0"/>
                         <a:t>6. Mutually Recursive Data</a:t>
                       </a:r>
-                      <a:endParaRPr lang="en-US" sz="1800" dirty="0"/>
                     </a:p>
                   </a:txBody>
                   <a:tcPr/>
@@ -9635,11 +9825,11 @@
                         <a:defRPr/>
                       </a:pPr>
                       <a:r>
-                        <a:rPr lang="en-US" sz="1800" dirty="0" smtClean="0"/>
+                        <a:rPr lang="en-US" sz="1800" dirty="0"/>
                         <a:t>Choice of </a:t>
                       </a:r>
                       <a:r>
-                        <a:rPr lang="en-US" sz="1800" dirty="0" err="1" smtClean="0"/>
+                        <a:rPr lang="en-US" sz="1800" dirty="0" err="1"/>
                         <a:t>structs</a:t>
                       </a:r>
                       <a:endParaRPr lang="en-US" sz="1800" dirty="0"/>
@@ -9670,11 +9860,11 @@
                         <a:defRPr/>
                       </a:pPr>
                       <a:r>
-                        <a:rPr lang="en-US" sz="1800" dirty="0" smtClean="0"/>
+                        <a:rPr lang="en-US" sz="1800" dirty="0"/>
                         <a:t>Multiple</a:t>
                       </a:r>
                       <a:r>
-                        <a:rPr lang="en-US" sz="1800" baseline="0" dirty="0" smtClean="0"/>
+                        <a:rPr lang="en-US" sz="1800" baseline="0" dirty="0"/>
                         <a:t> Interfaces</a:t>
                       </a:r>
                       <a:endParaRPr lang="en-US" sz="1800" dirty="0"/>
@@ -9682,6 +9872,11 @@
                   </a:txBody>
                   <a:tcPr/>
                 </a:tc>
+                <a:extLst>
+                  <a:ext uri="{0D108BD9-81ED-4DB2-BD59-A6C34878D82A}">
+                    <a16:rowId xmlns:a16="http://schemas.microsoft.com/office/drawing/2014/main" val="10006"/>
+                  </a:ext>
+                </a:extLst>
               </a:tr>
               <a:tr h="370840">
                 <a:tc>
@@ -9690,10 +9885,9 @@
                     <a:lstStyle/>
                     <a:p>
                       <a:r>
-                        <a:rPr lang="en-US" sz="1800" dirty="0" smtClean="0"/>
+                        <a:rPr lang="en-US" sz="1800" dirty="0"/>
                         <a:t>7. Functional Data</a:t>
                       </a:r>
-                      <a:endParaRPr lang="en-US" sz="1800" dirty="0"/>
                     </a:p>
                   </a:txBody>
                   <a:tcPr/>
@@ -9721,10 +9915,9 @@
                         <a:defRPr/>
                       </a:pPr>
                       <a:r>
-                        <a:rPr lang="en-US" sz="1800" dirty="0" smtClean="0"/>
+                        <a:rPr lang="en-US" sz="1800" dirty="0"/>
                         <a:t>Lambda's</a:t>
                       </a:r>
-                      <a:endParaRPr lang="en-US" sz="1800" dirty="0"/>
                     </a:p>
                   </a:txBody>
                   <a:tcPr/>
@@ -9752,14 +9945,18 @@
                         <a:defRPr/>
                       </a:pPr>
                       <a:r>
-                        <a:rPr lang="en-US" sz="1800" dirty="0" smtClean="0"/>
+                        <a:rPr lang="en-US" sz="1800" dirty="0"/>
                         <a:t>Varies by language</a:t>
                       </a:r>
-                      <a:endParaRPr lang="en-US" sz="1800" dirty="0"/>
                     </a:p>
                   </a:txBody>
                   <a:tcPr/>
                 </a:tc>
+                <a:extLst>
+                  <a:ext uri="{0D108BD9-81ED-4DB2-BD59-A6C34878D82A}">
+                    <a16:rowId xmlns:a16="http://schemas.microsoft.com/office/drawing/2014/main" val="10007"/>
+                  </a:ext>
+                </a:extLst>
               </a:tr>
             </a:tbl>
           </a:graphicData>
@@ -9798,13 +9995,6 @@
   <p:clrMapOvr>
     <a:masterClrMapping/>
   </p:clrMapOvr>
-  <p:timing>
-    <p:tnLst>
-      <p:par>
-        <p:cTn id="1" dur="indefinite" restart="never" nodeType="tmRoot"/>
-      </p:par>
-    </p:tnLst>
-  </p:timing>
 </p:sld>
 </file>
 
@@ -9841,10 +10031,9 @@
           <a:lstStyle/>
           <a:p>
             <a:r>
-              <a:rPr lang="en-US" dirty="0" smtClean="0"/>
+              <a:rPr lang="en-US" dirty="0"/>
               <a:t>Reviewing a Data Design</a:t>
             </a:r>
-            <a:endParaRPr lang="en-US" dirty="0"/>
           </a:p>
         </p:txBody>
       </p:sp>
@@ -9874,7 +10063,13 @@
                 <a:tableStyleId>{5C22544A-7EE6-4342-B048-85BDC9FD1C3A}</a:tableStyleId>
               </a:tblPr>
               <a:tblGrid>
-                <a:gridCol w="8229600"/>
+                <a:gridCol w="8229600">
+                  <a:extLst>
+                    <a:ext uri="{9D8B030D-6E8A-4147-A177-3AD203B41FA5}">
+                      <a16:colId xmlns:a16="http://schemas.microsoft.com/office/drawing/2014/main" val="20000"/>
+                    </a:ext>
+                  </a:extLst>
+                </a:gridCol>
               </a:tblGrid>
               <a:tr h="370840">
                 <a:tc>
@@ -9884,14 +10079,18 @@
                     <a:p>
                       <a:pPr algn="ctr"/>
                       <a:r>
-                        <a:rPr lang="en-US" sz="3200" dirty="0" smtClean="0"/>
+                        <a:rPr lang="en-US" sz="3200" dirty="0"/>
                         <a:t>Reviewing a Data Design</a:t>
                       </a:r>
-                      <a:endParaRPr lang="en-US" sz="3200" dirty="0"/>
                     </a:p>
                   </a:txBody>
                   <a:tcPr/>
                 </a:tc>
+                <a:extLst>
+                  <a:ext uri="{0D108BD9-81ED-4DB2-BD59-A6C34878D82A}">
+                    <a16:rowId xmlns:a16="http://schemas.microsoft.com/office/drawing/2014/main" val="10000"/>
+                  </a:ext>
+                </a:extLst>
               </a:tr>
               <a:tr h="370840">
                 <a:tc>
@@ -9900,14 +10099,18 @@
                     <a:lstStyle/>
                     <a:p>
                       <a:r>
-                        <a:rPr lang="en-US" sz="3200" dirty="0" smtClean="0"/>
+                        <a:rPr lang="en-US" sz="3200" dirty="0"/>
                         <a:t>1. Is the interpretation clear and unambiguous?</a:t>
                       </a:r>
-                      <a:endParaRPr lang="en-US" sz="3200" dirty="0"/>
                     </a:p>
                   </a:txBody>
                   <a:tcPr/>
                 </a:tc>
+                <a:extLst>
+                  <a:ext uri="{0D108BD9-81ED-4DB2-BD59-A6C34878D82A}">
+                    <a16:rowId xmlns:a16="http://schemas.microsoft.com/office/drawing/2014/main" val="10001"/>
+                  </a:ext>
+                </a:extLst>
               </a:tr>
               <a:tr h="370840">
                 <a:tc>
@@ -9916,14 +10119,18 @@
                     <a:lstStyle/>
                     <a:p>
                       <a:r>
-                        <a:rPr lang="en-US" sz="3200" dirty="0" smtClean="0"/>
+                        <a:rPr lang="en-US" sz="3200" dirty="0"/>
                         <a:t>2. Can you represent all the information you need for your program?</a:t>
                       </a:r>
-                      <a:endParaRPr lang="en-US" sz="3200" dirty="0"/>
                     </a:p>
                   </a:txBody>
                   <a:tcPr/>
                 </a:tc>
+                <a:extLst>
+                  <a:ext uri="{0D108BD9-81ED-4DB2-BD59-A6C34878D82A}">
+                    <a16:rowId xmlns:a16="http://schemas.microsoft.com/office/drawing/2014/main" val="10002"/>
+                  </a:ext>
+                </a:extLst>
               </a:tr>
               <a:tr h="370840">
                 <a:tc>
@@ -9932,19 +10139,19 @@
                     <a:lstStyle/>
                     <a:p>
                       <a:r>
-                        <a:rPr lang="en-US" sz="3200" dirty="0" smtClean="0"/>
+                        <a:rPr lang="en-US" sz="3200" dirty="0"/>
                         <a:t>3. Do</a:t>
                       </a:r>
                       <a:r>
-                        <a:rPr lang="en-US" sz="3200" baseline="0" dirty="0" smtClean="0"/>
+                        <a:rPr lang="en-US" sz="3200" baseline="0" dirty="0"/>
                         <a:t> you </a:t>
                       </a:r>
                       <a:r>
-                        <a:rPr lang="en-US" sz="3200" i="1" baseline="0" dirty="0" smtClean="0"/>
+                        <a:rPr lang="en-US" sz="3200" i="1" baseline="0" dirty="0"/>
                         <a:t>need</a:t>
                       </a:r>
                       <a:r>
-                        <a:rPr lang="en-US" sz="3200" baseline="0" dirty="0" smtClean="0"/>
+                        <a:rPr lang="en-US" sz="3200" baseline="0" dirty="0"/>
                         <a:t> all of the data in your representation?</a:t>
                       </a:r>
                       <a:endParaRPr lang="en-US" sz="3200" dirty="0"/>
@@ -9952,6 +10159,11 @@
                   </a:txBody>
                   <a:tcPr/>
                 </a:tc>
+                <a:extLst>
+                  <a:ext uri="{0D108BD9-81ED-4DB2-BD59-A6C34878D82A}">
+                    <a16:rowId xmlns:a16="http://schemas.microsoft.com/office/drawing/2014/main" val="10003"/>
+                  </a:ext>
+                </a:extLst>
               </a:tr>
               <a:tr h="370840">
                 <a:tc>
@@ -9960,19 +10172,19 @@
                     <a:lstStyle/>
                     <a:p>
                       <a:r>
-                        <a:rPr lang="en-US" sz="3200" dirty="0" smtClean="0"/>
+                        <a:rPr lang="en-US" sz="3200" dirty="0"/>
                         <a:t>4</a:t>
                       </a:r>
                       <a:r>
-                        <a:rPr lang="en-US" sz="3200" smtClean="0"/>
+                        <a:rPr lang="en-US" sz="3200"/>
                         <a:t>.</a:t>
                       </a:r>
                       <a:r>
-                        <a:rPr lang="en-US" sz="3200" baseline="0" smtClean="0"/>
+                        <a:rPr lang="en-US" sz="3200" baseline="0"/>
                         <a:t> </a:t>
                       </a:r>
                       <a:r>
-                        <a:rPr lang="en-US" sz="3200" baseline="0" dirty="0" smtClean="0"/>
+                        <a:rPr lang="en-US" sz="3200" baseline="0" dirty="0"/>
                         <a:t>Does every combination of values make sense? If not, document the meaningful combinations with a WHERE clause.</a:t>
                       </a:r>
                       <a:endParaRPr lang="en-US" sz="3200" dirty="0"/>
@@ -9980,6 +10192,11 @@
                   </a:txBody>
                   <a:tcPr/>
                 </a:tc>
+                <a:extLst>
+                  <a:ext uri="{0D108BD9-81ED-4DB2-BD59-A6C34878D82A}">
+                    <a16:rowId xmlns:a16="http://schemas.microsoft.com/office/drawing/2014/main" val="10004"/>
+                  </a:ext>
+                </a:extLst>
               </a:tr>
             </a:tbl>
           </a:graphicData>
@@ -10018,13 +10235,6 @@
   <p:clrMapOvr>
     <a:masterClrMapping/>
   </p:clrMapOvr>
-  <p:timing>
-    <p:tnLst>
-      <p:par>
-        <p:cTn id="1" dur="indefinite" restart="never" nodeType="tmRoot"/>
-      </p:par>
-    </p:tnLst>
-  </p:timing>
 </p:sld>
 </file>
 
@@ -10061,10 +10271,9 @@
           <a:lstStyle/>
           <a:p>
             <a:r>
-              <a:rPr lang="en-US" dirty="0" smtClean="0"/>
+              <a:rPr lang="en-US" dirty="0"/>
               <a:t>Typical Program Design Strategies</a:t>
             </a:r>
-            <a:endParaRPr lang="en-US" dirty="0"/>
           </a:p>
         </p:txBody>
       </p:sp>
@@ -10094,7 +10303,13 @@
                 <a:tableStyleId>{5C22544A-7EE6-4342-B048-85BDC9FD1C3A}</a:tableStyleId>
               </a:tblPr>
               <a:tblGrid>
-                <a:gridCol w="8229600"/>
+                <a:gridCol w="8229600">
+                  <a:extLst>
+                    <a:ext uri="{9D8B030D-6E8A-4147-A177-3AD203B41FA5}">
+                      <a16:colId xmlns:a16="http://schemas.microsoft.com/office/drawing/2014/main" val="20000"/>
+                    </a:ext>
+                  </a:extLst>
+                </a:gridCol>
               </a:tblGrid>
               <a:tr h="370840">
                 <a:tc>
@@ -10104,14 +10319,18 @@
                     <a:p>
                       <a:pPr algn="ctr"/>
                       <a:r>
-                        <a:rPr lang="en-US" sz="3200" dirty="0" smtClean="0"/>
+                        <a:rPr lang="en-US" sz="3200" dirty="0"/>
                         <a:t>Design Strategies</a:t>
                       </a:r>
-                      <a:endParaRPr lang="en-US" sz="3200" dirty="0"/>
                     </a:p>
                   </a:txBody>
                   <a:tcPr/>
                 </a:tc>
+                <a:extLst>
+                  <a:ext uri="{0D108BD9-81ED-4DB2-BD59-A6C34878D82A}">
+                    <a16:rowId xmlns:a16="http://schemas.microsoft.com/office/drawing/2014/main" val="10000"/>
+                  </a:ext>
+                </a:extLst>
               </a:tr>
               <a:tr h="370840">
                 <a:tc>
@@ -10120,11 +10339,11 @@
                     <a:lstStyle/>
                     <a:p>
                       <a:r>
-                        <a:rPr lang="en-US" sz="3200" dirty="0" smtClean="0"/>
+                        <a:rPr lang="en-US" sz="3200" dirty="0"/>
                         <a:t>1. Combine</a:t>
                       </a:r>
                       <a:r>
-                        <a:rPr lang="en-US" sz="3200" baseline="0" dirty="0" smtClean="0"/>
+                        <a:rPr lang="en-US" sz="3200" baseline="0" dirty="0"/>
                         <a:t> simpler functions</a:t>
                       </a:r>
                       <a:endParaRPr lang="en-US" sz="3200" dirty="0"/>
@@ -10132,6 +10351,11 @@
                   </a:txBody>
                   <a:tcPr/>
                 </a:tc>
+                <a:extLst>
+                  <a:ext uri="{0D108BD9-81ED-4DB2-BD59-A6C34878D82A}">
+                    <a16:rowId xmlns:a16="http://schemas.microsoft.com/office/drawing/2014/main" val="10001"/>
+                  </a:ext>
+                </a:extLst>
               </a:tr>
               <a:tr h="370840">
                 <a:tc>
@@ -10140,26 +10364,31 @@
                     <a:lstStyle/>
                     <a:p>
                       <a:r>
-                        <a:rPr lang="en-US" sz="3200" dirty="0" smtClean="0"/>
+                        <a:rPr lang="en-US" sz="3200" dirty="0"/>
                         <a:t>2.</a:t>
                       </a:r>
                       <a:r>
-                        <a:rPr lang="en-US" sz="3200" baseline="0" dirty="0" smtClean="0"/>
+                        <a:rPr lang="en-US" sz="3200" baseline="0" dirty="0"/>
                         <a:t> Use template for &lt;data </a:t>
                       </a:r>
                       <a:r>
-                        <a:rPr lang="en-US" sz="3200" baseline="0" dirty="0" err="1" smtClean="0"/>
+                        <a:rPr lang="en-US" sz="3200" baseline="0" dirty="0" err="1"/>
                         <a:t>def</a:t>
                       </a:r>
                       <a:r>
-                        <a:rPr lang="en-US" sz="3200" baseline="0" dirty="0" smtClean="0"/>
+                        <a:rPr lang="en-US" sz="3200" baseline="0" dirty="0"/>
                         <a:t>&gt; on &lt;value&gt;</a:t>
                       </a:r>
-                      <a:endParaRPr lang="en-US" sz="3200" dirty="0" smtClean="0"/>
+                      <a:endParaRPr lang="en-US" sz="3200" dirty="0"/>
                     </a:p>
                   </a:txBody>
                   <a:tcPr/>
                 </a:tc>
+                <a:extLst>
+                  <a:ext uri="{0D108BD9-81ED-4DB2-BD59-A6C34878D82A}">
+                    <a16:rowId xmlns:a16="http://schemas.microsoft.com/office/drawing/2014/main" val="10002"/>
+                  </a:ext>
+                </a:extLst>
               </a:tr>
               <a:tr h="370840">
                 <a:tc>
@@ -10168,14 +10397,18 @@
                     <a:lstStyle/>
                     <a:p>
                       <a:r>
-                        <a:rPr lang="en-US" sz="3200" dirty="0" smtClean="0"/>
+                        <a:rPr lang="en-US" sz="3200" dirty="0"/>
                         <a:t>3. Divide into cases on &lt;condition&gt;</a:t>
                       </a:r>
-                      <a:endParaRPr lang="en-US" sz="3200" dirty="0"/>
                     </a:p>
                   </a:txBody>
                   <a:tcPr/>
                 </a:tc>
+                <a:extLst>
+                  <a:ext uri="{0D108BD9-81ED-4DB2-BD59-A6C34878D82A}">
+                    <a16:rowId xmlns:a16="http://schemas.microsoft.com/office/drawing/2014/main" val="10003"/>
+                  </a:ext>
+                </a:extLst>
               </a:tr>
               <a:tr h="370840">
                 <a:tc>
@@ -10184,22 +10417,26 @@
                     <a:lstStyle/>
                     <a:p>
                       <a:r>
-                        <a:rPr lang="en-US" sz="3200" dirty="0" smtClean="0"/>
+                        <a:rPr lang="en-US" sz="3200" dirty="0"/>
                         <a:t>4. Use HOF &lt;</a:t>
                       </a:r>
                       <a:r>
-                        <a:rPr lang="en-US" sz="3200" dirty="0" err="1" smtClean="0"/>
+                        <a:rPr lang="en-US" sz="3200" dirty="0" err="1"/>
                         <a:t>mapfn</a:t>
                       </a:r>
                       <a:r>
-                        <a:rPr lang="en-US" sz="3200" dirty="0" smtClean="0"/>
+                        <a:rPr lang="en-US" sz="3200" dirty="0"/>
                         <a:t>&gt; on &lt;value&gt;</a:t>
                       </a:r>
-                      <a:endParaRPr lang="en-US" sz="3200" dirty="0"/>
                     </a:p>
                   </a:txBody>
                   <a:tcPr/>
                 </a:tc>
+                <a:extLst>
+                  <a:ext uri="{0D108BD9-81ED-4DB2-BD59-A6C34878D82A}">
+                    <a16:rowId xmlns:a16="http://schemas.microsoft.com/office/drawing/2014/main" val="10004"/>
+                  </a:ext>
+                </a:extLst>
               </a:tr>
               <a:tr h="370840">
                 <a:tc>
@@ -10208,13 +10445,18 @@
                     <a:lstStyle/>
                     <a:p>
                       <a:r>
-                        <a:rPr lang="en-US" sz="3200" dirty="0" smtClean="0"/>
+                        <a:rPr lang="en-US" sz="3200" dirty="0"/>
                         <a:t>5. Call a more general function</a:t>
                       </a:r>
                     </a:p>
                   </a:txBody>
                   <a:tcPr/>
                 </a:tc>
+                <a:extLst>
+                  <a:ext uri="{0D108BD9-81ED-4DB2-BD59-A6C34878D82A}">
+                    <a16:rowId xmlns:a16="http://schemas.microsoft.com/office/drawing/2014/main" val="10005"/>
+                  </a:ext>
+                </a:extLst>
               </a:tr>
               <a:tr h="370840">
                 <a:tc>
@@ -10223,13 +10465,18 @@
                     <a:lstStyle/>
                     <a:p>
                       <a:r>
-                        <a:rPr lang="en-US" sz="3200" dirty="0" smtClean="0"/>
+                        <a:rPr lang="en-US" sz="3200" dirty="0"/>
                         <a:t>6. General Recursion</a:t>
                       </a:r>
                     </a:p>
                   </a:txBody>
                   <a:tcPr/>
                 </a:tc>
+                <a:extLst>
+                  <a:ext uri="{0D108BD9-81ED-4DB2-BD59-A6C34878D82A}">
+                    <a16:rowId xmlns:a16="http://schemas.microsoft.com/office/drawing/2014/main" val="10006"/>
+                  </a:ext>
+                </a:extLst>
               </a:tr>
               <a:tr h="370840">
                 <a:tc>
@@ -10238,7 +10485,7 @@
                     <a:lstStyle/>
                     <a:p>
                       <a:r>
-                        <a:rPr lang="en-US" sz="3200" dirty="0" smtClean="0">
+                        <a:rPr lang="en-US" sz="3200" dirty="0">
                           <a:solidFill>
                             <a:schemeClr val="bg1">
                               <a:lumMod val="50000"/>
@@ -10248,7 +10495,7 @@
                         <a:t>7. </a:t>
                       </a:r>
                       <a:r>
-                        <a:rPr lang="en-US" sz="3200" dirty="0" smtClean="0">
+                        <a:rPr lang="en-US" sz="3200" dirty="0">
                           <a:solidFill>
                             <a:schemeClr val="bg1">
                               <a:lumMod val="65000"/>
@@ -10258,7 +10505,7 @@
                         <a:t>{</a:t>
                       </a:r>
                       <a:r>
-                        <a:rPr lang="en-US" sz="3200" dirty="0" err="1" smtClean="0">
+                        <a:rPr lang="en-US" sz="3200" dirty="0" err="1">
                           <a:solidFill>
                             <a:schemeClr val="bg1">
                               <a:lumMod val="65000"/>
@@ -10268,7 +10515,7 @@
                         <a:t>Initialize|Update</a:t>
                       </a:r>
                       <a:r>
-                        <a:rPr lang="en-US" sz="3200" dirty="0" smtClean="0">
+                        <a:rPr lang="en-US" sz="3200" dirty="0">
                           <a:solidFill>
                             <a:schemeClr val="bg1">
                               <a:lumMod val="65000"/>
@@ -10278,7 +10525,7 @@
                         <a:t>}</a:t>
                       </a:r>
                       <a:r>
-                        <a:rPr lang="en-US" sz="3200" baseline="0" dirty="0" smtClean="0">
+                        <a:rPr lang="en-US" sz="3200" baseline="0" dirty="0">
                           <a:solidFill>
                             <a:schemeClr val="bg1">
                               <a:lumMod val="65000"/>
@@ -10287,7 +10534,7 @@
                         </a:rPr>
                         <a:t> state of &lt;??&gt;</a:t>
                       </a:r>
-                      <a:endParaRPr lang="en-US" sz="3200" dirty="0" smtClean="0">
+                      <a:endParaRPr lang="en-US" sz="3200" dirty="0">
                         <a:solidFill>
                           <a:schemeClr val="bg1">
                             <a:lumMod val="65000"/>
@@ -10298,6 +10545,11 @@
                   </a:txBody>
                   <a:tcPr/>
                 </a:tc>
+                <a:extLst>
+                  <a:ext uri="{0D108BD9-81ED-4DB2-BD59-A6C34878D82A}">
+                    <a16:rowId xmlns:a16="http://schemas.microsoft.com/office/drawing/2014/main" val="10007"/>
+                  </a:ext>
+                </a:extLst>
               </a:tr>
             </a:tbl>
           </a:graphicData>
@@ -10336,13 +10588,6 @@
   <p:clrMapOvr>
     <a:masterClrMapping/>
   </p:clrMapOvr>
-  <p:timing>
-    <p:tnLst>
-      <p:par>
-        <p:cTn id="1" dur="indefinite" restart="never" nodeType="tmRoot"/>
-      </p:par>
-    </p:tnLst>
-  </p:timing>
 </p:sld>
 </file>
 
@@ -10379,10 +10624,9 @@
           <a:lstStyle/>
           <a:p>
             <a:r>
-              <a:rPr lang="en-US" dirty="0" smtClean="0"/>
+              <a:rPr lang="en-US" dirty="0"/>
               <a:t>The Strategy Selection Recipe</a:t>
             </a:r>
-            <a:endParaRPr lang="en-US" dirty="0"/>
           </a:p>
         </p:txBody>
       </p:sp>
@@ -10412,7 +10656,13 @@
                 <a:tableStyleId>{5C22544A-7EE6-4342-B048-85BDC9FD1C3A}</a:tableStyleId>
               </a:tblPr>
               <a:tblGrid>
-                <a:gridCol w="8153400"/>
+                <a:gridCol w="8153400">
+                  <a:extLst>
+                    <a:ext uri="{9D8B030D-6E8A-4147-A177-3AD203B41FA5}">
+                      <a16:colId xmlns:a16="http://schemas.microsoft.com/office/drawing/2014/main" val="20000"/>
+                    </a:ext>
+                  </a:extLst>
+                </a:gridCol>
               </a:tblGrid>
               <a:tr h="370840">
                 <a:tc>
@@ -10426,6 +10676,11 @@
                   </a:txBody>
                   <a:tcPr/>
                 </a:tc>
+                <a:extLst>
+                  <a:ext uri="{0D108BD9-81ED-4DB2-BD59-A6C34878D82A}">
+                    <a16:rowId xmlns:a16="http://schemas.microsoft.com/office/drawing/2014/main" val="10000"/>
+                  </a:ext>
+                </a:extLst>
               </a:tr>
               <a:tr h="370840">
                 <a:tc>
@@ -10434,11 +10689,11 @@
                     <a:lstStyle/>
                     <a:p>
                       <a:r>
-                        <a:rPr lang="en-US" sz="3200" dirty="0" smtClean="0"/>
+                        <a:rPr lang="en-US" sz="3200" dirty="0"/>
                         <a:t>1. Can you build it using functions that you already have? (function</a:t>
                       </a:r>
                       <a:r>
-                        <a:rPr lang="en-US" sz="3200" baseline="0" dirty="0" smtClean="0"/>
+                        <a:rPr lang="en-US" sz="3200" baseline="0" dirty="0"/>
                         <a:t> composition)</a:t>
                       </a:r>
                       <a:endParaRPr lang="en-US" sz="3200" dirty="0"/>
@@ -10446,6 +10701,11 @@
                   </a:txBody>
                   <a:tcPr/>
                 </a:tc>
+                <a:extLst>
+                  <a:ext uri="{0D108BD9-81ED-4DB2-BD59-A6C34878D82A}">
+                    <a16:rowId xmlns:a16="http://schemas.microsoft.com/office/drawing/2014/main" val="10001"/>
+                  </a:ext>
+                </a:extLst>
               </a:tr>
               <a:tr h="370840">
                 <a:tc>
@@ -10454,19 +10714,19 @@
                     <a:lstStyle/>
                     <a:p>
                       <a:r>
-                        <a:rPr lang="en-US" sz="3200" dirty="0" smtClean="0"/>
+                        <a:rPr lang="en-US" sz="3200" dirty="0"/>
                         <a:t>2. Can you build it by</a:t>
                       </a:r>
                       <a:r>
-                        <a:rPr lang="en-US" sz="3200" baseline="0" dirty="0" smtClean="0"/>
+                        <a:rPr lang="en-US" sz="3200" baseline="0" dirty="0"/>
                         <a:t> looking into one of </a:t>
                       </a:r>
                       <a:r>
-                        <a:rPr lang="en-US" sz="3200" baseline="0" smtClean="0"/>
+                        <a:rPr lang="en-US" sz="3200" baseline="0"/>
                         <a:t>the arguments? </a:t>
                       </a:r>
                       <a:r>
-                        <a:rPr lang="en-US" sz="3200" baseline="0" dirty="0" smtClean="0"/>
+                        <a:rPr lang="en-US" sz="3200" baseline="0" dirty="0"/>
                         <a:t>(structural decomposition)</a:t>
                       </a:r>
                       <a:endParaRPr lang="en-US" sz="3200" dirty="0"/>
@@ -10474,6 +10734,11 @@
                   </a:txBody>
                   <a:tcPr/>
                 </a:tc>
+                <a:extLst>
+                  <a:ext uri="{0D108BD9-81ED-4DB2-BD59-A6C34878D82A}">
+                    <a16:rowId xmlns:a16="http://schemas.microsoft.com/office/drawing/2014/main" val="10002"/>
+                  </a:ext>
+                </a:extLst>
               </a:tr>
               <a:tr h="370840">
                 <a:tc>
@@ -10482,11 +10747,11 @@
                     <a:lstStyle/>
                     <a:p>
                       <a:r>
-                        <a:rPr lang="en-US" sz="3200" dirty="0" smtClean="0"/>
+                        <a:rPr lang="en-US" sz="3200" dirty="0"/>
                         <a:t>3.</a:t>
                       </a:r>
                       <a:r>
-                        <a:rPr lang="en-US" sz="3200" baseline="0" dirty="0" smtClean="0"/>
+                        <a:rPr lang="en-US" sz="3200" baseline="0" dirty="0"/>
                         <a:t> Can you solve a more general problem? (generalization)</a:t>
                       </a:r>
                       <a:endParaRPr lang="en-US" sz="3200" dirty="0"/>
@@ -10494,6 +10759,11 @@
                   </a:txBody>
                   <a:tcPr/>
                 </a:tc>
+                <a:extLst>
+                  <a:ext uri="{0D108BD9-81ED-4DB2-BD59-A6C34878D82A}">
+                    <a16:rowId xmlns:a16="http://schemas.microsoft.com/office/drawing/2014/main" val="10003"/>
+                  </a:ext>
+                </a:extLst>
               </a:tr>
               <a:tr h="370840">
                 <a:tc>
@@ -10502,18 +10772,23 @@
                     <a:lstStyle/>
                     <a:p>
                       <a:r>
-                        <a:rPr lang="en-US" sz="3200" dirty="0" smtClean="0"/>
+                        <a:rPr lang="en-US" sz="3200" dirty="0"/>
                         <a:t>4. Is there a special-purpose</a:t>
                       </a:r>
                       <a:r>
-                        <a:rPr lang="en-US" sz="3200" baseline="0" dirty="0" smtClean="0"/>
+                        <a:rPr lang="en-US" sz="3200" baseline="0" dirty="0"/>
                         <a:t> strategy you can use? </a:t>
                       </a:r>
-                      <a:endParaRPr lang="en-US" sz="3200" dirty="0" smtClean="0"/>
+                      <a:endParaRPr lang="en-US" sz="3200" dirty="0"/>
                     </a:p>
                   </a:txBody>
                   <a:tcPr/>
                 </a:tc>
+                <a:extLst>
+                  <a:ext uri="{0D108BD9-81ED-4DB2-BD59-A6C34878D82A}">
+                    <a16:rowId xmlns:a16="http://schemas.microsoft.com/office/drawing/2014/main" val="10004"/>
+                  </a:ext>
+                </a:extLst>
               </a:tr>
               <a:tr h="370840">
                 <a:tc>
@@ -10522,14 +10797,18 @@
                     <a:lstStyle/>
                     <a:p>
                       <a:r>
-                        <a:rPr lang="en-US" sz="3200" dirty="0" smtClean="0"/>
+                        <a:rPr lang="en-US" sz="3200" dirty="0"/>
                         <a:t>5. If all else fails, try General Recursion</a:t>
                       </a:r>
-                      <a:endParaRPr lang="en-US" sz="3200" dirty="0"/>
                     </a:p>
                   </a:txBody>
                   <a:tcPr/>
                 </a:tc>
+                <a:extLst>
+                  <a:ext uri="{0D108BD9-81ED-4DB2-BD59-A6C34878D82A}">
+                    <a16:rowId xmlns:a16="http://schemas.microsoft.com/office/drawing/2014/main" val="10005"/>
+                  </a:ext>
+                </a:extLst>
               </a:tr>
             </a:tbl>
           </a:graphicData>
@@ -10568,13 +10847,6 @@
   <p:clrMapOvr>
     <a:masterClrMapping/>
   </p:clrMapOvr>
-  <p:timing>
-    <p:tnLst>
-      <p:par>
-        <p:cTn id="1" dur="indefinite" restart="never" nodeType="tmRoot"/>
-      </p:par>
-    </p:tnLst>
-  </p:timing>
 </p:sld>
 </file>
 
@@ -10613,10 +10885,9 @@
           <a:lstStyle/>
           <a:p>
             <a:r>
-              <a:rPr lang="en-US" dirty="0" smtClean="0"/>
+              <a:rPr lang="en-US" dirty="0"/>
               <a:t>The template recipe</a:t>
             </a:r>
-            <a:endParaRPr lang="en-US" dirty="0"/>
           </a:p>
         </p:txBody>
       </p:sp>
@@ -10646,8 +10917,20 @@
                 <a:tableStyleId>{5C22544A-7EE6-4342-B048-85BDC9FD1C3A}</a:tableStyleId>
               </a:tblPr>
               <a:tblGrid>
-                <a:gridCol w="4114800"/>
-                <a:gridCol w="4114800"/>
+                <a:gridCol w="4114800">
+                  <a:extLst>
+                    <a:ext uri="{9D8B030D-6E8A-4147-A177-3AD203B41FA5}">
+                      <a16:colId xmlns:a16="http://schemas.microsoft.com/office/drawing/2014/main" val="20000"/>
+                    </a:ext>
+                  </a:extLst>
+                </a:gridCol>
+                <a:gridCol w="4114800">
+                  <a:extLst>
+                    <a:ext uri="{9D8B030D-6E8A-4147-A177-3AD203B41FA5}">
+                      <a16:colId xmlns:a16="http://schemas.microsoft.com/office/drawing/2014/main" val="20001"/>
+                    </a:ext>
+                  </a:extLst>
+                </a:gridCol>
               </a:tblGrid>
               <a:tr h="370840">
                 <a:tc>
@@ -10656,10 +10939,9 @@
                     <a:lstStyle/>
                     <a:p>
                       <a:r>
-                        <a:rPr lang="en-US" sz="2400" dirty="0" smtClean="0"/>
+                        <a:rPr lang="en-US" sz="2400" dirty="0"/>
                         <a:t>Question</a:t>
                       </a:r>
-                      <a:endParaRPr lang="en-US" sz="2400" dirty="0"/>
                     </a:p>
                   </a:txBody>
                   <a:tcPr/>
@@ -10670,14 +10952,18 @@
                     <a:lstStyle/>
                     <a:p>
                       <a:r>
-                        <a:rPr lang="en-US" sz="2400" dirty="0" smtClean="0"/>
+                        <a:rPr lang="en-US" sz="2400" dirty="0"/>
                         <a:t>Answer</a:t>
                       </a:r>
-                      <a:endParaRPr lang="en-US" sz="2400" dirty="0"/>
                     </a:p>
                   </a:txBody>
                   <a:tcPr/>
                 </a:tc>
+                <a:extLst>
+                  <a:ext uri="{0D108BD9-81ED-4DB2-BD59-A6C34878D82A}">
+                    <a16:rowId xmlns:a16="http://schemas.microsoft.com/office/drawing/2014/main" val="10000"/>
+                  </a:ext>
+                </a:extLst>
               </a:tr>
               <a:tr h="370840">
                 <a:tc>
@@ -10686,10 +10972,9 @@
                     <a:lstStyle/>
                     <a:p>
                       <a:r>
-                        <a:rPr lang="en-US" sz="2400" dirty="0" smtClean="0"/>
+                        <a:rPr lang="en-US" sz="2400" dirty="0"/>
                         <a:t>1. Does the data definition distinguish among different subclasses of data?</a:t>
                       </a:r>
-                      <a:endParaRPr lang="en-US" sz="2400" dirty="0"/>
                     </a:p>
                   </a:txBody>
                   <a:tcPr/>
@@ -10700,40 +10985,44 @@
                     <a:lstStyle/>
                     <a:p>
                       <a:r>
-                        <a:rPr lang="en-US" sz="2400" dirty="0" smtClean="0"/>
+                        <a:rPr lang="en-US" sz="2400" dirty="0"/>
                         <a:t>Write a </a:t>
                       </a:r>
                       <a:r>
-                        <a:rPr lang="en-US" sz="2400" dirty="0" err="1" smtClean="0">
+                        <a:rPr lang="en-US" sz="2400" dirty="0" err="1">
                           <a:hlinkClick r:id="rId2"/>
                         </a:rPr>
                         <a:t>cond</a:t>
                       </a:r>
                       <a:r>
-                        <a:rPr lang="en-US" sz="2400" dirty="0" smtClean="0"/>
+                        <a:rPr lang="en-US" sz="2400" dirty="0"/>
                         <a:t> with a</a:t>
                       </a:r>
                       <a:r>
-                        <a:rPr lang="en-US" sz="2400" baseline="0" dirty="0" smtClean="0"/>
+                        <a:rPr lang="en-US" sz="2400" baseline="0" dirty="0"/>
                         <a:t> </a:t>
                       </a:r>
                       <a:r>
-                        <a:rPr lang="en-US" sz="2400" dirty="0" smtClean="0"/>
+                        <a:rPr lang="en-US" sz="2400" dirty="0"/>
                         <a:t>clause for</a:t>
                       </a:r>
                       <a:r>
-                        <a:rPr lang="en-US" sz="2400" baseline="0" dirty="0" smtClean="0"/>
+                        <a:rPr lang="en-US" sz="2400" baseline="0" dirty="0"/>
                         <a:t> each</a:t>
                       </a:r>
                       <a:r>
-                        <a:rPr lang="en-US" sz="2400" dirty="0" smtClean="0"/>
+                        <a:rPr lang="en-US" sz="2400" dirty="0"/>
                         <a:t> subclasses.</a:t>
                       </a:r>
-                      <a:endParaRPr lang="en-US" sz="2400" dirty="0"/>
                     </a:p>
                   </a:txBody>
                   <a:tcPr/>
                 </a:tc>
+                <a:extLst>
+                  <a:ext uri="{0D108BD9-81ED-4DB2-BD59-A6C34878D82A}">
+                    <a16:rowId xmlns:a16="http://schemas.microsoft.com/office/drawing/2014/main" val="10001"/>
+                  </a:ext>
+                </a:extLst>
               </a:tr>
               <a:tr h="370840">
                 <a:tc>
@@ -10742,10 +11031,9 @@
                     <a:lstStyle/>
                     <a:p>
                       <a:r>
-                        <a:rPr lang="en-US" sz="2400" dirty="0" smtClean="0"/>
+                        <a:rPr lang="en-US" sz="2400" dirty="0"/>
                         <a:t>2. How do the subclasses differ from each other?</a:t>
                       </a:r>
-                      <a:endParaRPr lang="en-US" sz="2400" dirty="0"/>
                     </a:p>
                   </a:txBody>
                   <a:tcPr/>
@@ -10756,14 +11044,18 @@
                     <a:lstStyle/>
                     <a:p>
                       <a:r>
-                        <a:rPr lang="en-US" sz="2400" dirty="0" smtClean="0"/>
+                        <a:rPr lang="en-US" sz="2400" dirty="0"/>
                         <a:t>Use the differences to formulate a condition per clause.</a:t>
                       </a:r>
-                      <a:endParaRPr lang="en-US" sz="2400" dirty="0"/>
                     </a:p>
                   </a:txBody>
                   <a:tcPr/>
                 </a:tc>
+                <a:extLst>
+                  <a:ext uri="{0D108BD9-81ED-4DB2-BD59-A6C34878D82A}">
+                    <a16:rowId xmlns:a16="http://schemas.microsoft.com/office/drawing/2014/main" val="10002"/>
+                  </a:ext>
+                </a:extLst>
               </a:tr>
               <a:tr h="370840">
                 <a:tc>
@@ -10772,18 +11064,17 @@
                     <a:lstStyle/>
                     <a:p>
                       <a:r>
-                        <a:rPr lang="en-US" sz="2400" dirty="0" smtClean="0"/>
+                        <a:rPr lang="en-US" sz="2400" dirty="0"/>
                         <a:t>3. Do any of the clauses deal with structured</a:t>
                       </a:r>
                       <a:r>
-                        <a:rPr lang="en-US" sz="2400" baseline="0" dirty="0" smtClean="0"/>
+                        <a:rPr lang="en-US" sz="2400" baseline="0" dirty="0"/>
                         <a:t> values</a:t>
                       </a:r>
                       <a:r>
-                        <a:rPr lang="en-US" sz="2400" dirty="0" smtClean="0"/>
+                        <a:rPr lang="en-US" sz="2400" dirty="0"/>
                         <a:t>?</a:t>
                       </a:r>
-                      <a:endParaRPr lang="en-US" sz="2400" dirty="0"/>
                     </a:p>
                   </a:txBody>
                   <a:tcPr/>
@@ -10794,14 +11085,18 @@
                     <a:lstStyle/>
                     <a:p>
                       <a:r>
-                        <a:rPr lang="en-US" sz="2400" dirty="0" smtClean="0"/>
+                        <a:rPr lang="en-US" sz="2400" dirty="0"/>
                         <a:t>If so, add appropriate selector expressions to the clause.</a:t>
                       </a:r>
-                      <a:endParaRPr lang="en-US" sz="2400" dirty="0"/>
                     </a:p>
                   </a:txBody>
                   <a:tcPr/>
                 </a:tc>
+                <a:extLst>
+                  <a:ext uri="{0D108BD9-81ED-4DB2-BD59-A6C34878D82A}">
+                    <a16:rowId xmlns:a16="http://schemas.microsoft.com/office/drawing/2014/main" val="10003"/>
+                  </a:ext>
+                </a:extLst>
               </a:tr>
               <a:tr h="370840">
                 <a:tc>
@@ -10810,7 +11105,7 @@
                     <a:lstStyle/>
                     <a:p>
                       <a:r>
-                        <a:rPr lang="en-US" sz="2400" dirty="0" smtClean="0">
+                        <a:rPr lang="en-US" sz="2400" dirty="0">
                           <a:solidFill>
                             <a:schemeClr val="tx1"/>
                           </a:solidFill>
@@ -10818,7 +11113,7 @@
                         <a:t>4. Do any of the fields contain compound</a:t>
                       </a:r>
                       <a:r>
-                        <a:rPr lang="en-US" sz="2400" baseline="0" dirty="0" smtClean="0">
+                        <a:rPr lang="en-US" sz="2400" baseline="0" dirty="0">
                           <a:solidFill>
                             <a:schemeClr val="tx1"/>
                           </a:solidFill>
@@ -10840,7 +11135,7 @@
                     <a:lstStyle/>
                     <a:p>
                       <a:r>
-                        <a:rPr lang="en-US" sz="2400" dirty="0" smtClean="0">
+                        <a:rPr lang="en-US" sz="2400" dirty="0">
                           <a:solidFill>
                             <a:schemeClr val="tx1"/>
                           </a:solidFill>
@@ -10848,7 +11143,7 @@
                         <a:t>If the value of a field is a foo,</a:t>
                       </a:r>
                       <a:r>
-                        <a:rPr lang="en-US" sz="2400" baseline="0" dirty="0" smtClean="0">
+                        <a:rPr lang="en-US" sz="2400" baseline="0" dirty="0">
                           <a:solidFill>
                             <a:schemeClr val="tx1"/>
                           </a:solidFill>
@@ -10856,7 +11151,7 @@
                         <a:t> add a call to a foo-</a:t>
                       </a:r>
                       <a:r>
-                        <a:rPr lang="en-US" sz="2400" baseline="0" dirty="0" err="1" smtClean="0">
+                        <a:rPr lang="en-US" sz="2400" baseline="0" dirty="0" err="1">
                           <a:solidFill>
                             <a:schemeClr val="tx1"/>
                           </a:solidFill>
@@ -10864,7 +11159,7 @@
                         <a:t>fn</a:t>
                       </a:r>
                       <a:r>
-                        <a:rPr lang="en-US" sz="2400" baseline="0" dirty="0" smtClean="0">
+                        <a:rPr lang="en-US" sz="2400" baseline="0" dirty="0">
                           <a:solidFill>
                             <a:schemeClr val="tx1"/>
                           </a:solidFill>
@@ -10880,6 +11175,11 @@
                   </a:txBody>
                   <a:tcPr/>
                 </a:tc>
+                <a:extLst>
+                  <a:ext uri="{0D108BD9-81ED-4DB2-BD59-A6C34878D82A}">
+                    <a16:rowId xmlns:a16="http://schemas.microsoft.com/office/drawing/2014/main" val="10004"/>
+                  </a:ext>
+                </a:extLst>
               </a:tr>
             </a:tbl>
           </a:graphicData>
@@ -10918,13 +11218,6 @@
   <p:clrMapOvr>
     <a:masterClrMapping/>
   </p:clrMapOvr>
-  <p:timing>
-    <p:tnLst>
-      <p:par>
-        <p:cTn id="1" dur="indefinite" restart="never" nodeType="tmRoot"/>
-      </p:par>
-    </p:tnLst>
-  </p:timing>
 </p:sld>
 </file>
 
@@ -10961,10 +11254,9 @@
           <a:lstStyle/>
           <a:p>
             <a:r>
-              <a:rPr lang="en-US" dirty="0" smtClean="0"/>
+              <a:rPr lang="en-US" dirty="0"/>
               <a:t>The System Design Recipe</a:t>
             </a:r>
-            <a:endParaRPr lang="en-US" dirty="0"/>
           </a:p>
         </p:txBody>
       </p:sp>
@@ -10987,7 +11279,13 @@
                 <a:tableStyleId>{5C22544A-7EE6-4342-B048-85BDC9FD1C3A}</a:tableStyleId>
               </a:tblPr>
               <a:tblGrid>
-                <a:gridCol w="8610600"/>
+                <a:gridCol w="8610600">
+                  <a:extLst>
+                    <a:ext uri="{9D8B030D-6E8A-4147-A177-3AD203B41FA5}">
+                      <a16:colId xmlns:a16="http://schemas.microsoft.com/office/drawing/2014/main" val="20000"/>
+                    </a:ext>
+                  </a:extLst>
+                </a:gridCol>
               </a:tblGrid>
               <a:tr h="480281">
                 <a:tc>
@@ -11013,18 +11311,23 @@
                         <a:defRPr/>
                       </a:pPr>
                       <a:r>
-                        <a:rPr lang="en-US" sz="2800" dirty="0" smtClean="0"/>
+                        <a:rPr lang="en-US" sz="2800" dirty="0"/>
                         <a:t>The</a:t>
                       </a:r>
                       <a:r>
-                        <a:rPr lang="en-US" sz="2800" baseline="0" dirty="0" smtClean="0"/>
+                        <a:rPr lang="en-US" sz="2800" baseline="0" dirty="0"/>
                         <a:t> System Design Recipe</a:t>
                       </a:r>
-                      <a:endParaRPr lang="en-US" sz="2800" dirty="0" smtClean="0"/>
+                      <a:endParaRPr lang="en-US" sz="2800" dirty="0"/>
                     </a:p>
                   </a:txBody>
                   <a:tcPr/>
                 </a:tc>
+                <a:extLst>
+                  <a:ext uri="{0D108BD9-81ED-4DB2-BD59-A6C34878D82A}">
+                    <a16:rowId xmlns:a16="http://schemas.microsoft.com/office/drawing/2014/main" val="10000"/>
+                  </a:ext>
+                </a:extLst>
               </a:tr>
               <a:tr h="480281">
                 <a:tc>
@@ -11050,13 +11353,18 @@
                         <a:defRPr/>
                       </a:pPr>
                       <a:r>
-                        <a:rPr lang="en-US" sz="2800" dirty="0" smtClean="0"/>
+                        <a:rPr lang="en-US" sz="2800" dirty="0"/>
                         <a:t>1. Write a purpose statement for your system.</a:t>
                       </a:r>
                     </a:p>
                   </a:txBody>
                   <a:tcPr/>
                 </a:tc>
+                <a:extLst>
+                  <a:ext uri="{0D108BD9-81ED-4DB2-BD59-A6C34878D82A}">
+                    <a16:rowId xmlns:a16="http://schemas.microsoft.com/office/drawing/2014/main" val="10001"/>
+                  </a:ext>
+                </a:extLst>
               </a:tr>
               <a:tr h="828978">
                 <a:tc>
@@ -11082,21 +11390,26 @@
                         <a:defRPr/>
                       </a:pPr>
                       <a:r>
-                        <a:rPr lang="en-US" sz="2800" dirty="0" smtClean="0"/>
+                        <a:rPr lang="en-US" sz="2800" dirty="0"/>
                         <a:t>2. Design data to represent the relevant information</a:t>
                       </a:r>
                       <a:r>
-                        <a:rPr lang="en-US" sz="2800" baseline="0" dirty="0" smtClean="0"/>
+                        <a:rPr lang="en-US" sz="2800" baseline="0" dirty="0"/>
                         <a:t> in </a:t>
                       </a:r>
                       <a:r>
-                        <a:rPr lang="en-US" sz="2800" dirty="0" smtClean="0"/>
+                        <a:rPr lang="en-US" sz="2800" dirty="0"/>
                         <a:t>the world.</a:t>
                       </a:r>
                     </a:p>
                   </a:txBody>
                   <a:tcPr/>
                 </a:tc>
+                <a:extLst>
+                  <a:ext uri="{0D108BD9-81ED-4DB2-BD59-A6C34878D82A}">
+                    <a16:rowId xmlns:a16="http://schemas.microsoft.com/office/drawing/2014/main" val="10002"/>
+                  </a:ext>
+                </a:extLst>
               </a:tr>
               <a:tr h="828978">
                 <a:tc>
@@ -11105,22 +11418,26 @@
                     <a:lstStyle/>
                     <a:p>
                       <a:r>
-                        <a:rPr lang="en-US" sz="2800" dirty="0" smtClean="0"/>
+                        <a:rPr lang="en-US" sz="2800" dirty="0"/>
                         <a:t>3. Make a </a:t>
                       </a:r>
                       <a:r>
-                        <a:rPr lang="en-US" sz="2800" dirty="0" err="1" smtClean="0"/>
+                        <a:rPr lang="en-US" sz="2800" dirty="0" err="1"/>
                         <a:t>wishlist</a:t>
                       </a:r>
                       <a:r>
-                        <a:rPr lang="en-US" sz="2800" dirty="0" smtClean="0"/>
+                        <a:rPr lang="en-US" sz="2800" dirty="0"/>
                         <a:t> of main functions.  Write down their contracts and purpose statements.</a:t>
                       </a:r>
-                      <a:endParaRPr lang="en-US" sz="2800" dirty="0"/>
                     </a:p>
                   </a:txBody>
                   <a:tcPr/>
                 </a:tc>
+                <a:extLst>
+                  <a:ext uri="{0D108BD9-81ED-4DB2-BD59-A6C34878D82A}">
+                    <a16:rowId xmlns:a16="http://schemas.microsoft.com/office/drawing/2014/main" val="10003"/>
+                  </a:ext>
+                </a:extLst>
               </a:tr>
               <a:tr h="480281">
                 <a:tc>
@@ -11129,30 +11446,34 @@
                     <a:lstStyle/>
                     <a:p>
                       <a:r>
-                        <a:rPr lang="en-US" sz="2800" dirty="0" smtClean="0"/>
+                        <a:rPr lang="en-US" sz="2800" dirty="0"/>
                         <a:t>4. Design the individual functions. Maintain a </a:t>
                       </a:r>
                       <a:r>
-                        <a:rPr lang="en-US" sz="2800" dirty="0" err="1" smtClean="0"/>
+                        <a:rPr lang="en-US" sz="2800" dirty="0" err="1"/>
                         <a:t>wishlist</a:t>
                       </a:r>
                       <a:r>
-                        <a:rPr lang="en-US" sz="2800" dirty="0" smtClean="0"/>
+                        <a:rPr lang="en-US" sz="2800" dirty="0"/>
                         <a:t> (or </a:t>
                       </a:r>
                       <a:r>
-                        <a:rPr lang="en-US" sz="2800" dirty="0" err="1" smtClean="0"/>
+                        <a:rPr lang="en-US" sz="2800" dirty="0" err="1"/>
                         <a:t>wishtree</a:t>
                       </a:r>
                       <a:r>
-                        <a:rPr lang="en-US" sz="2800" dirty="0" smtClean="0"/>
+                        <a:rPr lang="en-US" sz="2800" dirty="0"/>
                         <a:t>) of functions you will need to write.</a:t>
                       </a:r>
-                      <a:endParaRPr lang="en-US" sz="2800" dirty="0"/>
                     </a:p>
                   </a:txBody>
                   <a:tcPr/>
                 </a:tc>
+                <a:extLst>
+                  <a:ext uri="{0D108BD9-81ED-4DB2-BD59-A6C34878D82A}">
+                    <a16:rowId xmlns:a16="http://schemas.microsoft.com/office/drawing/2014/main" val="10004"/>
+                  </a:ext>
+                </a:extLst>
               </a:tr>
             </a:tbl>
           </a:graphicData>
@@ -11202,18 +11523,13 @@
           <a:p>
             <a:pPr algn="ctr"/>
             <a:r>
-              <a:rPr lang="en-US" dirty="0" smtClean="0">
+              <a:rPr lang="en-US" dirty="0">
                 <a:solidFill>
                   <a:schemeClr val="tx1"/>
                 </a:solidFill>
               </a:rPr>
               <a:t>How does this relate to the Iterative Design Recipe?</a:t>
             </a:r>
-            <a:endParaRPr lang="en-US" dirty="0">
-              <a:solidFill>
-                <a:schemeClr val="tx1"/>
-              </a:solidFill>
-            </a:endParaRPr>
           </a:p>
         </p:txBody>
       </p:sp>
@@ -11250,13 +11566,6 @@
   <p:clrMapOvr>
     <a:masterClrMapping/>
   </p:clrMapOvr>
-  <p:timing>
-    <p:tnLst>
-      <p:par>
-        <p:cTn id="1" dur="indefinite" restart="never" nodeType="tmRoot"/>
-      </p:par>
-    </p:tnLst>
-  </p:timing>
 </p:sld>
 </file>
 
@@ -11293,10 +11602,9 @@
           <a:lstStyle/>
           <a:p>
             <a:r>
-              <a:rPr lang="en-US" dirty="0" smtClean="0"/>
+              <a:rPr lang="en-US" dirty="0"/>
               <a:t>How to Design Worlds</a:t>
             </a:r>
-            <a:endParaRPr lang="en-US" dirty="0"/>
           </a:p>
         </p:txBody>
       </p:sp>
@@ -11325,7 +11633,13 @@
                 <a:tableStyleId>{5C22544A-7EE6-4342-B048-85BDC9FD1C3A}</a:tableStyleId>
               </a:tblPr>
               <a:tblGrid>
-                <a:gridCol w="8229600"/>
+                <a:gridCol w="8229600">
+                  <a:extLst>
+                    <a:ext uri="{9D8B030D-6E8A-4147-A177-3AD203B41FA5}">
+                      <a16:colId xmlns:a16="http://schemas.microsoft.com/office/drawing/2014/main" val="20000"/>
+                    </a:ext>
+                  </a:extLst>
+                </a:gridCol>
               </a:tblGrid>
               <a:tr h="370840">
                 <a:tc>
@@ -11335,14 +11649,18 @@
                     <a:p>
                       <a:pPr algn="ctr"/>
                       <a:r>
-                        <a:rPr lang="en-US" sz="2400" dirty="0" smtClean="0"/>
+                        <a:rPr lang="en-US" sz="2400" dirty="0"/>
                         <a:t>How to Design Universe Programs</a:t>
                       </a:r>
-                      <a:endParaRPr lang="en-US" sz="2400" dirty="0"/>
                     </a:p>
                   </a:txBody>
                   <a:tcPr/>
                 </a:tc>
+                <a:extLst>
+                  <a:ext uri="{0D108BD9-81ED-4DB2-BD59-A6C34878D82A}">
+                    <a16:rowId xmlns:a16="http://schemas.microsoft.com/office/drawing/2014/main" val="10000"/>
+                  </a:ext>
+                </a:extLst>
               </a:tr>
               <a:tr h="1229360">
                 <a:tc>
@@ -11354,7 +11672,7 @@
                         <a:buAutoNum type="arabicPeriod"/>
                       </a:pPr>
                       <a:r>
-                        <a:rPr lang="en-US" sz="2400" baseline="0" dirty="0" smtClean="0"/>
+                        <a:rPr lang="en-US" sz="2400" baseline="0" dirty="0"/>
                         <a:t>Information Analysis</a:t>
                       </a:r>
                     </a:p>
@@ -11364,7 +11682,7 @@
                         <a:buChar char="•"/>
                       </a:pPr>
                       <a:r>
-                        <a:rPr lang="en-US" sz="2400" baseline="0" dirty="0" smtClean="0"/>
+                        <a:rPr lang="en-US" sz="2400" baseline="0" dirty="0"/>
                         <a:t>What events should the world respond to?</a:t>
                       </a:r>
                     </a:p>
@@ -11374,7 +11692,7 @@
                         <a:buChar char="•"/>
                       </a:pPr>
                       <a:r>
-                        <a:rPr lang="en-US" sz="2400" baseline="0" dirty="0" smtClean="0"/>
+                        <a:rPr lang="en-US" sz="2400" baseline="0" dirty="0"/>
                         <a:t>What information changes in response to an event?</a:t>
                       </a:r>
                     </a:p>
@@ -11384,14 +11702,19 @@
                         <a:buChar char="•"/>
                       </a:pPr>
                       <a:r>
-                        <a:rPr lang="en-US" sz="2400" baseline="0" dirty="0" smtClean="0"/>
+                        <a:rPr lang="en-US" sz="2400" baseline="0" dirty="0"/>
                         <a:t>What information doesn't change in response to an event?</a:t>
                       </a:r>
-                      <a:endParaRPr lang="en-US" sz="2400" dirty="0" smtClean="0"/>
+                      <a:endParaRPr lang="en-US" sz="2400" dirty="0"/>
                     </a:p>
                   </a:txBody>
                   <a:tcPr/>
                 </a:tc>
+                <a:extLst>
+                  <a:ext uri="{0D108BD9-81ED-4DB2-BD59-A6C34878D82A}">
+                    <a16:rowId xmlns:a16="http://schemas.microsoft.com/office/drawing/2014/main" val="10001"/>
+                  </a:ext>
+                </a:extLst>
               </a:tr>
               <a:tr h="370840">
                 <a:tc>
@@ -11400,14 +11723,18 @@
                     <a:lstStyle/>
                     <a:p>
                       <a:r>
-                        <a:rPr lang="en-US" sz="2400" dirty="0" smtClean="0"/>
+                        <a:rPr lang="en-US" sz="2400" dirty="0"/>
                         <a:t>2. From your information analysis, write out the constant definitions and data definitions.</a:t>
                       </a:r>
-                      <a:endParaRPr lang="en-US" sz="2400" dirty="0"/>
                     </a:p>
                   </a:txBody>
                   <a:tcPr/>
                 </a:tc>
+                <a:extLst>
+                  <a:ext uri="{0D108BD9-81ED-4DB2-BD59-A6C34878D82A}">
+                    <a16:rowId xmlns:a16="http://schemas.microsoft.com/office/drawing/2014/main" val="10002"/>
+                  </a:ext>
+                </a:extLst>
               </a:tr>
               <a:tr h="370840">
                 <a:tc>
@@ -11416,22 +11743,26 @@
                     <a:lstStyle/>
                     <a:p>
                       <a:r>
-                        <a:rPr lang="en-US" sz="2400" dirty="0" smtClean="0"/>
+                        <a:rPr lang="en-US" sz="2400" dirty="0"/>
                         <a:t>3. From your list of events, write a </a:t>
                       </a:r>
                       <a:r>
-                        <a:rPr lang="en-US" sz="2400" dirty="0" err="1" smtClean="0"/>
+                        <a:rPr lang="en-US" sz="2400" dirty="0" err="1"/>
                         <a:t>wishlist</a:t>
                       </a:r>
                       <a:r>
-                        <a:rPr lang="en-US" sz="2400" dirty="0" smtClean="0"/>
+                        <a:rPr lang="en-US" sz="2400" dirty="0"/>
                         <a:t> of functions to be designed</a:t>
                       </a:r>
-                      <a:endParaRPr lang="en-US" sz="2400" dirty="0"/>
                     </a:p>
                   </a:txBody>
                   <a:tcPr/>
                 </a:tc>
+                <a:extLst>
+                  <a:ext uri="{0D108BD9-81ED-4DB2-BD59-A6C34878D82A}">
+                    <a16:rowId xmlns:a16="http://schemas.microsoft.com/office/drawing/2014/main" val="10003"/>
+                  </a:ext>
+                </a:extLst>
               </a:tr>
               <a:tr h="370840">
                 <a:tc>
@@ -11440,22 +11771,26 @@
                     <a:lstStyle/>
                     <a:p>
                       <a:r>
-                        <a:rPr lang="en-US" sz="2400" dirty="0" smtClean="0"/>
+                        <a:rPr lang="en-US" sz="2400" dirty="0"/>
                         <a:t>4. Design the functions on your </a:t>
                       </a:r>
                       <a:r>
-                        <a:rPr lang="en-US" sz="2400" dirty="0" err="1" smtClean="0"/>
+                        <a:rPr lang="en-US" sz="2400" dirty="0" err="1"/>
                         <a:t>wishlist</a:t>
                       </a:r>
                       <a:r>
-                        <a:rPr lang="en-US" sz="2400" dirty="0" smtClean="0"/>
+                        <a:rPr lang="en-US" sz="2400" dirty="0"/>
                         <a:t> (use the design recipe!)</a:t>
                       </a:r>
-                      <a:endParaRPr lang="en-US" sz="2400" dirty="0"/>
                     </a:p>
                   </a:txBody>
                   <a:tcPr/>
                 </a:tc>
+                <a:extLst>
+                  <a:ext uri="{0D108BD9-81ED-4DB2-BD59-A6C34878D82A}">
+                    <a16:rowId xmlns:a16="http://schemas.microsoft.com/office/drawing/2014/main" val="10004"/>
+                  </a:ext>
+                </a:extLst>
               </a:tr>
             </a:tbl>
           </a:graphicData>
@@ -11505,18 +11840,13 @@
           <a:p>
             <a:pPr algn="ctr"/>
             <a:r>
-              <a:rPr lang="en-US" dirty="0" smtClean="0">
+              <a:rPr lang="en-US" dirty="0">
                 <a:solidFill>
                   <a:schemeClr val="tx1"/>
                 </a:solidFill>
               </a:rPr>
               <a:t>This is an instance of the System Design Recipe (!)</a:t>
             </a:r>
-            <a:endParaRPr lang="en-US" dirty="0">
-              <a:solidFill>
-                <a:schemeClr val="tx1"/>
-              </a:solidFill>
-            </a:endParaRPr>
           </a:p>
         </p:txBody>
       </p:sp>
@@ -11553,13 +11883,6 @@
   <p:clrMapOvr>
     <a:masterClrMapping/>
   </p:clrMapOvr>
-  <p:timing>
-    <p:tnLst>
-      <p:par>
-        <p:cTn id="1" dur="indefinite" restart="never" nodeType="tmRoot"/>
-      </p:par>
-    </p:tnLst>
-  </p:timing>
 </p:sld>
 </file>
 
@@ -11596,10 +11919,9 @@
           <a:lstStyle/>
           <a:p>
             <a:r>
-              <a:rPr lang="en-US" dirty="0" smtClean="0"/>
+              <a:rPr lang="en-US" dirty="0"/>
               <a:t>The Iterative Design Recipe</a:t>
             </a:r>
-            <a:endParaRPr lang="en-US" dirty="0"/>
           </a:p>
         </p:txBody>
       </p:sp>
@@ -11625,7 +11947,13 @@
                 <a:tableStyleId>{5C22544A-7EE6-4342-B048-85BDC9FD1C3A}</a:tableStyleId>
               </a:tblPr>
               <a:tblGrid>
-                <a:gridCol w="8229600"/>
+                <a:gridCol w="8229600">
+                  <a:extLst>
+                    <a:ext uri="{9D8B030D-6E8A-4147-A177-3AD203B41FA5}">
+                      <a16:colId xmlns:a16="http://schemas.microsoft.com/office/drawing/2014/main" val="20000"/>
+                    </a:ext>
+                  </a:extLst>
+                </a:gridCol>
               </a:tblGrid>
               <a:tr h="370840">
                 <a:tc>
@@ -11634,14 +11962,18 @@
                     <a:lstStyle/>
                     <a:p>
                       <a:r>
-                        <a:rPr lang="en-US" sz="3200" dirty="0" smtClean="0"/>
+                        <a:rPr lang="en-US" sz="3200" dirty="0"/>
                         <a:t>Adding a New Feature to an Existing Program</a:t>
                       </a:r>
-                      <a:endParaRPr lang="en-US" sz="3200" dirty="0"/>
                     </a:p>
                   </a:txBody>
                   <a:tcPr/>
                 </a:tc>
+                <a:extLst>
+                  <a:ext uri="{0D108BD9-81ED-4DB2-BD59-A6C34878D82A}">
+                    <a16:rowId xmlns:a16="http://schemas.microsoft.com/office/drawing/2014/main" val="10000"/>
+                  </a:ext>
+                </a:extLst>
               </a:tr>
               <a:tr h="370840">
                 <a:tc>
@@ -11653,17 +11985,22 @@
                         <a:buNone/>
                       </a:pPr>
                       <a:r>
-                        <a:rPr lang="en-US" sz="3200" dirty="0" smtClean="0"/>
+                        <a:rPr lang="en-US" sz="3200" dirty="0"/>
                         <a:t>1. Perform</a:t>
                       </a:r>
                       <a:r>
-                        <a:rPr lang="en-US" sz="3200" baseline="0" dirty="0" smtClean="0"/>
+                        <a:rPr lang="en-US" sz="3200" baseline="0" dirty="0"/>
                         <a:t> information analysis for new feature</a:t>
                       </a:r>
                     </a:p>
                   </a:txBody>
                   <a:tcPr/>
                 </a:tc>
+                <a:extLst>
+                  <a:ext uri="{0D108BD9-81ED-4DB2-BD59-A6C34878D82A}">
+                    <a16:rowId xmlns:a16="http://schemas.microsoft.com/office/drawing/2014/main" val="10001"/>
+                  </a:ext>
+                </a:extLst>
               </a:tr>
               <a:tr h="370840">
                 <a:tc>
@@ -11672,11 +12009,11 @@
                     <a:lstStyle/>
                     <a:p>
                       <a:r>
-                        <a:rPr lang="en-US" sz="3200" dirty="0" smtClean="0"/>
+                        <a:rPr lang="en-US" sz="3200" dirty="0"/>
                         <a:t>2. Modify data definitions</a:t>
                       </a:r>
                       <a:r>
-                        <a:rPr lang="en-US" sz="3200" baseline="0" dirty="0" smtClean="0"/>
+                        <a:rPr lang="en-US" sz="3200" baseline="0" dirty="0"/>
                         <a:t> as needed</a:t>
                       </a:r>
                       <a:endParaRPr lang="en-US" sz="3200" dirty="0"/>
@@ -11684,6 +12021,11 @@
                   </a:txBody>
                   <a:tcPr/>
                 </a:tc>
+                <a:extLst>
+                  <a:ext uri="{0D108BD9-81ED-4DB2-BD59-A6C34878D82A}">
+                    <a16:rowId xmlns:a16="http://schemas.microsoft.com/office/drawing/2014/main" val="10002"/>
+                  </a:ext>
+                </a:extLst>
               </a:tr>
               <a:tr h="370840">
                 <a:tc>
@@ -11692,17 +12034,22 @@
                     <a:lstStyle/>
                     <a:p>
                       <a:r>
-                        <a:rPr lang="en-US" sz="3200" dirty="0" smtClean="0"/>
+                        <a:rPr lang="en-US" sz="3200" dirty="0"/>
                         <a:t>3. Update existing functions to work with</a:t>
                       </a:r>
                       <a:r>
-                        <a:rPr lang="en-US" sz="3200" baseline="0" dirty="0" smtClean="0"/>
+                        <a:rPr lang="en-US" sz="3200" baseline="0" dirty="0"/>
                         <a:t> new data definitions</a:t>
                       </a:r>
                     </a:p>
                   </a:txBody>
                   <a:tcPr/>
                 </a:tc>
+                <a:extLst>
+                  <a:ext uri="{0D108BD9-81ED-4DB2-BD59-A6C34878D82A}">
+                    <a16:rowId xmlns:a16="http://schemas.microsoft.com/office/drawing/2014/main" val="10003"/>
+                  </a:ext>
+                </a:extLst>
               </a:tr>
               <a:tr h="370840">
                 <a:tc>
@@ -11711,22 +12058,26 @@
                     <a:lstStyle/>
                     <a:p>
                       <a:r>
-                        <a:rPr lang="en-US" sz="3200" dirty="0" smtClean="0"/>
+                        <a:rPr lang="en-US" sz="3200" dirty="0"/>
                         <a:t>4. Write </a:t>
                       </a:r>
                       <a:r>
-                        <a:rPr lang="en-US" sz="3200" dirty="0" err="1" smtClean="0"/>
+                        <a:rPr lang="en-US" sz="3200" dirty="0" err="1"/>
                         <a:t>wishlist</a:t>
                       </a:r>
                       <a:r>
-                        <a:rPr lang="en-US" sz="3200" dirty="0" smtClean="0"/>
+                        <a:rPr lang="en-US" sz="3200" dirty="0"/>
                         <a:t> of functions for new feature</a:t>
                       </a:r>
-                      <a:endParaRPr lang="en-US" sz="3200" dirty="0"/>
                     </a:p>
                   </a:txBody>
                   <a:tcPr/>
                 </a:tc>
+                <a:extLst>
+                  <a:ext uri="{0D108BD9-81ED-4DB2-BD59-A6C34878D82A}">
+                    <a16:rowId xmlns:a16="http://schemas.microsoft.com/office/drawing/2014/main" val="10004"/>
+                  </a:ext>
+                </a:extLst>
               </a:tr>
               <a:tr h="370840">
                 <a:tc>
@@ -11735,17 +12086,22 @@
                     <a:lstStyle/>
                     <a:p>
                       <a:r>
-                        <a:rPr lang="en-US" sz="3200" dirty="0" smtClean="0"/>
+                        <a:rPr lang="en-US" sz="3200" dirty="0"/>
                         <a:t>5. Design new functions following the Design</a:t>
                       </a:r>
                       <a:r>
-                        <a:rPr lang="en-US" sz="3200" baseline="0" dirty="0" smtClean="0"/>
+                        <a:rPr lang="en-US" sz="3200" baseline="0" dirty="0"/>
                         <a:t> Recipe</a:t>
                       </a:r>
                     </a:p>
                   </a:txBody>
                   <a:tcPr/>
                 </a:tc>
+                <a:extLst>
+                  <a:ext uri="{0D108BD9-81ED-4DB2-BD59-A6C34878D82A}">
+                    <a16:rowId xmlns:a16="http://schemas.microsoft.com/office/drawing/2014/main" val="10005"/>
+                  </a:ext>
+                </a:extLst>
               </a:tr>
               <a:tr h="370840">
                 <a:tc>
@@ -11754,13 +12110,18 @@
                     <a:lstStyle/>
                     <a:p>
                       <a:r>
-                        <a:rPr lang="en-US" sz="3200" baseline="0" dirty="0" smtClean="0"/>
+                        <a:rPr lang="en-US" sz="3200" baseline="0" dirty="0"/>
                         <a:t>6. Repeat for the next new feature</a:t>
                       </a:r>
                     </a:p>
                   </a:txBody>
                   <a:tcPr/>
                 </a:tc>
+                <a:extLst>
+                  <a:ext uri="{0D108BD9-81ED-4DB2-BD59-A6C34878D82A}">
+                    <a16:rowId xmlns:a16="http://schemas.microsoft.com/office/drawing/2014/main" val="10006"/>
+                  </a:ext>
+                </a:extLst>
               </a:tr>
             </a:tbl>
           </a:graphicData>
@@ -11799,13 +12160,6 @@
   <p:clrMapOvr>
     <a:masterClrMapping/>
   </p:clrMapOvr>
-  <p:timing>
-    <p:tnLst>
-      <p:par>
-        <p:cTn id="1" dur="indefinite" restart="never" nodeType="tmRoot"/>
-      </p:par>
-    </p:tnLst>
-  </p:timing>
 </p:sld>
 </file>
 
@@ -11842,10 +12196,9 @@
           <a:lstStyle/>
           <a:p>
             <a:r>
-              <a:rPr lang="en-US" dirty="0" smtClean="0"/>
+              <a:rPr lang="en-US" dirty="0"/>
               <a:t>The Recursion Recipe</a:t>
             </a:r>
-            <a:endParaRPr lang="en-US" dirty="0"/>
           </a:p>
         </p:txBody>
       </p:sp>
@@ -11870,7 +12223,13 @@
                 <a:tableStyleId>{5C22544A-7EE6-4342-B048-85BDC9FD1C3A}</a:tableStyleId>
               </a:tblPr>
               <a:tblGrid>
-                <a:gridCol w="8229600"/>
+                <a:gridCol w="8229600">
+                  <a:extLst>
+                    <a:ext uri="{9D8B030D-6E8A-4147-A177-3AD203B41FA5}">
+                      <a16:colId xmlns:a16="http://schemas.microsoft.com/office/drawing/2014/main" val="20000"/>
+                    </a:ext>
+                  </a:extLst>
+                </a:gridCol>
               </a:tblGrid>
               <a:tr h="370840">
                 <a:tc>
@@ -11880,11 +12239,11 @@
                     <a:p>
                       <a:pPr algn="ctr"/>
                       <a:r>
-                        <a:rPr lang="en-US" sz="3200" dirty="0" smtClean="0"/>
+                        <a:rPr lang="en-US" sz="3200" dirty="0"/>
                         <a:t>Recursion</a:t>
                       </a:r>
                       <a:r>
-                        <a:rPr lang="en-US" sz="3200" baseline="0" dirty="0" smtClean="0"/>
+                        <a:rPr lang="en-US" sz="3200" baseline="0" dirty="0"/>
                         <a:t> and Self-Reference</a:t>
                       </a:r>
                       <a:endParaRPr lang="en-US" sz="3200" dirty="0"/>
@@ -11892,6 +12251,11 @@
                   </a:txBody>
                   <a:tcPr/>
                 </a:tc>
+                <a:extLst>
+                  <a:ext uri="{0D108BD9-81ED-4DB2-BD59-A6C34878D82A}">
+                    <a16:rowId xmlns:a16="http://schemas.microsoft.com/office/drawing/2014/main" val="10000"/>
+                  </a:ext>
+                </a:extLst>
               </a:tr>
               <a:tr h="370840">
                 <a:tc>
@@ -11917,11 +12281,11 @@
                         <a:defRPr/>
                       </a:pPr>
                       <a:r>
-                        <a:rPr lang="en-US" sz="3200" dirty="0" smtClean="0"/>
+                        <a:rPr lang="en-US" sz="3200" dirty="0"/>
                         <a:t>Represent arbitrary-sized information using a </a:t>
                       </a:r>
                       <a:r>
-                        <a:rPr lang="en-US" sz="3200" i="1" dirty="0" smtClean="0">
+                        <a:rPr lang="en-US" sz="3200" i="1" dirty="0">
                           <a:solidFill>
                             <a:srgbClr val="FF0000"/>
                           </a:solidFill>
@@ -11929,11 +12293,11 @@
                         <a:t>self-referential</a:t>
                       </a:r>
                       <a:r>
-                        <a:rPr lang="en-US" sz="3200" dirty="0" smtClean="0"/>
+                        <a:rPr lang="en-US" sz="3200" dirty="0"/>
                         <a:t> (or </a:t>
                       </a:r>
                       <a:r>
-                        <a:rPr lang="en-US" sz="3200" i="1" dirty="0" smtClean="0">
+                        <a:rPr lang="en-US" sz="3200" i="1" dirty="0">
                           <a:solidFill>
                             <a:srgbClr val="FF0000"/>
                           </a:solidFill>
@@ -11941,14 +12305,18 @@
                         <a:t>recursive</a:t>
                       </a:r>
                       <a:r>
-                        <a:rPr lang="en-US" sz="3200" dirty="0" smtClean="0"/>
+                        <a:rPr lang="en-US" sz="3200" dirty="0"/>
                         <a:t>) data definition.</a:t>
                       </a:r>
-                      <a:endParaRPr lang="en-US" sz="3200" dirty="0"/>
                     </a:p>
                   </a:txBody>
                   <a:tcPr/>
                 </a:tc>
+                <a:extLst>
+                  <a:ext uri="{0D108BD9-81ED-4DB2-BD59-A6C34878D82A}">
+                    <a16:rowId xmlns:a16="http://schemas.microsoft.com/office/drawing/2014/main" val="10001"/>
+                  </a:ext>
+                </a:extLst>
               </a:tr>
               <a:tr h="370840">
                 <a:tc>
@@ -11957,14 +12325,18 @@
                     <a:lstStyle/>
                     <a:p>
                       <a:r>
-                        <a:rPr lang="en-US" sz="3200" dirty="0" smtClean="0"/>
+                        <a:rPr lang="en-US" sz="3200" dirty="0"/>
                         <a:t>Self-reference in the data definition leads to self-reference in the template</a:t>
                       </a:r>
-                      <a:endParaRPr lang="en-US" sz="3200" dirty="0"/>
                     </a:p>
                   </a:txBody>
                   <a:tcPr/>
                 </a:tc>
+                <a:extLst>
+                  <a:ext uri="{0D108BD9-81ED-4DB2-BD59-A6C34878D82A}">
+                    <a16:rowId xmlns:a16="http://schemas.microsoft.com/office/drawing/2014/main" val="10002"/>
+                  </a:ext>
+                </a:extLst>
               </a:tr>
               <a:tr h="370840">
                 <a:tc>
@@ -11990,14 +12362,18 @@
                         <a:defRPr/>
                       </a:pPr>
                       <a:r>
-                        <a:rPr lang="en-US" sz="3200" dirty="0" smtClean="0"/>
+                        <a:rPr lang="en-US" sz="3200" dirty="0"/>
                         <a:t>Self-reference in the template leads to self-reference in the code.</a:t>
                       </a:r>
-                      <a:endParaRPr lang="en-US" sz="3200" dirty="0"/>
                     </a:p>
                   </a:txBody>
                   <a:tcPr/>
                 </a:tc>
+                <a:extLst>
+                  <a:ext uri="{0D108BD9-81ED-4DB2-BD59-A6C34878D82A}">
+                    <a16:rowId xmlns:a16="http://schemas.microsoft.com/office/drawing/2014/main" val="10003"/>
+                  </a:ext>
+                </a:extLst>
               </a:tr>
             </a:tbl>
           </a:graphicData>
@@ -12036,13 +12412,6 @@
   <p:clrMapOvr>
     <a:masterClrMapping/>
   </p:clrMapOvr>
-  <p:timing>
-    <p:tnLst>
-      <p:par>
-        <p:cTn id="1" dur="indefinite" restart="never" nodeType="tmRoot"/>
-      </p:par>
-    </p:tnLst>
-  </p:timing>
 </p:sld>
 </file>
 
@@ -12079,10 +12448,9 @@
           <a:lstStyle/>
           <a:p>
             <a:r>
-              <a:rPr lang="en-US" dirty="0" smtClean="0"/>
+              <a:rPr lang="en-US" dirty="0"/>
               <a:t>Uses of Examples</a:t>
             </a:r>
-            <a:endParaRPr lang="en-US" dirty="0"/>
           </a:p>
         </p:txBody>
       </p:sp>
@@ -12112,7 +12480,13 @@
                 <a:tableStyleId>{5C22544A-7EE6-4342-B048-85BDC9FD1C3A}</a:tableStyleId>
               </a:tblPr>
               <a:tblGrid>
-                <a:gridCol w="8229600"/>
+                <a:gridCol w="8229600">
+                  <a:extLst>
+                    <a:ext uri="{9D8B030D-6E8A-4147-A177-3AD203B41FA5}">
+                      <a16:colId xmlns:a16="http://schemas.microsoft.com/office/drawing/2014/main" val="20000"/>
+                    </a:ext>
+                  </a:extLst>
+                </a:gridCol>
               </a:tblGrid>
               <a:tr h="370840">
                 <a:tc>
@@ -12122,14 +12496,18 @@
                     <a:p>
                       <a:pPr algn="ctr"/>
                       <a:r>
-                        <a:rPr lang="en-US" sz="3200" dirty="0" smtClean="0"/>
+                        <a:rPr lang="en-US" sz="3200" dirty="0"/>
                         <a:t>Uses of Examples</a:t>
                       </a:r>
-                      <a:endParaRPr lang="en-US" sz="3200" dirty="0"/>
                     </a:p>
                   </a:txBody>
                   <a:tcPr/>
                 </a:tc>
+                <a:extLst>
+                  <a:ext uri="{0D108BD9-81ED-4DB2-BD59-A6C34878D82A}">
+                    <a16:rowId xmlns:a16="http://schemas.microsoft.com/office/drawing/2014/main" val="10000"/>
+                  </a:ext>
+                </a:extLst>
               </a:tr>
               <a:tr h="370840">
                 <a:tc>
@@ -12141,17 +12519,22 @@
                         <a:buNone/>
                       </a:pPr>
                       <a:r>
-                        <a:rPr lang="en-US" sz="3200" dirty="0" smtClean="0"/>
+                        <a:rPr lang="en-US" sz="3200" dirty="0"/>
                         <a:t>1. Clarify purpose statement for</a:t>
                       </a:r>
                       <a:r>
-                        <a:rPr lang="en-US" sz="3200" baseline="0" dirty="0" smtClean="0"/>
+                        <a:rPr lang="en-US" sz="3200" baseline="0" dirty="0"/>
                         <a:t> YOU</a:t>
                       </a:r>
                     </a:p>
                   </a:txBody>
                   <a:tcPr/>
                 </a:tc>
+                <a:extLst>
+                  <a:ext uri="{0D108BD9-81ED-4DB2-BD59-A6C34878D82A}">
+                    <a16:rowId xmlns:a16="http://schemas.microsoft.com/office/drawing/2014/main" val="10001"/>
+                  </a:ext>
+                </a:extLst>
               </a:tr>
               <a:tr h="370840">
                 <a:tc>
@@ -12160,11 +12543,11 @@
                     <a:lstStyle/>
                     <a:p>
                       <a:r>
-                        <a:rPr lang="en-US" sz="3200" dirty="0" smtClean="0"/>
+                        <a:rPr lang="en-US" sz="3200" dirty="0"/>
                         <a:t>2. Clarify purpose statement</a:t>
                       </a:r>
                       <a:r>
-                        <a:rPr lang="en-US" sz="3200" baseline="0" dirty="0" smtClean="0"/>
+                        <a:rPr lang="en-US" sz="3200" baseline="0" dirty="0"/>
                         <a:t> for the reader</a:t>
                       </a:r>
                       <a:endParaRPr lang="en-US" sz="3200" dirty="0"/>
@@ -12172,6 +12555,11 @@
                   </a:txBody>
                   <a:tcPr/>
                 </a:tc>
+                <a:extLst>
+                  <a:ext uri="{0D108BD9-81ED-4DB2-BD59-A6C34878D82A}">
+                    <a16:rowId xmlns:a16="http://schemas.microsoft.com/office/drawing/2014/main" val="10002"/>
+                  </a:ext>
+                </a:extLst>
               </a:tr>
               <a:tr h="370840">
                 <a:tc>
@@ -12180,17 +12568,22 @@
                     <a:lstStyle/>
                     <a:p>
                       <a:r>
-                        <a:rPr lang="en-US" sz="3200" dirty="0" smtClean="0"/>
+                        <a:rPr lang="en-US" sz="3200" dirty="0"/>
                         <a:t>3. Document calling sequence, etc., for the user</a:t>
                       </a:r>
                       <a:r>
-                        <a:rPr lang="en-US" sz="3200" baseline="0" dirty="0" smtClean="0"/>
+                        <a:rPr lang="en-US" sz="3200" baseline="0" dirty="0"/>
                         <a:t> (the person who will be calling this function)</a:t>
                       </a:r>
                     </a:p>
                   </a:txBody>
                   <a:tcPr/>
                 </a:tc>
+                <a:extLst>
+                  <a:ext uri="{0D108BD9-81ED-4DB2-BD59-A6C34878D82A}">
+                    <a16:rowId xmlns:a16="http://schemas.microsoft.com/office/drawing/2014/main" val="10003"/>
+                  </a:ext>
+                </a:extLst>
               </a:tr>
               <a:tr h="370840">
                 <a:tc>
@@ -12199,14 +12592,18 @@
                     <a:lstStyle/>
                     <a:p>
                       <a:r>
-                        <a:rPr lang="en-US" sz="3200" dirty="0" smtClean="0"/>
+                        <a:rPr lang="en-US" sz="3200" dirty="0"/>
                         <a:t>4. Serve as basis for acceptance tests</a:t>
                       </a:r>
-                      <a:endParaRPr lang="en-US" sz="3200" dirty="0"/>
                     </a:p>
                   </a:txBody>
                   <a:tcPr/>
                 </a:tc>
+                <a:extLst>
+                  <a:ext uri="{0D108BD9-81ED-4DB2-BD59-A6C34878D82A}">
+                    <a16:rowId xmlns:a16="http://schemas.microsoft.com/office/drawing/2014/main" val="10004"/>
+                  </a:ext>
+                </a:extLst>
               </a:tr>
             </a:tbl>
           </a:graphicData>
@@ -12245,13 +12642,6 @@
   <p:clrMapOvr>
     <a:masterClrMapping/>
   </p:clrMapOvr>
-  <p:timing>
-    <p:tnLst>
-      <p:par>
-        <p:cTn id="1" dur="indefinite" restart="never" nodeType="tmRoot"/>
-      </p:par>
-    </p:tnLst>
-  </p:timing>
 </p:sld>
 </file>
 
@@ -12288,10 +12678,9 @@
           <a:lstStyle/>
           <a:p>
             <a:r>
-              <a:rPr lang="en-US" dirty="0" smtClean="0"/>
+              <a:rPr lang="en-US" dirty="0"/>
               <a:t>Introduction</a:t>
             </a:r>
-            <a:endParaRPr lang="en-US" dirty="0"/>
           </a:p>
         </p:txBody>
       </p:sp>
@@ -12347,13 +12736,6 @@
   <p:clrMapOvr>
     <a:masterClrMapping/>
   </p:clrMapOvr>
-  <p:timing>
-    <p:tnLst>
-      <p:par>
-        <p:cTn id="1" dur="indefinite" restart="never" nodeType="tmRoot"/>
-      </p:par>
-    </p:tnLst>
-  </p:timing>
 </p:sld>
 </file>
 
@@ -12390,10 +12772,9 @@
           <a:lstStyle/>
           <a:p>
             <a:r>
-              <a:rPr lang="en-US" dirty="0" smtClean="0"/>
+              <a:rPr lang="en-US" dirty="0"/>
               <a:t>The Program Review Recipe</a:t>
             </a:r>
-            <a:endParaRPr lang="en-US" dirty="0"/>
           </a:p>
         </p:txBody>
       </p:sp>
@@ -12423,7 +12804,13 @@
                 <a:tableStyleId>{5C22544A-7EE6-4342-B048-85BDC9FD1C3A}</a:tableStyleId>
               </a:tblPr>
               <a:tblGrid>
-                <a:gridCol w="8229600"/>
+                <a:gridCol w="8229600">
+                  <a:extLst>
+                    <a:ext uri="{9D8B030D-6E8A-4147-A177-3AD203B41FA5}">
+                      <a16:colId xmlns:a16="http://schemas.microsoft.com/office/drawing/2014/main" val="20000"/>
+                    </a:ext>
+                  </a:extLst>
+                </a:gridCol>
               </a:tblGrid>
               <a:tr h="370840">
                 <a:tc>
@@ -12433,14 +12820,18 @@
                     <a:p>
                       <a:pPr algn="ctr"/>
                       <a:r>
-                        <a:rPr lang="en-US" sz="3200" dirty="0" smtClean="0"/>
+                        <a:rPr lang="en-US" sz="3200" dirty="0"/>
                         <a:t>The Program Review Recipe</a:t>
                       </a:r>
-                      <a:endParaRPr lang="en-US" sz="3200" dirty="0"/>
                     </a:p>
                   </a:txBody>
                   <a:tcPr/>
                 </a:tc>
+                <a:extLst>
+                  <a:ext uri="{0D108BD9-81ED-4DB2-BD59-A6C34878D82A}">
+                    <a16:rowId xmlns:a16="http://schemas.microsoft.com/office/drawing/2014/main" val="10000"/>
+                  </a:ext>
+                </a:extLst>
               </a:tr>
               <a:tr h="370840">
                 <a:tc>
@@ -12452,14 +12843,19 @@
                         <a:buNone/>
                       </a:pPr>
                       <a:r>
-                        <a:rPr lang="en-US" sz="3200" dirty="0" smtClean="0"/>
+                        <a:rPr lang="en-US" sz="3200" dirty="0"/>
                         <a:t>1. Do all the tests pass?</a:t>
                       </a:r>
-                      <a:endParaRPr lang="en-US" sz="3200" baseline="0" dirty="0" smtClean="0"/>
+                      <a:endParaRPr lang="en-US" sz="3200" baseline="0" dirty="0"/>
                     </a:p>
                   </a:txBody>
                   <a:tcPr/>
                 </a:tc>
+                <a:extLst>
+                  <a:ext uri="{0D108BD9-81ED-4DB2-BD59-A6C34878D82A}">
+                    <a16:rowId xmlns:a16="http://schemas.microsoft.com/office/drawing/2014/main" val="10001"/>
+                  </a:ext>
+                </a:extLst>
               </a:tr>
               <a:tr h="370840">
                 <a:tc>
@@ -12468,14 +12864,18 @@
                     <a:lstStyle/>
                     <a:p>
                       <a:r>
-                        <a:rPr lang="en-US" sz="3200" dirty="0" smtClean="0"/>
+                        <a:rPr lang="en-US" sz="3200" dirty="0"/>
                         <a:t>2. Are the contracts accurate?</a:t>
                       </a:r>
-                      <a:endParaRPr lang="en-US" sz="3200" dirty="0"/>
                     </a:p>
                   </a:txBody>
                   <a:tcPr/>
                 </a:tc>
+                <a:extLst>
+                  <a:ext uri="{0D108BD9-81ED-4DB2-BD59-A6C34878D82A}">
+                    <a16:rowId xmlns:a16="http://schemas.microsoft.com/office/drawing/2014/main" val="10002"/>
+                  </a:ext>
+                </a:extLst>
               </a:tr>
               <a:tr h="370840">
                 <a:tc>
@@ -12484,17 +12884,22 @@
                     <a:lstStyle/>
                     <a:p>
                       <a:r>
-                        <a:rPr lang="en-US" sz="3200" dirty="0" smtClean="0"/>
+                        <a:rPr lang="en-US" sz="3200" dirty="0"/>
                         <a:t>3. Are the</a:t>
                       </a:r>
                       <a:r>
-                        <a:rPr lang="en-US" sz="3200" baseline="0" dirty="0" smtClean="0"/>
+                        <a:rPr lang="en-US" sz="3200" baseline="0" dirty="0"/>
                         <a:t> purpose statements clear and accurate?</a:t>
                       </a:r>
                     </a:p>
                   </a:txBody>
                   <a:tcPr/>
                 </a:tc>
+                <a:extLst>
+                  <a:ext uri="{0D108BD9-81ED-4DB2-BD59-A6C34878D82A}">
+                    <a16:rowId xmlns:a16="http://schemas.microsoft.com/office/drawing/2014/main" val="10003"/>
+                  </a:ext>
+                </a:extLst>
               </a:tr>
               <a:tr h="370840">
                 <a:tc>
@@ -12503,11 +12908,11 @@
                     <a:lstStyle/>
                     <a:p>
                       <a:r>
-                        <a:rPr lang="en-US" sz="3200" dirty="0" smtClean="0"/>
+                        <a:rPr lang="en-US" sz="3200" dirty="0"/>
                         <a:t>4. Are there ugly pieces of code that should be broken</a:t>
                       </a:r>
                       <a:r>
-                        <a:rPr lang="en-US" sz="3200" baseline="0" dirty="0" smtClean="0"/>
+                        <a:rPr lang="en-US" sz="3200" baseline="0" dirty="0"/>
                         <a:t> out into their own functions?</a:t>
                       </a:r>
                       <a:endParaRPr lang="en-US" sz="3200" dirty="0"/>
@@ -12515,6 +12920,11 @@
                   </a:txBody>
                   <a:tcPr/>
                 </a:tc>
+                <a:extLst>
+                  <a:ext uri="{0D108BD9-81ED-4DB2-BD59-A6C34878D82A}">
+                    <a16:rowId xmlns:a16="http://schemas.microsoft.com/office/drawing/2014/main" val="10004"/>
+                  </a:ext>
+                </a:extLst>
               </a:tr>
               <a:tr h="370840">
                 <a:tc>
@@ -12523,11 +12933,11 @@
                     <a:lstStyle/>
                     <a:p>
                       <a:r>
-                        <a:rPr lang="en-US" sz="3200" dirty="0" smtClean="0"/>
+                        <a:rPr lang="en-US" sz="3200" dirty="0"/>
                         <a:t>5. Are there pieces of code</a:t>
                       </a:r>
                       <a:r>
-                        <a:rPr lang="en-US" sz="3200" baseline="0" dirty="0" smtClean="0"/>
+                        <a:rPr lang="en-US" sz="3200" baseline="0" dirty="0"/>
                         <a:t> that are duplicated (or almost duplicated) and should be made into independent functions?</a:t>
                       </a:r>
                       <a:endParaRPr lang="en-US" sz="3200" dirty="0"/>
@@ -12535,6 +12945,11 @@
                   </a:txBody>
                   <a:tcPr/>
                 </a:tc>
+                <a:extLst>
+                  <a:ext uri="{0D108BD9-81ED-4DB2-BD59-A6C34878D82A}">
+                    <a16:rowId xmlns:a16="http://schemas.microsoft.com/office/drawing/2014/main" val="10005"/>
+                  </a:ext>
+                </a:extLst>
               </a:tr>
             </a:tbl>
           </a:graphicData>
@@ -12573,13 +12988,6 @@
   <p:clrMapOvr>
     <a:masterClrMapping/>
   </p:clrMapOvr>
-  <p:timing>
-    <p:tnLst>
-      <p:par>
-        <p:cTn id="1" dur="indefinite" restart="never" nodeType="tmRoot"/>
-      </p:par>
-    </p:tnLst>
-  </p:timing>
 </p:sld>
 </file>
 
@@ -12616,10 +13024,9 @@
           <a:lstStyle/>
           <a:p>
             <a:r>
-              <a:rPr lang="en-US" dirty="0" smtClean="0"/>
+              <a:rPr lang="en-US" dirty="0"/>
               <a:t>Learning Objectives</a:t>
             </a:r>
-            <a:endParaRPr lang="en-US" dirty="0"/>
           </a:p>
         </p:txBody>
       </p:sp>
@@ -12639,31 +13046,30 @@
           <a:lstStyle/>
           <a:p>
             <a:r>
-              <a:rPr lang="en-US" dirty="0" smtClean="0"/>
+              <a:rPr lang="en-US" dirty="0"/>
               <a:t>At the end of this lesson you should be able to:</a:t>
             </a:r>
           </a:p>
           <a:p>
             <a:pPr lvl="1"/>
             <a:r>
-              <a:rPr lang="en-US" dirty="0" smtClean="0"/>
+              <a:rPr lang="en-US" dirty="0"/>
               <a:t>...</a:t>
             </a:r>
           </a:p>
           <a:p>
             <a:pPr lvl="1"/>
             <a:r>
-              <a:rPr lang="en-US" dirty="0" smtClean="0"/>
+              <a:rPr lang="en-US" dirty="0"/>
               <a:t>...</a:t>
             </a:r>
           </a:p>
           <a:p>
             <a:pPr lvl="1"/>
             <a:r>
-              <a:rPr lang="en-US" dirty="0" smtClean="0"/>
+              <a:rPr lang="en-US" dirty="0"/>
               <a:t>...</a:t>
             </a:r>
-            <a:endParaRPr lang="en-US" dirty="0"/>
           </a:p>
         </p:txBody>
       </p:sp>
@@ -12700,13 +13106,6 @@
   <p:clrMapOvr>
     <a:masterClrMapping/>
   </p:clrMapOvr>
-  <p:timing>
-    <p:tnLst>
-      <p:par>
-        <p:cTn id="1" dur="indefinite" restart="never" nodeType="tmRoot"/>
-      </p:par>
-    </p:tnLst>
-  </p:timing>
 </p:sld>
 </file>
 
@@ -12743,10 +13142,9 @@
           <a:lstStyle/>
           <a:p>
             <a:r>
-              <a:rPr lang="en-US" dirty="0" smtClean="0"/>
+              <a:rPr lang="en-US" dirty="0"/>
               <a:t>Outline</a:t>
             </a:r>
-            <a:endParaRPr lang="en-US" dirty="0"/>
           </a:p>
         </p:txBody>
       </p:sp>
@@ -12802,13 +13200,6 @@
   <p:clrMapOvr>
     <a:masterClrMapping/>
   </p:clrMapOvr>
-  <p:timing>
-    <p:tnLst>
-      <p:par>
-        <p:cTn id="1" dur="indefinite" restart="never" nodeType="tmRoot"/>
-      </p:par>
-    </p:tnLst>
-  </p:timing>
 </p:sld>
 </file>
 
@@ -12845,10 +13236,9 @@
           <a:lstStyle/>
           <a:p>
             <a:r>
-              <a:rPr lang="en-US" dirty="0" smtClean="0"/>
+              <a:rPr lang="en-US" dirty="0"/>
               <a:t>Summary</a:t>
             </a:r>
-            <a:endParaRPr lang="en-US" dirty="0"/>
           </a:p>
         </p:txBody>
       </p:sp>
@@ -12868,10 +13258,9 @@
           <a:lstStyle/>
           <a:p>
             <a:r>
-              <a:rPr lang="en-US" dirty="0" smtClean="0"/>
+              <a:rPr lang="en-US" dirty="0"/>
               <a:t>You should now be able to</a:t>
             </a:r>
-            <a:endParaRPr lang="en-US" dirty="0"/>
           </a:p>
         </p:txBody>
       </p:sp>
@@ -12908,13 +13297,6 @@
   <p:clrMapOvr>
     <a:masterClrMapping/>
   </p:clrMapOvr>
-  <p:timing>
-    <p:tnLst>
-      <p:par>
-        <p:cTn id="1" dur="indefinite" restart="never" nodeType="tmRoot"/>
-      </p:par>
-    </p:tnLst>
-  </p:timing>
 </p:sld>
 </file>
 
@@ -12951,10 +13333,9 @@
           <a:lstStyle/>
           <a:p>
             <a:r>
-              <a:rPr lang="en-US" dirty="0" smtClean="0"/>
+              <a:rPr lang="en-US" dirty="0"/>
               <a:t>Next Steps</a:t>
             </a:r>
-            <a:endParaRPr lang="en-US" dirty="0"/>
           </a:p>
         </p:txBody>
       </p:sp>
@@ -12974,32 +13355,27 @@
           <a:lstStyle/>
           <a:p>
             <a:r>
-              <a:rPr lang="en-US" dirty="0" smtClean="0"/>
+              <a:rPr lang="en-US" dirty="0"/>
               <a:t>Study the files in the Examples folder.</a:t>
             </a:r>
           </a:p>
           <a:p>
             <a:r>
               <a:rPr lang="en-US" dirty="0"/>
-              <a:t>Do the Guided </a:t>
-            </a:r>
-            <a:r>
-              <a:rPr lang="en-US" dirty="0" smtClean="0"/>
-              <a:t>Practices</a:t>
-            </a:r>
-          </a:p>
-          <a:p>
-            <a:r>
-              <a:rPr lang="en-US" dirty="0" smtClean="0"/>
+              <a:t>Do the Guided Practices</a:t>
+            </a:r>
+          </a:p>
+          <a:p>
+            <a:r>
+              <a:rPr lang="en-US" dirty="0"/>
               <a:t>If you have questions about this lesson, ask them on the Discussion Board</a:t>
             </a:r>
           </a:p>
           <a:p>
             <a:r>
-              <a:rPr lang="en-US" dirty="0" smtClean="0"/>
+              <a:rPr lang="en-US" dirty="0"/>
               <a:t>Go on to the next lesson</a:t>
             </a:r>
-            <a:endParaRPr lang="en-US" dirty="0"/>
           </a:p>
         </p:txBody>
       </p:sp>
@@ -13036,13 +13412,6 @@
   <p:clrMapOvr>
     <a:masterClrMapping/>
   </p:clrMapOvr>
-  <p:timing>
-    <p:tnLst>
-      <p:par>
-        <p:cTn id="1" dur="indefinite" restart="never" nodeType="tmRoot"/>
-      </p:par>
-    </p:tnLst>
-  </p:timing>
 </p:sld>
 </file>
 
@@ -13098,10 +13467,9 @@
           <a:p>
             <a:pPr algn="ctr"/>
             <a:r>
-              <a:rPr lang="en-US" dirty="0" smtClean="0"/>
+              <a:rPr lang="en-US" dirty="0"/>
               <a:t>Generalization</a:t>
             </a:r>
-            <a:endParaRPr lang="en-US" dirty="0"/>
           </a:p>
         </p:txBody>
       </p:sp>
@@ -13146,10 +13514,9 @@
           <a:p>
             <a:pPr algn="ctr"/>
             <a:r>
-              <a:rPr lang="en-US" dirty="0" smtClean="0"/>
+              <a:rPr lang="en-US" dirty="0"/>
               <a:t>Over Constants</a:t>
             </a:r>
-            <a:endParaRPr lang="en-US" dirty="0"/>
           </a:p>
         </p:txBody>
       </p:sp>
@@ -13194,7 +13561,7 @@
           <a:p>
             <a:pPr algn="ctr"/>
             <a:r>
-              <a:rPr lang="en-US" dirty="0" smtClean="0"/>
+              <a:rPr lang="en-US" dirty="0"/>
               <a:t>Over Expressions</a:t>
             </a:r>
           </a:p>
@@ -13241,10 +13608,9 @@
           <a:p>
             <a:pPr algn="ctr"/>
             <a:r>
-              <a:rPr lang="en-US" dirty="0" smtClean="0"/>
+              <a:rPr lang="en-US" dirty="0"/>
               <a:t>Over Contexts</a:t>
             </a:r>
-            <a:endParaRPr lang="en-US" dirty="0"/>
           </a:p>
         </p:txBody>
       </p:sp>
@@ -13289,10 +13655,9 @@
           <a:p>
             <a:pPr algn="ctr"/>
             <a:r>
-              <a:rPr lang="en-US" dirty="0" smtClean="0"/>
+              <a:rPr lang="en-US" dirty="0"/>
               <a:t>Over Data Representations</a:t>
             </a:r>
-            <a:endParaRPr lang="en-US" dirty="0"/>
           </a:p>
         </p:txBody>
       </p:sp>
@@ -13337,10 +13702,9 @@
           <a:p>
             <a:pPr algn="ctr"/>
             <a:r>
-              <a:rPr lang="en-US" dirty="0" smtClean="0"/>
+              <a:rPr lang="en-US" dirty="0"/>
               <a:t>Over Method Implementations</a:t>
             </a:r>
-            <a:endParaRPr lang="en-US" dirty="0"/>
           </a:p>
         </p:txBody>
       </p:sp>
@@ -13399,10 +13763,9 @@
             <a:p>
               <a:pPr algn="ctr"/>
               <a:r>
-                <a:rPr lang="en-US" dirty="0" smtClean="0"/>
+                <a:rPr lang="en-US" dirty="0"/>
                 <a:t>Mixed Data</a:t>
               </a:r>
-              <a:endParaRPr lang="en-US" dirty="0"/>
             </a:p>
           </p:txBody>
         </p:sp>
@@ -13441,10 +13804,9 @@
             <a:p>
               <a:pPr algn="ctr"/>
               <a:r>
-                <a:rPr lang="en-US" dirty="0" smtClean="0"/>
+                <a:rPr lang="en-US" dirty="0"/>
                 <a:t>Data Representations</a:t>
               </a:r>
-              <a:endParaRPr lang="en-US" dirty="0"/>
             </a:p>
           </p:txBody>
         </p:sp>
@@ -13489,10 +13851,9 @@
             <a:p>
               <a:pPr algn="ctr"/>
               <a:r>
-                <a:rPr lang="en-US" dirty="0" smtClean="0"/>
+                <a:rPr lang="en-US" dirty="0"/>
                 <a:t>Basics</a:t>
               </a:r>
-              <a:endParaRPr lang="en-US" dirty="0"/>
             </a:p>
           </p:txBody>
         </p:sp>
@@ -13537,10 +13898,9 @@
             <a:p>
               <a:pPr algn="ctr"/>
               <a:r>
-                <a:rPr lang="en-US" dirty="0" smtClean="0"/>
+                <a:rPr lang="en-US" dirty="0"/>
                 <a:t>Recursive Data</a:t>
               </a:r>
-              <a:endParaRPr lang="en-US" dirty="0"/>
             </a:p>
           </p:txBody>
         </p:sp>
@@ -13585,10 +13945,9 @@
             <a:p>
               <a:pPr algn="ctr"/>
               <a:r>
-                <a:rPr lang="en-US" dirty="0" smtClean="0"/>
+                <a:rPr lang="en-US" dirty="0"/>
                 <a:t>Functional Data</a:t>
               </a:r>
-              <a:endParaRPr lang="en-US" dirty="0"/>
             </a:p>
           </p:txBody>
         </p:sp>
@@ -13633,10 +13992,9 @@
             <a:p>
               <a:pPr algn="ctr"/>
               <a:r>
-                <a:rPr lang="en-US" dirty="0" smtClean="0"/>
+                <a:rPr lang="en-US" dirty="0"/>
                 <a:t>Objects &amp; Classes</a:t>
               </a:r>
-              <a:endParaRPr lang="en-US" dirty="0"/>
             </a:p>
           </p:txBody>
         </p:sp>
@@ -13681,14 +14039,13 @@
             <a:p>
               <a:pPr algn="ctr"/>
               <a:r>
-                <a:rPr lang="en-US" dirty="0" err="1" smtClean="0"/>
+                <a:rPr lang="en-US" dirty="0" err="1"/>
                 <a:t>Stateful</a:t>
               </a:r>
               <a:r>
-                <a:rPr lang="en-US" dirty="0" smtClean="0"/>
+                <a:rPr lang="en-US" dirty="0"/>
                 <a:t> Objects</a:t>
               </a:r>
-              <a:endParaRPr lang="en-US" dirty="0"/>
             </a:p>
           </p:txBody>
         </p:sp>
@@ -14220,10 +14577,9 @@
             <a:p>
               <a:pPr algn="ctr"/>
               <a:r>
-                <a:rPr lang="en-US" dirty="0" smtClean="0"/>
+                <a:rPr lang="en-US" dirty="0"/>
                 <a:t>Design Strategies</a:t>
               </a:r>
-              <a:endParaRPr lang="en-US" dirty="0"/>
             </a:p>
           </p:txBody>
         </p:sp>
@@ -14268,10 +14624,9 @@
             <a:p>
               <a:pPr algn="ctr"/>
               <a:r>
-                <a:rPr lang="en-US" dirty="0" smtClean="0"/>
+                <a:rPr lang="en-US" dirty="0"/>
                 <a:t>Combine simpler functions</a:t>
               </a:r>
-              <a:endParaRPr lang="en-US" dirty="0"/>
             </a:p>
           </p:txBody>
         </p:sp>
@@ -14316,10 +14671,9 @@
             <a:p>
               <a:pPr algn="ctr"/>
               <a:r>
-                <a:rPr lang="en-US" dirty="0" smtClean="0"/>
+                <a:rPr lang="en-US" dirty="0"/>
                 <a:t>Use a template</a:t>
               </a:r>
-              <a:endParaRPr lang="en-US" dirty="0"/>
             </a:p>
           </p:txBody>
         </p:sp>
@@ -14364,10 +14718,9 @@
             <a:p>
               <a:pPr algn="ctr"/>
               <a:r>
-                <a:rPr lang="en-US" dirty="0" smtClean="0"/>
+                <a:rPr lang="en-US" dirty="0"/>
                 <a:t>Divide into Cases</a:t>
               </a:r>
-              <a:endParaRPr lang="en-US" dirty="0"/>
             </a:p>
           </p:txBody>
         </p:sp>
@@ -14412,10 +14765,9 @@
             <a:p>
               <a:pPr algn="ctr"/>
               <a:r>
-                <a:rPr lang="en-US" dirty="0" smtClean="0"/>
+                <a:rPr lang="en-US" dirty="0"/>
                 <a:t>Call a more general function</a:t>
               </a:r>
-              <a:endParaRPr lang="en-US" dirty="0"/>
             </a:p>
           </p:txBody>
         </p:sp>
@@ -14460,10 +14812,9 @@
             <a:p>
               <a:pPr algn="ctr"/>
               <a:r>
-                <a:rPr lang="en-US" dirty="0" smtClean="0"/>
+                <a:rPr lang="en-US" dirty="0"/>
                 <a:t>Communicate via State</a:t>
               </a:r>
-              <a:endParaRPr lang="en-US" dirty="0"/>
             </a:p>
           </p:txBody>
         </p:sp>
@@ -14652,11 +15003,11 @@
             <a:p>
               <a:pPr algn="ctr"/>
               <a:r>
-                <a:rPr lang="en-US" dirty="0" smtClean="0"/>
+                <a:rPr lang="en-US" dirty="0"/>
                 <a:t>Recur on </a:t>
               </a:r>
               <a:r>
-                <a:rPr lang="en-US" dirty="0" err="1" smtClean="0"/>
+                <a:rPr lang="en-US" dirty="0" err="1"/>
                 <a:t>subproblem</a:t>
               </a:r>
               <a:endParaRPr lang="en-US" dirty="0"/>
@@ -14710,13 +15061,6 @@
   <p:clrMapOvr>
     <a:masterClrMapping/>
   </p:clrMapOvr>
-  <p:timing>
-    <p:tnLst>
-      <p:par>
-        <p:cTn id="1" dur="indefinite" restart="never" nodeType="tmRoot"/>
-      </p:par>
-    </p:tnLst>
-  </p:timing>
 </p:sld>
 </file>
 
@@ -14747,16 +15091,20 @@
             <p:ph type="title"/>
           </p:nvPr>
         </p:nvSpPr>
-        <p:spPr/>
+        <p:spPr>
+          <a:xfrm>
+            <a:off x="457200" y="225401"/>
+            <a:ext cx="8229600" cy="1143000"/>
+          </a:xfrm>
+        </p:spPr>
         <p:txBody>
           <a:bodyPr/>
           <a:lstStyle/>
           <a:p>
             <a:r>
-              <a:rPr lang="en-US" dirty="0" smtClean="0"/>
+              <a:rPr lang="en-US" dirty="0"/>
               <a:t>Default Boxes</a:t>
             </a:r>
-            <a:endParaRPr lang="en-US" dirty="0"/>
           </a:p>
         </p:txBody>
       </p:sp>
@@ -14828,18 +15176,13 @@
               <a:defRPr/>
             </a:pPr>
             <a:r>
-              <a:rPr lang="en-US" dirty="0" smtClean="0">
+              <a:rPr lang="en-US" dirty="0">
                 <a:solidFill>
                   <a:schemeClr val="tx1"/>
                 </a:solidFill>
               </a:rPr>
               <a:t>This is the default information box.</a:t>
             </a:r>
-            <a:endParaRPr lang="en-US" dirty="0">
-              <a:solidFill>
-                <a:schemeClr val="tx1"/>
-              </a:solidFill>
-            </a:endParaRPr>
           </a:p>
         </p:txBody>
       </p:sp>
@@ -14887,7 +15230,7 @@
           <a:p>
             <a:pPr algn="ctr"/>
             <a:r>
-              <a:rPr lang="en-US" dirty="0" smtClean="0">
+              <a:rPr lang="en-US" dirty="0">
                 <a:solidFill>
                   <a:schemeClr val="tx1"/>
                 </a:solidFill>
@@ -14898,18 +15241,13 @@
           <a:p>
             <a:pPr algn="ctr"/>
             <a:r>
-              <a:rPr lang="en-US" dirty="0" smtClean="0">
+              <a:rPr lang="en-US" dirty="0">
                 <a:solidFill>
                   <a:schemeClr val="tx1"/>
                 </a:solidFill>
               </a:rPr>
               <a:t>box</a:t>
             </a:r>
-            <a:endParaRPr lang="en-US" dirty="0">
-              <a:solidFill>
-                <a:schemeClr val="tx1"/>
-              </a:solidFill>
-            </a:endParaRPr>
           </a:p>
         </p:txBody>
       </p:sp>
@@ -15005,18 +15343,13 @@
               <a:defRPr/>
             </a:pPr>
             <a:r>
-              <a:rPr lang="en-US" dirty="0" smtClean="0">
+              <a:rPr lang="en-US" dirty="0">
                 <a:solidFill>
                   <a:schemeClr val="tx1"/>
                 </a:solidFill>
               </a:rPr>
               <a:t>This is another information box.</a:t>
             </a:r>
-            <a:endParaRPr lang="en-US" dirty="0">
-              <a:solidFill>
-                <a:schemeClr val="tx1"/>
-              </a:solidFill>
-            </a:endParaRPr>
           </a:p>
         </p:txBody>
       </p:sp>
@@ -15053,13 +15386,6 @@
   <p:clrMapOvr>
     <a:masterClrMapping/>
   </p:clrMapOvr>
-  <p:timing>
-    <p:tnLst>
-      <p:par>
-        <p:cTn id="1" dur="indefinite" restart="never" nodeType="tmRoot"/>
-      </p:par>
-    </p:tnLst>
-  </p:timing>
 </p:sld>
 </file>
 
